--- a/01_BGR_300/01_BGR_300.pptx
+++ b/01_BGR_300/01_BGR_300.pptx
@@ -5,7 +5,7 @@
     <p:sldMasterId id="2147483660" r:id="rId1"/>
   </p:sldMasterIdLst>
   <p:notesMasterIdLst>
-    <p:notesMasterId r:id="rId8"/>
+    <p:notesMasterId r:id="rId11"/>
   </p:notesMasterIdLst>
   <p:sldIdLst>
     <p:sldId id="256" r:id="rId2"/>
@@ -14,6 +14,9 @@
     <p:sldId id="259" r:id="rId5"/>
     <p:sldId id="261" r:id="rId6"/>
     <p:sldId id="262" r:id="rId7"/>
+    <p:sldId id="266" r:id="rId8"/>
+    <p:sldId id="264" r:id="rId9"/>
+    <p:sldId id="265" r:id="rId10"/>
   </p:sldIdLst>
   <p:sldSz cx="12192000" cy="6858000"/>
   <p:notesSz cx="6858000" cy="9144000"/>
@@ -216,7 +219,7 @@
           <a:p>
             <a:fld id="{D157349C-AD05-44FA-B790-D9BBD62C4832}" type="datetimeFigureOut">
               <a:rPr lang="fr-FR" smtClean="0"/>
-              <a:t>04/04/2023</a:t>
+              <a:t>15/05/2023</a:t>
             </a:fld>
             <a:endParaRPr lang="fr-FR"/>
           </a:p>
@@ -728,7 +731,7 @@
           <a:p>
             <a:fld id="{CCF538C2-C309-4752-87A7-D2071D6CAC7F}" type="datetime1">
               <a:rPr lang="fr-FR" smtClean="0"/>
-              <a:t>04/04/2023</a:t>
+              <a:t>15/05/2023</a:t>
             </a:fld>
             <a:endParaRPr lang="fr-FR"/>
           </a:p>
@@ -933,7 +936,7 @@
           <a:p>
             <a:fld id="{F926C4FD-C1E6-452C-A858-BFBBC7496631}" type="datetime1">
               <a:rPr lang="fr-FR" smtClean="0"/>
-              <a:t>04/04/2023</a:t>
+              <a:t>15/05/2023</a:t>
             </a:fld>
             <a:endParaRPr lang="fr-FR"/>
           </a:p>
@@ -1189,7 +1192,7 @@
           <a:p>
             <a:fld id="{CEF75A8D-5F26-4754-844B-E2D9F6FC4950}" type="datetime1">
               <a:rPr lang="fr-FR" smtClean="0"/>
-              <a:t>04/04/2023</a:t>
+              <a:t>15/05/2023</a:t>
             </a:fld>
             <a:endParaRPr lang="fr-FR"/>
           </a:p>
@@ -1363,7 +1366,7 @@
           <a:p>
             <a:fld id="{FE352A31-E2A5-4F8A-BDFE-A9BA369B67E9}" type="datetime1">
               <a:rPr lang="fr-FR" smtClean="0"/>
-              <a:t>04/04/2023</a:t>
+              <a:t>15/05/2023</a:t>
             </a:fld>
             <a:endParaRPr lang="fr-FR"/>
           </a:p>
@@ -1725,7 +1728,7 @@
           <a:p>
             <a:fld id="{F1707E18-E4F4-4E6D-951C-B01FC69E66C0}" type="datetime1">
               <a:rPr lang="fr-FR" smtClean="0"/>
-              <a:t>04/04/2023</a:t>
+              <a:t>15/05/2023</a:t>
             </a:fld>
             <a:endParaRPr lang="fr-FR"/>
           </a:p>
@@ -2000,7 +2003,7 @@
           <a:p>
             <a:fld id="{93E4B9C8-F394-498B-8C66-049FACC1ED86}" type="datetime1">
               <a:rPr lang="fr-FR" smtClean="0"/>
-              <a:t>04/04/2023</a:t>
+              <a:t>15/05/2023</a:t>
             </a:fld>
             <a:endParaRPr lang="fr-FR"/>
           </a:p>
@@ -2090,8 +2093,8 @@
         </p:nvSpPr>
         <p:spPr>
           <a:xfrm>
-            <a:off x="1097280" y="286603"/>
-            <a:ext cx="10058400" cy="1450757"/>
+            <a:off x="128450" y="1"/>
+            <a:ext cx="11726852" cy="897466"/>
           </a:xfrm>
         </p:spPr>
         <p:txBody>
@@ -2118,8 +2121,8 @@
         </p:nvSpPr>
         <p:spPr>
           <a:xfrm>
-            <a:off x="1097280" y="1846052"/>
-            <a:ext cx="4937760" cy="736282"/>
+            <a:off x="336698" y="1003618"/>
+            <a:ext cx="5576422" cy="736282"/>
           </a:xfrm>
         </p:spPr>
         <p:txBody>
@@ -2171,7 +2174,7 @@
           <a:p>
             <a:pPr lvl="0"/>
             <a:r>
-              <a:rPr lang="fr-FR"/>
+              <a:rPr lang="fr-FR" dirty="0"/>
               <a:t>Cliquez pour modifier les styles du texte du masque</a:t>
             </a:r>
           </a:p>
@@ -2189,8 +2192,8 @@
         </p:nvSpPr>
         <p:spPr>
           <a:xfrm>
-            <a:off x="1097280" y="2582334"/>
-            <a:ext cx="4937760" cy="3378200"/>
+            <a:off x="336698" y="1846051"/>
+            <a:ext cx="5576421" cy="4114483"/>
           </a:xfrm>
         </p:spPr>
         <p:txBody>
@@ -2246,8 +2249,8 @@
         </p:nvSpPr>
         <p:spPr>
           <a:xfrm>
-            <a:off x="6217920" y="1846052"/>
-            <a:ext cx="4937760" cy="736282"/>
+            <a:off x="6278882" y="1003618"/>
+            <a:ext cx="5576420" cy="736282"/>
           </a:xfrm>
         </p:spPr>
         <p:txBody>
@@ -2299,7 +2302,7 @@
           <a:p>
             <a:pPr lvl="0"/>
             <a:r>
-              <a:rPr lang="fr-FR"/>
+              <a:rPr lang="fr-FR" dirty="0"/>
               <a:t>Cliquez pour modifier les styles du texte du masque</a:t>
             </a:r>
           </a:p>
@@ -2317,8 +2320,8 @@
         </p:nvSpPr>
         <p:spPr>
           <a:xfrm>
-            <a:off x="6217920" y="2582334"/>
-            <a:ext cx="4937760" cy="3378200"/>
+            <a:off x="6278881" y="1846051"/>
+            <a:ext cx="5576419" cy="4114483"/>
           </a:xfrm>
         </p:spPr>
         <p:txBody>
@@ -2327,35 +2330,35 @@
           <a:p>
             <a:pPr lvl="0"/>
             <a:r>
-              <a:rPr lang="fr-FR"/>
+              <a:rPr lang="fr-FR" dirty="0"/>
               <a:t>Cliquez pour modifier les styles du texte du masque</a:t>
             </a:r>
           </a:p>
           <a:p>
             <a:pPr lvl="1"/>
             <a:r>
-              <a:rPr lang="fr-FR"/>
+              <a:rPr lang="fr-FR" dirty="0"/>
               <a:t>Deuxième niveau</a:t>
             </a:r>
           </a:p>
           <a:p>
             <a:pPr lvl="2"/>
             <a:r>
-              <a:rPr lang="fr-FR"/>
+              <a:rPr lang="fr-FR" dirty="0"/>
               <a:t>Troisième niveau</a:t>
             </a:r>
           </a:p>
           <a:p>
             <a:pPr lvl="3"/>
             <a:r>
-              <a:rPr lang="fr-FR"/>
+              <a:rPr lang="fr-FR" dirty="0"/>
               <a:t>Quatrième niveau</a:t>
             </a:r>
           </a:p>
           <a:p>
             <a:pPr lvl="4"/>
             <a:r>
-              <a:rPr lang="fr-FR"/>
+              <a:rPr lang="fr-FR" dirty="0"/>
               <a:t>Cinquième niveau</a:t>
             </a:r>
             <a:endParaRPr lang="en-US" dirty="0"/>
@@ -2379,7 +2382,7 @@
           <a:p>
             <a:fld id="{35950896-C41B-455D-9FAE-80943DD0CAEF}" type="datetime1">
               <a:rPr lang="fr-FR" smtClean="0"/>
-              <a:t>04/04/2023</a:t>
+              <a:t>15/05/2023</a:t>
             </a:fld>
             <a:endParaRPr lang="fr-FR"/>
           </a:p>
@@ -2497,7 +2500,7 @@
           <a:p>
             <a:fld id="{2BE2B735-22CE-433C-8BA6-DF0B28588E1F}" type="datetime1">
               <a:rPr lang="fr-FR" smtClean="0"/>
-              <a:t>04/04/2023</a:t>
+              <a:t>15/05/2023</a:t>
             </a:fld>
             <a:endParaRPr lang="fr-FR"/>
           </a:p>
@@ -2671,7 +2674,7 @@
           <a:p>
             <a:fld id="{5B475E59-9936-4413-84C5-14169665FDED}" type="datetime1">
               <a:rPr lang="fr-FR" smtClean="0"/>
-              <a:t>04/04/2023</a:t>
+              <a:t>15/05/2023</a:t>
             </a:fld>
             <a:endParaRPr lang="fr-FR"/>
           </a:p>
@@ -3028,7 +3031,7 @@
           <a:p>
             <a:fld id="{42662320-E9E6-45B0-8B93-5727AA5FFC46}" type="datetime1">
               <a:rPr lang="fr-FR" smtClean="0"/>
-              <a:t>04/04/2023</a:t>
+              <a:t>15/05/2023</a:t>
             </a:fld>
             <a:endParaRPr lang="fr-FR"/>
           </a:p>
@@ -3413,7 +3416,7 @@
           <a:p>
             <a:fld id="{9A545382-D50F-43E8-AFFD-788FD552C87C}" type="datetime1">
               <a:rPr lang="fr-FR" smtClean="0"/>
-              <a:t>04/04/2023</a:t>
+              <a:t>15/05/2023</a:t>
             </a:fld>
             <a:endParaRPr lang="fr-FR"/>
           </a:p>
@@ -3703,7 +3706,7 @@
           <a:p>
             <a:fld id="{4F030BD8-D1C7-406A-AB04-4944ABBF0A3E}" type="datetime1">
               <a:rPr lang="fr-FR" smtClean="0"/>
-              <a:t>04/04/2023</a:t>
+              <a:t>15/05/2023</a:t>
             </a:fld>
             <a:endParaRPr lang="fr-FR" dirty="0"/>
           </a:p>
@@ -10725,6 +10728,6793 @@
     <p:extLst>
       <p:ext uri="{BB962C8B-B14F-4D97-AF65-F5344CB8AC3E}">
         <p14:creationId xmlns:p14="http://schemas.microsoft.com/office/powerpoint/2010/main" val="695999545"/>
+      </p:ext>
+    </p:extLst>
+  </p:cSld>
+  <p:clrMapOvr>
+    <a:masterClrMapping/>
+  </p:clrMapOvr>
+</p:sld>
+</file>
+
+<file path=ppt/slides/slide7.xml><?xml version="1.0" encoding="utf-8"?>
+<p:sld xmlns:a="http://schemas.openxmlformats.org/drawingml/2006/main" xmlns:r="http://schemas.openxmlformats.org/officeDocument/2006/relationships" xmlns:p="http://schemas.openxmlformats.org/presentationml/2006/main">
+  <p:cSld>
+    <p:spTree>
+      <p:nvGrpSpPr>
+        <p:cNvPr id="1" name=""/>
+        <p:cNvGrpSpPr/>
+        <p:nvPr/>
+      </p:nvGrpSpPr>
+      <p:grpSpPr>
+        <a:xfrm>
+          <a:off x="0" y="0"/>
+          <a:ext cx="0" cy="0"/>
+          <a:chOff x="0" y="0"/>
+          <a:chExt cx="0" cy="0"/>
+        </a:xfrm>
+      </p:grpSpPr>
+      <p:sp>
+        <p:nvSpPr>
+          <p:cNvPr id="8" name="Titre 7">
+            <a:extLst>
+              <a:ext uri="{FF2B5EF4-FFF2-40B4-BE49-F238E27FC236}">
+                <a16:creationId xmlns:a16="http://schemas.microsoft.com/office/drawing/2014/main" id="{42680880-0869-F3FB-1288-A1CBEE087B45}"/>
+              </a:ext>
+            </a:extLst>
+          </p:cNvPr>
+          <p:cNvSpPr>
+            <a:spLocks noGrp="1"/>
+          </p:cNvSpPr>
+          <p:nvPr>
+            <p:ph type="title"/>
+          </p:nvPr>
+        </p:nvSpPr>
+        <p:spPr/>
+        <p:txBody>
+          <a:bodyPr>
+            <a:noAutofit/>
+          </a:bodyPr>
+          <a:lstStyle/>
+          <a:p>
+            <a:r>
+              <a:rPr lang="fr-FR" sz="2800" dirty="0"/>
+              <a:t>Modélisation cinématique</a:t>
+            </a:r>
+            <a:br>
+              <a:rPr lang="fr-FR" sz="2800" dirty="0"/>
+            </a:br>
+            <a:r>
+              <a:rPr lang="fr-FR" sz="2800" dirty="0"/>
+              <a:t>Schéma d’architecture</a:t>
+            </a:r>
+          </a:p>
+        </p:txBody>
+      </p:sp>
+      <p:sp>
+        <p:nvSpPr>
+          <p:cNvPr id="12" name="Espace réservé du contenu 11">
+            <a:extLst>
+              <a:ext uri="{FF2B5EF4-FFF2-40B4-BE49-F238E27FC236}">
+                <a16:creationId xmlns:a16="http://schemas.microsoft.com/office/drawing/2014/main" id="{E8A66116-0BCA-F0BA-8B7C-35F8CB1ECB17}"/>
+              </a:ext>
+            </a:extLst>
+          </p:cNvPr>
+          <p:cNvSpPr>
+            <a:spLocks noGrp="1"/>
+          </p:cNvSpPr>
+          <p:nvPr>
+            <p:ph sz="quarter" idx="4"/>
+          </p:nvPr>
+        </p:nvSpPr>
+        <p:spPr>
+          <a:xfrm>
+            <a:off x="384630" y="1071921"/>
+            <a:ext cx="5576419" cy="1028271"/>
+          </a:xfrm>
+        </p:spPr>
+        <p:txBody>
+          <a:bodyPr/>
+          <a:lstStyle/>
+          <a:p>
+            <a:pPr>
+              <a:buClr>
+                <a:schemeClr val="tx2">
+                  <a:lumMod val="60000"/>
+                  <a:lumOff val="40000"/>
+                </a:schemeClr>
+              </a:buClr>
+              <a:buFont typeface="Wingdings" panose="05000000000000000000" pitchFamily="2" charset="2"/>
+              <a:buChar char="Ü"/>
+            </a:pPr>
+            <a:r>
+              <a:rPr lang="fr-FR" dirty="0"/>
+              <a:t> Représenter l’architecture des liaisons du système</a:t>
+            </a:r>
+          </a:p>
+          <a:p>
+            <a:pPr>
+              <a:buClr>
+                <a:schemeClr val="tx2">
+                  <a:lumMod val="60000"/>
+                  <a:lumOff val="40000"/>
+                </a:schemeClr>
+              </a:buClr>
+              <a:buFont typeface="Wingdings" panose="05000000000000000000" pitchFamily="2" charset="2"/>
+              <a:buChar char="Ü"/>
+            </a:pPr>
+            <a:r>
+              <a:rPr lang="fr-FR" dirty="0"/>
+              <a:t> Concevoir les liaisons d’un système</a:t>
+            </a:r>
+          </a:p>
+        </p:txBody>
+      </p:sp>
+      <p:sp>
+        <p:nvSpPr>
+          <p:cNvPr id="4" name="Espace réservé du numéro de diapositive 3">
+            <a:extLst>
+              <a:ext uri="{FF2B5EF4-FFF2-40B4-BE49-F238E27FC236}">
+                <a16:creationId xmlns:a16="http://schemas.microsoft.com/office/drawing/2014/main" id="{A5CE0E2C-D0A9-D6BC-E70F-8E292A828717}"/>
+              </a:ext>
+            </a:extLst>
+          </p:cNvPr>
+          <p:cNvSpPr>
+            <a:spLocks noGrp="1"/>
+          </p:cNvSpPr>
+          <p:nvPr>
+            <p:ph type="sldNum" sz="quarter" idx="12"/>
+          </p:nvPr>
+        </p:nvSpPr>
+        <p:spPr/>
+        <p:txBody>
+          <a:bodyPr/>
+          <a:lstStyle/>
+          <a:p>
+            <a:fld id="{B7A6A38F-5C8E-497F-8761-3C4E0EEEA33A}" type="slidenum">
+              <a:rPr lang="fr-FR" smtClean="0"/>
+              <a:t>7</a:t>
+            </a:fld>
+            <a:endParaRPr lang="fr-FR"/>
+          </a:p>
+        </p:txBody>
+      </p:sp>
+      <mc:AlternateContent xmlns:mc="http://schemas.openxmlformats.org/markup-compatibility/2006">
+        <mc:Choice xmlns:a14="http://schemas.microsoft.com/office/drawing/2010/main" Requires="a14">
+          <p:sp>
+            <p:nvSpPr>
+              <p:cNvPr id="63" name="Espace réservé du contenu 11">
+                <a:extLst>
+                  <a:ext uri="{FF2B5EF4-FFF2-40B4-BE49-F238E27FC236}">
+                    <a16:creationId xmlns:a16="http://schemas.microsoft.com/office/drawing/2014/main" id="{C0A142C9-F62B-BF4C-7120-55DC3ADBF6DF}"/>
+                  </a:ext>
+                </a:extLst>
+              </p:cNvPr>
+              <p:cNvSpPr txBox="1">
+                <a:spLocks/>
+              </p:cNvSpPr>
+              <p:nvPr/>
+            </p:nvSpPr>
+            <p:spPr>
+              <a:xfrm>
+                <a:off x="6278883" y="1073050"/>
+                <a:ext cx="5576419" cy="4984850"/>
+              </a:xfrm>
+              <a:prstGeom prst="rect">
+                <a:avLst/>
+              </a:prstGeom>
+            </p:spPr>
+            <p:txBody>
+              <a:bodyPr vert="horz" lIns="0" tIns="45720" rIns="0" bIns="45720" rtlCol="0">
+                <a:normAutofit/>
+              </a:bodyPr>
+              <a:lstStyle>
+                <a:lvl1pPr marL="91440" indent="-91440" algn="l" defTabSz="914400" rtl="0" eaLnBrk="1" latinLnBrk="0" hangingPunct="1">
+                  <a:lnSpc>
+                    <a:spcPct val="90000"/>
+                  </a:lnSpc>
+                  <a:spcBef>
+                    <a:spcPts val="1200"/>
+                  </a:spcBef>
+                  <a:spcAft>
+                    <a:spcPts val="200"/>
+                  </a:spcAft>
+                  <a:buClr>
+                    <a:schemeClr val="accent1"/>
+                  </a:buClr>
+                  <a:buSzPct val="100000"/>
+                  <a:buFont typeface="Calibri" panose="020F0502020204030204" pitchFamily="34" charset="0"/>
+                  <a:buChar char=" "/>
+                  <a:defRPr sz="2000" kern="1200">
+                    <a:solidFill>
+                      <a:schemeClr val="tx1">
+                        <a:lumMod val="75000"/>
+                        <a:lumOff val="25000"/>
+                      </a:schemeClr>
+                    </a:solidFill>
+                    <a:latin typeface="+mn-lt"/>
+                    <a:ea typeface="+mn-ea"/>
+                    <a:cs typeface="+mn-cs"/>
+                  </a:defRPr>
+                </a:lvl1pPr>
+                <a:lvl2pPr marL="384048" indent="-182880" algn="l" defTabSz="914400" rtl="0" eaLnBrk="1" latinLnBrk="0" hangingPunct="1">
+                  <a:lnSpc>
+                    <a:spcPct val="90000"/>
+                  </a:lnSpc>
+                  <a:spcBef>
+                    <a:spcPts val="200"/>
+                  </a:spcBef>
+                  <a:spcAft>
+                    <a:spcPts val="400"/>
+                  </a:spcAft>
+                  <a:buClr>
+                    <a:schemeClr val="tx2"/>
+                  </a:buClr>
+                  <a:buFont typeface="Calibri" pitchFamily="34" charset="0"/>
+                  <a:buChar char="◦"/>
+                  <a:defRPr sz="1800" kern="1200">
+                    <a:solidFill>
+                      <a:schemeClr val="tx1">
+                        <a:lumMod val="75000"/>
+                        <a:lumOff val="25000"/>
+                      </a:schemeClr>
+                    </a:solidFill>
+                    <a:latin typeface="+mn-lt"/>
+                    <a:ea typeface="+mn-ea"/>
+                    <a:cs typeface="+mn-cs"/>
+                  </a:defRPr>
+                </a:lvl2pPr>
+                <a:lvl3pPr marL="566928" indent="-182880" algn="l" defTabSz="914400" rtl="0" eaLnBrk="1" latinLnBrk="0" hangingPunct="1">
+                  <a:lnSpc>
+                    <a:spcPct val="90000"/>
+                  </a:lnSpc>
+                  <a:spcBef>
+                    <a:spcPts val="200"/>
+                  </a:spcBef>
+                  <a:spcAft>
+                    <a:spcPts val="400"/>
+                  </a:spcAft>
+                  <a:buClr>
+                    <a:schemeClr val="tx2"/>
+                  </a:buClr>
+                  <a:buFont typeface="Calibri" pitchFamily="34" charset="0"/>
+                  <a:buChar char="◦"/>
+                  <a:defRPr sz="1400" kern="1200">
+                    <a:solidFill>
+                      <a:schemeClr val="tx1">
+                        <a:lumMod val="75000"/>
+                        <a:lumOff val="25000"/>
+                      </a:schemeClr>
+                    </a:solidFill>
+                    <a:latin typeface="+mn-lt"/>
+                    <a:ea typeface="+mn-ea"/>
+                    <a:cs typeface="+mn-cs"/>
+                  </a:defRPr>
+                </a:lvl3pPr>
+                <a:lvl4pPr marL="749808" indent="-182880" algn="l" defTabSz="914400" rtl="0" eaLnBrk="1" latinLnBrk="0" hangingPunct="1">
+                  <a:lnSpc>
+                    <a:spcPct val="90000"/>
+                  </a:lnSpc>
+                  <a:spcBef>
+                    <a:spcPts val="200"/>
+                  </a:spcBef>
+                  <a:spcAft>
+                    <a:spcPts val="400"/>
+                  </a:spcAft>
+                  <a:buClr>
+                    <a:schemeClr val="tx2"/>
+                  </a:buClr>
+                  <a:buFont typeface="Calibri" pitchFamily="34" charset="0"/>
+                  <a:buChar char="◦"/>
+                  <a:defRPr sz="1400" kern="1200">
+                    <a:solidFill>
+                      <a:schemeClr val="tx1">
+                        <a:lumMod val="75000"/>
+                        <a:lumOff val="25000"/>
+                      </a:schemeClr>
+                    </a:solidFill>
+                    <a:latin typeface="+mn-lt"/>
+                    <a:ea typeface="+mn-ea"/>
+                    <a:cs typeface="+mn-cs"/>
+                  </a:defRPr>
+                </a:lvl4pPr>
+                <a:lvl5pPr marL="932688" indent="-182880" algn="l" defTabSz="914400" rtl="0" eaLnBrk="1" latinLnBrk="0" hangingPunct="1">
+                  <a:lnSpc>
+                    <a:spcPct val="90000"/>
+                  </a:lnSpc>
+                  <a:spcBef>
+                    <a:spcPts val="200"/>
+                  </a:spcBef>
+                  <a:spcAft>
+                    <a:spcPts val="400"/>
+                  </a:spcAft>
+                  <a:buClr>
+                    <a:schemeClr val="tx2"/>
+                  </a:buClr>
+                  <a:buFont typeface="Calibri" pitchFamily="34" charset="0"/>
+                  <a:buChar char="◦"/>
+                  <a:defRPr sz="1400" kern="1200">
+                    <a:solidFill>
+                      <a:schemeClr val="tx1">
+                        <a:lumMod val="75000"/>
+                        <a:lumOff val="25000"/>
+                      </a:schemeClr>
+                    </a:solidFill>
+                    <a:latin typeface="+mn-lt"/>
+                    <a:ea typeface="+mn-ea"/>
+                    <a:cs typeface="+mn-cs"/>
+                  </a:defRPr>
+                </a:lvl5pPr>
+                <a:lvl6pPr marL="1100000" indent="-228600" algn="l" defTabSz="914400" rtl="0" eaLnBrk="1" latinLnBrk="0" hangingPunct="1">
+                  <a:lnSpc>
+                    <a:spcPct val="90000"/>
+                  </a:lnSpc>
+                  <a:spcBef>
+                    <a:spcPts val="200"/>
+                  </a:spcBef>
+                  <a:spcAft>
+                    <a:spcPts val="400"/>
+                  </a:spcAft>
+                  <a:buClr>
+                    <a:schemeClr val="accent1"/>
+                  </a:buClr>
+                  <a:buFont typeface="Calibri" pitchFamily="34" charset="0"/>
+                  <a:buChar char="◦"/>
+                  <a:defRPr sz="1400" kern="1200">
+                    <a:solidFill>
+                      <a:schemeClr val="tx1">
+                        <a:lumMod val="75000"/>
+                        <a:lumOff val="25000"/>
+                      </a:schemeClr>
+                    </a:solidFill>
+                    <a:latin typeface="+mn-lt"/>
+                    <a:ea typeface="+mn-ea"/>
+                    <a:cs typeface="+mn-cs"/>
+                  </a:defRPr>
+                </a:lvl6pPr>
+                <a:lvl7pPr marL="1300000" indent="-228600" algn="l" defTabSz="914400" rtl="0" eaLnBrk="1" latinLnBrk="0" hangingPunct="1">
+                  <a:lnSpc>
+                    <a:spcPct val="90000"/>
+                  </a:lnSpc>
+                  <a:spcBef>
+                    <a:spcPts val="200"/>
+                  </a:spcBef>
+                  <a:spcAft>
+                    <a:spcPts val="400"/>
+                  </a:spcAft>
+                  <a:buClr>
+                    <a:schemeClr val="accent1"/>
+                  </a:buClr>
+                  <a:buFont typeface="Calibri" pitchFamily="34" charset="0"/>
+                  <a:buChar char="◦"/>
+                  <a:defRPr sz="1400" kern="1200">
+                    <a:solidFill>
+                      <a:schemeClr val="tx1">
+                        <a:lumMod val="75000"/>
+                        <a:lumOff val="25000"/>
+                      </a:schemeClr>
+                    </a:solidFill>
+                    <a:latin typeface="+mn-lt"/>
+                    <a:ea typeface="+mn-ea"/>
+                    <a:cs typeface="+mn-cs"/>
+                  </a:defRPr>
+                </a:lvl7pPr>
+                <a:lvl8pPr marL="1500000" indent="-228600" algn="l" defTabSz="914400" rtl="0" eaLnBrk="1" latinLnBrk="0" hangingPunct="1">
+                  <a:lnSpc>
+                    <a:spcPct val="90000"/>
+                  </a:lnSpc>
+                  <a:spcBef>
+                    <a:spcPts val="200"/>
+                  </a:spcBef>
+                  <a:spcAft>
+                    <a:spcPts val="400"/>
+                  </a:spcAft>
+                  <a:buClr>
+                    <a:schemeClr val="accent1"/>
+                  </a:buClr>
+                  <a:buFont typeface="Calibri" pitchFamily="34" charset="0"/>
+                  <a:buChar char="◦"/>
+                  <a:defRPr sz="1400" kern="1200">
+                    <a:solidFill>
+                      <a:schemeClr val="tx1">
+                        <a:lumMod val="75000"/>
+                        <a:lumOff val="25000"/>
+                      </a:schemeClr>
+                    </a:solidFill>
+                    <a:latin typeface="+mn-lt"/>
+                    <a:ea typeface="+mn-ea"/>
+                    <a:cs typeface="+mn-cs"/>
+                  </a:defRPr>
+                </a:lvl8pPr>
+                <a:lvl9pPr marL="1700000" indent="-228600" algn="l" defTabSz="914400" rtl="0" eaLnBrk="1" latinLnBrk="0" hangingPunct="1">
+                  <a:lnSpc>
+                    <a:spcPct val="90000"/>
+                  </a:lnSpc>
+                  <a:spcBef>
+                    <a:spcPts val="200"/>
+                  </a:spcBef>
+                  <a:spcAft>
+                    <a:spcPts val="400"/>
+                  </a:spcAft>
+                  <a:buClr>
+                    <a:schemeClr val="accent1"/>
+                  </a:buClr>
+                  <a:buFont typeface="Calibri" pitchFamily="34" charset="0"/>
+                  <a:buChar char="◦"/>
+                  <a:defRPr sz="1400" kern="1200">
+                    <a:solidFill>
+                      <a:schemeClr val="tx1">
+                        <a:lumMod val="75000"/>
+                        <a:lumOff val="25000"/>
+                      </a:schemeClr>
+                    </a:solidFill>
+                    <a:latin typeface="+mn-lt"/>
+                    <a:ea typeface="+mn-ea"/>
+                    <a:cs typeface="+mn-cs"/>
+                  </a:defRPr>
+                </a:lvl9pPr>
+              </a:lstStyle>
+              <a:p>
+                <a:pPr marL="0" indent="0">
+                  <a:lnSpc>
+                    <a:spcPct val="120000"/>
+                  </a:lnSpc>
+                  <a:buClr>
+                    <a:schemeClr val="tx2">
+                      <a:lumMod val="60000"/>
+                      <a:lumOff val="40000"/>
+                    </a:schemeClr>
+                  </a:buClr>
+                  <a:buNone/>
+                </a:pPr>
+                <a:r>
+                  <a:rPr lang="fr-FR" sz="1400" b="1" dirty="0"/>
+                  <a:t>Méthode statique</a:t>
+                </a:r>
+              </a:p>
+              <a:p>
+                <a:pPr>
+                  <a:lnSpc>
+                    <a:spcPct val="120000"/>
+                  </a:lnSpc>
+                  <a:buClr>
+                    <a:schemeClr val="tx2">
+                      <a:lumMod val="60000"/>
+                      <a:lumOff val="40000"/>
+                    </a:schemeClr>
+                  </a:buClr>
+                  <a:buFont typeface="Wingdings" panose="05000000000000000000" pitchFamily="2" charset="2"/>
+                  <a:buChar char="Ü"/>
+                </a:pPr>
+                <a:r>
+                  <a:rPr lang="fr-FR" sz="1400" dirty="0"/>
+                  <a:t> </a:t>
+                </a:r>
+                <a14:m>
+                  <m:oMath xmlns:m="http://schemas.openxmlformats.org/officeDocument/2006/math">
+                    <m:r>
+                      <a:rPr lang="fr-FR" sz="1400" b="0" i="1" smtClean="0">
+                        <a:latin typeface="Cambria Math" panose="02040503050406030204" pitchFamily="18" charset="0"/>
+                      </a:rPr>
+                      <m:t>h</m:t>
+                    </m:r>
+                    <m:r>
+                      <a:rPr lang="fr-FR" sz="1400" b="0" i="1" smtClean="0">
+                        <a:latin typeface="Cambria Math" panose="02040503050406030204" pitchFamily="18" charset="0"/>
+                      </a:rPr>
+                      <m:t>=</m:t>
+                    </m:r>
+                    <m:r>
+                      <a:rPr lang="fr-FR" sz="1400" b="0" i="1" smtClean="0">
+                        <a:latin typeface="Cambria Math" panose="02040503050406030204" pitchFamily="18" charset="0"/>
+                      </a:rPr>
+                      <m:t>𝑚</m:t>
+                    </m:r>
+                    <m:r>
+                      <a:rPr lang="fr-FR" sz="1400" b="0" i="1" smtClean="0">
+                        <a:latin typeface="Cambria Math" panose="02040503050406030204" pitchFamily="18" charset="0"/>
+                      </a:rPr>
+                      <m:t>−</m:t>
+                    </m:r>
+                    <m:sSub>
+                      <m:sSubPr>
+                        <m:ctrlPr>
+                          <a:rPr lang="fr-FR" sz="1400" i="1" smtClean="0">
+                            <a:latin typeface="Cambria Math" panose="02040503050406030204" pitchFamily="18" charset="0"/>
+                          </a:rPr>
+                        </m:ctrlPr>
+                      </m:sSubPr>
+                      <m:e>
+                        <m:r>
+                          <a:rPr lang="fr-FR" sz="1400" b="0" i="1" smtClean="0">
+                            <a:latin typeface="Cambria Math" panose="02040503050406030204" pitchFamily="18" charset="0"/>
+                          </a:rPr>
+                          <m:t>𝐸</m:t>
+                        </m:r>
+                      </m:e>
+                      <m:sub>
+                        <m:r>
+                          <a:rPr lang="fr-FR" sz="1400" b="0" i="1" smtClean="0">
+                            <a:latin typeface="Cambria Math" panose="02040503050406030204" pitchFamily="18" charset="0"/>
+                          </a:rPr>
+                          <m:t>𝑠</m:t>
+                        </m:r>
+                      </m:sub>
+                    </m:sSub>
+                    <m:r>
+                      <a:rPr lang="fr-FR" sz="1400" b="0" i="1" smtClean="0">
+                        <a:latin typeface="Cambria Math" panose="02040503050406030204" pitchFamily="18" charset="0"/>
+                      </a:rPr>
+                      <m:t>+</m:t>
+                    </m:r>
+                    <m:sSub>
+                      <m:sSubPr>
+                        <m:ctrlPr>
+                          <a:rPr lang="fr-FR" sz="1400" i="1" smtClean="0">
+                            <a:latin typeface="Cambria Math" panose="02040503050406030204" pitchFamily="18" charset="0"/>
+                          </a:rPr>
+                        </m:ctrlPr>
+                      </m:sSubPr>
+                      <m:e>
+                        <m:r>
+                          <a:rPr lang="fr-FR" sz="1400" b="0" i="1" smtClean="0">
+                            <a:latin typeface="Cambria Math" panose="02040503050406030204" pitchFamily="18" charset="0"/>
+                          </a:rPr>
+                          <m:t>𝐼</m:t>
+                        </m:r>
+                      </m:e>
+                      <m:sub>
+                        <m:r>
+                          <a:rPr lang="fr-FR" sz="1400" b="0" i="1" smtClean="0">
+                            <a:latin typeface="Cambria Math" panose="02040503050406030204" pitchFamily="18" charset="0"/>
+                          </a:rPr>
+                          <m:t>𝑆</m:t>
+                        </m:r>
+                      </m:sub>
+                    </m:sSub>
+                    <m:r>
+                      <a:rPr lang="fr-FR" sz="1400" b="0" i="0" smtClean="0">
+                        <a:latin typeface="Cambria Math" panose="02040503050406030204" pitchFamily="18" charset="0"/>
+                      </a:rPr>
+                      <m:t>=3−18+30=15</m:t>
+                    </m:r>
+                  </m:oMath>
+                </a14:m>
+                <a:endParaRPr lang="fr-FR" sz="1400" dirty="0"/>
+              </a:p>
+              <a:p>
+                <a:pPr>
+                  <a:lnSpc>
+                    <a:spcPct val="120000"/>
+                  </a:lnSpc>
+                  <a:buClr>
+                    <a:schemeClr val="tx2">
+                      <a:lumMod val="60000"/>
+                      <a:lumOff val="40000"/>
+                    </a:schemeClr>
+                  </a:buClr>
+                  <a:buFont typeface="Wingdings" panose="05000000000000000000" pitchFamily="2" charset="2"/>
+                  <a:buChar char="Ü"/>
+                </a:pPr>
+                <a:r>
+                  <a:rPr lang="fr-FR" sz="1400" dirty="0"/>
+                  <a:t> </a:t>
+                </a:r>
+                <a14:m>
+                  <m:oMath xmlns:m="http://schemas.openxmlformats.org/officeDocument/2006/math">
+                    <m:r>
+                      <a:rPr lang="fr-FR" sz="1400" b="0" i="1" smtClean="0">
+                        <a:latin typeface="Cambria Math" panose="02040503050406030204" pitchFamily="18" charset="0"/>
+                      </a:rPr>
+                      <m:t>𝑚</m:t>
+                    </m:r>
+                    <m:r>
+                      <a:rPr lang="fr-FR" sz="1400" b="0" i="1" smtClean="0">
+                        <a:latin typeface="Cambria Math" panose="02040503050406030204" pitchFamily="18" charset="0"/>
+                      </a:rPr>
+                      <m:t>=3</m:t>
+                    </m:r>
+                  </m:oMath>
+                </a14:m>
+                <a:endParaRPr lang="fr-FR" sz="1400" dirty="0"/>
+              </a:p>
+              <a:p>
+                <a:pPr lvl="1">
+                  <a:lnSpc>
+                    <a:spcPct val="120000"/>
+                  </a:lnSpc>
+                  <a:buClr>
+                    <a:schemeClr val="tx2">
+                      <a:lumMod val="60000"/>
+                      <a:lumOff val="40000"/>
+                    </a:schemeClr>
+                  </a:buClr>
+                  <a:buFont typeface="Wingdings" panose="05000000000000000000" pitchFamily="2" charset="2"/>
+                  <a:buChar char="Ü"/>
+                </a:pPr>
+                <a:r>
+                  <a:rPr lang="fr-FR" sz="1200" dirty="0"/>
+                  <a:t> Pivot entre 1 et 0</a:t>
+                </a:r>
+              </a:p>
+              <a:p>
+                <a:pPr lvl="1">
+                  <a:lnSpc>
+                    <a:spcPct val="120000"/>
+                  </a:lnSpc>
+                  <a:buClr>
+                    <a:schemeClr val="tx2">
+                      <a:lumMod val="60000"/>
+                      <a:lumOff val="40000"/>
+                    </a:schemeClr>
+                  </a:buClr>
+                  <a:buFont typeface="Wingdings" panose="05000000000000000000" pitchFamily="2" charset="2"/>
+                  <a:buChar char="Ü"/>
+                </a:pPr>
+                <a:r>
+                  <a:rPr lang="fr-FR" sz="1200" dirty="0"/>
+                  <a:t> Pivot entre 2 et 1</a:t>
+                </a:r>
+              </a:p>
+              <a:p>
+                <a:pPr lvl="1">
+                  <a:lnSpc>
+                    <a:spcPct val="120000"/>
+                  </a:lnSpc>
+                  <a:buClr>
+                    <a:schemeClr val="tx2">
+                      <a:lumMod val="60000"/>
+                      <a:lumOff val="40000"/>
+                    </a:schemeClr>
+                  </a:buClr>
+                  <a:buFont typeface="Wingdings" panose="05000000000000000000" pitchFamily="2" charset="2"/>
+                  <a:buChar char="Ü"/>
+                </a:pPr>
+                <a:r>
+                  <a:rPr lang="fr-FR" sz="1200" dirty="0"/>
+                  <a:t> Pivot entre 3 et 2</a:t>
+                </a:r>
+              </a:p>
+              <a:p>
+                <a:pPr>
+                  <a:lnSpc>
+                    <a:spcPct val="120000"/>
+                  </a:lnSpc>
+                  <a:buClr>
+                    <a:schemeClr val="tx2">
+                      <a:lumMod val="60000"/>
+                      <a:lumOff val="40000"/>
+                    </a:schemeClr>
+                  </a:buClr>
+                  <a:buFont typeface="Wingdings" panose="05000000000000000000" pitchFamily="2" charset="2"/>
+                  <a:buChar char="Ü"/>
+                </a:pPr>
+                <a14:m>
+                  <m:oMath xmlns:m="http://schemas.openxmlformats.org/officeDocument/2006/math">
+                    <m:sSub>
+                      <m:sSubPr>
+                        <m:ctrlPr>
+                          <a:rPr lang="fr-FR" sz="1400" b="0" i="1" smtClean="0">
+                            <a:latin typeface="Cambria Math" panose="02040503050406030204" pitchFamily="18" charset="0"/>
+                          </a:rPr>
+                        </m:ctrlPr>
+                      </m:sSubPr>
+                      <m:e>
+                        <m:r>
+                          <a:rPr lang="fr-FR" sz="1400" b="0" i="1" smtClean="0">
+                            <a:latin typeface="Cambria Math" panose="02040503050406030204" pitchFamily="18" charset="0"/>
+                          </a:rPr>
+                          <m:t>𝐸</m:t>
+                        </m:r>
+                      </m:e>
+                      <m:sub>
+                        <m:r>
+                          <a:rPr lang="fr-FR" sz="1400" b="0" i="1" smtClean="0">
+                            <a:latin typeface="Cambria Math" panose="02040503050406030204" pitchFamily="18" charset="0"/>
+                          </a:rPr>
+                          <m:t>𝑠</m:t>
+                        </m:r>
+                      </m:sub>
+                    </m:sSub>
+                    <m:r>
+                      <a:rPr lang="fr-FR" sz="1400" b="0" i="1" smtClean="0">
+                        <a:latin typeface="Cambria Math" panose="02040503050406030204" pitchFamily="18" charset="0"/>
+                      </a:rPr>
+                      <m:t>=3×6</m:t>
+                    </m:r>
+                  </m:oMath>
+                </a14:m>
+                <a:endParaRPr lang="fr-FR" sz="1400" b="0" dirty="0"/>
+              </a:p>
+              <a:p>
+                <a:pPr lvl="1">
+                  <a:lnSpc>
+                    <a:spcPct val="120000"/>
+                  </a:lnSpc>
+                  <a:buClr>
+                    <a:schemeClr val="tx2">
+                      <a:lumMod val="60000"/>
+                      <a:lumOff val="40000"/>
+                    </a:schemeClr>
+                  </a:buClr>
+                  <a:buFont typeface="Wingdings" panose="05000000000000000000" pitchFamily="2" charset="2"/>
+                  <a:buChar char="Ü"/>
+                </a:pPr>
+                <a:r>
+                  <a:rPr lang="fr-FR" sz="1200" dirty="0"/>
+                  <a:t> On peut isoler les pièces 1, 2 et 3</a:t>
+                </a:r>
+              </a:p>
+              <a:p>
+                <a:pPr>
+                  <a:lnSpc>
+                    <a:spcPct val="120000"/>
+                  </a:lnSpc>
+                  <a:buClr>
+                    <a:schemeClr val="tx2">
+                      <a:lumMod val="60000"/>
+                      <a:lumOff val="40000"/>
+                    </a:schemeClr>
+                  </a:buClr>
+                  <a:buFont typeface="Wingdings" panose="05000000000000000000" pitchFamily="2" charset="2"/>
+                  <a:buChar char="Ü"/>
+                </a:pPr>
+                <a14:m>
+                  <m:oMath xmlns:m="http://schemas.openxmlformats.org/officeDocument/2006/math">
+                    <m:sSub>
+                      <m:sSubPr>
+                        <m:ctrlPr>
+                          <a:rPr lang="fr-FR" sz="1400" b="0" i="1" smtClean="0">
+                            <a:latin typeface="Cambria Math" panose="02040503050406030204" pitchFamily="18" charset="0"/>
+                          </a:rPr>
+                        </m:ctrlPr>
+                      </m:sSubPr>
+                      <m:e>
+                        <m:r>
+                          <a:rPr lang="fr-FR" sz="1400" b="0" i="1" smtClean="0">
+                            <a:latin typeface="Cambria Math" panose="02040503050406030204" pitchFamily="18" charset="0"/>
+                          </a:rPr>
+                          <m:t>𝐼</m:t>
+                        </m:r>
+                      </m:e>
+                      <m:sub>
+                        <m:r>
+                          <a:rPr lang="fr-FR" sz="1400" b="0" i="1" smtClean="0">
+                            <a:latin typeface="Cambria Math" panose="02040503050406030204" pitchFamily="18" charset="0"/>
+                          </a:rPr>
+                          <m:t>𝑆</m:t>
+                        </m:r>
+                      </m:sub>
+                    </m:sSub>
+                    <m:r>
+                      <a:rPr lang="fr-FR" sz="1400" b="0" i="1" smtClean="0">
+                        <a:latin typeface="Cambria Math" panose="02040503050406030204" pitchFamily="18" charset="0"/>
+                      </a:rPr>
+                      <m:t>=6×5</m:t>
+                    </m:r>
+                  </m:oMath>
+                </a14:m>
+                <a:endParaRPr lang="fr-FR" sz="1400" b="0" dirty="0"/>
+              </a:p>
+              <a:p>
+                <a:pPr lvl="1">
+                  <a:lnSpc>
+                    <a:spcPct val="120000"/>
+                  </a:lnSpc>
+                  <a:buClr>
+                    <a:schemeClr val="tx2">
+                      <a:lumMod val="60000"/>
+                      <a:lumOff val="40000"/>
+                    </a:schemeClr>
+                  </a:buClr>
+                  <a:buFont typeface="Wingdings" panose="05000000000000000000" pitchFamily="2" charset="2"/>
+                  <a:buChar char="Ü"/>
+                </a:pPr>
+                <a:r>
+                  <a:rPr lang="fr-FR" sz="1200" dirty="0"/>
+                  <a:t> 6 liaisons pivot, 5 inconnues statiques dans une liaison pivot</a:t>
+                </a:r>
+              </a:p>
+              <a:p>
+                <a:pPr>
+                  <a:lnSpc>
+                    <a:spcPct val="120000"/>
+                  </a:lnSpc>
+                  <a:buClr>
+                    <a:schemeClr val="tx2">
+                      <a:lumMod val="60000"/>
+                      <a:lumOff val="40000"/>
+                    </a:schemeClr>
+                  </a:buClr>
+                  <a:buFont typeface="Wingdings" panose="05000000000000000000" pitchFamily="2" charset="2"/>
+                  <a:buChar char="Ü"/>
+                </a:pPr>
+                <a:r>
+                  <a:rPr lang="fr-FR" sz="1400" dirty="0"/>
+                  <a:t> L’hyperstatisme permet de garantir une plus grande rigidité du mécanisme.</a:t>
+                </a:r>
+              </a:p>
+              <a:p>
+                <a:pPr>
+                  <a:lnSpc>
+                    <a:spcPct val="120000"/>
+                  </a:lnSpc>
+                  <a:buClr>
+                    <a:schemeClr val="tx2">
+                      <a:lumMod val="60000"/>
+                      <a:lumOff val="40000"/>
+                    </a:schemeClr>
+                  </a:buClr>
+                  <a:buFont typeface="Wingdings" panose="05000000000000000000" pitchFamily="2" charset="2"/>
+                  <a:buChar char="Ü"/>
+                </a:pPr>
+                <a:r>
+                  <a:rPr lang="fr-FR" sz="1400" b="1" dirty="0"/>
+                  <a:t> Il faut s’assure d’une excellente </a:t>
+                </a:r>
+                <a:r>
+                  <a:rPr lang="fr-FR" sz="1400" b="1" dirty="0" err="1"/>
+                  <a:t>coaxialité</a:t>
+                </a:r>
+                <a:r>
+                  <a:rPr lang="fr-FR" sz="1400" b="1" dirty="0"/>
+                  <a:t> entre  les liaisons pivot pour garantir l’assemblage et le fonctionnement du système. </a:t>
+                </a:r>
+              </a:p>
+              <a:p>
+                <a:pPr marL="0" indent="0">
+                  <a:lnSpc>
+                    <a:spcPct val="120000"/>
+                  </a:lnSpc>
+                  <a:buClr>
+                    <a:schemeClr val="tx2">
+                      <a:lumMod val="60000"/>
+                      <a:lumOff val="40000"/>
+                    </a:schemeClr>
+                  </a:buClr>
+                  <a:buNone/>
+                </a:pPr>
+                <a:endParaRPr lang="fr-FR" sz="1400" b="1" dirty="0"/>
+              </a:p>
+            </p:txBody>
+          </p:sp>
+        </mc:Choice>
+        <mc:Fallback>
+          <p:sp>
+            <p:nvSpPr>
+              <p:cNvPr id="63" name="Espace réservé du contenu 11">
+                <a:extLst>
+                  <a:ext uri="{FF2B5EF4-FFF2-40B4-BE49-F238E27FC236}">
+                    <a16:creationId xmlns:a16="http://schemas.microsoft.com/office/drawing/2014/main" id="{C0A142C9-F62B-BF4C-7120-55DC3ADBF6DF}"/>
+                  </a:ext>
+                </a:extLst>
+              </p:cNvPr>
+              <p:cNvSpPr txBox="1">
+                <a:spLocks noRot="1" noChangeAspect="1" noMove="1" noResize="1" noEditPoints="1" noAdjustHandles="1" noChangeArrowheads="1" noChangeShapeType="1" noTextEdit="1"/>
+              </p:cNvSpPr>
+              <p:nvPr/>
+            </p:nvSpPr>
+            <p:spPr>
+              <a:xfrm>
+                <a:off x="6278883" y="1073050"/>
+                <a:ext cx="5576419" cy="4984850"/>
+              </a:xfrm>
+              <a:prstGeom prst="rect">
+                <a:avLst/>
+              </a:prstGeom>
+              <a:blipFill>
+                <a:blip r:embed="rId2"/>
+                <a:stretch>
+                  <a:fillRect l="-1967" b="-122"/>
+                </a:stretch>
+              </a:blipFill>
+            </p:spPr>
+            <p:txBody>
+              <a:bodyPr/>
+              <a:lstStyle/>
+              <a:p>
+                <a:r>
+                  <a:rPr lang="fr-FR">
+                    <a:noFill/>
+                  </a:rPr>
+                  <a:t> </a:t>
+                </a:r>
+              </a:p>
+            </p:txBody>
+          </p:sp>
+        </mc:Fallback>
+      </mc:AlternateContent>
+      <p:grpSp>
+        <p:nvGrpSpPr>
+          <p:cNvPr id="121" name="Groupe 120">
+            <a:extLst>
+              <a:ext uri="{FF2B5EF4-FFF2-40B4-BE49-F238E27FC236}">
+                <a16:creationId xmlns:a16="http://schemas.microsoft.com/office/drawing/2014/main" id="{73B04E68-7BC6-C920-F647-75BFC0000F7F}"/>
+              </a:ext>
+            </a:extLst>
+          </p:cNvPr>
+          <p:cNvGrpSpPr/>
+          <p:nvPr/>
+        </p:nvGrpSpPr>
+        <p:grpSpPr>
+          <a:xfrm>
+            <a:off x="384630" y="2183244"/>
+            <a:ext cx="3992461" cy="3710213"/>
+            <a:chOff x="4616688" y="1394574"/>
+            <a:chExt cx="3992461" cy="3710213"/>
+          </a:xfrm>
+        </p:grpSpPr>
+        <p:grpSp>
+          <p:nvGrpSpPr>
+            <p:cNvPr id="64" name="Groupe 63">
+              <a:extLst>
+                <a:ext uri="{FF2B5EF4-FFF2-40B4-BE49-F238E27FC236}">
+                  <a16:creationId xmlns:a16="http://schemas.microsoft.com/office/drawing/2014/main" id="{6803B439-B5CA-BB90-A6AF-8A936B074DAE}"/>
+                </a:ext>
+              </a:extLst>
+            </p:cNvPr>
+            <p:cNvGrpSpPr/>
+            <p:nvPr/>
+          </p:nvGrpSpPr>
+          <p:grpSpPr>
+            <a:xfrm>
+              <a:off x="6085840" y="4112332"/>
+              <a:ext cx="867406" cy="500534"/>
+              <a:chOff x="5676900" y="1818819"/>
+              <a:chExt cx="867406" cy="500534"/>
+            </a:xfrm>
+          </p:grpSpPr>
+          <p:sp>
+            <p:nvSpPr>
+              <p:cNvPr id="65" name="Cylindre 64">
+                <a:extLst>
+                  <a:ext uri="{FF2B5EF4-FFF2-40B4-BE49-F238E27FC236}">
+                    <a16:creationId xmlns:a16="http://schemas.microsoft.com/office/drawing/2014/main" id="{B55E31EF-750B-5C45-AF4D-9A2F2E930A28}"/>
+                  </a:ext>
+                </a:extLst>
+              </p:cNvPr>
+              <p:cNvSpPr/>
+              <p:nvPr/>
+            </p:nvSpPr>
+            <p:spPr>
+              <a:xfrm rot="7309303">
+                <a:off x="5988000" y="1846438"/>
+                <a:ext cx="216000" cy="432000"/>
+              </a:xfrm>
+              <a:prstGeom prst="can">
+                <a:avLst>
+                  <a:gd name="adj" fmla="val 52625"/>
+                </a:avLst>
+              </a:prstGeom>
+              <a:noFill/>
+              <a:ln w="28575">
+                <a:solidFill>
+                  <a:srgbClr val="C00000"/>
+                </a:solidFill>
+              </a:ln>
+            </p:spPr>
+            <p:style>
+              <a:lnRef idx="2">
+                <a:schemeClr val="accent1">
+                  <a:shade val="50000"/>
+                </a:schemeClr>
+              </a:lnRef>
+              <a:fillRef idx="1">
+                <a:schemeClr val="accent1"/>
+              </a:fillRef>
+              <a:effectRef idx="0">
+                <a:schemeClr val="accent1"/>
+              </a:effectRef>
+              <a:fontRef idx="minor">
+                <a:schemeClr val="lt1"/>
+              </a:fontRef>
+            </p:style>
+            <p:txBody>
+              <a:bodyPr rtlCol="0" anchor="ctr"/>
+              <a:lstStyle/>
+              <a:p>
+                <a:pPr algn="ctr"/>
+                <a:endParaRPr lang="fr-FR"/>
+              </a:p>
+            </p:txBody>
+          </p:sp>
+          <p:grpSp>
+            <p:nvGrpSpPr>
+              <p:cNvPr id="66" name="Groupe 65">
+                <a:extLst>
+                  <a:ext uri="{FF2B5EF4-FFF2-40B4-BE49-F238E27FC236}">
+                    <a16:creationId xmlns:a16="http://schemas.microsoft.com/office/drawing/2014/main" id="{E09F5673-975B-94FB-4884-77A5D244BA10}"/>
+                  </a:ext>
+                </a:extLst>
+              </p:cNvPr>
+              <p:cNvGrpSpPr/>
+              <p:nvPr/>
+            </p:nvGrpSpPr>
+            <p:grpSpPr>
+              <a:xfrm>
+                <a:off x="5676900" y="1818819"/>
+                <a:ext cx="867406" cy="500534"/>
+                <a:chOff x="5676900" y="1818819"/>
+                <a:chExt cx="867406" cy="500534"/>
+              </a:xfrm>
+            </p:grpSpPr>
+            <p:cxnSp>
+              <p:nvCxnSpPr>
+                <p:cNvPr id="67" name="Connecteur droit 66">
+                  <a:extLst>
+                    <a:ext uri="{FF2B5EF4-FFF2-40B4-BE49-F238E27FC236}">
+                      <a16:creationId xmlns:a16="http://schemas.microsoft.com/office/drawing/2014/main" id="{B0B38998-DAFB-CF9C-3F9C-8D78C8B0081E}"/>
+                    </a:ext>
+                  </a:extLst>
+                </p:cNvPr>
+                <p:cNvCxnSpPr>
+                  <a:cxnSpLocks/>
+                </p:cNvCxnSpPr>
+                <p:nvPr/>
+              </p:nvCxnSpPr>
+              <p:spPr>
+                <a:xfrm flipH="1" flipV="1">
+                  <a:off x="6226413" y="2148948"/>
+                  <a:ext cx="317893" cy="170405"/>
+                </a:xfrm>
+                <a:prstGeom prst="line">
+                  <a:avLst/>
+                </a:prstGeom>
+                <a:noFill/>
+                <a:ln w="28575">
+                  <a:solidFill>
+                    <a:srgbClr val="002060"/>
+                  </a:solidFill>
+                </a:ln>
+              </p:spPr>
+              <p:style>
+                <a:lnRef idx="2">
+                  <a:schemeClr val="accent1">
+                    <a:shade val="50000"/>
+                  </a:schemeClr>
+                </a:lnRef>
+                <a:fillRef idx="1">
+                  <a:schemeClr val="accent1"/>
+                </a:fillRef>
+                <a:effectRef idx="0">
+                  <a:schemeClr val="accent1"/>
+                </a:effectRef>
+                <a:fontRef idx="minor">
+                  <a:schemeClr val="lt1"/>
+                </a:fontRef>
+              </p:style>
+            </p:cxnSp>
+            <p:cxnSp>
+              <p:nvCxnSpPr>
+                <p:cNvPr id="68" name="Connecteur droit 67">
+                  <a:extLst>
+                    <a:ext uri="{FF2B5EF4-FFF2-40B4-BE49-F238E27FC236}">
+                      <a16:creationId xmlns:a16="http://schemas.microsoft.com/office/drawing/2014/main" id="{23C78CD4-995E-2B6D-16B5-E07DD0A09D13}"/>
+                    </a:ext>
+                  </a:extLst>
+                </p:cNvPr>
+                <p:cNvCxnSpPr>
+                  <a:cxnSpLocks/>
+                </p:cNvCxnSpPr>
+                <p:nvPr/>
+              </p:nvCxnSpPr>
+              <p:spPr>
+                <a:xfrm flipH="1" flipV="1">
+                  <a:off x="5676900" y="1818819"/>
+                  <a:ext cx="224593" cy="130584"/>
+                </a:xfrm>
+                <a:prstGeom prst="line">
+                  <a:avLst/>
+                </a:prstGeom>
+                <a:noFill/>
+                <a:ln w="28575">
+                  <a:solidFill>
+                    <a:srgbClr val="002060"/>
+                  </a:solidFill>
+                </a:ln>
+              </p:spPr>
+              <p:style>
+                <a:lnRef idx="2">
+                  <a:schemeClr val="accent1">
+                    <a:shade val="50000"/>
+                  </a:schemeClr>
+                </a:lnRef>
+                <a:fillRef idx="1">
+                  <a:schemeClr val="accent1"/>
+                </a:fillRef>
+                <a:effectRef idx="0">
+                  <a:schemeClr val="accent1"/>
+                </a:effectRef>
+                <a:fontRef idx="minor">
+                  <a:schemeClr val="lt1"/>
+                </a:fontRef>
+              </p:style>
+            </p:cxnSp>
+            <p:cxnSp>
+              <p:nvCxnSpPr>
+                <p:cNvPr id="69" name="Connecteur droit 68">
+                  <a:extLst>
+                    <a:ext uri="{FF2B5EF4-FFF2-40B4-BE49-F238E27FC236}">
+                      <a16:creationId xmlns:a16="http://schemas.microsoft.com/office/drawing/2014/main" id="{31FF8C4F-321D-9603-D9CD-3882F5CC4DF6}"/>
+                    </a:ext>
+                  </a:extLst>
+                </p:cNvPr>
+                <p:cNvCxnSpPr>
+                  <a:cxnSpLocks/>
+                </p:cNvCxnSpPr>
+                <p:nvPr/>
+              </p:nvCxnSpPr>
+              <p:spPr>
+                <a:xfrm flipH="1">
+                  <a:off x="6194666" y="2075134"/>
+                  <a:ext cx="127204" cy="188340"/>
+                </a:xfrm>
+                <a:prstGeom prst="line">
+                  <a:avLst/>
+                </a:prstGeom>
+                <a:noFill/>
+                <a:ln w="28575">
+                  <a:solidFill>
+                    <a:srgbClr val="002060"/>
+                  </a:solidFill>
+                </a:ln>
+              </p:spPr>
+              <p:style>
+                <a:lnRef idx="2">
+                  <a:schemeClr val="accent1">
+                    <a:shade val="50000"/>
+                  </a:schemeClr>
+                </a:lnRef>
+                <a:fillRef idx="1">
+                  <a:schemeClr val="accent1"/>
+                </a:fillRef>
+                <a:effectRef idx="0">
+                  <a:schemeClr val="accent1"/>
+                </a:effectRef>
+                <a:fontRef idx="minor">
+                  <a:schemeClr val="lt1"/>
+                </a:fontRef>
+              </p:style>
+            </p:cxnSp>
+            <p:cxnSp>
+              <p:nvCxnSpPr>
+                <p:cNvPr id="70" name="Connecteur droit 69">
+                  <a:extLst>
+                    <a:ext uri="{FF2B5EF4-FFF2-40B4-BE49-F238E27FC236}">
+                      <a16:creationId xmlns:a16="http://schemas.microsoft.com/office/drawing/2014/main" id="{28B4A063-E12D-2C6B-B8D2-E61F846E32A8}"/>
+                    </a:ext>
+                  </a:extLst>
+                </p:cNvPr>
+                <p:cNvCxnSpPr>
+                  <a:cxnSpLocks/>
+                </p:cNvCxnSpPr>
+                <p:nvPr/>
+              </p:nvCxnSpPr>
+              <p:spPr>
+                <a:xfrm flipH="1">
+                  <a:off x="5827140" y="1856779"/>
+                  <a:ext cx="127204" cy="188340"/>
+                </a:xfrm>
+                <a:prstGeom prst="line">
+                  <a:avLst/>
+                </a:prstGeom>
+                <a:noFill/>
+                <a:ln w="28575">
+                  <a:solidFill>
+                    <a:srgbClr val="002060"/>
+                  </a:solidFill>
+                </a:ln>
+              </p:spPr>
+              <p:style>
+                <a:lnRef idx="2">
+                  <a:schemeClr val="accent1">
+                    <a:shade val="50000"/>
+                  </a:schemeClr>
+                </a:lnRef>
+                <a:fillRef idx="1">
+                  <a:schemeClr val="accent1"/>
+                </a:fillRef>
+                <a:effectRef idx="0">
+                  <a:schemeClr val="accent1"/>
+                </a:effectRef>
+                <a:fontRef idx="minor">
+                  <a:schemeClr val="lt1"/>
+                </a:fontRef>
+              </p:style>
+            </p:cxnSp>
+          </p:grpSp>
+        </p:grpSp>
+        <p:sp>
+          <p:nvSpPr>
+            <p:cNvPr id="71" name="Cylindre 70">
+              <a:extLst>
+                <a:ext uri="{FF2B5EF4-FFF2-40B4-BE49-F238E27FC236}">
+                  <a16:creationId xmlns:a16="http://schemas.microsoft.com/office/drawing/2014/main" id="{D76DE8EE-4931-4A29-6651-48B8DB5ADAE7}"/>
+                </a:ext>
+              </a:extLst>
+            </p:cNvPr>
+            <p:cNvSpPr/>
+            <p:nvPr/>
+          </p:nvSpPr>
+          <p:spPr>
+            <a:xfrm rot="7309303">
+              <a:off x="5344552" y="2711926"/>
+              <a:ext cx="216000" cy="432000"/>
+            </a:xfrm>
+            <a:prstGeom prst="can">
+              <a:avLst>
+                <a:gd name="adj" fmla="val 52625"/>
+              </a:avLst>
+            </a:prstGeom>
+            <a:noFill/>
+            <a:ln w="28575">
+              <a:solidFill>
+                <a:srgbClr val="002060"/>
+              </a:solidFill>
+            </a:ln>
+          </p:spPr>
+          <p:style>
+            <a:lnRef idx="2">
+              <a:schemeClr val="accent1">
+                <a:shade val="50000"/>
+              </a:schemeClr>
+            </a:lnRef>
+            <a:fillRef idx="1">
+              <a:schemeClr val="accent1"/>
+            </a:fillRef>
+            <a:effectRef idx="0">
+              <a:schemeClr val="accent1"/>
+            </a:effectRef>
+            <a:fontRef idx="minor">
+              <a:schemeClr val="lt1"/>
+            </a:fontRef>
+          </p:style>
+          <p:txBody>
+            <a:bodyPr rtlCol="0" anchor="ctr"/>
+            <a:lstStyle/>
+            <a:p>
+              <a:pPr algn="ctr"/>
+              <a:endParaRPr lang="fr-FR"/>
+            </a:p>
+          </p:txBody>
+        </p:sp>
+        <p:grpSp>
+          <p:nvGrpSpPr>
+            <p:cNvPr id="72" name="Groupe 71">
+              <a:extLst>
+                <a:ext uri="{FF2B5EF4-FFF2-40B4-BE49-F238E27FC236}">
+                  <a16:creationId xmlns:a16="http://schemas.microsoft.com/office/drawing/2014/main" id="{BDD2653B-979E-362B-A36A-CBFC3B10D085}"/>
+                </a:ext>
+              </a:extLst>
+            </p:cNvPr>
+            <p:cNvGrpSpPr/>
+            <p:nvPr/>
+          </p:nvGrpSpPr>
+          <p:grpSpPr>
+            <a:xfrm>
+              <a:off x="5033452" y="2684307"/>
+              <a:ext cx="1769048" cy="1034829"/>
+              <a:chOff x="5676900" y="1818819"/>
+              <a:chExt cx="1769048" cy="1034829"/>
+            </a:xfrm>
+          </p:grpSpPr>
+          <p:cxnSp>
+            <p:nvCxnSpPr>
+              <p:cNvPr id="73" name="Connecteur droit 72">
+                <a:extLst>
+                  <a:ext uri="{FF2B5EF4-FFF2-40B4-BE49-F238E27FC236}">
+                    <a16:creationId xmlns:a16="http://schemas.microsoft.com/office/drawing/2014/main" id="{2378DD5B-9B72-3956-BDBC-52EA3EDAE802}"/>
+                  </a:ext>
+                </a:extLst>
+              </p:cNvPr>
+              <p:cNvCxnSpPr>
+                <a:cxnSpLocks/>
+                <a:stCxn id="85" idx="3"/>
+              </p:cNvCxnSpPr>
+              <p:nvPr/>
+            </p:nvCxnSpPr>
+            <p:spPr>
+              <a:xfrm flipH="1" flipV="1">
+                <a:off x="6226413" y="2148948"/>
+                <a:ext cx="1219535" cy="704700"/>
+              </a:xfrm>
+              <a:prstGeom prst="line">
+                <a:avLst/>
+              </a:prstGeom>
+              <a:noFill/>
+              <a:ln w="28575">
+                <a:solidFill>
+                  <a:srgbClr val="00B050"/>
+                </a:solidFill>
+              </a:ln>
+            </p:spPr>
+            <p:style>
+              <a:lnRef idx="2">
+                <a:schemeClr val="accent1">
+                  <a:shade val="50000"/>
+                </a:schemeClr>
+              </a:lnRef>
+              <a:fillRef idx="1">
+                <a:schemeClr val="accent1"/>
+              </a:fillRef>
+              <a:effectRef idx="0">
+                <a:schemeClr val="accent1"/>
+              </a:effectRef>
+              <a:fontRef idx="minor">
+                <a:schemeClr val="lt1"/>
+              </a:fontRef>
+            </p:style>
+          </p:cxnSp>
+          <p:cxnSp>
+            <p:nvCxnSpPr>
+              <p:cNvPr id="74" name="Connecteur droit 73">
+                <a:extLst>
+                  <a:ext uri="{FF2B5EF4-FFF2-40B4-BE49-F238E27FC236}">
+                    <a16:creationId xmlns:a16="http://schemas.microsoft.com/office/drawing/2014/main" id="{CCC498E3-6A94-BBA7-5554-22C8454A0966}"/>
+                  </a:ext>
+                </a:extLst>
+              </p:cNvPr>
+              <p:cNvCxnSpPr>
+                <a:cxnSpLocks/>
+              </p:cNvCxnSpPr>
+              <p:nvPr/>
+            </p:nvCxnSpPr>
+            <p:spPr>
+              <a:xfrm flipH="1" flipV="1">
+                <a:off x="5676900" y="1818819"/>
+                <a:ext cx="224593" cy="130584"/>
+              </a:xfrm>
+              <a:prstGeom prst="line">
+                <a:avLst/>
+              </a:prstGeom>
+              <a:noFill/>
+              <a:ln w="28575">
+                <a:solidFill>
+                  <a:srgbClr val="00B050"/>
+                </a:solidFill>
+              </a:ln>
+            </p:spPr>
+            <p:style>
+              <a:lnRef idx="2">
+                <a:schemeClr val="accent1">
+                  <a:shade val="50000"/>
+                </a:schemeClr>
+              </a:lnRef>
+              <a:fillRef idx="1">
+                <a:schemeClr val="accent1"/>
+              </a:fillRef>
+              <a:effectRef idx="0">
+                <a:schemeClr val="accent1"/>
+              </a:effectRef>
+              <a:fontRef idx="minor">
+                <a:schemeClr val="lt1"/>
+              </a:fontRef>
+            </p:style>
+          </p:cxnSp>
+          <p:cxnSp>
+            <p:nvCxnSpPr>
+              <p:cNvPr id="75" name="Connecteur droit 74">
+                <a:extLst>
+                  <a:ext uri="{FF2B5EF4-FFF2-40B4-BE49-F238E27FC236}">
+                    <a16:creationId xmlns:a16="http://schemas.microsoft.com/office/drawing/2014/main" id="{EC87550A-8354-8FD9-48AB-ABBC1A66F406}"/>
+                  </a:ext>
+                </a:extLst>
+              </p:cNvPr>
+              <p:cNvCxnSpPr>
+                <a:cxnSpLocks/>
+              </p:cNvCxnSpPr>
+              <p:nvPr/>
+            </p:nvCxnSpPr>
+            <p:spPr>
+              <a:xfrm flipH="1">
+                <a:off x="6194666" y="2075134"/>
+                <a:ext cx="127204" cy="188340"/>
+              </a:xfrm>
+              <a:prstGeom prst="line">
+                <a:avLst/>
+              </a:prstGeom>
+              <a:noFill/>
+              <a:ln w="28575">
+                <a:solidFill>
+                  <a:srgbClr val="00B050"/>
+                </a:solidFill>
+              </a:ln>
+            </p:spPr>
+            <p:style>
+              <a:lnRef idx="2">
+                <a:schemeClr val="accent1">
+                  <a:shade val="50000"/>
+                </a:schemeClr>
+              </a:lnRef>
+              <a:fillRef idx="1">
+                <a:schemeClr val="accent1"/>
+              </a:fillRef>
+              <a:effectRef idx="0">
+                <a:schemeClr val="accent1"/>
+              </a:effectRef>
+              <a:fontRef idx="minor">
+                <a:schemeClr val="lt1"/>
+              </a:fontRef>
+            </p:style>
+          </p:cxnSp>
+          <p:cxnSp>
+            <p:nvCxnSpPr>
+              <p:cNvPr id="76" name="Connecteur droit 75">
+                <a:extLst>
+                  <a:ext uri="{FF2B5EF4-FFF2-40B4-BE49-F238E27FC236}">
+                    <a16:creationId xmlns:a16="http://schemas.microsoft.com/office/drawing/2014/main" id="{6CE07F56-1761-5399-0682-504663250F3E}"/>
+                  </a:ext>
+                </a:extLst>
+              </p:cNvPr>
+              <p:cNvCxnSpPr>
+                <a:cxnSpLocks/>
+              </p:cNvCxnSpPr>
+              <p:nvPr/>
+            </p:nvCxnSpPr>
+            <p:spPr>
+              <a:xfrm flipH="1">
+                <a:off x="5827140" y="1856779"/>
+                <a:ext cx="127204" cy="188340"/>
+              </a:xfrm>
+              <a:prstGeom prst="line">
+                <a:avLst/>
+              </a:prstGeom>
+              <a:noFill/>
+              <a:ln w="28575">
+                <a:solidFill>
+                  <a:srgbClr val="00B050"/>
+                </a:solidFill>
+              </a:ln>
+            </p:spPr>
+            <p:style>
+              <a:lnRef idx="2">
+                <a:schemeClr val="accent1">
+                  <a:shade val="50000"/>
+                </a:schemeClr>
+              </a:lnRef>
+              <a:fillRef idx="1">
+                <a:schemeClr val="accent1"/>
+              </a:fillRef>
+              <a:effectRef idx="0">
+                <a:schemeClr val="accent1"/>
+              </a:effectRef>
+              <a:fontRef idx="minor">
+                <a:schemeClr val="lt1"/>
+              </a:fontRef>
+            </p:style>
+          </p:cxnSp>
+        </p:grpSp>
+        <p:grpSp>
+          <p:nvGrpSpPr>
+            <p:cNvPr id="77" name="Groupe 76">
+              <a:extLst>
+                <a:ext uri="{FF2B5EF4-FFF2-40B4-BE49-F238E27FC236}">
+                  <a16:creationId xmlns:a16="http://schemas.microsoft.com/office/drawing/2014/main" id="{A8177B41-36DB-08B5-F6AD-4A9BDF49BC3F}"/>
+                </a:ext>
+              </a:extLst>
+            </p:cNvPr>
+            <p:cNvGrpSpPr/>
+            <p:nvPr/>
+          </p:nvGrpSpPr>
+          <p:grpSpPr>
+            <a:xfrm>
+              <a:off x="5380982" y="3695228"/>
+              <a:ext cx="712431" cy="475384"/>
+              <a:chOff x="5624049" y="1788090"/>
+              <a:chExt cx="712431" cy="475384"/>
+            </a:xfrm>
+          </p:grpSpPr>
+          <p:sp>
+            <p:nvSpPr>
+              <p:cNvPr id="78" name="Cylindre 77">
+                <a:extLst>
+                  <a:ext uri="{FF2B5EF4-FFF2-40B4-BE49-F238E27FC236}">
+                    <a16:creationId xmlns:a16="http://schemas.microsoft.com/office/drawing/2014/main" id="{2E130D83-2105-62E6-D573-2D47FF8DC951}"/>
+                  </a:ext>
+                </a:extLst>
+              </p:cNvPr>
+              <p:cNvSpPr/>
+              <p:nvPr/>
+            </p:nvSpPr>
+            <p:spPr>
+              <a:xfrm rot="7309303">
+                <a:off x="5988000" y="1846438"/>
+                <a:ext cx="216000" cy="432000"/>
+              </a:xfrm>
+              <a:prstGeom prst="can">
+                <a:avLst>
+                  <a:gd name="adj" fmla="val 52625"/>
+                </a:avLst>
+              </a:prstGeom>
+              <a:noFill/>
+              <a:ln w="28575">
+                <a:solidFill>
+                  <a:srgbClr val="C00000"/>
+                </a:solidFill>
+              </a:ln>
+            </p:spPr>
+            <p:style>
+              <a:lnRef idx="2">
+                <a:schemeClr val="accent1">
+                  <a:shade val="50000"/>
+                </a:schemeClr>
+              </a:lnRef>
+              <a:fillRef idx="1">
+                <a:schemeClr val="accent1"/>
+              </a:fillRef>
+              <a:effectRef idx="0">
+                <a:schemeClr val="accent1"/>
+              </a:effectRef>
+              <a:fontRef idx="minor">
+                <a:schemeClr val="lt1"/>
+              </a:fontRef>
+            </p:style>
+            <p:txBody>
+              <a:bodyPr rtlCol="0" anchor="ctr"/>
+              <a:lstStyle/>
+              <a:p>
+                <a:pPr algn="ctr"/>
+                <a:endParaRPr lang="fr-FR"/>
+              </a:p>
+            </p:txBody>
+          </p:sp>
+          <p:grpSp>
+            <p:nvGrpSpPr>
+              <p:cNvPr id="79" name="Groupe 78">
+                <a:extLst>
+                  <a:ext uri="{FF2B5EF4-FFF2-40B4-BE49-F238E27FC236}">
+                    <a16:creationId xmlns:a16="http://schemas.microsoft.com/office/drawing/2014/main" id="{E482FBED-1AE4-8CFA-1D41-19355DC40FA2}"/>
+                  </a:ext>
+                </a:extLst>
+              </p:cNvPr>
+              <p:cNvGrpSpPr/>
+              <p:nvPr/>
+            </p:nvGrpSpPr>
+            <p:grpSpPr>
+              <a:xfrm>
+                <a:off x="5624049" y="1788090"/>
+                <a:ext cx="712431" cy="475384"/>
+                <a:chOff x="5624049" y="1788090"/>
+                <a:chExt cx="712431" cy="475384"/>
+              </a:xfrm>
+            </p:grpSpPr>
+            <p:cxnSp>
+              <p:nvCxnSpPr>
+                <p:cNvPr id="80" name="Connecteur droit 79">
+                  <a:extLst>
+                    <a:ext uri="{FF2B5EF4-FFF2-40B4-BE49-F238E27FC236}">
+                      <a16:creationId xmlns:a16="http://schemas.microsoft.com/office/drawing/2014/main" id="{C231FC45-F105-DA5B-7D42-8605079C6EAC}"/>
+                    </a:ext>
+                  </a:extLst>
+                </p:cNvPr>
+                <p:cNvCxnSpPr>
+                  <a:cxnSpLocks/>
+                </p:cNvCxnSpPr>
+                <p:nvPr/>
+              </p:nvCxnSpPr>
+              <p:spPr>
+                <a:xfrm flipH="1" flipV="1">
+                  <a:off x="6226413" y="2148948"/>
+                  <a:ext cx="110067" cy="63996"/>
+                </a:xfrm>
+                <a:prstGeom prst="line">
+                  <a:avLst/>
+                </a:prstGeom>
+                <a:noFill/>
+                <a:ln w="28575">
+                  <a:solidFill>
+                    <a:srgbClr val="002060"/>
+                  </a:solidFill>
+                </a:ln>
+              </p:spPr>
+              <p:style>
+                <a:lnRef idx="2">
+                  <a:schemeClr val="accent1">
+                    <a:shade val="50000"/>
+                  </a:schemeClr>
+                </a:lnRef>
+                <a:fillRef idx="1">
+                  <a:schemeClr val="accent1"/>
+                </a:fillRef>
+                <a:effectRef idx="0">
+                  <a:schemeClr val="accent1"/>
+                </a:effectRef>
+                <a:fontRef idx="minor">
+                  <a:schemeClr val="lt1"/>
+                </a:fontRef>
+              </p:style>
+            </p:cxnSp>
+            <p:cxnSp>
+              <p:nvCxnSpPr>
+                <p:cNvPr id="81" name="Connecteur droit 80">
+                  <a:extLst>
+                    <a:ext uri="{FF2B5EF4-FFF2-40B4-BE49-F238E27FC236}">
+                      <a16:creationId xmlns:a16="http://schemas.microsoft.com/office/drawing/2014/main" id="{F5BCEB0C-0D3C-5FE2-E3E3-60867EA35E71}"/>
+                    </a:ext>
+                  </a:extLst>
+                </p:cNvPr>
+                <p:cNvCxnSpPr>
+                  <a:cxnSpLocks/>
+                </p:cNvCxnSpPr>
+                <p:nvPr/>
+              </p:nvCxnSpPr>
+              <p:spPr>
+                <a:xfrm flipH="1" flipV="1">
+                  <a:off x="5624049" y="1788090"/>
+                  <a:ext cx="277444" cy="161313"/>
+                </a:xfrm>
+                <a:prstGeom prst="line">
+                  <a:avLst/>
+                </a:prstGeom>
+                <a:noFill/>
+                <a:ln w="28575">
+                  <a:solidFill>
+                    <a:srgbClr val="002060"/>
+                  </a:solidFill>
+                </a:ln>
+              </p:spPr>
+              <p:style>
+                <a:lnRef idx="2">
+                  <a:schemeClr val="accent1">
+                    <a:shade val="50000"/>
+                  </a:schemeClr>
+                </a:lnRef>
+                <a:fillRef idx="1">
+                  <a:schemeClr val="accent1"/>
+                </a:fillRef>
+                <a:effectRef idx="0">
+                  <a:schemeClr val="accent1"/>
+                </a:effectRef>
+                <a:fontRef idx="minor">
+                  <a:schemeClr val="lt1"/>
+                </a:fontRef>
+              </p:style>
+            </p:cxnSp>
+            <p:cxnSp>
+              <p:nvCxnSpPr>
+                <p:cNvPr id="82" name="Connecteur droit 81">
+                  <a:extLst>
+                    <a:ext uri="{FF2B5EF4-FFF2-40B4-BE49-F238E27FC236}">
+                      <a16:creationId xmlns:a16="http://schemas.microsoft.com/office/drawing/2014/main" id="{58428FAC-E9A7-7747-10A5-C80DE126C383}"/>
+                    </a:ext>
+                  </a:extLst>
+                </p:cNvPr>
+                <p:cNvCxnSpPr>
+                  <a:cxnSpLocks/>
+                </p:cNvCxnSpPr>
+                <p:nvPr/>
+              </p:nvCxnSpPr>
+              <p:spPr>
+                <a:xfrm flipH="1">
+                  <a:off x="6194666" y="2075134"/>
+                  <a:ext cx="127204" cy="188340"/>
+                </a:xfrm>
+                <a:prstGeom prst="line">
+                  <a:avLst/>
+                </a:prstGeom>
+                <a:noFill/>
+                <a:ln w="28575">
+                  <a:solidFill>
+                    <a:srgbClr val="002060"/>
+                  </a:solidFill>
+                </a:ln>
+              </p:spPr>
+              <p:style>
+                <a:lnRef idx="2">
+                  <a:schemeClr val="accent1">
+                    <a:shade val="50000"/>
+                  </a:schemeClr>
+                </a:lnRef>
+                <a:fillRef idx="1">
+                  <a:schemeClr val="accent1"/>
+                </a:fillRef>
+                <a:effectRef idx="0">
+                  <a:schemeClr val="accent1"/>
+                </a:effectRef>
+                <a:fontRef idx="minor">
+                  <a:schemeClr val="lt1"/>
+                </a:fontRef>
+              </p:style>
+            </p:cxnSp>
+            <p:cxnSp>
+              <p:nvCxnSpPr>
+                <p:cNvPr id="83" name="Connecteur droit 82">
+                  <a:extLst>
+                    <a:ext uri="{FF2B5EF4-FFF2-40B4-BE49-F238E27FC236}">
+                      <a16:creationId xmlns:a16="http://schemas.microsoft.com/office/drawing/2014/main" id="{A278E0D1-98CA-7C9F-7AE7-2EBD94E88C23}"/>
+                    </a:ext>
+                  </a:extLst>
+                </p:cNvPr>
+                <p:cNvCxnSpPr>
+                  <a:cxnSpLocks/>
+                </p:cNvCxnSpPr>
+                <p:nvPr/>
+              </p:nvCxnSpPr>
+              <p:spPr>
+                <a:xfrm flipH="1">
+                  <a:off x="5827140" y="1856779"/>
+                  <a:ext cx="127204" cy="188340"/>
+                </a:xfrm>
+                <a:prstGeom prst="line">
+                  <a:avLst/>
+                </a:prstGeom>
+                <a:noFill/>
+                <a:ln w="28575">
+                  <a:solidFill>
+                    <a:srgbClr val="002060"/>
+                  </a:solidFill>
+                </a:ln>
+              </p:spPr>
+              <p:style>
+                <a:lnRef idx="2">
+                  <a:schemeClr val="accent1">
+                    <a:shade val="50000"/>
+                  </a:schemeClr>
+                </a:lnRef>
+                <a:fillRef idx="1">
+                  <a:schemeClr val="accent1"/>
+                </a:fillRef>
+                <a:effectRef idx="0">
+                  <a:schemeClr val="accent1"/>
+                </a:effectRef>
+                <a:fontRef idx="minor">
+                  <a:schemeClr val="lt1"/>
+                </a:fontRef>
+              </p:style>
+            </p:cxnSp>
+          </p:grpSp>
+        </p:grpSp>
+        <p:grpSp>
+          <p:nvGrpSpPr>
+            <p:cNvPr id="84" name="Groupe 83">
+              <a:extLst>
+                <a:ext uri="{FF2B5EF4-FFF2-40B4-BE49-F238E27FC236}">
+                  <a16:creationId xmlns:a16="http://schemas.microsoft.com/office/drawing/2014/main" id="{38FF7C7D-5850-17F5-58F5-BC38F1D1B241}"/>
+                </a:ext>
+              </a:extLst>
+            </p:cNvPr>
+            <p:cNvGrpSpPr/>
+            <p:nvPr/>
+          </p:nvGrpSpPr>
+          <p:grpSpPr>
+            <a:xfrm>
+              <a:off x="6717174" y="3627369"/>
+              <a:ext cx="494730" cy="406695"/>
+              <a:chOff x="5827140" y="1856779"/>
+              <a:chExt cx="494730" cy="406695"/>
+            </a:xfrm>
+          </p:grpSpPr>
+          <p:sp>
+            <p:nvSpPr>
+              <p:cNvPr id="85" name="Cylindre 84">
+                <a:extLst>
+                  <a:ext uri="{FF2B5EF4-FFF2-40B4-BE49-F238E27FC236}">
+                    <a16:creationId xmlns:a16="http://schemas.microsoft.com/office/drawing/2014/main" id="{6DC4E7A4-9D59-48B5-EEE6-68E12388939B}"/>
+                  </a:ext>
+                </a:extLst>
+              </p:cNvPr>
+              <p:cNvSpPr/>
+              <p:nvPr/>
+            </p:nvSpPr>
+            <p:spPr>
+              <a:xfrm rot="7309303">
+                <a:off x="5988000" y="1846438"/>
+                <a:ext cx="216000" cy="432000"/>
+              </a:xfrm>
+              <a:prstGeom prst="can">
+                <a:avLst>
+                  <a:gd name="adj" fmla="val 52625"/>
+                </a:avLst>
+              </a:prstGeom>
+              <a:noFill/>
+              <a:ln w="28575">
+                <a:solidFill>
+                  <a:srgbClr val="002060"/>
+                </a:solidFill>
+              </a:ln>
+            </p:spPr>
+            <p:style>
+              <a:lnRef idx="2">
+                <a:schemeClr val="accent1">
+                  <a:shade val="50000"/>
+                </a:schemeClr>
+              </a:lnRef>
+              <a:fillRef idx="1">
+                <a:schemeClr val="accent1"/>
+              </a:fillRef>
+              <a:effectRef idx="0">
+                <a:schemeClr val="accent1"/>
+              </a:effectRef>
+              <a:fontRef idx="minor">
+                <a:schemeClr val="lt1"/>
+              </a:fontRef>
+            </p:style>
+            <p:txBody>
+              <a:bodyPr rtlCol="0" anchor="ctr"/>
+              <a:lstStyle/>
+              <a:p>
+                <a:pPr algn="ctr"/>
+                <a:endParaRPr lang="fr-FR"/>
+              </a:p>
+            </p:txBody>
+          </p:sp>
+          <p:grpSp>
+            <p:nvGrpSpPr>
+              <p:cNvPr id="86" name="Groupe 85">
+                <a:extLst>
+                  <a:ext uri="{FF2B5EF4-FFF2-40B4-BE49-F238E27FC236}">
+                    <a16:creationId xmlns:a16="http://schemas.microsoft.com/office/drawing/2014/main" id="{7349EC00-E634-DBC5-5CA3-37A4127DC836}"/>
+                  </a:ext>
+                </a:extLst>
+              </p:cNvPr>
+              <p:cNvGrpSpPr/>
+              <p:nvPr/>
+            </p:nvGrpSpPr>
+            <p:grpSpPr>
+              <a:xfrm>
+                <a:off x="5827140" y="1856779"/>
+                <a:ext cx="494730" cy="406695"/>
+                <a:chOff x="5827140" y="1856779"/>
+                <a:chExt cx="494730" cy="406695"/>
+              </a:xfrm>
+            </p:grpSpPr>
+            <p:cxnSp>
+              <p:nvCxnSpPr>
+                <p:cNvPr id="87" name="Connecteur droit 86">
+                  <a:extLst>
+                    <a:ext uri="{FF2B5EF4-FFF2-40B4-BE49-F238E27FC236}">
+                      <a16:creationId xmlns:a16="http://schemas.microsoft.com/office/drawing/2014/main" id="{27F62CB1-982D-0AC3-7099-459F4CF07B3E}"/>
+                    </a:ext>
+                  </a:extLst>
+                </p:cNvPr>
+                <p:cNvCxnSpPr>
+                  <a:cxnSpLocks/>
+                </p:cNvCxnSpPr>
+                <p:nvPr/>
+              </p:nvCxnSpPr>
+              <p:spPr>
+                <a:xfrm flipH="1">
+                  <a:off x="6194666" y="2075134"/>
+                  <a:ext cx="127204" cy="188340"/>
+                </a:xfrm>
+                <a:prstGeom prst="line">
+                  <a:avLst/>
+                </a:prstGeom>
+                <a:noFill/>
+                <a:ln w="28575">
+                  <a:solidFill>
+                    <a:srgbClr val="00B050"/>
+                  </a:solidFill>
+                </a:ln>
+              </p:spPr>
+              <p:style>
+                <a:lnRef idx="2">
+                  <a:schemeClr val="accent1">
+                    <a:shade val="50000"/>
+                  </a:schemeClr>
+                </a:lnRef>
+                <a:fillRef idx="1">
+                  <a:schemeClr val="accent1"/>
+                </a:fillRef>
+                <a:effectRef idx="0">
+                  <a:schemeClr val="accent1"/>
+                </a:effectRef>
+                <a:fontRef idx="minor">
+                  <a:schemeClr val="lt1"/>
+                </a:fontRef>
+              </p:style>
+            </p:cxnSp>
+            <p:cxnSp>
+              <p:nvCxnSpPr>
+                <p:cNvPr id="88" name="Connecteur droit 87">
+                  <a:extLst>
+                    <a:ext uri="{FF2B5EF4-FFF2-40B4-BE49-F238E27FC236}">
+                      <a16:creationId xmlns:a16="http://schemas.microsoft.com/office/drawing/2014/main" id="{A1ECEEE5-9FBD-DC3F-E469-B31A4E1E6D72}"/>
+                    </a:ext>
+                  </a:extLst>
+                </p:cNvPr>
+                <p:cNvCxnSpPr>
+                  <a:cxnSpLocks/>
+                </p:cNvCxnSpPr>
+                <p:nvPr/>
+              </p:nvCxnSpPr>
+              <p:spPr>
+                <a:xfrm flipH="1">
+                  <a:off x="5827140" y="1856779"/>
+                  <a:ext cx="127204" cy="188340"/>
+                </a:xfrm>
+                <a:prstGeom prst="line">
+                  <a:avLst/>
+                </a:prstGeom>
+                <a:noFill/>
+                <a:ln w="28575">
+                  <a:solidFill>
+                    <a:srgbClr val="00B050"/>
+                  </a:solidFill>
+                </a:ln>
+              </p:spPr>
+              <p:style>
+                <a:lnRef idx="2">
+                  <a:schemeClr val="accent1">
+                    <a:shade val="50000"/>
+                  </a:schemeClr>
+                </a:lnRef>
+                <a:fillRef idx="1">
+                  <a:schemeClr val="accent1"/>
+                </a:fillRef>
+                <a:effectRef idx="0">
+                  <a:schemeClr val="accent1"/>
+                </a:effectRef>
+                <a:fontRef idx="minor">
+                  <a:schemeClr val="lt1"/>
+                </a:fontRef>
+              </p:style>
+            </p:cxnSp>
+          </p:grpSp>
+        </p:grpSp>
+        <p:cxnSp>
+          <p:nvCxnSpPr>
+            <p:cNvPr id="89" name="Connecteur droit 88">
+              <a:extLst>
+                <a:ext uri="{FF2B5EF4-FFF2-40B4-BE49-F238E27FC236}">
+                  <a16:creationId xmlns:a16="http://schemas.microsoft.com/office/drawing/2014/main" id="{78F8384E-FD2C-DBE4-0D0B-B93F9119FA0A}"/>
+                </a:ext>
+              </a:extLst>
+            </p:cNvPr>
+            <p:cNvCxnSpPr>
+              <a:cxnSpLocks/>
+            </p:cNvCxnSpPr>
+            <p:nvPr/>
+          </p:nvCxnSpPr>
+          <p:spPr>
+            <a:xfrm flipH="1">
+              <a:off x="5498802" y="3977248"/>
+              <a:ext cx="340884" cy="199774"/>
+            </a:xfrm>
+            <a:prstGeom prst="line">
+              <a:avLst/>
+            </a:prstGeom>
+            <a:noFill/>
+            <a:ln w="28575">
+              <a:solidFill>
+                <a:srgbClr val="C00000"/>
+              </a:solidFill>
+            </a:ln>
+          </p:spPr>
+          <p:style>
+            <a:lnRef idx="2">
+              <a:schemeClr val="accent1">
+                <a:shade val="50000"/>
+              </a:schemeClr>
+            </a:lnRef>
+            <a:fillRef idx="1">
+              <a:schemeClr val="accent1"/>
+            </a:fillRef>
+            <a:effectRef idx="0">
+              <a:schemeClr val="accent1"/>
+            </a:effectRef>
+            <a:fontRef idx="minor">
+              <a:schemeClr val="lt1"/>
+            </a:fontRef>
+          </p:style>
+        </p:cxnSp>
+        <p:sp>
+          <p:nvSpPr>
+            <p:cNvPr id="90" name="Ellipse 89">
+              <a:extLst>
+                <a:ext uri="{FF2B5EF4-FFF2-40B4-BE49-F238E27FC236}">
+                  <a16:creationId xmlns:a16="http://schemas.microsoft.com/office/drawing/2014/main" id="{B8CAD99F-6F0A-43C5-0AC0-B16C45AC0A05}"/>
+                </a:ext>
+              </a:extLst>
+            </p:cNvPr>
+            <p:cNvSpPr/>
+            <p:nvPr/>
+          </p:nvSpPr>
+          <p:spPr>
+            <a:xfrm>
+              <a:off x="5880688" y="3571799"/>
+              <a:ext cx="224593" cy="218355"/>
+            </a:xfrm>
+            <a:prstGeom prst="ellipse">
+              <a:avLst/>
+            </a:prstGeom>
+            <a:noFill/>
+            <a:ln w="19050">
+              <a:solidFill>
+                <a:srgbClr val="002060"/>
+              </a:solidFill>
+            </a:ln>
+          </p:spPr>
+          <p:style>
+            <a:lnRef idx="2">
+              <a:schemeClr val="accent1">
+                <a:shade val="50000"/>
+              </a:schemeClr>
+            </a:lnRef>
+            <a:fillRef idx="1">
+              <a:schemeClr val="accent1"/>
+            </a:fillRef>
+            <a:effectRef idx="0">
+              <a:schemeClr val="accent1"/>
+            </a:effectRef>
+            <a:fontRef idx="minor">
+              <a:schemeClr val="lt1"/>
+            </a:fontRef>
+          </p:style>
+          <p:txBody>
+            <a:bodyPr rtlCol="0" anchor="ctr"/>
+            <a:lstStyle/>
+            <a:p>
+              <a:pPr algn="ctr"/>
+              <a:r>
+                <a:rPr lang="fr-FR" sz="1100" b="1" dirty="0">
+                  <a:solidFill>
+                    <a:srgbClr val="002060"/>
+                  </a:solidFill>
+                </a:rPr>
+                <a:t>M</a:t>
+              </a:r>
+              <a:endParaRPr lang="fr-FR" b="1" dirty="0">
+                <a:solidFill>
+                  <a:srgbClr val="002060"/>
+                </a:solidFill>
+              </a:endParaRPr>
+            </a:p>
+          </p:txBody>
+        </p:sp>
+        <p:cxnSp>
+          <p:nvCxnSpPr>
+            <p:cNvPr id="91" name="Connecteur droit 90">
+              <a:extLst>
+                <a:ext uri="{FF2B5EF4-FFF2-40B4-BE49-F238E27FC236}">
+                  <a16:creationId xmlns:a16="http://schemas.microsoft.com/office/drawing/2014/main" id="{72BBBE5C-3684-1EF8-EEC3-E0FE73702FD1}"/>
+                </a:ext>
+              </a:extLst>
+            </p:cNvPr>
+            <p:cNvCxnSpPr>
+              <a:cxnSpLocks/>
+            </p:cNvCxnSpPr>
+            <p:nvPr/>
+          </p:nvCxnSpPr>
+          <p:spPr>
+            <a:xfrm flipH="1">
+              <a:off x="6177799" y="4384952"/>
+              <a:ext cx="293551" cy="172035"/>
+            </a:xfrm>
+            <a:prstGeom prst="line">
+              <a:avLst/>
+            </a:prstGeom>
+            <a:noFill/>
+            <a:ln w="28575">
+              <a:solidFill>
+                <a:srgbClr val="C00000"/>
+              </a:solidFill>
+            </a:ln>
+          </p:spPr>
+          <p:style>
+            <a:lnRef idx="2">
+              <a:schemeClr val="accent1">
+                <a:shade val="50000"/>
+              </a:schemeClr>
+            </a:lnRef>
+            <a:fillRef idx="1">
+              <a:schemeClr val="accent1"/>
+            </a:fillRef>
+            <a:effectRef idx="0">
+              <a:schemeClr val="accent1"/>
+            </a:effectRef>
+            <a:fontRef idx="minor">
+              <a:schemeClr val="lt1"/>
+            </a:fontRef>
+          </p:style>
+        </p:cxnSp>
+        <p:sp>
+          <p:nvSpPr>
+            <p:cNvPr id="92" name="Parallélogramme 91">
+              <a:extLst>
+                <a:ext uri="{FF2B5EF4-FFF2-40B4-BE49-F238E27FC236}">
+                  <a16:creationId xmlns:a16="http://schemas.microsoft.com/office/drawing/2014/main" id="{506699A1-3F39-BE27-D99D-8EF6F4023E74}"/>
+                </a:ext>
+              </a:extLst>
+            </p:cNvPr>
+            <p:cNvSpPr/>
+            <p:nvPr/>
+          </p:nvSpPr>
+          <p:spPr>
+            <a:xfrm rot="12600000" flipV="1">
+              <a:off x="5358211" y="4393960"/>
+              <a:ext cx="965674" cy="364196"/>
+            </a:xfrm>
+            <a:prstGeom prst="parallelogram">
+              <a:avLst>
+                <a:gd name="adj" fmla="val 56449"/>
+              </a:avLst>
+            </a:prstGeom>
+            <a:noFill/>
+            <a:ln w="28575">
+              <a:solidFill>
+                <a:srgbClr val="C00000"/>
+              </a:solidFill>
+            </a:ln>
+          </p:spPr>
+          <p:style>
+            <a:lnRef idx="2">
+              <a:schemeClr val="accent1">
+                <a:shade val="50000"/>
+              </a:schemeClr>
+            </a:lnRef>
+            <a:fillRef idx="1">
+              <a:schemeClr val="accent1"/>
+            </a:fillRef>
+            <a:effectRef idx="0">
+              <a:schemeClr val="accent1"/>
+            </a:effectRef>
+            <a:fontRef idx="minor">
+              <a:schemeClr val="lt1"/>
+            </a:fontRef>
+          </p:style>
+          <p:txBody>
+            <a:bodyPr rtlCol="0" anchor="ctr"/>
+            <a:lstStyle/>
+            <a:p>
+              <a:pPr algn="ctr"/>
+              <a:endParaRPr lang="fr-FR"/>
+            </a:p>
+          </p:txBody>
+        </p:sp>
+        <p:sp>
+          <p:nvSpPr>
+            <p:cNvPr id="93" name="Ellipse 92">
+              <a:extLst>
+                <a:ext uri="{FF2B5EF4-FFF2-40B4-BE49-F238E27FC236}">
+                  <a16:creationId xmlns:a16="http://schemas.microsoft.com/office/drawing/2014/main" id="{47468905-5DA6-7BAB-1D40-B3306A5B9000}"/>
+                </a:ext>
+              </a:extLst>
+            </p:cNvPr>
+            <p:cNvSpPr/>
+            <p:nvPr/>
+          </p:nvSpPr>
+          <p:spPr>
+            <a:xfrm>
+              <a:off x="5779011" y="4510368"/>
+              <a:ext cx="75308" cy="133262"/>
+            </a:xfrm>
+            <a:prstGeom prst="ellipse">
+              <a:avLst/>
+            </a:prstGeom>
+            <a:solidFill>
+              <a:srgbClr val="C00000"/>
+            </a:solidFill>
+            <a:ln w="19050">
+              <a:solidFill>
+                <a:srgbClr val="C00000"/>
+              </a:solidFill>
+            </a:ln>
+          </p:spPr>
+          <p:style>
+            <a:lnRef idx="2">
+              <a:schemeClr val="accent1">
+                <a:shade val="50000"/>
+              </a:schemeClr>
+            </a:lnRef>
+            <a:fillRef idx="1">
+              <a:schemeClr val="accent1"/>
+            </a:fillRef>
+            <a:effectRef idx="0">
+              <a:schemeClr val="accent1"/>
+            </a:effectRef>
+            <a:fontRef idx="minor">
+              <a:schemeClr val="lt1"/>
+            </a:fontRef>
+          </p:style>
+          <p:txBody>
+            <a:bodyPr rtlCol="0" anchor="ctr"/>
+            <a:lstStyle/>
+            <a:p>
+              <a:pPr algn="ctr"/>
+              <a:endParaRPr lang="fr-FR" b="1" dirty="0">
+                <a:solidFill>
+                  <a:srgbClr val="002060"/>
+                </a:solidFill>
+              </a:endParaRPr>
+            </a:p>
+          </p:txBody>
+        </p:sp>
+        <p:cxnSp>
+          <p:nvCxnSpPr>
+            <p:cNvPr id="94" name="Connecteur droit 93">
+              <a:extLst>
+                <a:ext uri="{FF2B5EF4-FFF2-40B4-BE49-F238E27FC236}">
+                  <a16:creationId xmlns:a16="http://schemas.microsoft.com/office/drawing/2014/main" id="{FC4B4850-968F-45AC-1D9A-8B4299A61E95}"/>
+                </a:ext>
+              </a:extLst>
+            </p:cNvPr>
+            <p:cNvCxnSpPr>
+              <a:cxnSpLocks/>
+            </p:cNvCxnSpPr>
+            <p:nvPr/>
+          </p:nvCxnSpPr>
+          <p:spPr>
+            <a:xfrm flipV="1">
+              <a:off x="5388113" y="3017520"/>
+              <a:ext cx="0" cy="677708"/>
+            </a:xfrm>
+            <a:prstGeom prst="line">
+              <a:avLst/>
+            </a:prstGeom>
+            <a:noFill/>
+            <a:ln w="28575">
+              <a:solidFill>
+                <a:srgbClr val="002060"/>
+              </a:solidFill>
+            </a:ln>
+          </p:spPr>
+          <p:style>
+            <a:lnRef idx="2">
+              <a:schemeClr val="accent1">
+                <a:shade val="50000"/>
+              </a:schemeClr>
+            </a:lnRef>
+            <a:fillRef idx="1">
+              <a:schemeClr val="accent1"/>
+            </a:fillRef>
+            <a:effectRef idx="0">
+              <a:schemeClr val="accent1"/>
+            </a:effectRef>
+            <a:fontRef idx="minor">
+              <a:schemeClr val="lt1"/>
+            </a:fontRef>
+          </p:style>
+        </p:cxnSp>
+        <p:cxnSp>
+          <p:nvCxnSpPr>
+            <p:cNvPr id="95" name="Connecteur droit 94">
+              <a:extLst>
+                <a:ext uri="{FF2B5EF4-FFF2-40B4-BE49-F238E27FC236}">
+                  <a16:creationId xmlns:a16="http://schemas.microsoft.com/office/drawing/2014/main" id="{0FC71170-1717-AC01-3FDB-A6E4184DE6C3}"/>
+                </a:ext>
+              </a:extLst>
+            </p:cNvPr>
+            <p:cNvCxnSpPr>
+              <a:cxnSpLocks/>
+            </p:cNvCxnSpPr>
+            <p:nvPr/>
+          </p:nvCxnSpPr>
+          <p:spPr>
+            <a:xfrm flipH="1" flipV="1">
+              <a:off x="6939248" y="3934955"/>
+              <a:ext cx="0" cy="688071"/>
+            </a:xfrm>
+            <a:prstGeom prst="line">
+              <a:avLst/>
+            </a:prstGeom>
+            <a:noFill/>
+            <a:ln w="28575">
+              <a:solidFill>
+                <a:srgbClr val="002060"/>
+              </a:solidFill>
+            </a:ln>
+          </p:spPr>
+          <p:style>
+            <a:lnRef idx="2">
+              <a:schemeClr val="accent1">
+                <a:shade val="50000"/>
+              </a:schemeClr>
+            </a:lnRef>
+            <a:fillRef idx="1">
+              <a:schemeClr val="accent1"/>
+            </a:fillRef>
+            <a:effectRef idx="0">
+              <a:schemeClr val="accent1"/>
+            </a:effectRef>
+            <a:fontRef idx="minor">
+              <a:schemeClr val="lt1"/>
+            </a:fontRef>
+          </p:style>
+        </p:cxnSp>
+        <p:cxnSp>
+          <p:nvCxnSpPr>
+            <p:cNvPr id="96" name="Connecteur droit 95">
+              <a:extLst>
+                <a:ext uri="{FF2B5EF4-FFF2-40B4-BE49-F238E27FC236}">
+                  <a16:creationId xmlns:a16="http://schemas.microsoft.com/office/drawing/2014/main" id="{B7A2182A-CF77-141E-73D8-BFE1E2A34492}"/>
+                </a:ext>
+              </a:extLst>
+            </p:cNvPr>
+            <p:cNvCxnSpPr>
+              <a:cxnSpLocks/>
+            </p:cNvCxnSpPr>
+            <p:nvPr/>
+          </p:nvCxnSpPr>
+          <p:spPr>
+            <a:xfrm flipH="1" flipV="1">
+              <a:off x="7121523" y="3924795"/>
+              <a:ext cx="260820" cy="151647"/>
+            </a:xfrm>
+            <a:prstGeom prst="line">
+              <a:avLst/>
+            </a:prstGeom>
+            <a:noFill/>
+            <a:ln w="28575">
+              <a:solidFill>
+                <a:srgbClr val="00B050"/>
+              </a:solidFill>
+            </a:ln>
+          </p:spPr>
+          <p:style>
+            <a:lnRef idx="2">
+              <a:schemeClr val="accent1">
+                <a:shade val="50000"/>
+              </a:schemeClr>
+            </a:lnRef>
+            <a:fillRef idx="1">
+              <a:schemeClr val="accent1"/>
+            </a:fillRef>
+            <a:effectRef idx="0">
+              <a:schemeClr val="accent1"/>
+            </a:effectRef>
+            <a:fontRef idx="minor">
+              <a:schemeClr val="lt1"/>
+            </a:fontRef>
+          </p:style>
+        </p:cxnSp>
+        <p:cxnSp>
+          <p:nvCxnSpPr>
+            <p:cNvPr id="97" name="Connecteur droit 96">
+              <a:extLst>
+                <a:ext uri="{FF2B5EF4-FFF2-40B4-BE49-F238E27FC236}">
+                  <a16:creationId xmlns:a16="http://schemas.microsoft.com/office/drawing/2014/main" id="{4B56B8C3-3EAE-BCCA-8503-9BE678C11F14}"/>
+                </a:ext>
+              </a:extLst>
+            </p:cNvPr>
+            <p:cNvCxnSpPr>
+              <a:cxnSpLocks/>
+            </p:cNvCxnSpPr>
+            <p:nvPr/>
+          </p:nvCxnSpPr>
+          <p:spPr>
+            <a:xfrm>
+              <a:off x="5033452" y="1864053"/>
+              <a:ext cx="5668" cy="820254"/>
+            </a:xfrm>
+            <a:prstGeom prst="line">
+              <a:avLst/>
+            </a:prstGeom>
+            <a:noFill/>
+            <a:ln w="28575">
+              <a:solidFill>
+                <a:srgbClr val="00B050"/>
+              </a:solidFill>
+            </a:ln>
+          </p:spPr>
+          <p:style>
+            <a:lnRef idx="2">
+              <a:schemeClr val="accent1">
+                <a:shade val="50000"/>
+              </a:schemeClr>
+            </a:lnRef>
+            <a:fillRef idx="1">
+              <a:schemeClr val="accent1"/>
+            </a:fillRef>
+            <a:effectRef idx="0">
+              <a:schemeClr val="accent1"/>
+            </a:effectRef>
+            <a:fontRef idx="minor">
+              <a:schemeClr val="lt1"/>
+            </a:fontRef>
+          </p:style>
+        </p:cxnSp>
+        <p:sp>
+          <p:nvSpPr>
+            <p:cNvPr id="98" name="Cylindre 97">
+              <a:extLst>
+                <a:ext uri="{FF2B5EF4-FFF2-40B4-BE49-F238E27FC236}">
+                  <a16:creationId xmlns:a16="http://schemas.microsoft.com/office/drawing/2014/main" id="{24E785D4-0CBE-0C2C-0584-89FEE9AE23B4}"/>
+                </a:ext>
+              </a:extLst>
+            </p:cNvPr>
+            <p:cNvSpPr/>
+            <p:nvPr/>
+          </p:nvSpPr>
+          <p:spPr>
+            <a:xfrm rot="7309303">
+              <a:off x="4989908" y="1559221"/>
+              <a:ext cx="216000" cy="432000"/>
+            </a:xfrm>
+            <a:prstGeom prst="can">
+              <a:avLst>
+                <a:gd name="adj" fmla="val 52625"/>
+              </a:avLst>
+            </a:prstGeom>
+            <a:noFill/>
+            <a:ln w="28575">
+              <a:solidFill>
+                <a:srgbClr val="00B050"/>
+              </a:solidFill>
+            </a:ln>
+          </p:spPr>
+          <p:style>
+            <a:lnRef idx="2">
+              <a:schemeClr val="accent1">
+                <a:shade val="50000"/>
+              </a:schemeClr>
+            </a:lnRef>
+            <a:fillRef idx="1">
+              <a:schemeClr val="accent1"/>
+            </a:fillRef>
+            <a:effectRef idx="0">
+              <a:schemeClr val="accent1"/>
+            </a:effectRef>
+            <a:fontRef idx="minor">
+              <a:schemeClr val="lt1"/>
+            </a:fontRef>
+          </p:style>
+          <p:txBody>
+            <a:bodyPr rtlCol="0" anchor="ctr"/>
+            <a:lstStyle/>
+            <a:p>
+              <a:pPr algn="ctr"/>
+              <a:endParaRPr lang="fr-FR"/>
+            </a:p>
+          </p:txBody>
+        </p:sp>
+        <p:cxnSp>
+          <p:nvCxnSpPr>
+            <p:cNvPr id="99" name="Connecteur droit 98">
+              <a:extLst>
+                <a:ext uri="{FF2B5EF4-FFF2-40B4-BE49-F238E27FC236}">
+                  <a16:creationId xmlns:a16="http://schemas.microsoft.com/office/drawing/2014/main" id="{6AB74F2B-B93C-2EE8-054F-4B7A17A47AA1}"/>
+                </a:ext>
+              </a:extLst>
+            </p:cNvPr>
+            <p:cNvCxnSpPr>
+              <a:cxnSpLocks/>
+            </p:cNvCxnSpPr>
+            <p:nvPr/>
+          </p:nvCxnSpPr>
+          <p:spPr>
+            <a:xfrm>
+              <a:off x="7377320" y="3262999"/>
+              <a:ext cx="5668" cy="820254"/>
+            </a:xfrm>
+            <a:prstGeom prst="line">
+              <a:avLst/>
+            </a:prstGeom>
+            <a:noFill/>
+            <a:ln w="28575">
+              <a:solidFill>
+                <a:srgbClr val="00B050"/>
+              </a:solidFill>
+            </a:ln>
+          </p:spPr>
+          <p:style>
+            <a:lnRef idx="2">
+              <a:schemeClr val="accent1">
+                <a:shade val="50000"/>
+              </a:schemeClr>
+            </a:lnRef>
+            <a:fillRef idx="1">
+              <a:schemeClr val="accent1"/>
+            </a:fillRef>
+            <a:effectRef idx="0">
+              <a:schemeClr val="accent1"/>
+            </a:effectRef>
+            <a:fontRef idx="minor">
+              <a:schemeClr val="lt1"/>
+            </a:fontRef>
+          </p:style>
+        </p:cxnSp>
+        <p:sp>
+          <p:nvSpPr>
+            <p:cNvPr id="100" name="Cylindre 99">
+              <a:extLst>
+                <a:ext uri="{FF2B5EF4-FFF2-40B4-BE49-F238E27FC236}">
+                  <a16:creationId xmlns:a16="http://schemas.microsoft.com/office/drawing/2014/main" id="{9D5C0F03-1E7E-6878-349E-CC6D28AED53A}"/>
+                </a:ext>
+              </a:extLst>
+            </p:cNvPr>
+            <p:cNvSpPr/>
+            <p:nvPr/>
+          </p:nvSpPr>
+          <p:spPr>
+            <a:xfrm rot="7309303">
+              <a:off x="7333776" y="2958167"/>
+              <a:ext cx="216000" cy="432000"/>
+            </a:xfrm>
+            <a:prstGeom prst="can">
+              <a:avLst>
+                <a:gd name="adj" fmla="val 52625"/>
+              </a:avLst>
+            </a:prstGeom>
+            <a:noFill/>
+            <a:ln w="28575">
+              <a:solidFill>
+                <a:srgbClr val="00B050"/>
+              </a:solidFill>
+            </a:ln>
+          </p:spPr>
+          <p:style>
+            <a:lnRef idx="2">
+              <a:schemeClr val="accent1">
+                <a:shade val="50000"/>
+              </a:schemeClr>
+            </a:lnRef>
+            <a:fillRef idx="1">
+              <a:schemeClr val="accent1"/>
+            </a:fillRef>
+            <a:effectRef idx="0">
+              <a:schemeClr val="accent1"/>
+            </a:effectRef>
+            <a:fontRef idx="minor">
+              <a:schemeClr val="lt1"/>
+            </a:fontRef>
+          </p:style>
+          <p:txBody>
+            <a:bodyPr rtlCol="0" anchor="ctr"/>
+            <a:lstStyle/>
+            <a:p>
+              <a:pPr algn="ctr"/>
+              <a:endParaRPr lang="fr-FR"/>
+            </a:p>
+          </p:txBody>
+        </p:sp>
+        <p:cxnSp>
+          <p:nvCxnSpPr>
+            <p:cNvPr id="101" name="Connecteur droit 100">
+              <a:extLst>
+                <a:ext uri="{FF2B5EF4-FFF2-40B4-BE49-F238E27FC236}">
+                  <a16:creationId xmlns:a16="http://schemas.microsoft.com/office/drawing/2014/main" id="{2358B9CC-EB4F-9BC0-79C2-0702948E8D50}"/>
+                </a:ext>
+              </a:extLst>
+            </p:cNvPr>
+            <p:cNvCxnSpPr>
+              <a:cxnSpLocks/>
+            </p:cNvCxnSpPr>
+            <p:nvPr/>
+          </p:nvCxnSpPr>
+          <p:spPr>
+            <a:xfrm flipH="1" flipV="1">
+              <a:off x="5281442" y="1889113"/>
+              <a:ext cx="1976800" cy="1171162"/>
+            </a:xfrm>
+            <a:prstGeom prst="line">
+              <a:avLst/>
+            </a:prstGeom>
+            <a:noFill/>
+            <a:ln w="28575">
+              <a:solidFill>
+                <a:schemeClr val="accent2"/>
+              </a:solidFill>
+            </a:ln>
+          </p:spPr>
+          <p:style>
+            <a:lnRef idx="2">
+              <a:schemeClr val="accent1">
+                <a:shade val="50000"/>
+              </a:schemeClr>
+            </a:lnRef>
+            <a:fillRef idx="1">
+              <a:schemeClr val="accent1"/>
+            </a:fillRef>
+            <a:effectRef idx="0">
+              <a:schemeClr val="accent1"/>
+            </a:effectRef>
+            <a:fontRef idx="minor">
+              <a:schemeClr val="lt1"/>
+            </a:fontRef>
+          </p:style>
+        </p:cxnSp>
+        <p:cxnSp>
+          <p:nvCxnSpPr>
+            <p:cNvPr id="102" name="Connecteur droit 101">
+              <a:extLst>
+                <a:ext uri="{FF2B5EF4-FFF2-40B4-BE49-F238E27FC236}">
+                  <a16:creationId xmlns:a16="http://schemas.microsoft.com/office/drawing/2014/main" id="{25F7DC2B-7216-F3D1-6F5A-20A769A0AE40}"/>
+                </a:ext>
+              </a:extLst>
+            </p:cNvPr>
+            <p:cNvCxnSpPr>
+              <a:cxnSpLocks/>
+            </p:cNvCxnSpPr>
+            <p:nvPr/>
+          </p:nvCxnSpPr>
+          <p:spPr>
+            <a:xfrm flipH="1" flipV="1">
+              <a:off x="7564617" y="3259549"/>
+              <a:ext cx="194839" cy="115433"/>
+            </a:xfrm>
+            <a:prstGeom prst="line">
+              <a:avLst/>
+            </a:prstGeom>
+            <a:noFill/>
+            <a:ln w="28575">
+              <a:solidFill>
+                <a:schemeClr val="accent2"/>
+              </a:solidFill>
+            </a:ln>
+          </p:spPr>
+          <p:style>
+            <a:lnRef idx="2">
+              <a:schemeClr val="accent1">
+                <a:shade val="50000"/>
+              </a:schemeClr>
+            </a:lnRef>
+            <a:fillRef idx="1">
+              <a:schemeClr val="accent1"/>
+            </a:fillRef>
+            <a:effectRef idx="0">
+              <a:schemeClr val="accent1"/>
+            </a:effectRef>
+            <a:fontRef idx="minor">
+              <a:schemeClr val="lt1"/>
+            </a:fontRef>
+          </p:style>
+        </p:cxnSp>
+        <p:cxnSp>
+          <p:nvCxnSpPr>
+            <p:cNvPr id="103" name="Connecteur droit 102">
+              <a:extLst>
+                <a:ext uri="{FF2B5EF4-FFF2-40B4-BE49-F238E27FC236}">
+                  <a16:creationId xmlns:a16="http://schemas.microsoft.com/office/drawing/2014/main" id="{5216109C-3467-AEB1-30B8-6259816DB263}"/>
+                </a:ext>
+              </a:extLst>
+            </p:cNvPr>
+            <p:cNvCxnSpPr>
+              <a:cxnSpLocks/>
+            </p:cNvCxnSpPr>
+            <p:nvPr/>
+          </p:nvCxnSpPr>
+          <p:spPr>
+            <a:xfrm flipH="1" flipV="1">
+              <a:off x="4715558" y="1550349"/>
+              <a:ext cx="194839" cy="115433"/>
+            </a:xfrm>
+            <a:prstGeom prst="line">
+              <a:avLst/>
+            </a:prstGeom>
+            <a:noFill/>
+            <a:ln w="28575">
+              <a:solidFill>
+                <a:schemeClr val="accent2"/>
+              </a:solidFill>
+            </a:ln>
+          </p:spPr>
+          <p:style>
+            <a:lnRef idx="2">
+              <a:schemeClr val="accent1">
+                <a:shade val="50000"/>
+              </a:schemeClr>
+            </a:lnRef>
+            <a:fillRef idx="1">
+              <a:schemeClr val="accent1"/>
+            </a:fillRef>
+            <a:effectRef idx="0">
+              <a:schemeClr val="accent1"/>
+            </a:effectRef>
+            <a:fontRef idx="minor">
+              <a:schemeClr val="lt1"/>
+            </a:fontRef>
+          </p:style>
+        </p:cxnSp>
+        <p:cxnSp>
+          <p:nvCxnSpPr>
+            <p:cNvPr id="104" name="Connecteur droit 103">
+              <a:extLst>
+                <a:ext uri="{FF2B5EF4-FFF2-40B4-BE49-F238E27FC236}">
+                  <a16:creationId xmlns:a16="http://schemas.microsoft.com/office/drawing/2014/main" id="{F4E57548-D1BB-85FD-677D-55E8A6098116}"/>
+                </a:ext>
+              </a:extLst>
+            </p:cNvPr>
+            <p:cNvCxnSpPr>
+              <a:cxnSpLocks/>
+            </p:cNvCxnSpPr>
+            <p:nvPr/>
+          </p:nvCxnSpPr>
+          <p:spPr>
+            <a:xfrm flipH="1">
+              <a:off x="4846795" y="1551528"/>
+              <a:ext cx="127204" cy="188340"/>
+            </a:xfrm>
+            <a:prstGeom prst="line">
+              <a:avLst/>
+            </a:prstGeom>
+            <a:noFill/>
+            <a:ln w="28575">
+              <a:solidFill>
+                <a:schemeClr val="accent2"/>
+              </a:solidFill>
+            </a:ln>
+          </p:spPr>
+          <p:style>
+            <a:lnRef idx="2">
+              <a:schemeClr val="accent1">
+                <a:shade val="50000"/>
+              </a:schemeClr>
+            </a:lnRef>
+            <a:fillRef idx="1">
+              <a:schemeClr val="accent1"/>
+            </a:fillRef>
+            <a:effectRef idx="0">
+              <a:schemeClr val="accent1"/>
+            </a:effectRef>
+            <a:fontRef idx="minor">
+              <a:schemeClr val="lt1"/>
+            </a:fontRef>
+          </p:style>
+        </p:cxnSp>
+        <p:cxnSp>
+          <p:nvCxnSpPr>
+            <p:cNvPr id="105" name="Connecteur droit 104">
+              <a:extLst>
+                <a:ext uri="{FF2B5EF4-FFF2-40B4-BE49-F238E27FC236}">
+                  <a16:creationId xmlns:a16="http://schemas.microsoft.com/office/drawing/2014/main" id="{253B6294-7607-7299-4701-B0FAB3BB7BA5}"/>
+                </a:ext>
+              </a:extLst>
+            </p:cNvPr>
+            <p:cNvCxnSpPr>
+              <a:cxnSpLocks/>
+            </p:cNvCxnSpPr>
+            <p:nvPr/>
+          </p:nvCxnSpPr>
+          <p:spPr>
+            <a:xfrm flipH="1">
+              <a:off x="5196045" y="1780128"/>
+              <a:ext cx="127204" cy="188340"/>
+            </a:xfrm>
+            <a:prstGeom prst="line">
+              <a:avLst/>
+            </a:prstGeom>
+            <a:noFill/>
+            <a:ln w="28575">
+              <a:solidFill>
+                <a:schemeClr val="accent2"/>
+              </a:solidFill>
+            </a:ln>
+          </p:spPr>
+          <p:style>
+            <a:lnRef idx="2">
+              <a:schemeClr val="accent1">
+                <a:shade val="50000"/>
+              </a:schemeClr>
+            </a:lnRef>
+            <a:fillRef idx="1">
+              <a:schemeClr val="accent1"/>
+            </a:fillRef>
+            <a:effectRef idx="0">
+              <a:schemeClr val="accent1"/>
+            </a:effectRef>
+            <a:fontRef idx="minor">
+              <a:schemeClr val="lt1"/>
+            </a:fontRef>
+          </p:style>
+        </p:cxnSp>
+        <p:cxnSp>
+          <p:nvCxnSpPr>
+            <p:cNvPr id="106" name="Connecteur droit 105">
+              <a:extLst>
+                <a:ext uri="{FF2B5EF4-FFF2-40B4-BE49-F238E27FC236}">
+                  <a16:creationId xmlns:a16="http://schemas.microsoft.com/office/drawing/2014/main" id="{21442DCD-B479-D00D-6689-C9458DA907C3}"/>
+                </a:ext>
+              </a:extLst>
+            </p:cNvPr>
+            <p:cNvCxnSpPr>
+              <a:cxnSpLocks/>
+            </p:cNvCxnSpPr>
+            <p:nvPr/>
+          </p:nvCxnSpPr>
+          <p:spPr>
+            <a:xfrm flipH="1">
+              <a:off x="7186686" y="2945245"/>
+              <a:ext cx="127204" cy="188340"/>
+            </a:xfrm>
+            <a:prstGeom prst="line">
+              <a:avLst/>
+            </a:prstGeom>
+            <a:noFill/>
+            <a:ln w="28575">
+              <a:solidFill>
+                <a:schemeClr val="accent2"/>
+              </a:solidFill>
+            </a:ln>
+          </p:spPr>
+          <p:style>
+            <a:lnRef idx="2">
+              <a:schemeClr val="accent1">
+                <a:shade val="50000"/>
+              </a:schemeClr>
+            </a:lnRef>
+            <a:fillRef idx="1">
+              <a:schemeClr val="accent1"/>
+            </a:fillRef>
+            <a:effectRef idx="0">
+              <a:schemeClr val="accent1"/>
+            </a:effectRef>
+            <a:fontRef idx="minor">
+              <a:schemeClr val="lt1"/>
+            </a:fontRef>
+          </p:style>
+        </p:cxnSp>
+        <p:cxnSp>
+          <p:nvCxnSpPr>
+            <p:cNvPr id="107" name="Connecteur droit 106">
+              <a:extLst>
+                <a:ext uri="{FF2B5EF4-FFF2-40B4-BE49-F238E27FC236}">
+                  <a16:creationId xmlns:a16="http://schemas.microsoft.com/office/drawing/2014/main" id="{C662F27D-9F32-E7E9-1C31-007EF83B5F5B}"/>
+                </a:ext>
+              </a:extLst>
+            </p:cNvPr>
+            <p:cNvCxnSpPr>
+              <a:cxnSpLocks/>
+            </p:cNvCxnSpPr>
+            <p:nvPr/>
+          </p:nvCxnSpPr>
+          <p:spPr>
+            <a:xfrm flipH="1">
+              <a:off x="7530050" y="3186642"/>
+              <a:ext cx="127204" cy="188340"/>
+            </a:xfrm>
+            <a:prstGeom prst="line">
+              <a:avLst/>
+            </a:prstGeom>
+            <a:noFill/>
+            <a:ln w="28575">
+              <a:solidFill>
+                <a:schemeClr val="accent2"/>
+              </a:solidFill>
+            </a:ln>
+          </p:spPr>
+          <p:style>
+            <a:lnRef idx="2">
+              <a:schemeClr val="accent1">
+                <a:shade val="50000"/>
+              </a:schemeClr>
+            </a:lnRef>
+            <a:fillRef idx="1">
+              <a:schemeClr val="accent1"/>
+            </a:fillRef>
+            <a:effectRef idx="0">
+              <a:schemeClr val="accent1"/>
+            </a:effectRef>
+            <a:fontRef idx="minor">
+              <a:schemeClr val="lt1"/>
+            </a:fontRef>
+          </p:style>
+        </p:cxnSp>
+        <p:sp>
+          <p:nvSpPr>
+            <p:cNvPr id="108" name="Parallélogramme 107">
+              <a:extLst>
+                <a:ext uri="{FF2B5EF4-FFF2-40B4-BE49-F238E27FC236}">
+                  <a16:creationId xmlns:a16="http://schemas.microsoft.com/office/drawing/2014/main" id="{4FC170EE-3B64-7A7B-7910-9A29E569D7BB}"/>
+                </a:ext>
+              </a:extLst>
+            </p:cNvPr>
+            <p:cNvSpPr/>
+            <p:nvPr/>
+          </p:nvSpPr>
+          <p:spPr>
+            <a:xfrm rot="16200000" flipV="1">
+              <a:off x="4559783" y="1451479"/>
+              <a:ext cx="311550" cy="197740"/>
+            </a:xfrm>
+            <a:prstGeom prst="parallelogram">
+              <a:avLst>
+                <a:gd name="adj" fmla="val 65507"/>
+              </a:avLst>
+            </a:prstGeom>
+            <a:noFill/>
+            <a:ln w="28575">
+              <a:solidFill>
+                <a:schemeClr val="accent2"/>
+              </a:solidFill>
+            </a:ln>
+          </p:spPr>
+          <p:style>
+            <a:lnRef idx="2">
+              <a:schemeClr val="accent1">
+                <a:shade val="50000"/>
+              </a:schemeClr>
+            </a:lnRef>
+            <a:fillRef idx="1">
+              <a:schemeClr val="accent1"/>
+            </a:fillRef>
+            <a:effectRef idx="0">
+              <a:schemeClr val="accent1"/>
+            </a:effectRef>
+            <a:fontRef idx="minor">
+              <a:schemeClr val="lt1"/>
+            </a:fontRef>
+          </p:style>
+          <p:txBody>
+            <a:bodyPr rtlCol="0" anchor="ctr"/>
+            <a:lstStyle/>
+            <a:p>
+              <a:pPr algn="ctr"/>
+              <a:endParaRPr lang="fr-FR"/>
+            </a:p>
+          </p:txBody>
+        </p:sp>
+        <p:sp>
+          <p:nvSpPr>
+            <p:cNvPr id="109" name="Parallélogramme 108">
+              <a:extLst>
+                <a:ext uri="{FF2B5EF4-FFF2-40B4-BE49-F238E27FC236}">
+                  <a16:creationId xmlns:a16="http://schemas.microsoft.com/office/drawing/2014/main" id="{851E28DD-C851-06E0-D01E-A6C8AFAABC3E}"/>
+                </a:ext>
+              </a:extLst>
+            </p:cNvPr>
+            <p:cNvSpPr/>
+            <p:nvPr/>
+          </p:nvSpPr>
+          <p:spPr>
+            <a:xfrm rot="16200000" flipV="1">
+              <a:off x="7676115" y="3307325"/>
+              <a:ext cx="311550" cy="197740"/>
+            </a:xfrm>
+            <a:prstGeom prst="parallelogram">
+              <a:avLst>
+                <a:gd name="adj" fmla="val 65507"/>
+              </a:avLst>
+            </a:prstGeom>
+            <a:noFill/>
+            <a:ln w="28575">
+              <a:solidFill>
+                <a:schemeClr val="accent2"/>
+              </a:solidFill>
+            </a:ln>
+          </p:spPr>
+          <p:style>
+            <a:lnRef idx="2">
+              <a:schemeClr val="accent1">
+                <a:shade val="50000"/>
+              </a:schemeClr>
+            </a:lnRef>
+            <a:fillRef idx="1">
+              <a:schemeClr val="accent1"/>
+            </a:fillRef>
+            <a:effectRef idx="0">
+              <a:schemeClr val="accent1"/>
+            </a:effectRef>
+            <a:fontRef idx="minor">
+              <a:schemeClr val="lt1"/>
+            </a:fontRef>
+          </p:style>
+          <p:txBody>
+            <a:bodyPr rtlCol="0" anchor="ctr"/>
+            <a:lstStyle/>
+            <a:p>
+              <a:pPr algn="ctr"/>
+              <a:endParaRPr lang="fr-FR"/>
+            </a:p>
+          </p:txBody>
+        </p:sp>
+        <p:sp>
+          <p:nvSpPr>
+            <p:cNvPr id="110" name="Ellipse 109">
+              <a:extLst>
+                <a:ext uri="{FF2B5EF4-FFF2-40B4-BE49-F238E27FC236}">
+                  <a16:creationId xmlns:a16="http://schemas.microsoft.com/office/drawing/2014/main" id="{6AD612AC-0828-5FCC-9C3E-B8D11CF3CA3E}"/>
+                </a:ext>
+              </a:extLst>
+            </p:cNvPr>
+            <p:cNvSpPr/>
+            <p:nvPr/>
+          </p:nvSpPr>
+          <p:spPr>
+            <a:xfrm>
+              <a:off x="5428798" y="2524259"/>
+              <a:ext cx="224593" cy="218355"/>
+            </a:xfrm>
+            <a:prstGeom prst="ellipse">
+              <a:avLst/>
+            </a:prstGeom>
+            <a:noFill/>
+            <a:ln w="19050">
+              <a:solidFill>
+                <a:srgbClr val="002060"/>
+              </a:solidFill>
+            </a:ln>
+          </p:spPr>
+          <p:style>
+            <a:lnRef idx="2">
+              <a:schemeClr val="accent1">
+                <a:shade val="50000"/>
+              </a:schemeClr>
+            </a:lnRef>
+            <a:fillRef idx="1">
+              <a:schemeClr val="accent1"/>
+            </a:fillRef>
+            <a:effectRef idx="0">
+              <a:schemeClr val="accent1"/>
+            </a:effectRef>
+            <a:fontRef idx="minor">
+              <a:schemeClr val="lt1"/>
+            </a:fontRef>
+          </p:style>
+          <p:txBody>
+            <a:bodyPr rtlCol="0" anchor="ctr"/>
+            <a:lstStyle/>
+            <a:p>
+              <a:pPr algn="ctr"/>
+              <a:r>
+                <a:rPr lang="fr-FR" sz="1100" b="1" dirty="0">
+                  <a:solidFill>
+                    <a:srgbClr val="002060"/>
+                  </a:solidFill>
+                </a:rPr>
+                <a:t>M</a:t>
+              </a:r>
+              <a:endParaRPr lang="fr-FR" b="1" dirty="0">
+                <a:solidFill>
+                  <a:srgbClr val="002060"/>
+                </a:solidFill>
+              </a:endParaRPr>
+            </a:p>
+          </p:txBody>
+        </p:sp>
+        <p:sp>
+          <p:nvSpPr>
+            <p:cNvPr id="111" name="Ellipse 110">
+              <a:extLst>
+                <a:ext uri="{FF2B5EF4-FFF2-40B4-BE49-F238E27FC236}">
+                  <a16:creationId xmlns:a16="http://schemas.microsoft.com/office/drawing/2014/main" id="{334FE5BA-5894-2DAE-F3C2-54FC77D24481}"/>
+                </a:ext>
+              </a:extLst>
+            </p:cNvPr>
+            <p:cNvSpPr/>
+            <p:nvPr/>
+          </p:nvSpPr>
+          <p:spPr>
+            <a:xfrm>
+              <a:off x="6189892" y="2136269"/>
+              <a:ext cx="224593" cy="218355"/>
+            </a:xfrm>
+            <a:prstGeom prst="ellipse">
+              <a:avLst/>
+            </a:prstGeom>
+            <a:noFill/>
+            <a:ln w="19050">
+              <a:solidFill>
+                <a:schemeClr val="accent2"/>
+              </a:solidFill>
+            </a:ln>
+          </p:spPr>
+          <p:style>
+            <a:lnRef idx="2">
+              <a:schemeClr val="accent1">
+                <a:shade val="50000"/>
+              </a:schemeClr>
+            </a:lnRef>
+            <a:fillRef idx="1">
+              <a:schemeClr val="accent1"/>
+            </a:fillRef>
+            <a:effectRef idx="0">
+              <a:schemeClr val="accent1"/>
+            </a:effectRef>
+            <a:fontRef idx="minor">
+              <a:schemeClr val="lt1"/>
+            </a:fontRef>
+          </p:style>
+          <p:txBody>
+            <a:bodyPr rtlCol="0" anchor="ctr"/>
+            <a:lstStyle/>
+            <a:p>
+              <a:pPr algn="ctr"/>
+              <a:r>
+                <a:rPr lang="fr-FR" sz="1100" b="1" dirty="0">
+                  <a:solidFill>
+                    <a:schemeClr val="accent2">
+                      <a:lumMod val="75000"/>
+                    </a:schemeClr>
+                  </a:solidFill>
+                </a:rPr>
+                <a:t>0</a:t>
+              </a:r>
+              <a:endParaRPr lang="fr-FR" b="1" dirty="0">
+                <a:solidFill>
+                  <a:schemeClr val="accent2">
+                    <a:lumMod val="75000"/>
+                  </a:schemeClr>
+                </a:solidFill>
+              </a:endParaRPr>
+            </a:p>
+          </p:txBody>
+        </p:sp>
+        <p:sp>
+          <p:nvSpPr>
+            <p:cNvPr id="112" name="Ellipse 111">
+              <a:extLst>
+                <a:ext uri="{FF2B5EF4-FFF2-40B4-BE49-F238E27FC236}">
+                  <a16:creationId xmlns:a16="http://schemas.microsoft.com/office/drawing/2014/main" id="{F09D3F79-8D4A-C12C-4FFF-EC802B9C9762}"/>
+                </a:ext>
+              </a:extLst>
+            </p:cNvPr>
+            <p:cNvSpPr/>
+            <p:nvPr/>
+          </p:nvSpPr>
+          <p:spPr>
+            <a:xfrm>
+              <a:off x="7453363" y="3894317"/>
+              <a:ext cx="224593" cy="218355"/>
+            </a:xfrm>
+            <a:prstGeom prst="ellipse">
+              <a:avLst/>
+            </a:prstGeom>
+            <a:noFill/>
+            <a:ln w="19050">
+              <a:solidFill>
+                <a:srgbClr val="00B050"/>
+              </a:solidFill>
+            </a:ln>
+          </p:spPr>
+          <p:style>
+            <a:lnRef idx="2">
+              <a:schemeClr val="accent1">
+                <a:shade val="50000"/>
+              </a:schemeClr>
+            </a:lnRef>
+            <a:fillRef idx="1">
+              <a:schemeClr val="accent1"/>
+            </a:fillRef>
+            <a:effectRef idx="0">
+              <a:schemeClr val="accent1"/>
+            </a:effectRef>
+            <a:fontRef idx="minor">
+              <a:schemeClr val="lt1"/>
+            </a:fontRef>
+          </p:style>
+          <p:txBody>
+            <a:bodyPr rtlCol="0" anchor="ctr"/>
+            <a:lstStyle/>
+            <a:p>
+              <a:pPr algn="ctr"/>
+              <a:r>
+                <a:rPr lang="fr-FR" sz="1100" b="1" dirty="0">
+                  <a:solidFill>
+                    <a:srgbClr val="00B050"/>
+                  </a:solidFill>
+                </a:rPr>
+                <a:t>1</a:t>
+              </a:r>
+              <a:endParaRPr lang="fr-FR" b="1" dirty="0">
+                <a:solidFill>
+                  <a:srgbClr val="00B050"/>
+                </a:solidFill>
+              </a:endParaRPr>
+            </a:p>
+          </p:txBody>
+        </p:sp>
+        <p:sp>
+          <p:nvSpPr>
+            <p:cNvPr id="113" name="Ellipse 112">
+              <a:extLst>
+                <a:ext uri="{FF2B5EF4-FFF2-40B4-BE49-F238E27FC236}">
+                  <a16:creationId xmlns:a16="http://schemas.microsoft.com/office/drawing/2014/main" id="{6CBB3462-FBCB-53E5-2ADD-3AA109CB5496}"/>
+                </a:ext>
+              </a:extLst>
+            </p:cNvPr>
+            <p:cNvSpPr/>
+            <p:nvPr/>
+          </p:nvSpPr>
+          <p:spPr>
+            <a:xfrm>
+              <a:off x="6979062" y="4556987"/>
+              <a:ext cx="224593" cy="218355"/>
+            </a:xfrm>
+            <a:prstGeom prst="ellipse">
+              <a:avLst/>
+            </a:prstGeom>
+            <a:noFill/>
+            <a:ln w="19050">
+              <a:solidFill>
+                <a:srgbClr val="002060"/>
+              </a:solidFill>
+            </a:ln>
+          </p:spPr>
+          <p:style>
+            <a:lnRef idx="2">
+              <a:schemeClr val="accent1">
+                <a:shade val="50000"/>
+              </a:schemeClr>
+            </a:lnRef>
+            <a:fillRef idx="1">
+              <a:schemeClr val="accent1"/>
+            </a:fillRef>
+            <a:effectRef idx="0">
+              <a:schemeClr val="accent1"/>
+            </a:effectRef>
+            <a:fontRef idx="minor">
+              <a:schemeClr val="lt1"/>
+            </a:fontRef>
+          </p:style>
+          <p:txBody>
+            <a:bodyPr rtlCol="0" anchor="ctr"/>
+            <a:lstStyle/>
+            <a:p>
+              <a:pPr algn="ctr"/>
+              <a:r>
+                <a:rPr lang="fr-FR" sz="1100" b="1" dirty="0">
+                  <a:solidFill>
+                    <a:srgbClr val="002060"/>
+                  </a:solidFill>
+                </a:rPr>
+                <a:t>2</a:t>
+              </a:r>
+              <a:endParaRPr lang="fr-FR" b="1" dirty="0">
+                <a:solidFill>
+                  <a:srgbClr val="002060"/>
+                </a:solidFill>
+              </a:endParaRPr>
+            </a:p>
+          </p:txBody>
+        </p:sp>
+        <p:sp>
+          <p:nvSpPr>
+            <p:cNvPr id="114" name="Ellipse 113">
+              <a:extLst>
+                <a:ext uri="{FF2B5EF4-FFF2-40B4-BE49-F238E27FC236}">
+                  <a16:creationId xmlns:a16="http://schemas.microsoft.com/office/drawing/2014/main" id="{8DE06AAA-2B03-9D44-3B91-7404D9C40BB7}"/>
+                </a:ext>
+              </a:extLst>
+            </p:cNvPr>
+            <p:cNvSpPr/>
+            <p:nvPr/>
+          </p:nvSpPr>
+          <p:spPr>
+            <a:xfrm>
+              <a:off x="5647675" y="4886432"/>
+              <a:ext cx="224593" cy="218355"/>
+            </a:xfrm>
+            <a:prstGeom prst="ellipse">
+              <a:avLst/>
+            </a:prstGeom>
+            <a:noFill/>
+            <a:ln w="19050">
+              <a:solidFill>
+                <a:srgbClr val="C00000"/>
+              </a:solidFill>
+            </a:ln>
+          </p:spPr>
+          <p:style>
+            <a:lnRef idx="2">
+              <a:schemeClr val="accent1">
+                <a:shade val="50000"/>
+              </a:schemeClr>
+            </a:lnRef>
+            <a:fillRef idx="1">
+              <a:schemeClr val="accent1"/>
+            </a:fillRef>
+            <a:effectRef idx="0">
+              <a:schemeClr val="accent1"/>
+            </a:effectRef>
+            <a:fontRef idx="minor">
+              <a:schemeClr val="lt1"/>
+            </a:fontRef>
+          </p:style>
+          <p:txBody>
+            <a:bodyPr rtlCol="0" anchor="ctr"/>
+            <a:lstStyle/>
+            <a:p>
+              <a:pPr algn="ctr"/>
+              <a:r>
+                <a:rPr lang="fr-FR" sz="1100" b="1" dirty="0">
+                  <a:solidFill>
+                    <a:srgbClr val="C00000"/>
+                  </a:solidFill>
+                </a:rPr>
+                <a:t>3</a:t>
+              </a:r>
+              <a:endParaRPr lang="fr-FR" b="1" dirty="0">
+                <a:solidFill>
+                  <a:srgbClr val="C00000"/>
+                </a:solidFill>
+              </a:endParaRPr>
+            </a:p>
+          </p:txBody>
+        </p:sp>
+        <p:cxnSp>
+          <p:nvCxnSpPr>
+            <p:cNvPr id="115" name="Connecteur droit avec flèche 114">
+              <a:extLst>
+                <a:ext uri="{FF2B5EF4-FFF2-40B4-BE49-F238E27FC236}">
+                  <a16:creationId xmlns:a16="http://schemas.microsoft.com/office/drawing/2014/main" id="{A831125E-5DC8-43F4-57A4-D9FCB9549AA2}"/>
+                </a:ext>
+              </a:extLst>
+            </p:cNvPr>
+            <p:cNvCxnSpPr>
+              <a:cxnSpLocks/>
+            </p:cNvCxnSpPr>
+            <p:nvPr/>
+          </p:nvCxnSpPr>
+          <p:spPr>
+            <a:xfrm>
+              <a:off x="7801334" y="3406195"/>
+              <a:ext cx="474620" cy="274781"/>
+            </a:xfrm>
+            <a:prstGeom prst="straightConnector1">
+              <a:avLst/>
+            </a:prstGeom>
+            <a:ln>
+              <a:solidFill>
+                <a:schemeClr val="accent2">
+                  <a:lumMod val="75000"/>
+                </a:schemeClr>
+              </a:solidFill>
+              <a:tailEnd type="stealth" w="med" len="lg"/>
+            </a:ln>
+          </p:spPr>
+          <p:style>
+            <a:lnRef idx="1">
+              <a:schemeClr val="accent1"/>
+            </a:lnRef>
+            <a:fillRef idx="0">
+              <a:schemeClr val="accent1"/>
+            </a:fillRef>
+            <a:effectRef idx="0">
+              <a:schemeClr val="accent1"/>
+            </a:effectRef>
+            <a:fontRef idx="minor">
+              <a:schemeClr val="tx1"/>
+            </a:fontRef>
+          </p:style>
+        </p:cxnSp>
+        <p:cxnSp>
+          <p:nvCxnSpPr>
+            <p:cNvPr id="116" name="Connecteur droit avec flèche 115">
+              <a:extLst>
+                <a:ext uri="{FF2B5EF4-FFF2-40B4-BE49-F238E27FC236}">
+                  <a16:creationId xmlns:a16="http://schemas.microsoft.com/office/drawing/2014/main" id="{0A347EE0-E4CE-162C-A532-A2B283008564}"/>
+                </a:ext>
+              </a:extLst>
+            </p:cNvPr>
+            <p:cNvCxnSpPr>
+              <a:cxnSpLocks/>
+            </p:cNvCxnSpPr>
+            <p:nvPr/>
+          </p:nvCxnSpPr>
+          <p:spPr>
+            <a:xfrm flipV="1">
+              <a:off x="7831890" y="2616628"/>
+              <a:ext cx="0" cy="836328"/>
+            </a:xfrm>
+            <a:prstGeom prst="straightConnector1">
+              <a:avLst/>
+            </a:prstGeom>
+            <a:ln>
+              <a:solidFill>
+                <a:schemeClr val="accent2">
+                  <a:lumMod val="75000"/>
+                </a:schemeClr>
+              </a:solidFill>
+              <a:tailEnd type="stealth" w="med" len="lg"/>
+            </a:ln>
+          </p:spPr>
+          <p:style>
+            <a:lnRef idx="1">
+              <a:schemeClr val="accent1"/>
+            </a:lnRef>
+            <a:fillRef idx="0">
+              <a:schemeClr val="accent1"/>
+            </a:fillRef>
+            <a:effectRef idx="0">
+              <a:schemeClr val="accent1"/>
+            </a:effectRef>
+            <a:fontRef idx="minor">
+              <a:schemeClr val="tx1"/>
+            </a:fontRef>
+          </p:style>
+        </p:cxnSp>
+        <mc:AlternateContent xmlns:mc="http://schemas.openxmlformats.org/markup-compatibility/2006">
+          <mc:Choice xmlns:a14="http://schemas.microsoft.com/office/drawing/2010/main" Requires="a14">
+            <p:sp>
+              <p:nvSpPr>
+                <p:cNvPr id="117" name="ZoneTexte 116">
+                  <a:extLst>
+                    <a:ext uri="{FF2B5EF4-FFF2-40B4-BE49-F238E27FC236}">
+                      <a16:creationId xmlns:a16="http://schemas.microsoft.com/office/drawing/2014/main" id="{DBFFA873-C81F-35EC-CA5F-99BAD7827821}"/>
+                    </a:ext>
+                  </a:extLst>
+                </p:cNvPr>
+                <p:cNvSpPr txBox="1"/>
+                <p:nvPr/>
+              </p:nvSpPr>
+              <p:spPr>
+                <a:xfrm>
+                  <a:off x="7982617" y="3259549"/>
+                  <a:ext cx="626532" cy="307777"/>
+                </a:xfrm>
+                <a:prstGeom prst="rect">
+                  <a:avLst/>
+                </a:prstGeom>
+                <a:noFill/>
+              </p:spPr>
+              <p:txBody>
+                <a:bodyPr wrap="square" rtlCol="0">
+                  <a:spAutoFit/>
+                </a:bodyPr>
+                <a:lstStyle/>
+                <a:p>
+                  <a14:m>
+                    <m:oMathPara xmlns:m="http://schemas.openxmlformats.org/officeDocument/2006/math">
+                      <m:oMathParaPr>
+                        <m:jc m:val="centerGroup"/>
+                      </m:oMathParaPr>
+                      <m:oMath xmlns:m="http://schemas.openxmlformats.org/officeDocument/2006/math">
+                        <m:acc>
+                          <m:accPr>
+                            <m:chr m:val="⃗"/>
+                            <m:ctrlPr>
+                              <a:rPr lang="fr-FR" sz="1400" b="0" i="1" smtClean="0">
+                                <a:latin typeface="Cambria Math" panose="02040503050406030204" pitchFamily="18" charset="0"/>
+                              </a:rPr>
+                            </m:ctrlPr>
+                          </m:accPr>
+                          <m:e>
+                            <m:sSub>
+                              <m:sSubPr>
+                                <m:ctrlPr>
+                                  <a:rPr lang="fr-FR" sz="1400" i="1">
+                                    <a:latin typeface="Cambria Math" panose="02040503050406030204" pitchFamily="18" charset="0"/>
+                                  </a:rPr>
+                                </m:ctrlPr>
+                              </m:sSubPr>
+                              <m:e>
+                                <m:r>
+                                  <a:rPr lang="fr-FR" sz="1400" i="1">
+                                    <a:latin typeface="Cambria Math" panose="02040503050406030204" pitchFamily="18" charset="0"/>
+                                  </a:rPr>
+                                  <m:t>𝑥</m:t>
+                                </m:r>
+                              </m:e>
+                              <m:sub>
+                                <m:r>
+                                  <a:rPr lang="fr-FR" sz="1400" i="1">
+                                    <a:latin typeface="Cambria Math" panose="02040503050406030204" pitchFamily="18" charset="0"/>
+                                  </a:rPr>
+                                  <m:t>0</m:t>
+                                </m:r>
+                              </m:sub>
+                            </m:sSub>
+                          </m:e>
+                        </m:acc>
+                      </m:oMath>
+                    </m:oMathPara>
+                  </a14:m>
+                  <a:endParaRPr lang="fr-FR" sz="1400" dirty="0"/>
+                </a:p>
+              </p:txBody>
+            </p:sp>
+          </mc:Choice>
+          <mc:Fallback>
+            <p:sp>
+              <p:nvSpPr>
+                <p:cNvPr id="117" name="ZoneTexte 116">
+                  <a:extLst>
+                    <a:ext uri="{FF2B5EF4-FFF2-40B4-BE49-F238E27FC236}">
+                      <a16:creationId xmlns:a16="http://schemas.microsoft.com/office/drawing/2014/main" id="{DBFFA873-C81F-35EC-CA5F-99BAD7827821}"/>
+                    </a:ext>
+                  </a:extLst>
+                </p:cNvPr>
+                <p:cNvSpPr txBox="1">
+                  <a:spLocks noRot="1" noChangeAspect="1" noMove="1" noResize="1" noEditPoints="1" noAdjustHandles="1" noChangeArrowheads="1" noChangeShapeType="1" noTextEdit="1"/>
+                </p:cNvSpPr>
+                <p:nvPr/>
+              </p:nvSpPr>
+              <p:spPr>
+                <a:xfrm>
+                  <a:off x="7982617" y="3259549"/>
+                  <a:ext cx="626532" cy="307777"/>
+                </a:xfrm>
+                <a:prstGeom prst="rect">
+                  <a:avLst/>
+                </a:prstGeom>
+                <a:blipFill>
+                  <a:blip r:embed="rId3"/>
+                  <a:stretch>
+                    <a:fillRect/>
+                  </a:stretch>
+                </a:blipFill>
+              </p:spPr>
+              <p:txBody>
+                <a:bodyPr/>
+                <a:lstStyle/>
+                <a:p>
+                  <a:r>
+                    <a:rPr lang="fr-FR">
+                      <a:noFill/>
+                    </a:rPr>
+                    <a:t> </a:t>
+                  </a:r>
+                </a:p>
+              </p:txBody>
+            </p:sp>
+          </mc:Fallback>
+        </mc:AlternateContent>
+        <mc:AlternateContent xmlns:mc="http://schemas.openxmlformats.org/markup-compatibility/2006">
+          <mc:Choice xmlns:a14="http://schemas.microsoft.com/office/drawing/2010/main" Requires="a14">
+            <p:sp>
+              <p:nvSpPr>
+                <p:cNvPr id="118" name="ZoneTexte 117">
+                  <a:extLst>
+                    <a:ext uri="{FF2B5EF4-FFF2-40B4-BE49-F238E27FC236}">
+                      <a16:creationId xmlns:a16="http://schemas.microsoft.com/office/drawing/2014/main" id="{0CFDF03B-5202-ED87-19F7-A8C9A04ED83A}"/>
+                    </a:ext>
+                  </a:extLst>
+                </p:cNvPr>
+                <p:cNvSpPr txBox="1"/>
+                <p:nvPr/>
+              </p:nvSpPr>
+              <p:spPr>
+                <a:xfrm>
+                  <a:off x="7714148" y="2451405"/>
+                  <a:ext cx="626532" cy="307777"/>
+                </a:xfrm>
+                <a:prstGeom prst="rect">
+                  <a:avLst/>
+                </a:prstGeom>
+                <a:noFill/>
+              </p:spPr>
+              <p:txBody>
+                <a:bodyPr wrap="square" rtlCol="0">
+                  <a:spAutoFit/>
+                </a:bodyPr>
+                <a:lstStyle/>
+                <a:p>
+                  <a14:m>
+                    <m:oMathPara xmlns:m="http://schemas.openxmlformats.org/officeDocument/2006/math">
+                      <m:oMathParaPr>
+                        <m:jc m:val="centerGroup"/>
+                      </m:oMathParaPr>
+                      <m:oMath xmlns:m="http://schemas.openxmlformats.org/officeDocument/2006/math">
+                        <m:acc>
+                          <m:accPr>
+                            <m:chr m:val="⃗"/>
+                            <m:ctrlPr>
+                              <a:rPr lang="fr-FR" sz="1400" b="0" i="1" smtClean="0">
+                                <a:latin typeface="Cambria Math" panose="02040503050406030204" pitchFamily="18" charset="0"/>
+                              </a:rPr>
+                            </m:ctrlPr>
+                          </m:accPr>
+                          <m:e>
+                            <m:sSub>
+                              <m:sSubPr>
+                                <m:ctrlPr>
+                                  <a:rPr lang="fr-FR" sz="1400" i="1">
+                                    <a:latin typeface="Cambria Math" panose="02040503050406030204" pitchFamily="18" charset="0"/>
+                                  </a:rPr>
+                                </m:ctrlPr>
+                              </m:sSubPr>
+                              <m:e>
+                                <m:r>
+                                  <a:rPr lang="fr-FR" sz="1400" b="0" i="1" smtClean="0">
+                                    <a:latin typeface="Cambria Math" panose="02040503050406030204" pitchFamily="18" charset="0"/>
+                                  </a:rPr>
+                                  <m:t>𝑦</m:t>
+                                </m:r>
+                              </m:e>
+                              <m:sub>
+                                <m:r>
+                                  <a:rPr lang="fr-FR" sz="1400" i="1">
+                                    <a:latin typeface="Cambria Math" panose="02040503050406030204" pitchFamily="18" charset="0"/>
+                                  </a:rPr>
+                                  <m:t>0</m:t>
+                                </m:r>
+                              </m:sub>
+                            </m:sSub>
+                          </m:e>
+                        </m:acc>
+                      </m:oMath>
+                    </m:oMathPara>
+                  </a14:m>
+                  <a:endParaRPr lang="fr-FR" sz="1400" dirty="0"/>
+                </a:p>
+              </p:txBody>
+            </p:sp>
+          </mc:Choice>
+          <mc:Fallback>
+            <p:sp>
+              <p:nvSpPr>
+                <p:cNvPr id="118" name="ZoneTexte 117">
+                  <a:extLst>
+                    <a:ext uri="{FF2B5EF4-FFF2-40B4-BE49-F238E27FC236}">
+                      <a16:creationId xmlns:a16="http://schemas.microsoft.com/office/drawing/2014/main" id="{0CFDF03B-5202-ED87-19F7-A8C9A04ED83A}"/>
+                    </a:ext>
+                  </a:extLst>
+                </p:cNvPr>
+                <p:cNvSpPr txBox="1">
+                  <a:spLocks noRot="1" noChangeAspect="1" noMove="1" noResize="1" noEditPoints="1" noAdjustHandles="1" noChangeArrowheads="1" noChangeShapeType="1" noTextEdit="1"/>
+                </p:cNvSpPr>
+                <p:nvPr/>
+              </p:nvSpPr>
+              <p:spPr>
+                <a:xfrm>
+                  <a:off x="7714148" y="2451405"/>
+                  <a:ext cx="626532" cy="307777"/>
+                </a:xfrm>
+                <a:prstGeom prst="rect">
+                  <a:avLst/>
+                </a:prstGeom>
+                <a:blipFill>
+                  <a:blip r:embed="rId4"/>
+                  <a:stretch>
+                    <a:fillRect b="-2000"/>
+                  </a:stretch>
+                </a:blipFill>
+              </p:spPr>
+              <p:txBody>
+                <a:bodyPr/>
+                <a:lstStyle/>
+                <a:p>
+                  <a:r>
+                    <a:rPr lang="fr-FR">
+                      <a:noFill/>
+                    </a:rPr>
+                    <a:t> </a:t>
+                  </a:r>
+                </a:p>
+              </p:txBody>
+            </p:sp>
+          </mc:Fallback>
+        </mc:AlternateContent>
+        <p:cxnSp>
+          <p:nvCxnSpPr>
+            <p:cNvPr id="119" name="Connecteur droit avec flèche 118">
+              <a:extLst>
+                <a:ext uri="{FF2B5EF4-FFF2-40B4-BE49-F238E27FC236}">
+                  <a16:creationId xmlns:a16="http://schemas.microsoft.com/office/drawing/2014/main" id="{DD46D12F-9E02-BCC4-E6CE-52FD0393C7CD}"/>
+                </a:ext>
+              </a:extLst>
+            </p:cNvPr>
+            <p:cNvCxnSpPr>
+              <a:cxnSpLocks/>
+              <a:stCxn id="109" idx="1"/>
+            </p:cNvCxnSpPr>
+            <p:nvPr/>
+          </p:nvCxnSpPr>
+          <p:spPr>
+            <a:xfrm flipH="1">
+              <a:off x="7468139" y="3341428"/>
+              <a:ext cx="462621" cy="302849"/>
+            </a:xfrm>
+            <a:prstGeom prst="straightConnector1">
+              <a:avLst/>
+            </a:prstGeom>
+            <a:ln>
+              <a:solidFill>
+                <a:schemeClr val="accent2">
+                  <a:lumMod val="75000"/>
+                </a:schemeClr>
+              </a:solidFill>
+              <a:tailEnd type="stealth" w="med" len="lg"/>
+            </a:ln>
+          </p:spPr>
+          <p:style>
+            <a:lnRef idx="1">
+              <a:schemeClr val="accent1"/>
+            </a:lnRef>
+            <a:fillRef idx="0">
+              <a:schemeClr val="accent1"/>
+            </a:fillRef>
+            <a:effectRef idx="0">
+              <a:schemeClr val="accent1"/>
+            </a:effectRef>
+            <a:fontRef idx="minor">
+              <a:schemeClr val="tx1"/>
+            </a:fontRef>
+          </p:style>
+        </p:cxnSp>
+        <mc:AlternateContent xmlns:mc="http://schemas.openxmlformats.org/markup-compatibility/2006">
+          <mc:Choice xmlns:a14="http://schemas.microsoft.com/office/drawing/2010/main" Requires="a14">
+            <p:sp>
+              <p:nvSpPr>
+                <p:cNvPr id="120" name="ZoneTexte 119">
+                  <a:extLst>
+                    <a:ext uri="{FF2B5EF4-FFF2-40B4-BE49-F238E27FC236}">
+                      <a16:creationId xmlns:a16="http://schemas.microsoft.com/office/drawing/2014/main" id="{BEFAA093-C37A-557D-7102-DDD2E58CA98F}"/>
+                    </a:ext>
+                  </a:extLst>
+                </p:cNvPr>
+                <p:cNvSpPr txBox="1"/>
+                <p:nvPr/>
+              </p:nvSpPr>
+              <p:spPr>
+                <a:xfrm>
+                  <a:off x="7231804" y="3590545"/>
+                  <a:ext cx="626532" cy="307777"/>
+                </a:xfrm>
+                <a:prstGeom prst="rect">
+                  <a:avLst/>
+                </a:prstGeom>
+                <a:noFill/>
+              </p:spPr>
+              <p:txBody>
+                <a:bodyPr wrap="square" rtlCol="0">
+                  <a:spAutoFit/>
+                </a:bodyPr>
+                <a:lstStyle/>
+                <a:p>
+                  <a14:m>
+                    <m:oMathPara xmlns:m="http://schemas.openxmlformats.org/officeDocument/2006/math">
+                      <m:oMathParaPr>
+                        <m:jc m:val="centerGroup"/>
+                      </m:oMathParaPr>
+                      <m:oMath xmlns:m="http://schemas.openxmlformats.org/officeDocument/2006/math">
+                        <m:acc>
+                          <m:accPr>
+                            <m:chr m:val="⃗"/>
+                            <m:ctrlPr>
+                              <a:rPr lang="fr-FR" sz="1400" b="0" i="1" smtClean="0">
+                                <a:latin typeface="Cambria Math" panose="02040503050406030204" pitchFamily="18" charset="0"/>
+                              </a:rPr>
+                            </m:ctrlPr>
+                          </m:accPr>
+                          <m:e>
+                            <m:sSub>
+                              <m:sSubPr>
+                                <m:ctrlPr>
+                                  <a:rPr lang="fr-FR" sz="1400" i="1">
+                                    <a:latin typeface="Cambria Math" panose="02040503050406030204" pitchFamily="18" charset="0"/>
+                                  </a:rPr>
+                                </m:ctrlPr>
+                              </m:sSubPr>
+                              <m:e>
+                                <m:r>
+                                  <a:rPr lang="fr-FR" sz="1400" b="0" i="1" smtClean="0">
+                                    <a:latin typeface="Cambria Math" panose="02040503050406030204" pitchFamily="18" charset="0"/>
+                                  </a:rPr>
+                                  <m:t>𝑧</m:t>
+                                </m:r>
+                              </m:e>
+                              <m:sub>
+                                <m:r>
+                                  <a:rPr lang="fr-FR" sz="1400" i="1">
+                                    <a:latin typeface="Cambria Math" panose="02040503050406030204" pitchFamily="18" charset="0"/>
+                                  </a:rPr>
+                                  <m:t>0</m:t>
+                                </m:r>
+                              </m:sub>
+                            </m:sSub>
+                          </m:e>
+                        </m:acc>
+                      </m:oMath>
+                    </m:oMathPara>
+                  </a14:m>
+                  <a:endParaRPr lang="fr-FR" sz="1400" dirty="0"/>
+                </a:p>
+              </p:txBody>
+            </p:sp>
+          </mc:Choice>
+          <mc:Fallback>
+            <p:sp>
+              <p:nvSpPr>
+                <p:cNvPr id="120" name="ZoneTexte 119">
+                  <a:extLst>
+                    <a:ext uri="{FF2B5EF4-FFF2-40B4-BE49-F238E27FC236}">
+                      <a16:creationId xmlns:a16="http://schemas.microsoft.com/office/drawing/2014/main" id="{BEFAA093-C37A-557D-7102-DDD2E58CA98F}"/>
+                    </a:ext>
+                  </a:extLst>
+                </p:cNvPr>
+                <p:cNvSpPr txBox="1">
+                  <a:spLocks noRot="1" noChangeAspect="1" noMove="1" noResize="1" noEditPoints="1" noAdjustHandles="1" noChangeArrowheads="1" noChangeShapeType="1" noTextEdit="1"/>
+                </p:cNvSpPr>
+                <p:nvPr/>
+              </p:nvSpPr>
+              <p:spPr>
+                <a:xfrm>
+                  <a:off x="7231804" y="3590545"/>
+                  <a:ext cx="626532" cy="307777"/>
+                </a:xfrm>
+                <a:prstGeom prst="rect">
+                  <a:avLst/>
+                </a:prstGeom>
+                <a:blipFill>
+                  <a:blip r:embed="rId5"/>
+                  <a:stretch>
+                    <a:fillRect/>
+                  </a:stretch>
+                </a:blipFill>
+              </p:spPr>
+              <p:txBody>
+                <a:bodyPr/>
+                <a:lstStyle/>
+                <a:p>
+                  <a:r>
+                    <a:rPr lang="fr-FR">
+                      <a:noFill/>
+                    </a:rPr>
+                    <a:t> </a:t>
+                  </a:r>
+                </a:p>
+              </p:txBody>
+            </p:sp>
+          </mc:Fallback>
+        </mc:AlternateContent>
+      </p:grpSp>
+    </p:spTree>
+    <p:extLst>
+      <p:ext uri="{BB962C8B-B14F-4D97-AF65-F5344CB8AC3E}">
+        <p14:creationId xmlns:p14="http://schemas.microsoft.com/office/powerpoint/2010/main" val="598375284"/>
+      </p:ext>
+    </p:extLst>
+  </p:cSld>
+  <p:clrMapOvr>
+    <a:masterClrMapping/>
+  </p:clrMapOvr>
+</p:sld>
+</file>
+
+<file path=ppt/slides/slide8.xml><?xml version="1.0" encoding="utf-8"?>
+<p:sld xmlns:a="http://schemas.openxmlformats.org/drawingml/2006/main" xmlns:r="http://schemas.openxmlformats.org/officeDocument/2006/relationships" xmlns:p="http://schemas.openxmlformats.org/presentationml/2006/main">
+  <p:cSld>
+    <p:spTree>
+      <p:nvGrpSpPr>
+        <p:cNvPr id="1" name=""/>
+        <p:cNvGrpSpPr/>
+        <p:nvPr/>
+      </p:nvGrpSpPr>
+      <p:grpSpPr>
+        <a:xfrm>
+          <a:off x="0" y="0"/>
+          <a:ext cx="0" cy="0"/>
+          <a:chOff x="0" y="0"/>
+          <a:chExt cx="0" cy="0"/>
+        </a:xfrm>
+      </p:grpSpPr>
+      <p:sp>
+        <p:nvSpPr>
+          <p:cNvPr id="8" name="Titre 7">
+            <a:extLst>
+              <a:ext uri="{FF2B5EF4-FFF2-40B4-BE49-F238E27FC236}">
+                <a16:creationId xmlns:a16="http://schemas.microsoft.com/office/drawing/2014/main" id="{42680880-0869-F3FB-1288-A1CBEE087B45}"/>
+              </a:ext>
+            </a:extLst>
+          </p:cNvPr>
+          <p:cNvSpPr>
+            <a:spLocks noGrp="1"/>
+          </p:cNvSpPr>
+          <p:nvPr>
+            <p:ph type="title"/>
+          </p:nvPr>
+        </p:nvSpPr>
+        <p:spPr/>
+        <p:txBody>
+          <a:bodyPr>
+            <a:noAutofit/>
+          </a:bodyPr>
+          <a:lstStyle/>
+          <a:p>
+            <a:r>
+              <a:rPr lang="fr-FR" sz="3200" dirty="0"/>
+              <a:t>Modélisation cinématique</a:t>
+            </a:r>
+            <a:br>
+              <a:rPr lang="fr-FR" sz="3200" dirty="0"/>
+            </a:br>
+            <a:r>
+              <a:rPr lang="fr-FR" sz="3200" dirty="0"/>
+              <a:t>Schéma cinématique minimal</a:t>
+            </a:r>
+          </a:p>
+        </p:txBody>
+      </p:sp>
+      <p:sp>
+        <p:nvSpPr>
+          <p:cNvPr id="12" name="Espace réservé du contenu 11">
+            <a:extLst>
+              <a:ext uri="{FF2B5EF4-FFF2-40B4-BE49-F238E27FC236}">
+                <a16:creationId xmlns:a16="http://schemas.microsoft.com/office/drawing/2014/main" id="{E8A66116-0BCA-F0BA-8B7C-35F8CB1ECB17}"/>
+              </a:ext>
+            </a:extLst>
+          </p:cNvPr>
+          <p:cNvSpPr>
+            <a:spLocks noGrp="1"/>
+          </p:cNvSpPr>
+          <p:nvPr>
+            <p:ph sz="quarter" idx="4"/>
+          </p:nvPr>
+        </p:nvSpPr>
+        <p:spPr>
+          <a:xfrm>
+            <a:off x="384630" y="1071921"/>
+            <a:ext cx="5576419" cy="1028271"/>
+          </a:xfrm>
+        </p:spPr>
+        <p:txBody>
+          <a:bodyPr>
+            <a:normAutofit/>
+          </a:bodyPr>
+          <a:lstStyle/>
+          <a:p>
+            <a:pPr>
+              <a:buClr>
+                <a:schemeClr val="tx2">
+                  <a:lumMod val="60000"/>
+                  <a:lumOff val="40000"/>
+                </a:schemeClr>
+              </a:buClr>
+              <a:buFont typeface="Wingdings" panose="05000000000000000000" pitchFamily="2" charset="2"/>
+              <a:buChar char="Ü"/>
+            </a:pPr>
+            <a:r>
+              <a:rPr lang="fr-FR" dirty="0"/>
+              <a:t> Déterminer les lois de mouvement (en cinématique ou dynamique)</a:t>
+            </a:r>
+          </a:p>
+          <a:p>
+            <a:pPr>
+              <a:buClr>
+                <a:schemeClr val="tx2">
+                  <a:lumMod val="60000"/>
+                  <a:lumOff val="40000"/>
+                </a:schemeClr>
+              </a:buClr>
+              <a:buFont typeface="Wingdings" panose="05000000000000000000" pitchFamily="2" charset="2"/>
+              <a:buChar char="Ü"/>
+            </a:pPr>
+            <a:endParaRPr lang="fr-FR" dirty="0"/>
+          </a:p>
+        </p:txBody>
+      </p:sp>
+      <p:sp>
+        <p:nvSpPr>
+          <p:cNvPr id="4" name="Espace réservé du numéro de diapositive 3">
+            <a:extLst>
+              <a:ext uri="{FF2B5EF4-FFF2-40B4-BE49-F238E27FC236}">
+                <a16:creationId xmlns:a16="http://schemas.microsoft.com/office/drawing/2014/main" id="{A5CE0E2C-D0A9-D6BC-E70F-8E292A828717}"/>
+              </a:ext>
+            </a:extLst>
+          </p:cNvPr>
+          <p:cNvSpPr>
+            <a:spLocks noGrp="1"/>
+          </p:cNvSpPr>
+          <p:nvPr>
+            <p:ph type="sldNum" sz="quarter" idx="12"/>
+          </p:nvPr>
+        </p:nvSpPr>
+        <p:spPr/>
+        <p:txBody>
+          <a:bodyPr/>
+          <a:lstStyle/>
+          <a:p>
+            <a:fld id="{B7A6A38F-5C8E-497F-8761-3C4E0EEEA33A}" type="slidenum">
+              <a:rPr lang="fr-FR" smtClean="0"/>
+              <a:t>8</a:t>
+            </a:fld>
+            <a:endParaRPr lang="fr-FR"/>
+          </a:p>
+        </p:txBody>
+      </p:sp>
+      <mc:AlternateContent xmlns:mc="http://schemas.openxmlformats.org/markup-compatibility/2006">
+        <mc:Choice xmlns:a14="http://schemas.microsoft.com/office/drawing/2010/main" Requires="a14">
+          <p:sp>
+            <p:nvSpPr>
+              <p:cNvPr id="63" name="Espace réservé du contenu 11">
+                <a:extLst>
+                  <a:ext uri="{FF2B5EF4-FFF2-40B4-BE49-F238E27FC236}">
+                    <a16:creationId xmlns:a16="http://schemas.microsoft.com/office/drawing/2014/main" id="{C0A142C9-F62B-BF4C-7120-55DC3ADBF6DF}"/>
+                  </a:ext>
+                </a:extLst>
+              </p:cNvPr>
+              <p:cNvSpPr txBox="1">
+                <a:spLocks/>
+              </p:cNvSpPr>
+              <p:nvPr/>
+            </p:nvSpPr>
+            <p:spPr>
+              <a:xfrm>
+                <a:off x="6278883" y="1073050"/>
+                <a:ext cx="5576419" cy="4984850"/>
+              </a:xfrm>
+              <a:prstGeom prst="rect">
+                <a:avLst/>
+              </a:prstGeom>
+            </p:spPr>
+            <p:txBody>
+              <a:bodyPr vert="horz" lIns="0" tIns="45720" rIns="0" bIns="45720" rtlCol="0">
+                <a:normAutofit/>
+              </a:bodyPr>
+              <a:lstStyle>
+                <a:lvl1pPr marL="91440" indent="-91440" algn="l" defTabSz="914400" rtl="0" eaLnBrk="1" latinLnBrk="0" hangingPunct="1">
+                  <a:lnSpc>
+                    <a:spcPct val="90000"/>
+                  </a:lnSpc>
+                  <a:spcBef>
+                    <a:spcPts val="1200"/>
+                  </a:spcBef>
+                  <a:spcAft>
+                    <a:spcPts val="200"/>
+                  </a:spcAft>
+                  <a:buClr>
+                    <a:schemeClr val="accent1"/>
+                  </a:buClr>
+                  <a:buSzPct val="100000"/>
+                  <a:buFont typeface="Calibri" panose="020F0502020204030204" pitchFamily="34" charset="0"/>
+                  <a:buChar char=" "/>
+                  <a:defRPr sz="2000" kern="1200">
+                    <a:solidFill>
+                      <a:schemeClr val="tx1">
+                        <a:lumMod val="75000"/>
+                        <a:lumOff val="25000"/>
+                      </a:schemeClr>
+                    </a:solidFill>
+                    <a:latin typeface="+mn-lt"/>
+                    <a:ea typeface="+mn-ea"/>
+                    <a:cs typeface="+mn-cs"/>
+                  </a:defRPr>
+                </a:lvl1pPr>
+                <a:lvl2pPr marL="384048" indent="-182880" algn="l" defTabSz="914400" rtl="0" eaLnBrk="1" latinLnBrk="0" hangingPunct="1">
+                  <a:lnSpc>
+                    <a:spcPct val="90000"/>
+                  </a:lnSpc>
+                  <a:spcBef>
+                    <a:spcPts val="200"/>
+                  </a:spcBef>
+                  <a:spcAft>
+                    <a:spcPts val="400"/>
+                  </a:spcAft>
+                  <a:buClr>
+                    <a:schemeClr val="tx2"/>
+                  </a:buClr>
+                  <a:buFont typeface="Calibri" pitchFamily="34" charset="0"/>
+                  <a:buChar char="◦"/>
+                  <a:defRPr sz="1800" kern="1200">
+                    <a:solidFill>
+                      <a:schemeClr val="tx1">
+                        <a:lumMod val="75000"/>
+                        <a:lumOff val="25000"/>
+                      </a:schemeClr>
+                    </a:solidFill>
+                    <a:latin typeface="+mn-lt"/>
+                    <a:ea typeface="+mn-ea"/>
+                    <a:cs typeface="+mn-cs"/>
+                  </a:defRPr>
+                </a:lvl2pPr>
+                <a:lvl3pPr marL="566928" indent="-182880" algn="l" defTabSz="914400" rtl="0" eaLnBrk="1" latinLnBrk="0" hangingPunct="1">
+                  <a:lnSpc>
+                    <a:spcPct val="90000"/>
+                  </a:lnSpc>
+                  <a:spcBef>
+                    <a:spcPts val="200"/>
+                  </a:spcBef>
+                  <a:spcAft>
+                    <a:spcPts val="400"/>
+                  </a:spcAft>
+                  <a:buClr>
+                    <a:schemeClr val="tx2"/>
+                  </a:buClr>
+                  <a:buFont typeface="Calibri" pitchFamily="34" charset="0"/>
+                  <a:buChar char="◦"/>
+                  <a:defRPr sz="1400" kern="1200">
+                    <a:solidFill>
+                      <a:schemeClr val="tx1">
+                        <a:lumMod val="75000"/>
+                        <a:lumOff val="25000"/>
+                      </a:schemeClr>
+                    </a:solidFill>
+                    <a:latin typeface="+mn-lt"/>
+                    <a:ea typeface="+mn-ea"/>
+                    <a:cs typeface="+mn-cs"/>
+                  </a:defRPr>
+                </a:lvl3pPr>
+                <a:lvl4pPr marL="749808" indent="-182880" algn="l" defTabSz="914400" rtl="0" eaLnBrk="1" latinLnBrk="0" hangingPunct="1">
+                  <a:lnSpc>
+                    <a:spcPct val="90000"/>
+                  </a:lnSpc>
+                  <a:spcBef>
+                    <a:spcPts val="200"/>
+                  </a:spcBef>
+                  <a:spcAft>
+                    <a:spcPts val="400"/>
+                  </a:spcAft>
+                  <a:buClr>
+                    <a:schemeClr val="tx2"/>
+                  </a:buClr>
+                  <a:buFont typeface="Calibri" pitchFamily="34" charset="0"/>
+                  <a:buChar char="◦"/>
+                  <a:defRPr sz="1400" kern="1200">
+                    <a:solidFill>
+                      <a:schemeClr val="tx1">
+                        <a:lumMod val="75000"/>
+                        <a:lumOff val="25000"/>
+                      </a:schemeClr>
+                    </a:solidFill>
+                    <a:latin typeface="+mn-lt"/>
+                    <a:ea typeface="+mn-ea"/>
+                    <a:cs typeface="+mn-cs"/>
+                  </a:defRPr>
+                </a:lvl4pPr>
+                <a:lvl5pPr marL="932688" indent="-182880" algn="l" defTabSz="914400" rtl="0" eaLnBrk="1" latinLnBrk="0" hangingPunct="1">
+                  <a:lnSpc>
+                    <a:spcPct val="90000"/>
+                  </a:lnSpc>
+                  <a:spcBef>
+                    <a:spcPts val="200"/>
+                  </a:spcBef>
+                  <a:spcAft>
+                    <a:spcPts val="400"/>
+                  </a:spcAft>
+                  <a:buClr>
+                    <a:schemeClr val="tx2"/>
+                  </a:buClr>
+                  <a:buFont typeface="Calibri" pitchFamily="34" charset="0"/>
+                  <a:buChar char="◦"/>
+                  <a:defRPr sz="1400" kern="1200">
+                    <a:solidFill>
+                      <a:schemeClr val="tx1">
+                        <a:lumMod val="75000"/>
+                        <a:lumOff val="25000"/>
+                      </a:schemeClr>
+                    </a:solidFill>
+                    <a:latin typeface="+mn-lt"/>
+                    <a:ea typeface="+mn-ea"/>
+                    <a:cs typeface="+mn-cs"/>
+                  </a:defRPr>
+                </a:lvl5pPr>
+                <a:lvl6pPr marL="1100000" indent="-228600" algn="l" defTabSz="914400" rtl="0" eaLnBrk="1" latinLnBrk="0" hangingPunct="1">
+                  <a:lnSpc>
+                    <a:spcPct val="90000"/>
+                  </a:lnSpc>
+                  <a:spcBef>
+                    <a:spcPts val="200"/>
+                  </a:spcBef>
+                  <a:spcAft>
+                    <a:spcPts val="400"/>
+                  </a:spcAft>
+                  <a:buClr>
+                    <a:schemeClr val="accent1"/>
+                  </a:buClr>
+                  <a:buFont typeface="Calibri" pitchFamily="34" charset="0"/>
+                  <a:buChar char="◦"/>
+                  <a:defRPr sz="1400" kern="1200">
+                    <a:solidFill>
+                      <a:schemeClr val="tx1">
+                        <a:lumMod val="75000"/>
+                        <a:lumOff val="25000"/>
+                      </a:schemeClr>
+                    </a:solidFill>
+                    <a:latin typeface="+mn-lt"/>
+                    <a:ea typeface="+mn-ea"/>
+                    <a:cs typeface="+mn-cs"/>
+                  </a:defRPr>
+                </a:lvl6pPr>
+                <a:lvl7pPr marL="1300000" indent="-228600" algn="l" defTabSz="914400" rtl="0" eaLnBrk="1" latinLnBrk="0" hangingPunct="1">
+                  <a:lnSpc>
+                    <a:spcPct val="90000"/>
+                  </a:lnSpc>
+                  <a:spcBef>
+                    <a:spcPts val="200"/>
+                  </a:spcBef>
+                  <a:spcAft>
+                    <a:spcPts val="400"/>
+                  </a:spcAft>
+                  <a:buClr>
+                    <a:schemeClr val="accent1"/>
+                  </a:buClr>
+                  <a:buFont typeface="Calibri" pitchFamily="34" charset="0"/>
+                  <a:buChar char="◦"/>
+                  <a:defRPr sz="1400" kern="1200">
+                    <a:solidFill>
+                      <a:schemeClr val="tx1">
+                        <a:lumMod val="75000"/>
+                        <a:lumOff val="25000"/>
+                      </a:schemeClr>
+                    </a:solidFill>
+                    <a:latin typeface="+mn-lt"/>
+                    <a:ea typeface="+mn-ea"/>
+                    <a:cs typeface="+mn-cs"/>
+                  </a:defRPr>
+                </a:lvl7pPr>
+                <a:lvl8pPr marL="1500000" indent="-228600" algn="l" defTabSz="914400" rtl="0" eaLnBrk="1" latinLnBrk="0" hangingPunct="1">
+                  <a:lnSpc>
+                    <a:spcPct val="90000"/>
+                  </a:lnSpc>
+                  <a:spcBef>
+                    <a:spcPts val="200"/>
+                  </a:spcBef>
+                  <a:spcAft>
+                    <a:spcPts val="400"/>
+                  </a:spcAft>
+                  <a:buClr>
+                    <a:schemeClr val="accent1"/>
+                  </a:buClr>
+                  <a:buFont typeface="Calibri" pitchFamily="34" charset="0"/>
+                  <a:buChar char="◦"/>
+                  <a:defRPr sz="1400" kern="1200">
+                    <a:solidFill>
+                      <a:schemeClr val="tx1">
+                        <a:lumMod val="75000"/>
+                        <a:lumOff val="25000"/>
+                      </a:schemeClr>
+                    </a:solidFill>
+                    <a:latin typeface="+mn-lt"/>
+                    <a:ea typeface="+mn-ea"/>
+                    <a:cs typeface="+mn-cs"/>
+                  </a:defRPr>
+                </a:lvl8pPr>
+                <a:lvl9pPr marL="1700000" indent="-228600" algn="l" defTabSz="914400" rtl="0" eaLnBrk="1" latinLnBrk="0" hangingPunct="1">
+                  <a:lnSpc>
+                    <a:spcPct val="90000"/>
+                  </a:lnSpc>
+                  <a:spcBef>
+                    <a:spcPts val="200"/>
+                  </a:spcBef>
+                  <a:spcAft>
+                    <a:spcPts val="400"/>
+                  </a:spcAft>
+                  <a:buClr>
+                    <a:schemeClr val="accent1"/>
+                  </a:buClr>
+                  <a:buFont typeface="Calibri" pitchFamily="34" charset="0"/>
+                  <a:buChar char="◦"/>
+                  <a:defRPr sz="1400" kern="1200">
+                    <a:solidFill>
+                      <a:schemeClr val="tx1">
+                        <a:lumMod val="75000"/>
+                        <a:lumOff val="25000"/>
+                      </a:schemeClr>
+                    </a:solidFill>
+                    <a:latin typeface="+mn-lt"/>
+                    <a:ea typeface="+mn-ea"/>
+                    <a:cs typeface="+mn-cs"/>
+                  </a:defRPr>
+                </a:lvl9pPr>
+              </a:lstStyle>
+              <a:p>
+                <a:pPr marL="0" indent="0">
+                  <a:lnSpc>
+                    <a:spcPct val="120000"/>
+                  </a:lnSpc>
+                  <a:buClr>
+                    <a:schemeClr val="tx2">
+                      <a:lumMod val="60000"/>
+                      <a:lumOff val="40000"/>
+                    </a:schemeClr>
+                  </a:buClr>
+                  <a:buNone/>
+                </a:pPr>
+                <a:r>
+                  <a:rPr lang="fr-FR" sz="1400" b="1" dirty="0"/>
+                  <a:t>Méthode statique </a:t>
+                </a:r>
+              </a:p>
+              <a:p>
+                <a:pPr>
+                  <a:lnSpc>
+                    <a:spcPct val="120000"/>
+                  </a:lnSpc>
+                  <a:buClr>
+                    <a:schemeClr val="tx2">
+                      <a:lumMod val="60000"/>
+                      <a:lumOff val="40000"/>
+                    </a:schemeClr>
+                  </a:buClr>
+                  <a:buFont typeface="Wingdings" panose="05000000000000000000" pitchFamily="2" charset="2"/>
+                  <a:buChar char="Ü"/>
+                </a:pPr>
+                <a:r>
+                  <a:rPr lang="fr-FR" sz="1400" b="1" dirty="0"/>
+                  <a:t> Remarque : aucun intérêt de déterminer  l’hyperstatisme sur une chaîne ouverte</a:t>
+                </a:r>
+              </a:p>
+              <a:p>
+                <a:pPr>
+                  <a:lnSpc>
+                    <a:spcPct val="120000"/>
+                  </a:lnSpc>
+                  <a:buClr>
+                    <a:schemeClr val="tx2">
+                      <a:lumMod val="60000"/>
+                      <a:lumOff val="40000"/>
+                    </a:schemeClr>
+                  </a:buClr>
+                  <a:buFont typeface="Wingdings" panose="05000000000000000000" pitchFamily="2" charset="2"/>
+                  <a:buChar char="Ü"/>
+                </a:pPr>
+                <a14:m>
+                  <m:oMath xmlns:m="http://schemas.openxmlformats.org/officeDocument/2006/math">
+                    <m:r>
+                      <a:rPr lang="fr-FR" sz="1400" b="0" i="1" smtClean="0">
+                        <a:latin typeface="Cambria Math" panose="02040503050406030204" pitchFamily="18" charset="0"/>
+                      </a:rPr>
+                      <m:t>h</m:t>
+                    </m:r>
+                    <m:r>
+                      <a:rPr lang="fr-FR" sz="1400" b="0" i="1" smtClean="0">
+                        <a:latin typeface="Cambria Math" panose="02040503050406030204" pitchFamily="18" charset="0"/>
+                      </a:rPr>
+                      <m:t>=</m:t>
+                    </m:r>
+                    <m:r>
+                      <a:rPr lang="fr-FR" sz="1400" b="0" i="1" smtClean="0">
+                        <a:latin typeface="Cambria Math" panose="02040503050406030204" pitchFamily="18" charset="0"/>
+                      </a:rPr>
+                      <m:t>𝑚</m:t>
+                    </m:r>
+                    <m:r>
+                      <a:rPr lang="fr-FR" sz="1400" b="0" i="1" smtClean="0">
+                        <a:latin typeface="Cambria Math" panose="02040503050406030204" pitchFamily="18" charset="0"/>
+                      </a:rPr>
+                      <m:t>−</m:t>
+                    </m:r>
+                    <m:sSub>
+                      <m:sSubPr>
+                        <m:ctrlPr>
+                          <a:rPr lang="fr-FR" sz="1400" i="1" smtClean="0">
+                            <a:latin typeface="Cambria Math" panose="02040503050406030204" pitchFamily="18" charset="0"/>
+                          </a:rPr>
+                        </m:ctrlPr>
+                      </m:sSubPr>
+                      <m:e>
+                        <m:r>
+                          <a:rPr lang="fr-FR" sz="1400" b="0" i="1" smtClean="0">
+                            <a:latin typeface="Cambria Math" panose="02040503050406030204" pitchFamily="18" charset="0"/>
+                          </a:rPr>
+                          <m:t>𝐸</m:t>
+                        </m:r>
+                      </m:e>
+                      <m:sub>
+                        <m:r>
+                          <a:rPr lang="fr-FR" sz="1400" b="0" i="1" smtClean="0">
+                            <a:latin typeface="Cambria Math" panose="02040503050406030204" pitchFamily="18" charset="0"/>
+                          </a:rPr>
+                          <m:t>𝑠</m:t>
+                        </m:r>
+                      </m:sub>
+                    </m:sSub>
+                    <m:r>
+                      <a:rPr lang="fr-FR" sz="1400" b="0" i="1" smtClean="0">
+                        <a:latin typeface="Cambria Math" panose="02040503050406030204" pitchFamily="18" charset="0"/>
+                      </a:rPr>
+                      <m:t>+</m:t>
+                    </m:r>
+                    <m:sSub>
+                      <m:sSubPr>
+                        <m:ctrlPr>
+                          <a:rPr lang="fr-FR" sz="1400" i="1" smtClean="0">
+                            <a:latin typeface="Cambria Math" panose="02040503050406030204" pitchFamily="18" charset="0"/>
+                          </a:rPr>
+                        </m:ctrlPr>
+                      </m:sSubPr>
+                      <m:e>
+                        <m:r>
+                          <a:rPr lang="fr-FR" sz="1400" b="0" i="1" smtClean="0">
+                            <a:latin typeface="Cambria Math" panose="02040503050406030204" pitchFamily="18" charset="0"/>
+                          </a:rPr>
+                          <m:t>𝐼</m:t>
+                        </m:r>
+                      </m:e>
+                      <m:sub>
+                        <m:r>
+                          <a:rPr lang="fr-FR" sz="1400" b="0" i="1" smtClean="0">
+                            <a:latin typeface="Cambria Math" panose="02040503050406030204" pitchFamily="18" charset="0"/>
+                          </a:rPr>
+                          <m:t>𝑆</m:t>
+                        </m:r>
+                      </m:sub>
+                    </m:sSub>
+                    <m:r>
+                      <a:rPr lang="fr-FR" sz="1400" b="0" i="0" smtClean="0">
+                        <a:latin typeface="Cambria Math" panose="02040503050406030204" pitchFamily="18" charset="0"/>
+                      </a:rPr>
+                      <m:t>=3−18+15=0</m:t>
+                    </m:r>
+                  </m:oMath>
+                </a14:m>
+                <a:endParaRPr lang="fr-FR" sz="1400" dirty="0"/>
+              </a:p>
+              <a:p>
+                <a:pPr>
+                  <a:lnSpc>
+                    <a:spcPct val="120000"/>
+                  </a:lnSpc>
+                  <a:buClr>
+                    <a:schemeClr val="tx2">
+                      <a:lumMod val="60000"/>
+                      <a:lumOff val="40000"/>
+                    </a:schemeClr>
+                  </a:buClr>
+                  <a:buFont typeface="Wingdings" panose="05000000000000000000" pitchFamily="2" charset="2"/>
+                  <a:buChar char="Ü"/>
+                </a:pPr>
+                <a:r>
+                  <a:rPr lang="fr-FR" sz="1400" dirty="0"/>
+                  <a:t> </a:t>
+                </a:r>
+                <a14:m>
+                  <m:oMath xmlns:m="http://schemas.openxmlformats.org/officeDocument/2006/math">
+                    <m:r>
+                      <a:rPr lang="fr-FR" sz="1400" b="0" i="1" smtClean="0">
+                        <a:latin typeface="Cambria Math" panose="02040503050406030204" pitchFamily="18" charset="0"/>
+                      </a:rPr>
+                      <m:t>𝑚</m:t>
+                    </m:r>
+                    <m:r>
+                      <a:rPr lang="fr-FR" sz="1400" b="0" i="1" smtClean="0">
+                        <a:latin typeface="Cambria Math" panose="02040503050406030204" pitchFamily="18" charset="0"/>
+                      </a:rPr>
+                      <m:t>=3</m:t>
+                    </m:r>
+                  </m:oMath>
+                </a14:m>
+                <a:endParaRPr lang="fr-FR" sz="1400" dirty="0"/>
+              </a:p>
+              <a:p>
+                <a:pPr lvl="1">
+                  <a:lnSpc>
+                    <a:spcPct val="120000"/>
+                  </a:lnSpc>
+                  <a:buClr>
+                    <a:schemeClr val="tx2">
+                      <a:lumMod val="60000"/>
+                      <a:lumOff val="40000"/>
+                    </a:schemeClr>
+                  </a:buClr>
+                  <a:buFont typeface="Wingdings" panose="05000000000000000000" pitchFamily="2" charset="2"/>
+                  <a:buChar char="Ü"/>
+                </a:pPr>
+                <a:r>
+                  <a:rPr lang="fr-FR" sz="1200" dirty="0"/>
+                  <a:t> Pivot entre 1 et 0</a:t>
+                </a:r>
+              </a:p>
+              <a:p>
+                <a:pPr lvl="1">
+                  <a:lnSpc>
+                    <a:spcPct val="120000"/>
+                  </a:lnSpc>
+                  <a:buClr>
+                    <a:schemeClr val="tx2">
+                      <a:lumMod val="60000"/>
+                      <a:lumOff val="40000"/>
+                    </a:schemeClr>
+                  </a:buClr>
+                  <a:buFont typeface="Wingdings" panose="05000000000000000000" pitchFamily="2" charset="2"/>
+                  <a:buChar char="Ü"/>
+                </a:pPr>
+                <a:r>
+                  <a:rPr lang="fr-FR" sz="1200" dirty="0"/>
+                  <a:t> Pivot entre 2 et 1</a:t>
+                </a:r>
+              </a:p>
+              <a:p>
+                <a:pPr lvl="1">
+                  <a:lnSpc>
+                    <a:spcPct val="120000"/>
+                  </a:lnSpc>
+                  <a:buClr>
+                    <a:schemeClr val="tx2">
+                      <a:lumMod val="60000"/>
+                      <a:lumOff val="40000"/>
+                    </a:schemeClr>
+                  </a:buClr>
+                  <a:buFont typeface="Wingdings" panose="05000000000000000000" pitchFamily="2" charset="2"/>
+                  <a:buChar char="Ü"/>
+                </a:pPr>
+                <a:r>
+                  <a:rPr lang="fr-FR" sz="1200" dirty="0"/>
+                  <a:t> Pivot entre 3 et 2</a:t>
+                </a:r>
+              </a:p>
+              <a:p>
+                <a:pPr>
+                  <a:lnSpc>
+                    <a:spcPct val="120000"/>
+                  </a:lnSpc>
+                  <a:buClr>
+                    <a:schemeClr val="tx2">
+                      <a:lumMod val="60000"/>
+                      <a:lumOff val="40000"/>
+                    </a:schemeClr>
+                  </a:buClr>
+                  <a:buFont typeface="Wingdings" panose="05000000000000000000" pitchFamily="2" charset="2"/>
+                  <a:buChar char="Ü"/>
+                </a:pPr>
+                <a14:m>
+                  <m:oMath xmlns:m="http://schemas.openxmlformats.org/officeDocument/2006/math">
+                    <m:sSub>
+                      <m:sSubPr>
+                        <m:ctrlPr>
+                          <a:rPr lang="fr-FR" sz="1400" b="0" i="1" smtClean="0">
+                            <a:latin typeface="Cambria Math" panose="02040503050406030204" pitchFamily="18" charset="0"/>
+                          </a:rPr>
+                        </m:ctrlPr>
+                      </m:sSubPr>
+                      <m:e>
+                        <m:r>
+                          <a:rPr lang="fr-FR" sz="1400" b="0" i="1" smtClean="0">
+                            <a:latin typeface="Cambria Math" panose="02040503050406030204" pitchFamily="18" charset="0"/>
+                          </a:rPr>
+                          <m:t>𝐸</m:t>
+                        </m:r>
+                      </m:e>
+                      <m:sub>
+                        <m:r>
+                          <a:rPr lang="fr-FR" sz="1400" b="0" i="1" smtClean="0">
+                            <a:latin typeface="Cambria Math" panose="02040503050406030204" pitchFamily="18" charset="0"/>
+                          </a:rPr>
+                          <m:t>𝑠</m:t>
+                        </m:r>
+                      </m:sub>
+                    </m:sSub>
+                    <m:r>
+                      <a:rPr lang="fr-FR" sz="1400" b="0" i="1" smtClean="0">
+                        <a:latin typeface="Cambria Math" panose="02040503050406030204" pitchFamily="18" charset="0"/>
+                      </a:rPr>
+                      <m:t>=3×6</m:t>
+                    </m:r>
+                  </m:oMath>
+                </a14:m>
+                <a:endParaRPr lang="fr-FR" sz="1400" b="0" dirty="0"/>
+              </a:p>
+              <a:p>
+                <a:pPr lvl="1">
+                  <a:lnSpc>
+                    <a:spcPct val="120000"/>
+                  </a:lnSpc>
+                  <a:buClr>
+                    <a:schemeClr val="tx2">
+                      <a:lumMod val="60000"/>
+                      <a:lumOff val="40000"/>
+                    </a:schemeClr>
+                  </a:buClr>
+                  <a:buFont typeface="Wingdings" panose="05000000000000000000" pitchFamily="2" charset="2"/>
+                  <a:buChar char="Ü"/>
+                </a:pPr>
+                <a:r>
+                  <a:rPr lang="fr-FR" sz="1200" dirty="0"/>
+                  <a:t> On peut isoler les pièces 1, 2 et 3</a:t>
+                </a:r>
+              </a:p>
+              <a:p>
+                <a:pPr>
+                  <a:lnSpc>
+                    <a:spcPct val="120000"/>
+                  </a:lnSpc>
+                  <a:buClr>
+                    <a:schemeClr val="tx2">
+                      <a:lumMod val="60000"/>
+                      <a:lumOff val="40000"/>
+                    </a:schemeClr>
+                  </a:buClr>
+                  <a:buFont typeface="Wingdings" panose="05000000000000000000" pitchFamily="2" charset="2"/>
+                  <a:buChar char="Ü"/>
+                </a:pPr>
+                <a14:m>
+                  <m:oMath xmlns:m="http://schemas.openxmlformats.org/officeDocument/2006/math">
+                    <m:sSub>
+                      <m:sSubPr>
+                        <m:ctrlPr>
+                          <a:rPr lang="fr-FR" sz="1400" b="0" i="1" smtClean="0">
+                            <a:latin typeface="Cambria Math" panose="02040503050406030204" pitchFamily="18" charset="0"/>
+                          </a:rPr>
+                        </m:ctrlPr>
+                      </m:sSubPr>
+                      <m:e>
+                        <m:r>
+                          <a:rPr lang="fr-FR" sz="1400" b="0" i="1" smtClean="0">
+                            <a:latin typeface="Cambria Math" panose="02040503050406030204" pitchFamily="18" charset="0"/>
+                          </a:rPr>
+                          <m:t>𝐼</m:t>
+                        </m:r>
+                      </m:e>
+                      <m:sub>
+                        <m:r>
+                          <a:rPr lang="fr-FR" sz="1400" b="0" i="1" smtClean="0">
+                            <a:latin typeface="Cambria Math" panose="02040503050406030204" pitchFamily="18" charset="0"/>
+                          </a:rPr>
+                          <m:t>𝑆</m:t>
+                        </m:r>
+                      </m:sub>
+                    </m:sSub>
+                    <m:r>
+                      <a:rPr lang="fr-FR" sz="1400" b="0" i="1" smtClean="0">
+                        <a:latin typeface="Cambria Math" panose="02040503050406030204" pitchFamily="18" charset="0"/>
+                      </a:rPr>
+                      <m:t>=3×5</m:t>
+                    </m:r>
+                  </m:oMath>
+                </a14:m>
+                <a:endParaRPr lang="fr-FR" sz="1400" b="0" dirty="0"/>
+              </a:p>
+              <a:p>
+                <a:pPr lvl="1">
+                  <a:lnSpc>
+                    <a:spcPct val="120000"/>
+                  </a:lnSpc>
+                  <a:buClr>
+                    <a:schemeClr val="tx2">
+                      <a:lumMod val="60000"/>
+                      <a:lumOff val="40000"/>
+                    </a:schemeClr>
+                  </a:buClr>
+                  <a:buFont typeface="Wingdings" panose="05000000000000000000" pitchFamily="2" charset="2"/>
+                  <a:buChar char="Ü"/>
+                </a:pPr>
+                <a:r>
+                  <a:rPr lang="fr-FR" sz="1200" dirty="0"/>
+                  <a:t> 3 liaisons pivot, 5 inconnues statiques dans une liaison pivot</a:t>
+                </a:r>
+              </a:p>
+            </p:txBody>
+          </p:sp>
+        </mc:Choice>
+        <mc:Fallback>
+          <p:sp>
+            <p:nvSpPr>
+              <p:cNvPr id="63" name="Espace réservé du contenu 11">
+                <a:extLst>
+                  <a:ext uri="{FF2B5EF4-FFF2-40B4-BE49-F238E27FC236}">
+                    <a16:creationId xmlns:a16="http://schemas.microsoft.com/office/drawing/2014/main" id="{C0A142C9-F62B-BF4C-7120-55DC3ADBF6DF}"/>
+                  </a:ext>
+                </a:extLst>
+              </p:cNvPr>
+              <p:cNvSpPr txBox="1">
+                <a:spLocks noRot="1" noChangeAspect="1" noMove="1" noResize="1" noEditPoints="1" noAdjustHandles="1" noChangeArrowheads="1" noChangeShapeType="1" noTextEdit="1"/>
+              </p:cNvSpPr>
+              <p:nvPr/>
+            </p:nvSpPr>
+            <p:spPr>
+              <a:xfrm>
+                <a:off x="6278883" y="1073050"/>
+                <a:ext cx="5576419" cy="4984850"/>
+              </a:xfrm>
+              <a:prstGeom prst="rect">
+                <a:avLst/>
+              </a:prstGeom>
+              <a:blipFill>
+                <a:blip r:embed="rId2"/>
+                <a:stretch>
+                  <a:fillRect l="-1967" r="-1202"/>
+                </a:stretch>
+              </a:blipFill>
+            </p:spPr>
+            <p:txBody>
+              <a:bodyPr/>
+              <a:lstStyle/>
+              <a:p>
+                <a:r>
+                  <a:rPr lang="fr-FR">
+                    <a:noFill/>
+                  </a:rPr>
+                  <a:t> </a:t>
+                </a:r>
+              </a:p>
+            </p:txBody>
+          </p:sp>
+        </mc:Fallback>
+      </mc:AlternateContent>
+      <p:grpSp>
+        <p:nvGrpSpPr>
+          <p:cNvPr id="64" name="Groupe 63">
+            <a:extLst>
+              <a:ext uri="{FF2B5EF4-FFF2-40B4-BE49-F238E27FC236}">
+                <a16:creationId xmlns:a16="http://schemas.microsoft.com/office/drawing/2014/main" id="{6803B439-B5CA-BB90-A6AF-8A936B074DAE}"/>
+              </a:ext>
+            </a:extLst>
+          </p:cNvPr>
+          <p:cNvGrpSpPr/>
+          <p:nvPr/>
+        </p:nvGrpSpPr>
+        <p:grpSpPr>
+          <a:xfrm>
+            <a:off x="1853782" y="4901002"/>
+            <a:ext cx="867406" cy="500534"/>
+            <a:chOff x="5676900" y="1818819"/>
+            <a:chExt cx="867406" cy="500534"/>
+          </a:xfrm>
+        </p:grpSpPr>
+        <p:sp>
+          <p:nvSpPr>
+            <p:cNvPr id="65" name="Cylindre 64">
+              <a:extLst>
+                <a:ext uri="{FF2B5EF4-FFF2-40B4-BE49-F238E27FC236}">
+                  <a16:creationId xmlns:a16="http://schemas.microsoft.com/office/drawing/2014/main" id="{B55E31EF-750B-5C45-AF4D-9A2F2E930A28}"/>
+                </a:ext>
+              </a:extLst>
+            </p:cNvPr>
+            <p:cNvSpPr/>
+            <p:nvPr/>
+          </p:nvSpPr>
+          <p:spPr>
+            <a:xfrm rot="7309303">
+              <a:off x="5988000" y="1846438"/>
+              <a:ext cx="216000" cy="432000"/>
+            </a:xfrm>
+            <a:prstGeom prst="can">
+              <a:avLst>
+                <a:gd name="adj" fmla="val 52625"/>
+              </a:avLst>
+            </a:prstGeom>
+            <a:noFill/>
+            <a:ln w="28575">
+              <a:solidFill>
+                <a:srgbClr val="C00000"/>
+              </a:solidFill>
+            </a:ln>
+          </p:spPr>
+          <p:style>
+            <a:lnRef idx="2">
+              <a:schemeClr val="accent1">
+                <a:shade val="50000"/>
+              </a:schemeClr>
+            </a:lnRef>
+            <a:fillRef idx="1">
+              <a:schemeClr val="accent1"/>
+            </a:fillRef>
+            <a:effectRef idx="0">
+              <a:schemeClr val="accent1"/>
+            </a:effectRef>
+            <a:fontRef idx="minor">
+              <a:schemeClr val="lt1"/>
+            </a:fontRef>
+          </p:style>
+          <p:txBody>
+            <a:bodyPr rtlCol="0" anchor="ctr"/>
+            <a:lstStyle/>
+            <a:p>
+              <a:pPr algn="ctr"/>
+              <a:endParaRPr lang="fr-FR"/>
+            </a:p>
+          </p:txBody>
+        </p:sp>
+        <p:grpSp>
+          <p:nvGrpSpPr>
+            <p:cNvPr id="66" name="Groupe 65">
+              <a:extLst>
+                <a:ext uri="{FF2B5EF4-FFF2-40B4-BE49-F238E27FC236}">
+                  <a16:creationId xmlns:a16="http://schemas.microsoft.com/office/drawing/2014/main" id="{E09F5673-975B-94FB-4884-77A5D244BA10}"/>
+                </a:ext>
+              </a:extLst>
+            </p:cNvPr>
+            <p:cNvGrpSpPr/>
+            <p:nvPr/>
+          </p:nvGrpSpPr>
+          <p:grpSpPr>
+            <a:xfrm>
+              <a:off x="5676900" y="1818819"/>
+              <a:ext cx="867406" cy="500534"/>
+              <a:chOff x="5676900" y="1818819"/>
+              <a:chExt cx="867406" cy="500534"/>
+            </a:xfrm>
+          </p:grpSpPr>
+          <p:cxnSp>
+            <p:nvCxnSpPr>
+              <p:cNvPr id="67" name="Connecteur droit 66">
+                <a:extLst>
+                  <a:ext uri="{FF2B5EF4-FFF2-40B4-BE49-F238E27FC236}">
+                    <a16:creationId xmlns:a16="http://schemas.microsoft.com/office/drawing/2014/main" id="{B0B38998-DAFB-CF9C-3F9C-8D78C8B0081E}"/>
+                  </a:ext>
+                </a:extLst>
+              </p:cNvPr>
+              <p:cNvCxnSpPr>
+                <a:cxnSpLocks/>
+              </p:cNvCxnSpPr>
+              <p:nvPr/>
+            </p:nvCxnSpPr>
+            <p:spPr>
+              <a:xfrm flipH="1" flipV="1">
+                <a:off x="6226413" y="2148948"/>
+                <a:ext cx="317893" cy="170405"/>
+              </a:xfrm>
+              <a:prstGeom prst="line">
+                <a:avLst/>
+              </a:prstGeom>
+              <a:noFill/>
+              <a:ln w="28575">
+                <a:solidFill>
+                  <a:srgbClr val="002060"/>
+                </a:solidFill>
+              </a:ln>
+            </p:spPr>
+            <p:style>
+              <a:lnRef idx="2">
+                <a:schemeClr val="accent1">
+                  <a:shade val="50000"/>
+                </a:schemeClr>
+              </a:lnRef>
+              <a:fillRef idx="1">
+                <a:schemeClr val="accent1"/>
+              </a:fillRef>
+              <a:effectRef idx="0">
+                <a:schemeClr val="accent1"/>
+              </a:effectRef>
+              <a:fontRef idx="minor">
+                <a:schemeClr val="lt1"/>
+              </a:fontRef>
+            </p:style>
+          </p:cxnSp>
+          <p:cxnSp>
+            <p:nvCxnSpPr>
+              <p:cNvPr id="68" name="Connecteur droit 67">
+                <a:extLst>
+                  <a:ext uri="{FF2B5EF4-FFF2-40B4-BE49-F238E27FC236}">
+                    <a16:creationId xmlns:a16="http://schemas.microsoft.com/office/drawing/2014/main" id="{23C78CD4-995E-2B6D-16B5-E07DD0A09D13}"/>
+                  </a:ext>
+                </a:extLst>
+              </p:cNvPr>
+              <p:cNvCxnSpPr>
+                <a:cxnSpLocks/>
+              </p:cNvCxnSpPr>
+              <p:nvPr/>
+            </p:nvCxnSpPr>
+            <p:spPr>
+              <a:xfrm flipH="1" flipV="1">
+                <a:off x="5676900" y="1818819"/>
+                <a:ext cx="224593" cy="130584"/>
+              </a:xfrm>
+              <a:prstGeom prst="line">
+                <a:avLst/>
+              </a:prstGeom>
+              <a:noFill/>
+              <a:ln w="28575">
+                <a:solidFill>
+                  <a:srgbClr val="002060"/>
+                </a:solidFill>
+              </a:ln>
+            </p:spPr>
+            <p:style>
+              <a:lnRef idx="2">
+                <a:schemeClr val="accent1">
+                  <a:shade val="50000"/>
+                </a:schemeClr>
+              </a:lnRef>
+              <a:fillRef idx="1">
+                <a:schemeClr val="accent1"/>
+              </a:fillRef>
+              <a:effectRef idx="0">
+                <a:schemeClr val="accent1"/>
+              </a:effectRef>
+              <a:fontRef idx="minor">
+                <a:schemeClr val="lt1"/>
+              </a:fontRef>
+            </p:style>
+          </p:cxnSp>
+          <p:cxnSp>
+            <p:nvCxnSpPr>
+              <p:cNvPr id="69" name="Connecteur droit 68">
+                <a:extLst>
+                  <a:ext uri="{FF2B5EF4-FFF2-40B4-BE49-F238E27FC236}">
+                    <a16:creationId xmlns:a16="http://schemas.microsoft.com/office/drawing/2014/main" id="{31FF8C4F-321D-9603-D9CD-3882F5CC4DF6}"/>
+                  </a:ext>
+                </a:extLst>
+              </p:cNvPr>
+              <p:cNvCxnSpPr>
+                <a:cxnSpLocks/>
+              </p:cNvCxnSpPr>
+              <p:nvPr/>
+            </p:nvCxnSpPr>
+            <p:spPr>
+              <a:xfrm flipH="1">
+                <a:off x="6194666" y="2075134"/>
+                <a:ext cx="127204" cy="188340"/>
+              </a:xfrm>
+              <a:prstGeom prst="line">
+                <a:avLst/>
+              </a:prstGeom>
+              <a:noFill/>
+              <a:ln w="28575">
+                <a:solidFill>
+                  <a:srgbClr val="002060"/>
+                </a:solidFill>
+              </a:ln>
+            </p:spPr>
+            <p:style>
+              <a:lnRef idx="2">
+                <a:schemeClr val="accent1">
+                  <a:shade val="50000"/>
+                </a:schemeClr>
+              </a:lnRef>
+              <a:fillRef idx="1">
+                <a:schemeClr val="accent1"/>
+              </a:fillRef>
+              <a:effectRef idx="0">
+                <a:schemeClr val="accent1"/>
+              </a:effectRef>
+              <a:fontRef idx="minor">
+                <a:schemeClr val="lt1"/>
+              </a:fontRef>
+            </p:style>
+          </p:cxnSp>
+          <p:cxnSp>
+            <p:nvCxnSpPr>
+              <p:cNvPr id="70" name="Connecteur droit 69">
+                <a:extLst>
+                  <a:ext uri="{FF2B5EF4-FFF2-40B4-BE49-F238E27FC236}">
+                    <a16:creationId xmlns:a16="http://schemas.microsoft.com/office/drawing/2014/main" id="{28B4A063-E12D-2C6B-B8D2-E61F846E32A8}"/>
+                  </a:ext>
+                </a:extLst>
+              </p:cNvPr>
+              <p:cNvCxnSpPr>
+                <a:cxnSpLocks/>
+              </p:cNvCxnSpPr>
+              <p:nvPr/>
+            </p:nvCxnSpPr>
+            <p:spPr>
+              <a:xfrm flipH="1">
+                <a:off x="5827140" y="1856779"/>
+                <a:ext cx="127204" cy="188340"/>
+              </a:xfrm>
+              <a:prstGeom prst="line">
+                <a:avLst/>
+              </a:prstGeom>
+              <a:noFill/>
+              <a:ln w="28575">
+                <a:solidFill>
+                  <a:srgbClr val="002060"/>
+                </a:solidFill>
+              </a:ln>
+            </p:spPr>
+            <p:style>
+              <a:lnRef idx="2">
+                <a:schemeClr val="accent1">
+                  <a:shade val="50000"/>
+                </a:schemeClr>
+              </a:lnRef>
+              <a:fillRef idx="1">
+                <a:schemeClr val="accent1"/>
+              </a:fillRef>
+              <a:effectRef idx="0">
+                <a:schemeClr val="accent1"/>
+              </a:effectRef>
+              <a:fontRef idx="minor">
+                <a:schemeClr val="lt1"/>
+              </a:fontRef>
+            </p:style>
+          </p:cxnSp>
+        </p:grpSp>
+      </p:grpSp>
+      <p:cxnSp>
+        <p:nvCxnSpPr>
+          <p:cNvPr id="73" name="Connecteur droit 72">
+            <a:extLst>
+              <a:ext uri="{FF2B5EF4-FFF2-40B4-BE49-F238E27FC236}">
+                <a16:creationId xmlns:a16="http://schemas.microsoft.com/office/drawing/2014/main" id="{2378DD5B-9B72-3956-BDBC-52EA3EDAE802}"/>
+              </a:ext>
+            </a:extLst>
+          </p:cNvPr>
+          <p:cNvCxnSpPr>
+            <a:cxnSpLocks/>
+            <a:stCxn id="85" idx="3"/>
+          </p:cNvCxnSpPr>
+          <p:nvPr/>
+        </p:nvCxnSpPr>
+        <p:spPr>
+          <a:xfrm flipH="1" flipV="1">
+            <a:off x="2238215" y="4315830"/>
+            <a:ext cx="332227" cy="191976"/>
+          </a:xfrm>
+          <a:prstGeom prst="line">
+            <a:avLst/>
+          </a:prstGeom>
+          <a:noFill/>
+          <a:ln w="28575">
+            <a:solidFill>
+              <a:srgbClr val="00B050"/>
+            </a:solidFill>
+          </a:ln>
+        </p:spPr>
+        <p:style>
+          <a:lnRef idx="2">
+            <a:schemeClr val="accent1">
+              <a:shade val="50000"/>
+            </a:schemeClr>
+          </a:lnRef>
+          <a:fillRef idx="1">
+            <a:schemeClr val="accent1"/>
+          </a:fillRef>
+          <a:effectRef idx="0">
+            <a:schemeClr val="accent1"/>
+          </a:effectRef>
+          <a:fontRef idx="minor">
+            <a:schemeClr val="lt1"/>
+          </a:fontRef>
+        </p:style>
+      </p:cxnSp>
+      <p:grpSp>
+        <p:nvGrpSpPr>
+          <p:cNvPr id="84" name="Groupe 83">
+            <a:extLst>
+              <a:ext uri="{FF2B5EF4-FFF2-40B4-BE49-F238E27FC236}">
+                <a16:creationId xmlns:a16="http://schemas.microsoft.com/office/drawing/2014/main" id="{38FF7C7D-5850-17F5-58F5-BC38F1D1B241}"/>
+              </a:ext>
+            </a:extLst>
+          </p:cNvPr>
+          <p:cNvGrpSpPr/>
+          <p:nvPr/>
+        </p:nvGrpSpPr>
+        <p:grpSpPr>
+          <a:xfrm>
+            <a:off x="2485116" y="4416039"/>
+            <a:ext cx="494730" cy="406695"/>
+            <a:chOff x="5827140" y="1856779"/>
+            <a:chExt cx="494730" cy="406695"/>
+          </a:xfrm>
+        </p:grpSpPr>
+        <p:sp>
+          <p:nvSpPr>
+            <p:cNvPr id="85" name="Cylindre 84">
+              <a:extLst>
+                <a:ext uri="{FF2B5EF4-FFF2-40B4-BE49-F238E27FC236}">
+                  <a16:creationId xmlns:a16="http://schemas.microsoft.com/office/drawing/2014/main" id="{6DC4E7A4-9D59-48B5-EEE6-68E12388939B}"/>
+                </a:ext>
+              </a:extLst>
+            </p:cNvPr>
+            <p:cNvSpPr/>
+            <p:nvPr/>
+          </p:nvSpPr>
+          <p:spPr>
+            <a:xfrm rot="7309303">
+              <a:off x="5988000" y="1846438"/>
+              <a:ext cx="216000" cy="432000"/>
+            </a:xfrm>
+            <a:prstGeom prst="can">
+              <a:avLst>
+                <a:gd name="adj" fmla="val 52625"/>
+              </a:avLst>
+            </a:prstGeom>
+            <a:noFill/>
+            <a:ln w="28575">
+              <a:solidFill>
+                <a:srgbClr val="002060"/>
+              </a:solidFill>
+            </a:ln>
+          </p:spPr>
+          <p:style>
+            <a:lnRef idx="2">
+              <a:schemeClr val="accent1">
+                <a:shade val="50000"/>
+              </a:schemeClr>
+            </a:lnRef>
+            <a:fillRef idx="1">
+              <a:schemeClr val="accent1"/>
+            </a:fillRef>
+            <a:effectRef idx="0">
+              <a:schemeClr val="accent1"/>
+            </a:effectRef>
+            <a:fontRef idx="minor">
+              <a:schemeClr val="lt1"/>
+            </a:fontRef>
+          </p:style>
+          <p:txBody>
+            <a:bodyPr rtlCol="0" anchor="ctr"/>
+            <a:lstStyle/>
+            <a:p>
+              <a:pPr algn="ctr"/>
+              <a:endParaRPr lang="fr-FR"/>
+            </a:p>
+          </p:txBody>
+        </p:sp>
+        <p:grpSp>
+          <p:nvGrpSpPr>
+            <p:cNvPr id="86" name="Groupe 85">
+              <a:extLst>
+                <a:ext uri="{FF2B5EF4-FFF2-40B4-BE49-F238E27FC236}">
+                  <a16:creationId xmlns:a16="http://schemas.microsoft.com/office/drawing/2014/main" id="{7349EC00-E634-DBC5-5CA3-37A4127DC836}"/>
+                </a:ext>
+              </a:extLst>
+            </p:cNvPr>
+            <p:cNvGrpSpPr/>
+            <p:nvPr/>
+          </p:nvGrpSpPr>
+          <p:grpSpPr>
+            <a:xfrm>
+              <a:off x="5827140" y="1856779"/>
+              <a:ext cx="494730" cy="406695"/>
+              <a:chOff x="5827140" y="1856779"/>
+              <a:chExt cx="494730" cy="406695"/>
+            </a:xfrm>
+          </p:grpSpPr>
+          <p:cxnSp>
+            <p:nvCxnSpPr>
+              <p:cNvPr id="87" name="Connecteur droit 86">
+                <a:extLst>
+                  <a:ext uri="{FF2B5EF4-FFF2-40B4-BE49-F238E27FC236}">
+                    <a16:creationId xmlns:a16="http://schemas.microsoft.com/office/drawing/2014/main" id="{27F62CB1-982D-0AC3-7099-459F4CF07B3E}"/>
+                  </a:ext>
+                </a:extLst>
+              </p:cNvPr>
+              <p:cNvCxnSpPr>
+                <a:cxnSpLocks/>
+              </p:cNvCxnSpPr>
+              <p:nvPr/>
+            </p:nvCxnSpPr>
+            <p:spPr>
+              <a:xfrm flipH="1">
+                <a:off x="6194666" y="2075134"/>
+                <a:ext cx="127204" cy="188340"/>
+              </a:xfrm>
+              <a:prstGeom prst="line">
+                <a:avLst/>
+              </a:prstGeom>
+              <a:noFill/>
+              <a:ln w="28575">
+                <a:solidFill>
+                  <a:srgbClr val="00B050"/>
+                </a:solidFill>
+              </a:ln>
+            </p:spPr>
+            <p:style>
+              <a:lnRef idx="2">
+                <a:schemeClr val="accent1">
+                  <a:shade val="50000"/>
+                </a:schemeClr>
+              </a:lnRef>
+              <a:fillRef idx="1">
+                <a:schemeClr val="accent1"/>
+              </a:fillRef>
+              <a:effectRef idx="0">
+                <a:schemeClr val="accent1"/>
+              </a:effectRef>
+              <a:fontRef idx="minor">
+                <a:schemeClr val="lt1"/>
+              </a:fontRef>
+            </p:style>
+          </p:cxnSp>
+          <p:cxnSp>
+            <p:nvCxnSpPr>
+              <p:cNvPr id="88" name="Connecteur droit 87">
+                <a:extLst>
+                  <a:ext uri="{FF2B5EF4-FFF2-40B4-BE49-F238E27FC236}">
+                    <a16:creationId xmlns:a16="http://schemas.microsoft.com/office/drawing/2014/main" id="{A1ECEEE5-9FBD-DC3F-E469-B31A4E1E6D72}"/>
+                  </a:ext>
+                </a:extLst>
+              </p:cNvPr>
+              <p:cNvCxnSpPr>
+                <a:cxnSpLocks/>
+              </p:cNvCxnSpPr>
+              <p:nvPr/>
+            </p:nvCxnSpPr>
+            <p:spPr>
+              <a:xfrm flipH="1">
+                <a:off x="5827140" y="1856779"/>
+                <a:ext cx="127204" cy="188340"/>
+              </a:xfrm>
+              <a:prstGeom prst="line">
+                <a:avLst/>
+              </a:prstGeom>
+              <a:noFill/>
+              <a:ln w="28575">
+                <a:solidFill>
+                  <a:srgbClr val="00B050"/>
+                </a:solidFill>
+              </a:ln>
+            </p:spPr>
+            <p:style>
+              <a:lnRef idx="2">
+                <a:schemeClr val="accent1">
+                  <a:shade val="50000"/>
+                </a:schemeClr>
+              </a:lnRef>
+              <a:fillRef idx="1">
+                <a:schemeClr val="accent1"/>
+              </a:fillRef>
+              <a:effectRef idx="0">
+                <a:schemeClr val="accent1"/>
+              </a:effectRef>
+              <a:fontRef idx="minor">
+                <a:schemeClr val="lt1"/>
+              </a:fontRef>
+            </p:style>
+          </p:cxnSp>
+        </p:grpSp>
+      </p:grpSp>
+      <p:cxnSp>
+        <p:nvCxnSpPr>
+          <p:cNvPr id="91" name="Connecteur droit 90">
+            <a:extLst>
+              <a:ext uri="{FF2B5EF4-FFF2-40B4-BE49-F238E27FC236}">
+                <a16:creationId xmlns:a16="http://schemas.microsoft.com/office/drawing/2014/main" id="{72BBBE5C-3684-1EF8-EEC3-E0FE73702FD1}"/>
+              </a:ext>
+            </a:extLst>
+          </p:cNvPr>
+          <p:cNvCxnSpPr>
+            <a:cxnSpLocks/>
+          </p:cNvCxnSpPr>
+          <p:nvPr/>
+        </p:nvCxnSpPr>
+        <p:spPr>
+          <a:xfrm flipH="1">
+            <a:off x="1945741" y="5173622"/>
+            <a:ext cx="293551" cy="172035"/>
+          </a:xfrm>
+          <a:prstGeom prst="line">
+            <a:avLst/>
+          </a:prstGeom>
+          <a:noFill/>
+          <a:ln w="28575">
+            <a:solidFill>
+              <a:srgbClr val="C00000"/>
+            </a:solidFill>
+          </a:ln>
+        </p:spPr>
+        <p:style>
+          <a:lnRef idx="2">
+            <a:schemeClr val="accent1">
+              <a:shade val="50000"/>
+            </a:schemeClr>
+          </a:lnRef>
+          <a:fillRef idx="1">
+            <a:schemeClr val="accent1"/>
+          </a:fillRef>
+          <a:effectRef idx="0">
+            <a:schemeClr val="accent1"/>
+          </a:effectRef>
+          <a:fontRef idx="minor">
+            <a:schemeClr val="lt1"/>
+          </a:fontRef>
+        </p:style>
+      </p:cxnSp>
+      <p:sp>
+        <p:nvSpPr>
+          <p:cNvPr id="92" name="Parallélogramme 91">
+            <a:extLst>
+              <a:ext uri="{FF2B5EF4-FFF2-40B4-BE49-F238E27FC236}">
+                <a16:creationId xmlns:a16="http://schemas.microsoft.com/office/drawing/2014/main" id="{506699A1-3F39-BE27-D99D-8EF6F4023E74}"/>
+              </a:ext>
+            </a:extLst>
+          </p:cNvPr>
+          <p:cNvSpPr/>
+          <p:nvPr/>
+        </p:nvSpPr>
+        <p:spPr>
+          <a:xfrm rot="12600000" flipV="1">
+            <a:off x="1126153" y="5182630"/>
+            <a:ext cx="965674" cy="364196"/>
+          </a:xfrm>
+          <a:prstGeom prst="parallelogram">
+            <a:avLst>
+              <a:gd name="adj" fmla="val 56449"/>
+            </a:avLst>
+          </a:prstGeom>
+          <a:noFill/>
+          <a:ln w="28575">
+            <a:solidFill>
+              <a:srgbClr val="C00000"/>
+            </a:solidFill>
+          </a:ln>
+        </p:spPr>
+        <p:style>
+          <a:lnRef idx="2">
+            <a:schemeClr val="accent1">
+              <a:shade val="50000"/>
+            </a:schemeClr>
+          </a:lnRef>
+          <a:fillRef idx="1">
+            <a:schemeClr val="accent1"/>
+          </a:fillRef>
+          <a:effectRef idx="0">
+            <a:schemeClr val="accent1"/>
+          </a:effectRef>
+          <a:fontRef idx="minor">
+            <a:schemeClr val="lt1"/>
+          </a:fontRef>
+        </p:style>
+        <p:txBody>
+          <a:bodyPr rtlCol="0" anchor="ctr"/>
+          <a:lstStyle/>
+          <a:p>
+            <a:pPr algn="ctr"/>
+            <a:endParaRPr lang="fr-FR"/>
+          </a:p>
+        </p:txBody>
+      </p:sp>
+      <p:sp>
+        <p:nvSpPr>
+          <p:cNvPr id="93" name="Ellipse 92">
+            <a:extLst>
+              <a:ext uri="{FF2B5EF4-FFF2-40B4-BE49-F238E27FC236}">
+                <a16:creationId xmlns:a16="http://schemas.microsoft.com/office/drawing/2014/main" id="{47468905-5DA6-7BAB-1D40-B3306A5B9000}"/>
+              </a:ext>
+            </a:extLst>
+          </p:cNvPr>
+          <p:cNvSpPr/>
+          <p:nvPr/>
+        </p:nvSpPr>
+        <p:spPr>
+          <a:xfrm>
+            <a:off x="1546953" y="5299038"/>
+            <a:ext cx="75308" cy="133262"/>
+          </a:xfrm>
+          <a:prstGeom prst="ellipse">
+            <a:avLst/>
+          </a:prstGeom>
+          <a:solidFill>
+            <a:srgbClr val="C00000"/>
+          </a:solidFill>
+          <a:ln w="19050">
+            <a:solidFill>
+              <a:srgbClr val="C00000"/>
+            </a:solidFill>
+          </a:ln>
+        </p:spPr>
+        <p:style>
+          <a:lnRef idx="2">
+            <a:schemeClr val="accent1">
+              <a:shade val="50000"/>
+            </a:schemeClr>
+          </a:lnRef>
+          <a:fillRef idx="1">
+            <a:schemeClr val="accent1"/>
+          </a:fillRef>
+          <a:effectRef idx="0">
+            <a:schemeClr val="accent1"/>
+          </a:effectRef>
+          <a:fontRef idx="minor">
+            <a:schemeClr val="lt1"/>
+          </a:fontRef>
+        </p:style>
+        <p:txBody>
+          <a:bodyPr rtlCol="0" anchor="ctr"/>
+          <a:lstStyle/>
+          <a:p>
+            <a:pPr algn="ctr"/>
+            <a:endParaRPr lang="fr-FR" b="1" dirty="0">
+              <a:solidFill>
+                <a:srgbClr val="002060"/>
+              </a:solidFill>
+            </a:endParaRPr>
+          </a:p>
+        </p:txBody>
+      </p:sp>
+      <p:cxnSp>
+        <p:nvCxnSpPr>
+          <p:cNvPr id="95" name="Connecteur droit 94">
+            <a:extLst>
+              <a:ext uri="{FF2B5EF4-FFF2-40B4-BE49-F238E27FC236}">
+                <a16:creationId xmlns:a16="http://schemas.microsoft.com/office/drawing/2014/main" id="{0FC71170-1717-AC01-3FDB-A6E4184DE6C3}"/>
+              </a:ext>
+            </a:extLst>
+          </p:cNvPr>
+          <p:cNvCxnSpPr>
+            <a:cxnSpLocks/>
+          </p:cNvCxnSpPr>
+          <p:nvPr/>
+        </p:nvCxnSpPr>
+        <p:spPr>
+          <a:xfrm flipH="1" flipV="1">
+            <a:off x="2707190" y="4723625"/>
+            <a:ext cx="0" cy="688071"/>
+          </a:xfrm>
+          <a:prstGeom prst="line">
+            <a:avLst/>
+          </a:prstGeom>
+          <a:noFill/>
+          <a:ln w="28575">
+            <a:solidFill>
+              <a:srgbClr val="002060"/>
+            </a:solidFill>
+          </a:ln>
+        </p:spPr>
+        <p:style>
+          <a:lnRef idx="2">
+            <a:schemeClr val="accent1">
+              <a:shade val="50000"/>
+            </a:schemeClr>
+          </a:lnRef>
+          <a:fillRef idx="1">
+            <a:schemeClr val="accent1"/>
+          </a:fillRef>
+          <a:effectRef idx="0">
+            <a:schemeClr val="accent1"/>
+          </a:effectRef>
+          <a:fontRef idx="minor">
+            <a:schemeClr val="lt1"/>
+          </a:fontRef>
+        </p:style>
+      </p:cxnSp>
+      <p:cxnSp>
+        <p:nvCxnSpPr>
+          <p:cNvPr id="96" name="Connecteur droit 95">
+            <a:extLst>
+              <a:ext uri="{FF2B5EF4-FFF2-40B4-BE49-F238E27FC236}">
+                <a16:creationId xmlns:a16="http://schemas.microsoft.com/office/drawing/2014/main" id="{B7A2182A-CF77-141E-73D8-BFE1E2A34492}"/>
+              </a:ext>
+            </a:extLst>
+          </p:cNvPr>
+          <p:cNvCxnSpPr>
+            <a:cxnSpLocks/>
+          </p:cNvCxnSpPr>
+          <p:nvPr/>
+        </p:nvCxnSpPr>
+        <p:spPr>
+          <a:xfrm flipH="1" flipV="1">
+            <a:off x="2889465" y="4713465"/>
+            <a:ext cx="260820" cy="151647"/>
+          </a:xfrm>
+          <a:prstGeom prst="line">
+            <a:avLst/>
+          </a:prstGeom>
+          <a:noFill/>
+          <a:ln w="28575">
+            <a:solidFill>
+              <a:srgbClr val="00B050"/>
+            </a:solidFill>
+          </a:ln>
+        </p:spPr>
+        <p:style>
+          <a:lnRef idx="2">
+            <a:schemeClr val="accent1">
+              <a:shade val="50000"/>
+            </a:schemeClr>
+          </a:lnRef>
+          <a:fillRef idx="1">
+            <a:schemeClr val="accent1"/>
+          </a:fillRef>
+          <a:effectRef idx="0">
+            <a:schemeClr val="accent1"/>
+          </a:effectRef>
+          <a:fontRef idx="minor">
+            <a:schemeClr val="lt1"/>
+          </a:fontRef>
+        </p:style>
+      </p:cxnSp>
+      <p:cxnSp>
+        <p:nvCxnSpPr>
+          <p:cNvPr id="99" name="Connecteur droit 98">
+            <a:extLst>
+              <a:ext uri="{FF2B5EF4-FFF2-40B4-BE49-F238E27FC236}">
+                <a16:creationId xmlns:a16="http://schemas.microsoft.com/office/drawing/2014/main" id="{6AB74F2B-B93C-2EE8-054F-4B7A17A47AA1}"/>
+              </a:ext>
+            </a:extLst>
+          </p:cNvPr>
+          <p:cNvCxnSpPr>
+            <a:cxnSpLocks/>
+          </p:cNvCxnSpPr>
+          <p:nvPr/>
+        </p:nvCxnSpPr>
+        <p:spPr>
+          <a:xfrm>
+            <a:off x="3145262" y="4051669"/>
+            <a:ext cx="5668" cy="820254"/>
+          </a:xfrm>
+          <a:prstGeom prst="line">
+            <a:avLst/>
+          </a:prstGeom>
+          <a:noFill/>
+          <a:ln w="28575">
+            <a:solidFill>
+              <a:srgbClr val="00B050"/>
+            </a:solidFill>
+          </a:ln>
+        </p:spPr>
+        <p:style>
+          <a:lnRef idx="2">
+            <a:schemeClr val="accent1">
+              <a:shade val="50000"/>
+            </a:schemeClr>
+          </a:lnRef>
+          <a:fillRef idx="1">
+            <a:schemeClr val="accent1"/>
+          </a:fillRef>
+          <a:effectRef idx="0">
+            <a:schemeClr val="accent1"/>
+          </a:effectRef>
+          <a:fontRef idx="minor">
+            <a:schemeClr val="lt1"/>
+          </a:fontRef>
+        </p:style>
+      </p:cxnSp>
+      <p:sp>
+        <p:nvSpPr>
+          <p:cNvPr id="100" name="Cylindre 99">
+            <a:extLst>
+              <a:ext uri="{FF2B5EF4-FFF2-40B4-BE49-F238E27FC236}">
+                <a16:creationId xmlns:a16="http://schemas.microsoft.com/office/drawing/2014/main" id="{9D5C0F03-1E7E-6878-349E-CC6D28AED53A}"/>
+              </a:ext>
+            </a:extLst>
+          </p:cNvPr>
+          <p:cNvSpPr/>
+          <p:nvPr/>
+        </p:nvSpPr>
+        <p:spPr>
+          <a:xfrm rot="7309303">
+            <a:off x="3101718" y="3746837"/>
+            <a:ext cx="216000" cy="432000"/>
+          </a:xfrm>
+          <a:prstGeom prst="can">
+            <a:avLst>
+              <a:gd name="adj" fmla="val 52625"/>
+            </a:avLst>
+          </a:prstGeom>
+          <a:noFill/>
+          <a:ln w="28575">
+            <a:solidFill>
+              <a:srgbClr val="00B050"/>
+            </a:solidFill>
+          </a:ln>
+        </p:spPr>
+        <p:style>
+          <a:lnRef idx="2">
+            <a:schemeClr val="accent1">
+              <a:shade val="50000"/>
+            </a:schemeClr>
+          </a:lnRef>
+          <a:fillRef idx="1">
+            <a:schemeClr val="accent1"/>
+          </a:fillRef>
+          <a:effectRef idx="0">
+            <a:schemeClr val="accent1"/>
+          </a:effectRef>
+          <a:fontRef idx="minor">
+            <a:schemeClr val="lt1"/>
+          </a:fontRef>
+        </p:style>
+        <p:txBody>
+          <a:bodyPr rtlCol="0" anchor="ctr"/>
+          <a:lstStyle/>
+          <a:p>
+            <a:pPr algn="ctr"/>
+            <a:endParaRPr lang="fr-FR"/>
+          </a:p>
+        </p:txBody>
+      </p:sp>
+      <p:cxnSp>
+        <p:nvCxnSpPr>
+          <p:cNvPr id="101" name="Connecteur droit 100">
+            <a:extLst>
+              <a:ext uri="{FF2B5EF4-FFF2-40B4-BE49-F238E27FC236}">
+                <a16:creationId xmlns:a16="http://schemas.microsoft.com/office/drawing/2014/main" id="{2358B9CC-EB4F-9BC0-79C2-0702948E8D50}"/>
+              </a:ext>
+            </a:extLst>
+          </p:cNvPr>
+          <p:cNvCxnSpPr>
+            <a:cxnSpLocks/>
+          </p:cNvCxnSpPr>
+          <p:nvPr/>
+        </p:nvCxnSpPr>
+        <p:spPr>
+          <a:xfrm flipH="1" flipV="1">
+            <a:off x="2747004" y="3683544"/>
+            <a:ext cx="279180" cy="165401"/>
+          </a:xfrm>
+          <a:prstGeom prst="line">
+            <a:avLst/>
+          </a:prstGeom>
+          <a:noFill/>
+          <a:ln w="28575">
+            <a:solidFill>
+              <a:schemeClr val="accent2"/>
+            </a:solidFill>
+          </a:ln>
+        </p:spPr>
+        <p:style>
+          <a:lnRef idx="2">
+            <a:schemeClr val="accent1">
+              <a:shade val="50000"/>
+            </a:schemeClr>
+          </a:lnRef>
+          <a:fillRef idx="1">
+            <a:schemeClr val="accent1"/>
+          </a:fillRef>
+          <a:effectRef idx="0">
+            <a:schemeClr val="accent1"/>
+          </a:effectRef>
+          <a:fontRef idx="minor">
+            <a:schemeClr val="lt1"/>
+          </a:fontRef>
+        </p:style>
+      </p:cxnSp>
+      <p:cxnSp>
+        <p:nvCxnSpPr>
+          <p:cNvPr id="102" name="Connecteur droit 101">
+            <a:extLst>
+              <a:ext uri="{FF2B5EF4-FFF2-40B4-BE49-F238E27FC236}">
+                <a16:creationId xmlns:a16="http://schemas.microsoft.com/office/drawing/2014/main" id="{25F7DC2B-7216-F3D1-6F5A-20A769A0AE40}"/>
+              </a:ext>
+            </a:extLst>
+          </p:cNvPr>
+          <p:cNvCxnSpPr>
+            <a:cxnSpLocks/>
+          </p:cNvCxnSpPr>
+          <p:nvPr/>
+        </p:nvCxnSpPr>
+        <p:spPr>
+          <a:xfrm flipH="1" flipV="1">
+            <a:off x="3332559" y="4048219"/>
+            <a:ext cx="194839" cy="115433"/>
+          </a:xfrm>
+          <a:prstGeom prst="line">
+            <a:avLst/>
+          </a:prstGeom>
+          <a:noFill/>
+          <a:ln w="28575">
+            <a:solidFill>
+              <a:schemeClr val="accent2"/>
+            </a:solidFill>
+          </a:ln>
+        </p:spPr>
+        <p:style>
+          <a:lnRef idx="2">
+            <a:schemeClr val="accent1">
+              <a:shade val="50000"/>
+            </a:schemeClr>
+          </a:lnRef>
+          <a:fillRef idx="1">
+            <a:schemeClr val="accent1"/>
+          </a:fillRef>
+          <a:effectRef idx="0">
+            <a:schemeClr val="accent1"/>
+          </a:effectRef>
+          <a:fontRef idx="minor">
+            <a:schemeClr val="lt1"/>
+          </a:fontRef>
+        </p:style>
+      </p:cxnSp>
+      <p:cxnSp>
+        <p:nvCxnSpPr>
+          <p:cNvPr id="106" name="Connecteur droit 105">
+            <a:extLst>
+              <a:ext uri="{FF2B5EF4-FFF2-40B4-BE49-F238E27FC236}">
+                <a16:creationId xmlns:a16="http://schemas.microsoft.com/office/drawing/2014/main" id="{21442DCD-B479-D00D-6689-C9458DA907C3}"/>
+              </a:ext>
+            </a:extLst>
+          </p:cNvPr>
+          <p:cNvCxnSpPr>
+            <a:cxnSpLocks/>
+          </p:cNvCxnSpPr>
+          <p:nvPr/>
+        </p:nvCxnSpPr>
+        <p:spPr>
+          <a:xfrm flipH="1">
+            <a:off x="2954628" y="3733915"/>
+            <a:ext cx="127204" cy="188340"/>
+          </a:xfrm>
+          <a:prstGeom prst="line">
+            <a:avLst/>
+          </a:prstGeom>
+          <a:noFill/>
+          <a:ln w="28575">
+            <a:solidFill>
+              <a:schemeClr val="accent2"/>
+            </a:solidFill>
+          </a:ln>
+        </p:spPr>
+        <p:style>
+          <a:lnRef idx="2">
+            <a:schemeClr val="accent1">
+              <a:shade val="50000"/>
+            </a:schemeClr>
+          </a:lnRef>
+          <a:fillRef idx="1">
+            <a:schemeClr val="accent1"/>
+          </a:fillRef>
+          <a:effectRef idx="0">
+            <a:schemeClr val="accent1"/>
+          </a:effectRef>
+          <a:fontRef idx="minor">
+            <a:schemeClr val="lt1"/>
+          </a:fontRef>
+        </p:style>
+      </p:cxnSp>
+      <p:cxnSp>
+        <p:nvCxnSpPr>
+          <p:cNvPr id="107" name="Connecteur droit 106">
+            <a:extLst>
+              <a:ext uri="{FF2B5EF4-FFF2-40B4-BE49-F238E27FC236}">
+                <a16:creationId xmlns:a16="http://schemas.microsoft.com/office/drawing/2014/main" id="{C662F27D-9F32-E7E9-1C31-007EF83B5F5B}"/>
+              </a:ext>
+            </a:extLst>
+          </p:cNvPr>
+          <p:cNvCxnSpPr>
+            <a:cxnSpLocks/>
+          </p:cNvCxnSpPr>
+          <p:nvPr/>
+        </p:nvCxnSpPr>
+        <p:spPr>
+          <a:xfrm flipH="1">
+            <a:off x="3297992" y="3975312"/>
+            <a:ext cx="127204" cy="188340"/>
+          </a:xfrm>
+          <a:prstGeom prst="line">
+            <a:avLst/>
+          </a:prstGeom>
+          <a:noFill/>
+          <a:ln w="28575">
+            <a:solidFill>
+              <a:schemeClr val="accent2"/>
+            </a:solidFill>
+          </a:ln>
+        </p:spPr>
+        <p:style>
+          <a:lnRef idx="2">
+            <a:schemeClr val="accent1">
+              <a:shade val="50000"/>
+            </a:schemeClr>
+          </a:lnRef>
+          <a:fillRef idx="1">
+            <a:schemeClr val="accent1"/>
+          </a:fillRef>
+          <a:effectRef idx="0">
+            <a:schemeClr val="accent1"/>
+          </a:effectRef>
+          <a:fontRef idx="minor">
+            <a:schemeClr val="lt1"/>
+          </a:fontRef>
+        </p:style>
+      </p:cxnSp>
+      <p:sp>
+        <p:nvSpPr>
+          <p:cNvPr id="109" name="Parallélogramme 108">
+            <a:extLst>
+              <a:ext uri="{FF2B5EF4-FFF2-40B4-BE49-F238E27FC236}">
+                <a16:creationId xmlns:a16="http://schemas.microsoft.com/office/drawing/2014/main" id="{851E28DD-C851-06E0-D01E-A6C8AFAABC3E}"/>
+              </a:ext>
+            </a:extLst>
+          </p:cNvPr>
+          <p:cNvSpPr/>
+          <p:nvPr/>
+        </p:nvSpPr>
+        <p:spPr>
+          <a:xfrm rot="16200000" flipV="1">
+            <a:off x="3444057" y="4095995"/>
+            <a:ext cx="311550" cy="197740"/>
+          </a:xfrm>
+          <a:prstGeom prst="parallelogram">
+            <a:avLst>
+              <a:gd name="adj" fmla="val 65507"/>
+            </a:avLst>
+          </a:prstGeom>
+          <a:noFill/>
+          <a:ln w="28575">
+            <a:solidFill>
+              <a:schemeClr val="accent2"/>
+            </a:solidFill>
+          </a:ln>
+        </p:spPr>
+        <p:style>
+          <a:lnRef idx="2">
+            <a:schemeClr val="accent1">
+              <a:shade val="50000"/>
+            </a:schemeClr>
+          </a:lnRef>
+          <a:fillRef idx="1">
+            <a:schemeClr val="accent1"/>
+          </a:fillRef>
+          <a:effectRef idx="0">
+            <a:schemeClr val="accent1"/>
+          </a:effectRef>
+          <a:fontRef idx="minor">
+            <a:schemeClr val="lt1"/>
+          </a:fontRef>
+        </p:style>
+        <p:txBody>
+          <a:bodyPr rtlCol="0" anchor="ctr"/>
+          <a:lstStyle/>
+          <a:p>
+            <a:pPr algn="ctr"/>
+            <a:endParaRPr lang="fr-FR"/>
+          </a:p>
+        </p:txBody>
+      </p:sp>
+      <p:sp>
+        <p:nvSpPr>
+          <p:cNvPr id="110" name="Ellipse 109">
+            <a:extLst>
+              <a:ext uri="{FF2B5EF4-FFF2-40B4-BE49-F238E27FC236}">
+                <a16:creationId xmlns:a16="http://schemas.microsoft.com/office/drawing/2014/main" id="{6AD612AC-0828-5FCC-9C3E-B8D11CF3CA3E}"/>
+              </a:ext>
+            </a:extLst>
+          </p:cNvPr>
+          <p:cNvSpPr/>
+          <p:nvPr/>
+        </p:nvSpPr>
+        <p:spPr>
+          <a:xfrm>
+            <a:off x="3172839" y="4965692"/>
+            <a:ext cx="224593" cy="218355"/>
+          </a:xfrm>
+          <a:prstGeom prst="ellipse">
+            <a:avLst/>
+          </a:prstGeom>
+          <a:noFill/>
+          <a:ln w="19050">
+            <a:solidFill>
+              <a:srgbClr val="002060"/>
+            </a:solidFill>
+          </a:ln>
+        </p:spPr>
+        <p:style>
+          <a:lnRef idx="2">
+            <a:schemeClr val="accent1">
+              <a:shade val="50000"/>
+            </a:schemeClr>
+          </a:lnRef>
+          <a:fillRef idx="1">
+            <a:schemeClr val="accent1"/>
+          </a:fillRef>
+          <a:effectRef idx="0">
+            <a:schemeClr val="accent1"/>
+          </a:effectRef>
+          <a:fontRef idx="minor">
+            <a:schemeClr val="lt1"/>
+          </a:fontRef>
+        </p:style>
+        <p:txBody>
+          <a:bodyPr rtlCol="0" anchor="ctr"/>
+          <a:lstStyle/>
+          <a:p>
+            <a:pPr algn="ctr"/>
+            <a:r>
+              <a:rPr lang="fr-FR" sz="1100" b="1" dirty="0">
+                <a:solidFill>
+                  <a:srgbClr val="002060"/>
+                </a:solidFill>
+              </a:rPr>
+              <a:t>M</a:t>
+            </a:r>
+            <a:endParaRPr lang="fr-FR" b="1" dirty="0">
+              <a:solidFill>
+                <a:srgbClr val="002060"/>
+              </a:solidFill>
+            </a:endParaRPr>
+          </a:p>
+        </p:txBody>
+      </p:sp>
+      <p:sp>
+        <p:nvSpPr>
+          <p:cNvPr id="111" name="Ellipse 110">
+            <a:extLst>
+              <a:ext uri="{FF2B5EF4-FFF2-40B4-BE49-F238E27FC236}">
+                <a16:creationId xmlns:a16="http://schemas.microsoft.com/office/drawing/2014/main" id="{334FE5BA-5894-2DAE-F3C2-54FC77D24481}"/>
+              </a:ext>
+            </a:extLst>
+          </p:cNvPr>
+          <p:cNvSpPr/>
+          <p:nvPr/>
+        </p:nvSpPr>
+        <p:spPr>
+          <a:xfrm>
+            <a:off x="2662001" y="3347120"/>
+            <a:ext cx="224593" cy="218355"/>
+          </a:xfrm>
+          <a:prstGeom prst="ellipse">
+            <a:avLst/>
+          </a:prstGeom>
+          <a:noFill/>
+          <a:ln w="19050">
+            <a:solidFill>
+              <a:schemeClr val="accent2"/>
+            </a:solidFill>
+          </a:ln>
+        </p:spPr>
+        <p:style>
+          <a:lnRef idx="2">
+            <a:schemeClr val="accent1">
+              <a:shade val="50000"/>
+            </a:schemeClr>
+          </a:lnRef>
+          <a:fillRef idx="1">
+            <a:schemeClr val="accent1"/>
+          </a:fillRef>
+          <a:effectRef idx="0">
+            <a:schemeClr val="accent1"/>
+          </a:effectRef>
+          <a:fontRef idx="minor">
+            <a:schemeClr val="lt1"/>
+          </a:fontRef>
+        </p:style>
+        <p:txBody>
+          <a:bodyPr rtlCol="0" anchor="ctr"/>
+          <a:lstStyle/>
+          <a:p>
+            <a:pPr algn="ctr"/>
+            <a:r>
+              <a:rPr lang="fr-FR" sz="1100" b="1" dirty="0">
+                <a:solidFill>
+                  <a:schemeClr val="accent2">
+                    <a:lumMod val="75000"/>
+                  </a:schemeClr>
+                </a:solidFill>
+              </a:rPr>
+              <a:t>0</a:t>
+            </a:r>
+            <a:endParaRPr lang="fr-FR" b="1" dirty="0">
+              <a:solidFill>
+                <a:schemeClr val="accent2">
+                  <a:lumMod val="75000"/>
+                </a:schemeClr>
+              </a:solidFill>
+            </a:endParaRPr>
+          </a:p>
+        </p:txBody>
+      </p:sp>
+      <p:sp>
+        <p:nvSpPr>
+          <p:cNvPr id="112" name="Ellipse 111">
+            <a:extLst>
+              <a:ext uri="{FF2B5EF4-FFF2-40B4-BE49-F238E27FC236}">
+                <a16:creationId xmlns:a16="http://schemas.microsoft.com/office/drawing/2014/main" id="{F09D3F79-8D4A-C12C-4FFF-EC802B9C9762}"/>
+              </a:ext>
+            </a:extLst>
+          </p:cNvPr>
+          <p:cNvSpPr/>
+          <p:nvPr/>
+        </p:nvSpPr>
+        <p:spPr>
+          <a:xfrm>
+            <a:off x="3221305" y="4682987"/>
+            <a:ext cx="224593" cy="218355"/>
+          </a:xfrm>
+          <a:prstGeom prst="ellipse">
+            <a:avLst/>
+          </a:prstGeom>
+          <a:noFill/>
+          <a:ln w="19050">
+            <a:solidFill>
+              <a:srgbClr val="00B050"/>
+            </a:solidFill>
+          </a:ln>
+        </p:spPr>
+        <p:style>
+          <a:lnRef idx="2">
+            <a:schemeClr val="accent1">
+              <a:shade val="50000"/>
+            </a:schemeClr>
+          </a:lnRef>
+          <a:fillRef idx="1">
+            <a:schemeClr val="accent1"/>
+          </a:fillRef>
+          <a:effectRef idx="0">
+            <a:schemeClr val="accent1"/>
+          </a:effectRef>
+          <a:fontRef idx="minor">
+            <a:schemeClr val="lt1"/>
+          </a:fontRef>
+        </p:style>
+        <p:txBody>
+          <a:bodyPr rtlCol="0" anchor="ctr"/>
+          <a:lstStyle/>
+          <a:p>
+            <a:pPr algn="ctr"/>
+            <a:r>
+              <a:rPr lang="fr-FR" sz="1100" b="1" dirty="0">
+                <a:solidFill>
+                  <a:srgbClr val="00B050"/>
+                </a:solidFill>
+              </a:rPr>
+              <a:t>1</a:t>
+            </a:r>
+            <a:endParaRPr lang="fr-FR" b="1" dirty="0">
+              <a:solidFill>
+                <a:srgbClr val="00B050"/>
+              </a:solidFill>
+            </a:endParaRPr>
+          </a:p>
+        </p:txBody>
+      </p:sp>
+      <p:sp>
+        <p:nvSpPr>
+          <p:cNvPr id="113" name="Ellipse 112">
+            <a:extLst>
+              <a:ext uri="{FF2B5EF4-FFF2-40B4-BE49-F238E27FC236}">
+                <a16:creationId xmlns:a16="http://schemas.microsoft.com/office/drawing/2014/main" id="{6CBB3462-FBCB-53E5-2ADD-3AA109CB5496}"/>
+              </a:ext>
+            </a:extLst>
+          </p:cNvPr>
+          <p:cNvSpPr/>
+          <p:nvPr/>
+        </p:nvSpPr>
+        <p:spPr>
+          <a:xfrm>
+            <a:off x="2747004" y="5345657"/>
+            <a:ext cx="224593" cy="218355"/>
+          </a:xfrm>
+          <a:prstGeom prst="ellipse">
+            <a:avLst/>
+          </a:prstGeom>
+          <a:noFill/>
+          <a:ln w="19050">
+            <a:solidFill>
+              <a:srgbClr val="002060"/>
+            </a:solidFill>
+          </a:ln>
+        </p:spPr>
+        <p:style>
+          <a:lnRef idx="2">
+            <a:schemeClr val="accent1">
+              <a:shade val="50000"/>
+            </a:schemeClr>
+          </a:lnRef>
+          <a:fillRef idx="1">
+            <a:schemeClr val="accent1"/>
+          </a:fillRef>
+          <a:effectRef idx="0">
+            <a:schemeClr val="accent1"/>
+          </a:effectRef>
+          <a:fontRef idx="minor">
+            <a:schemeClr val="lt1"/>
+          </a:fontRef>
+        </p:style>
+        <p:txBody>
+          <a:bodyPr rtlCol="0" anchor="ctr"/>
+          <a:lstStyle/>
+          <a:p>
+            <a:pPr algn="ctr"/>
+            <a:r>
+              <a:rPr lang="fr-FR" sz="1100" b="1" dirty="0">
+                <a:solidFill>
+                  <a:srgbClr val="002060"/>
+                </a:solidFill>
+              </a:rPr>
+              <a:t>2</a:t>
+            </a:r>
+            <a:endParaRPr lang="fr-FR" b="1" dirty="0">
+              <a:solidFill>
+                <a:srgbClr val="002060"/>
+              </a:solidFill>
+            </a:endParaRPr>
+          </a:p>
+        </p:txBody>
+      </p:sp>
+      <p:sp>
+        <p:nvSpPr>
+          <p:cNvPr id="114" name="Ellipse 113">
+            <a:extLst>
+              <a:ext uri="{FF2B5EF4-FFF2-40B4-BE49-F238E27FC236}">
+                <a16:creationId xmlns:a16="http://schemas.microsoft.com/office/drawing/2014/main" id="{8DE06AAA-2B03-9D44-3B91-7404D9C40BB7}"/>
+              </a:ext>
+            </a:extLst>
+          </p:cNvPr>
+          <p:cNvSpPr/>
+          <p:nvPr/>
+        </p:nvSpPr>
+        <p:spPr>
+          <a:xfrm>
+            <a:off x="1415617" y="5675102"/>
+            <a:ext cx="224593" cy="218355"/>
+          </a:xfrm>
+          <a:prstGeom prst="ellipse">
+            <a:avLst/>
+          </a:prstGeom>
+          <a:noFill/>
+          <a:ln w="19050">
+            <a:solidFill>
+              <a:srgbClr val="C00000"/>
+            </a:solidFill>
+          </a:ln>
+        </p:spPr>
+        <p:style>
+          <a:lnRef idx="2">
+            <a:schemeClr val="accent1">
+              <a:shade val="50000"/>
+            </a:schemeClr>
+          </a:lnRef>
+          <a:fillRef idx="1">
+            <a:schemeClr val="accent1"/>
+          </a:fillRef>
+          <a:effectRef idx="0">
+            <a:schemeClr val="accent1"/>
+          </a:effectRef>
+          <a:fontRef idx="minor">
+            <a:schemeClr val="lt1"/>
+          </a:fontRef>
+        </p:style>
+        <p:txBody>
+          <a:bodyPr rtlCol="0" anchor="ctr"/>
+          <a:lstStyle/>
+          <a:p>
+            <a:pPr algn="ctr"/>
+            <a:r>
+              <a:rPr lang="fr-FR" sz="1100" b="1" dirty="0">
+                <a:solidFill>
+                  <a:srgbClr val="C00000"/>
+                </a:solidFill>
+              </a:rPr>
+              <a:t>3</a:t>
+            </a:r>
+            <a:endParaRPr lang="fr-FR" b="1" dirty="0">
+              <a:solidFill>
+                <a:srgbClr val="C00000"/>
+              </a:solidFill>
+            </a:endParaRPr>
+          </a:p>
+        </p:txBody>
+      </p:sp>
+      <p:cxnSp>
+        <p:nvCxnSpPr>
+          <p:cNvPr id="115" name="Connecteur droit avec flèche 114">
+            <a:extLst>
+              <a:ext uri="{FF2B5EF4-FFF2-40B4-BE49-F238E27FC236}">
+                <a16:creationId xmlns:a16="http://schemas.microsoft.com/office/drawing/2014/main" id="{A831125E-5DC8-43F4-57A4-D9FCB9549AA2}"/>
+              </a:ext>
+            </a:extLst>
+          </p:cNvPr>
+          <p:cNvCxnSpPr>
+            <a:cxnSpLocks/>
+          </p:cNvCxnSpPr>
+          <p:nvPr/>
+        </p:nvCxnSpPr>
+        <p:spPr>
+          <a:xfrm>
+            <a:off x="3569276" y="4194865"/>
+            <a:ext cx="474620" cy="274781"/>
+          </a:xfrm>
+          <a:prstGeom prst="straightConnector1">
+            <a:avLst/>
+          </a:prstGeom>
+          <a:ln>
+            <a:solidFill>
+              <a:schemeClr val="accent2">
+                <a:lumMod val="75000"/>
+              </a:schemeClr>
+            </a:solidFill>
+            <a:tailEnd type="stealth" w="med" len="lg"/>
+          </a:ln>
+        </p:spPr>
+        <p:style>
+          <a:lnRef idx="1">
+            <a:schemeClr val="accent1"/>
+          </a:lnRef>
+          <a:fillRef idx="0">
+            <a:schemeClr val="accent1"/>
+          </a:fillRef>
+          <a:effectRef idx="0">
+            <a:schemeClr val="accent1"/>
+          </a:effectRef>
+          <a:fontRef idx="minor">
+            <a:schemeClr val="tx1"/>
+          </a:fontRef>
+        </p:style>
+      </p:cxnSp>
+      <p:cxnSp>
+        <p:nvCxnSpPr>
+          <p:cNvPr id="116" name="Connecteur droit avec flèche 115">
+            <a:extLst>
+              <a:ext uri="{FF2B5EF4-FFF2-40B4-BE49-F238E27FC236}">
+                <a16:creationId xmlns:a16="http://schemas.microsoft.com/office/drawing/2014/main" id="{0A347EE0-E4CE-162C-A532-A2B283008564}"/>
+              </a:ext>
+            </a:extLst>
+          </p:cNvPr>
+          <p:cNvCxnSpPr>
+            <a:cxnSpLocks/>
+          </p:cNvCxnSpPr>
+          <p:nvPr/>
+        </p:nvCxnSpPr>
+        <p:spPr>
+          <a:xfrm flipV="1">
+            <a:off x="3599832" y="3405298"/>
+            <a:ext cx="0" cy="836328"/>
+          </a:xfrm>
+          <a:prstGeom prst="straightConnector1">
+            <a:avLst/>
+          </a:prstGeom>
+          <a:ln>
+            <a:solidFill>
+              <a:schemeClr val="accent2">
+                <a:lumMod val="75000"/>
+              </a:schemeClr>
+            </a:solidFill>
+            <a:tailEnd type="stealth" w="med" len="lg"/>
+          </a:ln>
+        </p:spPr>
+        <p:style>
+          <a:lnRef idx="1">
+            <a:schemeClr val="accent1"/>
+          </a:lnRef>
+          <a:fillRef idx="0">
+            <a:schemeClr val="accent1"/>
+          </a:fillRef>
+          <a:effectRef idx="0">
+            <a:schemeClr val="accent1"/>
+          </a:effectRef>
+          <a:fontRef idx="minor">
+            <a:schemeClr val="tx1"/>
+          </a:fontRef>
+        </p:style>
+      </p:cxnSp>
+      <mc:AlternateContent xmlns:mc="http://schemas.openxmlformats.org/markup-compatibility/2006">
+        <mc:Choice xmlns:a14="http://schemas.microsoft.com/office/drawing/2010/main" Requires="a14">
+          <p:sp>
+            <p:nvSpPr>
+              <p:cNvPr id="117" name="ZoneTexte 116">
+                <a:extLst>
+                  <a:ext uri="{FF2B5EF4-FFF2-40B4-BE49-F238E27FC236}">
+                    <a16:creationId xmlns:a16="http://schemas.microsoft.com/office/drawing/2014/main" id="{DBFFA873-C81F-35EC-CA5F-99BAD7827821}"/>
+                  </a:ext>
+                </a:extLst>
+              </p:cNvPr>
+              <p:cNvSpPr txBox="1"/>
+              <p:nvPr/>
+            </p:nvSpPr>
+            <p:spPr>
+              <a:xfrm>
+                <a:off x="3750559" y="4048219"/>
+                <a:ext cx="626532" cy="307777"/>
+              </a:xfrm>
+              <a:prstGeom prst="rect">
+                <a:avLst/>
+              </a:prstGeom>
+              <a:noFill/>
+            </p:spPr>
+            <p:txBody>
+              <a:bodyPr wrap="square" rtlCol="0">
+                <a:spAutoFit/>
+              </a:bodyPr>
+              <a:lstStyle/>
+              <a:p>
+                <a14:m>
+                  <m:oMathPara xmlns:m="http://schemas.openxmlformats.org/officeDocument/2006/math">
+                    <m:oMathParaPr>
+                      <m:jc m:val="centerGroup"/>
+                    </m:oMathParaPr>
+                    <m:oMath xmlns:m="http://schemas.openxmlformats.org/officeDocument/2006/math">
+                      <m:acc>
+                        <m:accPr>
+                          <m:chr m:val="⃗"/>
+                          <m:ctrlPr>
+                            <a:rPr lang="fr-FR" sz="1400" b="0" i="1" smtClean="0">
+                              <a:latin typeface="Cambria Math" panose="02040503050406030204" pitchFamily="18" charset="0"/>
+                            </a:rPr>
+                          </m:ctrlPr>
+                        </m:accPr>
+                        <m:e>
+                          <m:sSub>
+                            <m:sSubPr>
+                              <m:ctrlPr>
+                                <a:rPr lang="fr-FR" sz="1400" i="1">
+                                  <a:latin typeface="Cambria Math" panose="02040503050406030204" pitchFamily="18" charset="0"/>
+                                </a:rPr>
+                              </m:ctrlPr>
+                            </m:sSubPr>
+                            <m:e>
+                              <m:r>
+                                <a:rPr lang="fr-FR" sz="1400" i="1">
+                                  <a:latin typeface="Cambria Math" panose="02040503050406030204" pitchFamily="18" charset="0"/>
+                                </a:rPr>
+                                <m:t>𝑥</m:t>
+                              </m:r>
+                            </m:e>
+                            <m:sub>
+                              <m:r>
+                                <a:rPr lang="fr-FR" sz="1400" i="1">
+                                  <a:latin typeface="Cambria Math" panose="02040503050406030204" pitchFamily="18" charset="0"/>
+                                </a:rPr>
+                                <m:t>0</m:t>
+                              </m:r>
+                            </m:sub>
+                          </m:sSub>
+                        </m:e>
+                      </m:acc>
+                    </m:oMath>
+                  </m:oMathPara>
+                </a14:m>
+                <a:endParaRPr lang="fr-FR" sz="1400" dirty="0"/>
+              </a:p>
+            </p:txBody>
+          </p:sp>
+        </mc:Choice>
+        <mc:Fallback>
+          <p:sp>
+            <p:nvSpPr>
+              <p:cNvPr id="117" name="ZoneTexte 116">
+                <a:extLst>
+                  <a:ext uri="{FF2B5EF4-FFF2-40B4-BE49-F238E27FC236}">
+                    <a16:creationId xmlns:a16="http://schemas.microsoft.com/office/drawing/2014/main" id="{DBFFA873-C81F-35EC-CA5F-99BAD7827821}"/>
+                  </a:ext>
+                </a:extLst>
+              </p:cNvPr>
+              <p:cNvSpPr txBox="1">
+                <a:spLocks noRot="1" noChangeAspect="1" noMove="1" noResize="1" noEditPoints="1" noAdjustHandles="1" noChangeArrowheads="1" noChangeShapeType="1" noTextEdit="1"/>
+              </p:cNvSpPr>
+              <p:nvPr/>
+            </p:nvSpPr>
+            <p:spPr>
+              <a:xfrm>
+                <a:off x="3750559" y="4048219"/>
+                <a:ext cx="626532" cy="307777"/>
+              </a:xfrm>
+              <a:prstGeom prst="rect">
+                <a:avLst/>
+              </a:prstGeom>
+              <a:blipFill>
+                <a:blip r:embed="rId3"/>
+                <a:stretch>
+                  <a:fillRect/>
+                </a:stretch>
+              </a:blipFill>
+            </p:spPr>
+            <p:txBody>
+              <a:bodyPr/>
+              <a:lstStyle/>
+              <a:p>
+                <a:r>
+                  <a:rPr lang="fr-FR">
+                    <a:noFill/>
+                  </a:rPr>
+                  <a:t> </a:t>
+                </a:r>
+              </a:p>
+            </p:txBody>
+          </p:sp>
+        </mc:Fallback>
+      </mc:AlternateContent>
+      <mc:AlternateContent xmlns:mc="http://schemas.openxmlformats.org/markup-compatibility/2006">
+        <mc:Choice xmlns:a14="http://schemas.microsoft.com/office/drawing/2010/main" Requires="a14">
+          <p:sp>
+            <p:nvSpPr>
+              <p:cNvPr id="118" name="ZoneTexte 117">
+                <a:extLst>
+                  <a:ext uri="{FF2B5EF4-FFF2-40B4-BE49-F238E27FC236}">
+                    <a16:creationId xmlns:a16="http://schemas.microsoft.com/office/drawing/2014/main" id="{0CFDF03B-5202-ED87-19F7-A8C9A04ED83A}"/>
+                  </a:ext>
+                </a:extLst>
+              </p:cNvPr>
+              <p:cNvSpPr txBox="1"/>
+              <p:nvPr/>
+            </p:nvSpPr>
+            <p:spPr>
+              <a:xfrm>
+                <a:off x="3482090" y="3240075"/>
+                <a:ext cx="626532" cy="307777"/>
+              </a:xfrm>
+              <a:prstGeom prst="rect">
+                <a:avLst/>
+              </a:prstGeom>
+              <a:noFill/>
+            </p:spPr>
+            <p:txBody>
+              <a:bodyPr wrap="square" rtlCol="0">
+                <a:spAutoFit/>
+              </a:bodyPr>
+              <a:lstStyle/>
+              <a:p>
+                <a14:m>
+                  <m:oMathPara xmlns:m="http://schemas.openxmlformats.org/officeDocument/2006/math">
+                    <m:oMathParaPr>
+                      <m:jc m:val="centerGroup"/>
+                    </m:oMathParaPr>
+                    <m:oMath xmlns:m="http://schemas.openxmlformats.org/officeDocument/2006/math">
+                      <m:acc>
+                        <m:accPr>
+                          <m:chr m:val="⃗"/>
+                          <m:ctrlPr>
+                            <a:rPr lang="fr-FR" sz="1400" b="0" i="1" smtClean="0">
+                              <a:latin typeface="Cambria Math" panose="02040503050406030204" pitchFamily="18" charset="0"/>
+                            </a:rPr>
+                          </m:ctrlPr>
+                        </m:accPr>
+                        <m:e>
+                          <m:sSub>
+                            <m:sSubPr>
+                              <m:ctrlPr>
+                                <a:rPr lang="fr-FR" sz="1400" i="1">
+                                  <a:latin typeface="Cambria Math" panose="02040503050406030204" pitchFamily="18" charset="0"/>
+                                </a:rPr>
+                              </m:ctrlPr>
+                            </m:sSubPr>
+                            <m:e>
+                              <m:r>
+                                <a:rPr lang="fr-FR" sz="1400" b="0" i="1" smtClean="0">
+                                  <a:latin typeface="Cambria Math" panose="02040503050406030204" pitchFamily="18" charset="0"/>
+                                </a:rPr>
+                                <m:t>𝑦</m:t>
+                              </m:r>
+                            </m:e>
+                            <m:sub>
+                              <m:r>
+                                <a:rPr lang="fr-FR" sz="1400" i="1">
+                                  <a:latin typeface="Cambria Math" panose="02040503050406030204" pitchFamily="18" charset="0"/>
+                                </a:rPr>
+                                <m:t>0</m:t>
+                              </m:r>
+                            </m:sub>
+                          </m:sSub>
+                        </m:e>
+                      </m:acc>
+                    </m:oMath>
+                  </m:oMathPara>
+                </a14:m>
+                <a:endParaRPr lang="fr-FR" sz="1400" dirty="0"/>
+              </a:p>
+            </p:txBody>
+          </p:sp>
+        </mc:Choice>
+        <mc:Fallback>
+          <p:sp>
+            <p:nvSpPr>
+              <p:cNvPr id="118" name="ZoneTexte 117">
+                <a:extLst>
+                  <a:ext uri="{FF2B5EF4-FFF2-40B4-BE49-F238E27FC236}">
+                    <a16:creationId xmlns:a16="http://schemas.microsoft.com/office/drawing/2014/main" id="{0CFDF03B-5202-ED87-19F7-A8C9A04ED83A}"/>
+                  </a:ext>
+                </a:extLst>
+              </p:cNvPr>
+              <p:cNvSpPr txBox="1">
+                <a:spLocks noRot="1" noChangeAspect="1" noMove="1" noResize="1" noEditPoints="1" noAdjustHandles="1" noChangeArrowheads="1" noChangeShapeType="1" noTextEdit="1"/>
+              </p:cNvSpPr>
+              <p:nvPr/>
+            </p:nvSpPr>
+            <p:spPr>
+              <a:xfrm>
+                <a:off x="3482090" y="3240075"/>
+                <a:ext cx="626532" cy="307777"/>
+              </a:xfrm>
+              <a:prstGeom prst="rect">
+                <a:avLst/>
+              </a:prstGeom>
+              <a:blipFill>
+                <a:blip r:embed="rId4"/>
+                <a:stretch>
+                  <a:fillRect b="-2000"/>
+                </a:stretch>
+              </a:blipFill>
+            </p:spPr>
+            <p:txBody>
+              <a:bodyPr/>
+              <a:lstStyle/>
+              <a:p>
+                <a:r>
+                  <a:rPr lang="fr-FR">
+                    <a:noFill/>
+                  </a:rPr>
+                  <a:t> </a:t>
+                </a:r>
+              </a:p>
+            </p:txBody>
+          </p:sp>
+        </mc:Fallback>
+      </mc:AlternateContent>
+      <p:cxnSp>
+        <p:nvCxnSpPr>
+          <p:cNvPr id="119" name="Connecteur droit avec flèche 118">
+            <a:extLst>
+              <a:ext uri="{FF2B5EF4-FFF2-40B4-BE49-F238E27FC236}">
+                <a16:creationId xmlns:a16="http://schemas.microsoft.com/office/drawing/2014/main" id="{DD46D12F-9E02-BCC4-E6CE-52FD0393C7CD}"/>
+              </a:ext>
+            </a:extLst>
+          </p:cNvPr>
+          <p:cNvCxnSpPr>
+            <a:cxnSpLocks/>
+            <a:stCxn id="109" idx="1"/>
+          </p:cNvCxnSpPr>
+          <p:nvPr/>
+        </p:nvCxnSpPr>
+        <p:spPr>
+          <a:xfrm flipH="1">
+            <a:off x="3236081" y="4130098"/>
+            <a:ext cx="462621" cy="302849"/>
+          </a:xfrm>
+          <a:prstGeom prst="straightConnector1">
+            <a:avLst/>
+          </a:prstGeom>
+          <a:ln>
+            <a:solidFill>
+              <a:schemeClr val="accent2">
+                <a:lumMod val="75000"/>
+              </a:schemeClr>
+            </a:solidFill>
+            <a:tailEnd type="stealth" w="med" len="lg"/>
+          </a:ln>
+        </p:spPr>
+        <p:style>
+          <a:lnRef idx="1">
+            <a:schemeClr val="accent1"/>
+          </a:lnRef>
+          <a:fillRef idx="0">
+            <a:schemeClr val="accent1"/>
+          </a:fillRef>
+          <a:effectRef idx="0">
+            <a:schemeClr val="accent1"/>
+          </a:effectRef>
+          <a:fontRef idx="minor">
+            <a:schemeClr val="tx1"/>
+          </a:fontRef>
+        </p:style>
+      </p:cxnSp>
+      <mc:AlternateContent xmlns:mc="http://schemas.openxmlformats.org/markup-compatibility/2006">
+        <mc:Choice xmlns:a14="http://schemas.microsoft.com/office/drawing/2010/main" Requires="a14">
+          <p:sp>
+            <p:nvSpPr>
+              <p:cNvPr id="120" name="ZoneTexte 119">
+                <a:extLst>
+                  <a:ext uri="{FF2B5EF4-FFF2-40B4-BE49-F238E27FC236}">
+                    <a16:creationId xmlns:a16="http://schemas.microsoft.com/office/drawing/2014/main" id="{BEFAA093-C37A-557D-7102-DDD2E58CA98F}"/>
+                  </a:ext>
+                </a:extLst>
+              </p:cNvPr>
+              <p:cNvSpPr txBox="1"/>
+              <p:nvPr/>
+            </p:nvSpPr>
+            <p:spPr>
+              <a:xfrm>
+                <a:off x="2999746" y="4379215"/>
+                <a:ext cx="626532" cy="307777"/>
+              </a:xfrm>
+              <a:prstGeom prst="rect">
+                <a:avLst/>
+              </a:prstGeom>
+              <a:noFill/>
+            </p:spPr>
+            <p:txBody>
+              <a:bodyPr wrap="square" rtlCol="0">
+                <a:spAutoFit/>
+              </a:bodyPr>
+              <a:lstStyle/>
+              <a:p>
+                <a14:m>
+                  <m:oMathPara xmlns:m="http://schemas.openxmlformats.org/officeDocument/2006/math">
+                    <m:oMathParaPr>
+                      <m:jc m:val="centerGroup"/>
+                    </m:oMathParaPr>
+                    <m:oMath xmlns:m="http://schemas.openxmlformats.org/officeDocument/2006/math">
+                      <m:acc>
+                        <m:accPr>
+                          <m:chr m:val="⃗"/>
+                          <m:ctrlPr>
+                            <a:rPr lang="fr-FR" sz="1400" b="0" i="1" smtClean="0">
+                              <a:latin typeface="Cambria Math" panose="02040503050406030204" pitchFamily="18" charset="0"/>
+                            </a:rPr>
+                          </m:ctrlPr>
+                        </m:accPr>
+                        <m:e>
+                          <m:sSub>
+                            <m:sSubPr>
+                              <m:ctrlPr>
+                                <a:rPr lang="fr-FR" sz="1400" i="1">
+                                  <a:latin typeface="Cambria Math" panose="02040503050406030204" pitchFamily="18" charset="0"/>
+                                </a:rPr>
+                              </m:ctrlPr>
+                            </m:sSubPr>
+                            <m:e>
+                              <m:r>
+                                <a:rPr lang="fr-FR" sz="1400" b="0" i="1" smtClean="0">
+                                  <a:latin typeface="Cambria Math" panose="02040503050406030204" pitchFamily="18" charset="0"/>
+                                </a:rPr>
+                                <m:t>𝑧</m:t>
+                              </m:r>
+                            </m:e>
+                            <m:sub>
+                              <m:r>
+                                <a:rPr lang="fr-FR" sz="1400" i="1">
+                                  <a:latin typeface="Cambria Math" panose="02040503050406030204" pitchFamily="18" charset="0"/>
+                                </a:rPr>
+                                <m:t>0</m:t>
+                              </m:r>
+                            </m:sub>
+                          </m:sSub>
+                        </m:e>
+                      </m:acc>
+                    </m:oMath>
+                  </m:oMathPara>
+                </a14:m>
+                <a:endParaRPr lang="fr-FR" sz="1400" dirty="0"/>
+              </a:p>
+            </p:txBody>
+          </p:sp>
+        </mc:Choice>
+        <mc:Fallback>
+          <p:sp>
+            <p:nvSpPr>
+              <p:cNvPr id="120" name="ZoneTexte 119">
+                <a:extLst>
+                  <a:ext uri="{FF2B5EF4-FFF2-40B4-BE49-F238E27FC236}">
+                    <a16:creationId xmlns:a16="http://schemas.microsoft.com/office/drawing/2014/main" id="{BEFAA093-C37A-557D-7102-DDD2E58CA98F}"/>
+                  </a:ext>
+                </a:extLst>
+              </p:cNvPr>
+              <p:cNvSpPr txBox="1">
+                <a:spLocks noRot="1" noChangeAspect="1" noMove="1" noResize="1" noEditPoints="1" noAdjustHandles="1" noChangeArrowheads="1" noChangeShapeType="1" noTextEdit="1"/>
+              </p:cNvSpPr>
+              <p:nvPr/>
+            </p:nvSpPr>
+            <p:spPr>
+              <a:xfrm>
+                <a:off x="2999746" y="4379215"/>
+                <a:ext cx="626532" cy="307777"/>
+              </a:xfrm>
+              <a:prstGeom prst="rect">
+                <a:avLst/>
+              </a:prstGeom>
+              <a:blipFill>
+                <a:blip r:embed="rId5"/>
+                <a:stretch>
+                  <a:fillRect/>
+                </a:stretch>
+              </a:blipFill>
+            </p:spPr>
+            <p:txBody>
+              <a:bodyPr/>
+              <a:lstStyle/>
+              <a:p>
+                <a:r>
+                  <a:rPr lang="fr-FR">
+                    <a:noFill/>
+                  </a:rPr>
+                  <a:t> </a:t>
+                </a:r>
+              </a:p>
+            </p:txBody>
+          </p:sp>
+        </mc:Fallback>
+      </mc:AlternateContent>
+    </p:spTree>
+    <p:extLst>
+      <p:ext uri="{BB962C8B-B14F-4D97-AF65-F5344CB8AC3E}">
+        <p14:creationId xmlns:p14="http://schemas.microsoft.com/office/powerpoint/2010/main" val="2454108847"/>
+      </p:ext>
+    </p:extLst>
+  </p:cSld>
+  <p:clrMapOvr>
+    <a:masterClrMapping/>
+  </p:clrMapOvr>
+</p:sld>
+</file>
+
+<file path=ppt/slides/slide9.xml><?xml version="1.0" encoding="utf-8"?>
+<p:sld xmlns:a="http://schemas.openxmlformats.org/drawingml/2006/main" xmlns:r="http://schemas.openxmlformats.org/officeDocument/2006/relationships" xmlns:p="http://schemas.openxmlformats.org/presentationml/2006/main">
+  <p:cSld>
+    <p:spTree>
+      <p:nvGrpSpPr>
+        <p:cNvPr id="1" name=""/>
+        <p:cNvGrpSpPr/>
+        <p:nvPr/>
+      </p:nvGrpSpPr>
+      <p:grpSpPr>
+        <a:xfrm>
+          <a:off x="0" y="0"/>
+          <a:ext cx="0" cy="0"/>
+          <a:chOff x="0" y="0"/>
+          <a:chExt cx="0" cy="0"/>
+        </a:xfrm>
+      </p:grpSpPr>
+      <p:sp>
+        <p:nvSpPr>
+          <p:cNvPr id="2" name="Titre 1">
+            <a:extLst>
+              <a:ext uri="{FF2B5EF4-FFF2-40B4-BE49-F238E27FC236}">
+                <a16:creationId xmlns:a16="http://schemas.microsoft.com/office/drawing/2014/main" id="{6C2CA4F4-771E-F8CD-8FB7-2DC7A0E738D3}"/>
+              </a:ext>
+            </a:extLst>
+          </p:cNvPr>
+          <p:cNvSpPr>
+            <a:spLocks noGrp="1"/>
+          </p:cNvSpPr>
+          <p:nvPr>
+            <p:ph type="title"/>
+          </p:nvPr>
+        </p:nvSpPr>
+        <p:spPr/>
+        <p:txBody>
+          <a:bodyPr/>
+          <a:lstStyle/>
+          <a:p>
+            <a:endParaRPr lang="fr-FR"/>
+          </a:p>
+        </p:txBody>
+      </p:sp>
+      <p:sp>
+        <p:nvSpPr>
+          <p:cNvPr id="3" name="Espace réservé du texte 2">
+            <a:extLst>
+              <a:ext uri="{FF2B5EF4-FFF2-40B4-BE49-F238E27FC236}">
+                <a16:creationId xmlns:a16="http://schemas.microsoft.com/office/drawing/2014/main" id="{8F742C8C-42E0-38D0-E36F-A1A1A6809695}"/>
+              </a:ext>
+            </a:extLst>
+          </p:cNvPr>
+          <p:cNvSpPr>
+            <a:spLocks noGrp="1"/>
+          </p:cNvSpPr>
+          <p:nvPr>
+            <p:ph type="body" idx="1"/>
+          </p:nvPr>
+        </p:nvSpPr>
+        <p:spPr/>
+        <p:txBody>
+          <a:bodyPr/>
+          <a:lstStyle/>
+          <a:p>
+            <a:endParaRPr lang="fr-FR"/>
+          </a:p>
+        </p:txBody>
+      </p:sp>
+      <p:sp>
+        <p:nvSpPr>
+          <p:cNvPr id="4" name="Espace réservé du contenu 3">
+            <a:extLst>
+              <a:ext uri="{FF2B5EF4-FFF2-40B4-BE49-F238E27FC236}">
+                <a16:creationId xmlns:a16="http://schemas.microsoft.com/office/drawing/2014/main" id="{1560EB41-68C9-3CCD-CA6D-BCAF323F27D3}"/>
+              </a:ext>
+            </a:extLst>
+          </p:cNvPr>
+          <p:cNvSpPr>
+            <a:spLocks noGrp="1"/>
+          </p:cNvSpPr>
+          <p:nvPr>
+            <p:ph sz="half" idx="2"/>
+          </p:nvPr>
+        </p:nvSpPr>
+        <p:spPr/>
+        <p:txBody>
+          <a:bodyPr/>
+          <a:lstStyle/>
+          <a:p>
+            <a:endParaRPr lang="fr-FR"/>
+          </a:p>
+        </p:txBody>
+      </p:sp>
+      <p:sp>
+        <p:nvSpPr>
+          <p:cNvPr id="5" name="Espace réservé du texte 4">
+            <a:extLst>
+              <a:ext uri="{FF2B5EF4-FFF2-40B4-BE49-F238E27FC236}">
+                <a16:creationId xmlns:a16="http://schemas.microsoft.com/office/drawing/2014/main" id="{098643FE-9657-CD15-8DA8-7F39583B24E1}"/>
+              </a:ext>
+            </a:extLst>
+          </p:cNvPr>
+          <p:cNvSpPr>
+            <a:spLocks noGrp="1"/>
+          </p:cNvSpPr>
+          <p:nvPr>
+            <p:ph type="body" sz="quarter" idx="3"/>
+          </p:nvPr>
+        </p:nvSpPr>
+        <p:spPr/>
+        <p:txBody>
+          <a:bodyPr/>
+          <a:lstStyle/>
+          <a:p>
+            <a:endParaRPr lang="fr-FR"/>
+          </a:p>
+        </p:txBody>
+      </p:sp>
+      <p:sp>
+        <p:nvSpPr>
+          <p:cNvPr id="6" name="Espace réservé du contenu 5">
+            <a:extLst>
+              <a:ext uri="{FF2B5EF4-FFF2-40B4-BE49-F238E27FC236}">
+                <a16:creationId xmlns:a16="http://schemas.microsoft.com/office/drawing/2014/main" id="{20ED6CC2-45E6-FA96-2183-3631353C56BC}"/>
+              </a:ext>
+            </a:extLst>
+          </p:cNvPr>
+          <p:cNvSpPr>
+            <a:spLocks noGrp="1"/>
+          </p:cNvSpPr>
+          <p:nvPr>
+            <p:ph sz="quarter" idx="4"/>
+          </p:nvPr>
+        </p:nvSpPr>
+        <p:spPr/>
+        <p:txBody>
+          <a:bodyPr/>
+          <a:lstStyle/>
+          <a:p>
+            <a:endParaRPr lang="fr-FR"/>
+          </a:p>
+        </p:txBody>
+      </p:sp>
+      <p:sp>
+        <p:nvSpPr>
+          <p:cNvPr id="7" name="Espace réservé du numéro de diapositive 6">
+            <a:extLst>
+              <a:ext uri="{FF2B5EF4-FFF2-40B4-BE49-F238E27FC236}">
+                <a16:creationId xmlns:a16="http://schemas.microsoft.com/office/drawing/2014/main" id="{ECB67FEC-5692-3795-9E00-7F4B72F6CCE2}"/>
+              </a:ext>
+            </a:extLst>
+          </p:cNvPr>
+          <p:cNvSpPr>
+            <a:spLocks noGrp="1"/>
+          </p:cNvSpPr>
+          <p:nvPr>
+            <p:ph type="sldNum" sz="quarter" idx="12"/>
+          </p:nvPr>
+        </p:nvSpPr>
+        <p:spPr/>
+        <p:txBody>
+          <a:bodyPr/>
+          <a:lstStyle/>
+          <a:p>
+            <a:fld id="{B7A6A38F-5C8E-497F-8761-3C4E0EEEA33A}" type="slidenum">
+              <a:rPr lang="fr-FR" smtClean="0"/>
+              <a:t>9</a:t>
+            </a:fld>
+            <a:endParaRPr lang="fr-FR"/>
+          </a:p>
+        </p:txBody>
+      </p:sp>
+    </p:spTree>
+    <p:extLst>
+      <p:ext uri="{BB962C8B-B14F-4D97-AF65-F5344CB8AC3E}">
+        <p14:creationId xmlns:p14="http://schemas.microsoft.com/office/powerpoint/2010/main" val="3642975352"/>
       </p:ext>
     </p:extLst>
   </p:cSld>

--- a/01_BGR_300/01_BGR_300.pptx
+++ b/01_BGR_300/01_BGR_300.pptx
@@ -5,7 +5,7 @@
     <p:sldMasterId id="2147483660" r:id="rId1"/>
   </p:sldMasterIdLst>
   <p:notesMasterIdLst>
-    <p:notesMasterId r:id="rId11"/>
+    <p:notesMasterId r:id="rId12"/>
   </p:notesMasterIdLst>
   <p:sldIdLst>
     <p:sldId id="256" r:id="rId2"/>
@@ -14,9 +14,10 @@
     <p:sldId id="259" r:id="rId5"/>
     <p:sldId id="261" r:id="rId6"/>
     <p:sldId id="262" r:id="rId7"/>
-    <p:sldId id="266" r:id="rId8"/>
-    <p:sldId id="264" r:id="rId9"/>
-    <p:sldId id="265" r:id="rId10"/>
+    <p:sldId id="268" r:id="rId8"/>
+    <p:sldId id="266" r:id="rId9"/>
+    <p:sldId id="264" r:id="rId10"/>
+    <p:sldId id="265" r:id="rId11"/>
   </p:sldIdLst>
   <p:sldSz cx="12192000" cy="6858000"/>
   <p:notesSz cx="6858000" cy="9144000"/>
@@ -219,7 +220,7 @@
           <a:p>
             <a:fld id="{D157349C-AD05-44FA-B790-D9BBD62C4832}" type="datetimeFigureOut">
               <a:rPr lang="fr-FR" smtClean="0"/>
-              <a:t>15/05/2023</a:t>
+              <a:t>12/02/2024</a:t>
             </a:fld>
             <a:endParaRPr lang="fr-FR"/>
           </a:p>
@@ -731,7 +732,7 @@
           <a:p>
             <a:fld id="{CCF538C2-C309-4752-87A7-D2071D6CAC7F}" type="datetime1">
               <a:rPr lang="fr-FR" smtClean="0"/>
-              <a:t>15/05/2023</a:t>
+              <a:t>12/02/2024</a:t>
             </a:fld>
             <a:endParaRPr lang="fr-FR"/>
           </a:p>
@@ -936,7 +937,7 @@
           <a:p>
             <a:fld id="{F926C4FD-C1E6-452C-A858-BFBBC7496631}" type="datetime1">
               <a:rPr lang="fr-FR" smtClean="0"/>
-              <a:t>15/05/2023</a:t>
+              <a:t>12/02/2024</a:t>
             </a:fld>
             <a:endParaRPr lang="fr-FR"/>
           </a:p>
@@ -1192,7 +1193,7 @@
           <a:p>
             <a:fld id="{CEF75A8D-5F26-4754-844B-E2D9F6FC4950}" type="datetime1">
               <a:rPr lang="fr-FR" smtClean="0"/>
-              <a:t>15/05/2023</a:t>
+              <a:t>12/02/2024</a:t>
             </a:fld>
             <a:endParaRPr lang="fr-FR"/>
           </a:p>
@@ -1366,7 +1367,7 @@
           <a:p>
             <a:fld id="{FE352A31-E2A5-4F8A-BDFE-A9BA369B67E9}" type="datetime1">
               <a:rPr lang="fr-FR" smtClean="0"/>
-              <a:t>15/05/2023</a:t>
+              <a:t>12/02/2024</a:t>
             </a:fld>
             <a:endParaRPr lang="fr-FR"/>
           </a:p>
@@ -1728,7 +1729,7 @@
           <a:p>
             <a:fld id="{F1707E18-E4F4-4E6D-951C-B01FC69E66C0}" type="datetime1">
               <a:rPr lang="fr-FR" smtClean="0"/>
-              <a:t>15/05/2023</a:t>
+              <a:t>12/02/2024</a:t>
             </a:fld>
             <a:endParaRPr lang="fr-FR"/>
           </a:p>
@@ -2003,7 +2004,7 @@
           <a:p>
             <a:fld id="{93E4B9C8-F394-498B-8C66-049FACC1ED86}" type="datetime1">
               <a:rPr lang="fr-FR" smtClean="0"/>
-              <a:t>15/05/2023</a:t>
+              <a:t>12/02/2024</a:t>
             </a:fld>
             <a:endParaRPr lang="fr-FR"/>
           </a:p>
@@ -2382,7 +2383,7 @@
           <a:p>
             <a:fld id="{35950896-C41B-455D-9FAE-80943DD0CAEF}" type="datetime1">
               <a:rPr lang="fr-FR" smtClean="0"/>
-              <a:t>15/05/2023</a:t>
+              <a:t>12/02/2024</a:t>
             </a:fld>
             <a:endParaRPr lang="fr-FR"/>
           </a:p>
@@ -2500,7 +2501,7 @@
           <a:p>
             <a:fld id="{2BE2B735-22CE-433C-8BA6-DF0B28588E1F}" type="datetime1">
               <a:rPr lang="fr-FR" smtClean="0"/>
-              <a:t>15/05/2023</a:t>
+              <a:t>12/02/2024</a:t>
             </a:fld>
             <a:endParaRPr lang="fr-FR"/>
           </a:p>
@@ -2674,7 +2675,7 @@
           <a:p>
             <a:fld id="{5B475E59-9936-4413-84C5-14169665FDED}" type="datetime1">
               <a:rPr lang="fr-FR" smtClean="0"/>
-              <a:t>15/05/2023</a:t>
+              <a:t>12/02/2024</a:t>
             </a:fld>
             <a:endParaRPr lang="fr-FR"/>
           </a:p>
@@ -3031,7 +3032,7 @@
           <a:p>
             <a:fld id="{42662320-E9E6-45B0-8B93-5727AA5FFC46}" type="datetime1">
               <a:rPr lang="fr-FR" smtClean="0"/>
-              <a:t>15/05/2023</a:t>
+              <a:t>12/02/2024</a:t>
             </a:fld>
             <a:endParaRPr lang="fr-FR"/>
           </a:p>
@@ -3416,7 +3417,7 @@
           <a:p>
             <a:fld id="{9A545382-D50F-43E8-AFFD-788FD552C87C}" type="datetime1">
               <a:rPr lang="fr-FR" smtClean="0"/>
-              <a:t>15/05/2023</a:t>
+              <a:t>12/02/2024</a:t>
             </a:fld>
             <a:endParaRPr lang="fr-FR"/>
           </a:p>
@@ -3706,7 +3707,7 @@
           <a:p>
             <a:fld id="{4F030BD8-D1C7-406A-AB04-4944ABBF0A3E}" type="datetime1">
               <a:rPr lang="fr-FR" smtClean="0"/>
-              <a:t>15/05/2023</a:t>
+              <a:t>12/02/2024</a:t>
             </a:fld>
             <a:endParaRPr lang="fr-FR" dirty="0"/>
           </a:p>
@@ -4329,6 +4330,190 @@
     <p:extLst>
       <p:ext uri="{BB962C8B-B14F-4D97-AF65-F5344CB8AC3E}">
         <p14:creationId xmlns:p14="http://schemas.microsoft.com/office/powerpoint/2010/main" val="3289843452"/>
+      </p:ext>
+    </p:extLst>
+  </p:cSld>
+  <p:clrMapOvr>
+    <a:masterClrMapping/>
+  </p:clrMapOvr>
+</p:sld>
+</file>
+
+<file path=ppt/slides/slide10.xml><?xml version="1.0" encoding="utf-8"?>
+<p:sld xmlns:a="http://schemas.openxmlformats.org/drawingml/2006/main" xmlns:r="http://schemas.openxmlformats.org/officeDocument/2006/relationships" xmlns:p="http://schemas.openxmlformats.org/presentationml/2006/main">
+  <p:cSld>
+    <p:spTree>
+      <p:nvGrpSpPr>
+        <p:cNvPr id="1" name=""/>
+        <p:cNvGrpSpPr/>
+        <p:nvPr/>
+      </p:nvGrpSpPr>
+      <p:grpSpPr>
+        <a:xfrm>
+          <a:off x="0" y="0"/>
+          <a:ext cx="0" cy="0"/>
+          <a:chOff x="0" y="0"/>
+          <a:chExt cx="0" cy="0"/>
+        </a:xfrm>
+      </p:grpSpPr>
+      <p:sp>
+        <p:nvSpPr>
+          <p:cNvPr id="2" name="Titre 1">
+            <a:extLst>
+              <a:ext uri="{FF2B5EF4-FFF2-40B4-BE49-F238E27FC236}">
+                <a16:creationId xmlns:a16="http://schemas.microsoft.com/office/drawing/2014/main" id="{6C2CA4F4-771E-F8CD-8FB7-2DC7A0E738D3}"/>
+              </a:ext>
+            </a:extLst>
+          </p:cNvPr>
+          <p:cNvSpPr>
+            <a:spLocks noGrp="1"/>
+          </p:cNvSpPr>
+          <p:nvPr>
+            <p:ph type="title"/>
+          </p:nvPr>
+        </p:nvSpPr>
+        <p:spPr/>
+        <p:txBody>
+          <a:bodyPr/>
+          <a:lstStyle/>
+          <a:p>
+            <a:endParaRPr lang="fr-FR"/>
+          </a:p>
+        </p:txBody>
+      </p:sp>
+      <p:sp>
+        <p:nvSpPr>
+          <p:cNvPr id="3" name="Espace réservé du texte 2">
+            <a:extLst>
+              <a:ext uri="{FF2B5EF4-FFF2-40B4-BE49-F238E27FC236}">
+                <a16:creationId xmlns:a16="http://schemas.microsoft.com/office/drawing/2014/main" id="{8F742C8C-42E0-38D0-E36F-A1A1A6809695}"/>
+              </a:ext>
+            </a:extLst>
+          </p:cNvPr>
+          <p:cNvSpPr>
+            <a:spLocks noGrp="1"/>
+          </p:cNvSpPr>
+          <p:nvPr>
+            <p:ph type="body" idx="1"/>
+          </p:nvPr>
+        </p:nvSpPr>
+        <p:spPr/>
+        <p:txBody>
+          <a:bodyPr/>
+          <a:lstStyle/>
+          <a:p>
+            <a:endParaRPr lang="fr-FR"/>
+          </a:p>
+        </p:txBody>
+      </p:sp>
+      <p:sp>
+        <p:nvSpPr>
+          <p:cNvPr id="4" name="Espace réservé du contenu 3">
+            <a:extLst>
+              <a:ext uri="{FF2B5EF4-FFF2-40B4-BE49-F238E27FC236}">
+                <a16:creationId xmlns:a16="http://schemas.microsoft.com/office/drawing/2014/main" id="{1560EB41-68C9-3CCD-CA6D-BCAF323F27D3}"/>
+              </a:ext>
+            </a:extLst>
+          </p:cNvPr>
+          <p:cNvSpPr>
+            <a:spLocks noGrp="1"/>
+          </p:cNvSpPr>
+          <p:nvPr>
+            <p:ph sz="half" idx="2"/>
+          </p:nvPr>
+        </p:nvSpPr>
+        <p:spPr/>
+        <p:txBody>
+          <a:bodyPr/>
+          <a:lstStyle/>
+          <a:p>
+            <a:endParaRPr lang="fr-FR"/>
+          </a:p>
+        </p:txBody>
+      </p:sp>
+      <p:sp>
+        <p:nvSpPr>
+          <p:cNvPr id="5" name="Espace réservé du texte 4">
+            <a:extLst>
+              <a:ext uri="{FF2B5EF4-FFF2-40B4-BE49-F238E27FC236}">
+                <a16:creationId xmlns:a16="http://schemas.microsoft.com/office/drawing/2014/main" id="{098643FE-9657-CD15-8DA8-7F39583B24E1}"/>
+              </a:ext>
+            </a:extLst>
+          </p:cNvPr>
+          <p:cNvSpPr>
+            <a:spLocks noGrp="1"/>
+          </p:cNvSpPr>
+          <p:nvPr>
+            <p:ph type="body" sz="quarter" idx="3"/>
+          </p:nvPr>
+        </p:nvSpPr>
+        <p:spPr/>
+        <p:txBody>
+          <a:bodyPr/>
+          <a:lstStyle/>
+          <a:p>
+            <a:endParaRPr lang="fr-FR"/>
+          </a:p>
+        </p:txBody>
+      </p:sp>
+      <p:sp>
+        <p:nvSpPr>
+          <p:cNvPr id="6" name="Espace réservé du contenu 5">
+            <a:extLst>
+              <a:ext uri="{FF2B5EF4-FFF2-40B4-BE49-F238E27FC236}">
+                <a16:creationId xmlns:a16="http://schemas.microsoft.com/office/drawing/2014/main" id="{20ED6CC2-45E6-FA96-2183-3631353C56BC}"/>
+              </a:ext>
+            </a:extLst>
+          </p:cNvPr>
+          <p:cNvSpPr>
+            <a:spLocks noGrp="1"/>
+          </p:cNvSpPr>
+          <p:nvPr>
+            <p:ph sz="quarter" idx="4"/>
+          </p:nvPr>
+        </p:nvSpPr>
+        <p:spPr/>
+        <p:txBody>
+          <a:bodyPr/>
+          <a:lstStyle/>
+          <a:p>
+            <a:endParaRPr lang="fr-FR"/>
+          </a:p>
+        </p:txBody>
+      </p:sp>
+      <p:sp>
+        <p:nvSpPr>
+          <p:cNvPr id="7" name="Espace réservé du numéro de diapositive 6">
+            <a:extLst>
+              <a:ext uri="{FF2B5EF4-FFF2-40B4-BE49-F238E27FC236}">
+                <a16:creationId xmlns:a16="http://schemas.microsoft.com/office/drawing/2014/main" id="{ECB67FEC-5692-3795-9E00-7F4B72F6CCE2}"/>
+              </a:ext>
+            </a:extLst>
+          </p:cNvPr>
+          <p:cNvSpPr>
+            <a:spLocks noGrp="1"/>
+          </p:cNvSpPr>
+          <p:nvPr>
+            <p:ph type="sldNum" sz="quarter" idx="12"/>
+          </p:nvPr>
+        </p:nvSpPr>
+        <p:spPr/>
+        <p:txBody>
+          <a:bodyPr/>
+          <a:lstStyle/>
+          <a:p>
+            <a:fld id="{B7A6A38F-5C8E-497F-8761-3C4E0EEEA33A}" type="slidenum">
+              <a:rPr lang="fr-FR" smtClean="0"/>
+              <a:t>10</a:t>
+            </a:fld>
+            <a:endParaRPr lang="fr-FR"/>
+          </a:p>
+        </p:txBody>
+      </p:sp>
+    </p:spTree>
+    <p:extLst>
+      <p:ext uri="{BB962C8B-B14F-4D97-AF65-F5344CB8AC3E}">
+        <p14:creationId xmlns:p14="http://schemas.microsoft.com/office/powerpoint/2010/main" val="3642975352"/>
       </p:ext>
     </p:extLst>
   </p:cSld>
@@ -10742,6 +10927,124 @@
   <p:cSld>
     <p:spTree>
       <p:nvGrpSpPr>
+        <p:cNvPr id="1" name="">
+          <a:extLst>
+            <a:ext uri="{FF2B5EF4-FFF2-40B4-BE49-F238E27FC236}">
+              <a16:creationId xmlns:a16="http://schemas.microsoft.com/office/drawing/2014/main" id="{7440C6D2-DFC0-9399-D638-12BCEE3C6F1B}"/>
+            </a:ext>
+          </a:extLst>
+        </p:cNvPr>
+        <p:cNvGrpSpPr/>
+        <p:nvPr/>
+      </p:nvGrpSpPr>
+      <p:grpSpPr>
+        <a:xfrm>
+          <a:off x="0" y="0"/>
+          <a:ext cx="0" cy="0"/>
+          <a:chOff x="0" y="0"/>
+          <a:chExt cx="0" cy="0"/>
+        </a:xfrm>
+      </p:grpSpPr>
+      <p:sp>
+        <p:nvSpPr>
+          <p:cNvPr id="4" name="Titre 3">
+            <a:extLst>
+              <a:ext uri="{FF2B5EF4-FFF2-40B4-BE49-F238E27FC236}">
+                <a16:creationId xmlns:a16="http://schemas.microsoft.com/office/drawing/2014/main" id="{980389B1-3435-E127-B57E-11F21AB4D436}"/>
+              </a:ext>
+            </a:extLst>
+          </p:cNvPr>
+          <p:cNvSpPr>
+            <a:spLocks noGrp="1"/>
+          </p:cNvSpPr>
+          <p:nvPr>
+            <p:ph type="title"/>
+          </p:nvPr>
+        </p:nvSpPr>
+        <p:spPr/>
+        <p:txBody>
+          <a:bodyPr/>
+          <a:lstStyle/>
+          <a:p>
+            <a:r>
+              <a:rPr lang="fr-FR" dirty="0"/>
+              <a:t>Modèle cinématique</a:t>
+            </a:r>
+          </a:p>
+        </p:txBody>
+      </p:sp>
+      <p:sp>
+        <p:nvSpPr>
+          <p:cNvPr id="5" name="Espace réservé du texte 4">
+            <a:extLst>
+              <a:ext uri="{FF2B5EF4-FFF2-40B4-BE49-F238E27FC236}">
+                <a16:creationId xmlns:a16="http://schemas.microsoft.com/office/drawing/2014/main" id="{F0E0C330-5E1F-1548-28B4-7374B1AD3744}"/>
+              </a:ext>
+            </a:extLst>
+          </p:cNvPr>
+          <p:cNvSpPr>
+            <a:spLocks noGrp="1"/>
+          </p:cNvSpPr>
+          <p:nvPr>
+            <p:ph type="body" idx="1"/>
+          </p:nvPr>
+        </p:nvSpPr>
+        <p:spPr/>
+        <p:txBody>
+          <a:bodyPr/>
+          <a:lstStyle/>
+          <a:p>
+            <a:endParaRPr lang="fr-FR"/>
+          </a:p>
+        </p:txBody>
+      </p:sp>
+      <p:sp>
+        <p:nvSpPr>
+          <p:cNvPr id="6" name="Espace réservé du numéro de diapositive 5">
+            <a:extLst>
+              <a:ext uri="{FF2B5EF4-FFF2-40B4-BE49-F238E27FC236}">
+                <a16:creationId xmlns:a16="http://schemas.microsoft.com/office/drawing/2014/main" id="{1871DC29-8E09-843A-7D38-55D5CE447BFA}"/>
+              </a:ext>
+            </a:extLst>
+          </p:cNvPr>
+          <p:cNvSpPr>
+            <a:spLocks noGrp="1"/>
+          </p:cNvSpPr>
+          <p:nvPr>
+            <p:ph type="sldNum" sz="quarter" idx="12"/>
+          </p:nvPr>
+        </p:nvSpPr>
+        <p:spPr/>
+        <p:txBody>
+          <a:bodyPr/>
+          <a:lstStyle/>
+          <a:p>
+            <a:fld id="{B7A6A38F-5C8E-497F-8761-3C4E0EEEA33A}" type="slidenum">
+              <a:rPr lang="fr-FR" smtClean="0"/>
+              <a:t>7</a:t>
+            </a:fld>
+            <a:endParaRPr lang="fr-FR"/>
+          </a:p>
+        </p:txBody>
+      </p:sp>
+    </p:spTree>
+    <p:extLst>
+      <p:ext uri="{BB962C8B-B14F-4D97-AF65-F5344CB8AC3E}">
+        <p14:creationId xmlns:p14="http://schemas.microsoft.com/office/powerpoint/2010/main" val="2240206209"/>
+      </p:ext>
+    </p:extLst>
+  </p:cSld>
+  <p:clrMapOvr>
+    <a:masterClrMapping/>
+  </p:clrMapOvr>
+</p:sld>
+</file>
+
+<file path=ppt/slides/slide8.xml><?xml version="1.0" encoding="utf-8"?>
+<p:sld xmlns:a="http://schemas.openxmlformats.org/drawingml/2006/main" xmlns:r="http://schemas.openxmlformats.org/officeDocument/2006/relationships" xmlns:p="http://schemas.openxmlformats.org/presentationml/2006/main">
+  <p:cSld>
+    <p:spTree>
+      <p:nvGrpSpPr>
         <p:cNvPr id="1" name=""/>
         <p:cNvGrpSpPr/>
         <p:nvPr/>
@@ -10873,14 +11176,14 @@
           <a:p>
             <a:fld id="{B7A6A38F-5C8E-497F-8761-3C4E0EEEA33A}" type="slidenum">
               <a:rPr lang="fr-FR" smtClean="0"/>
-              <a:t>7</a:t>
+              <a:t>8</a:t>
             </a:fld>
             <a:endParaRPr lang="fr-FR"/>
           </a:p>
         </p:txBody>
       </p:sp>
-      <mc:AlternateContent xmlns:mc="http://schemas.openxmlformats.org/markup-compatibility/2006">
-        <mc:Choice xmlns:a14="http://schemas.microsoft.com/office/drawing/2010/main" Requires="a14">
+      <mc:AlternateContent xmlns:mc="http://schemas.openxmlformats.org/markup-compatibility/2006" xmlns:a14="http://schemas.microsoft.com/office/drawing/2010/main">
+        <mc:Choice Requires="a14">
           <p:sp>
             <p:nvSpPr>
               <p:cNvPr id="63" name="Espace réservé du contenu 11">
@@ -11579,7 +11882,7 @@
             </p:txBody>
           </p:sp>
         </mc:Choice>
-        <mc:Fallback>
+        <mc:Fallback xmlns="">
           <p:sp>
             <p:nvSpPr>
               <p:cNvPr id="63" name="Espace réservé du contenu 11">
@@ -14104,8 +14407,8 @@
             </a:fontRef>
           </p:style>
         </p:cxnSp>
-        <mc:AlternateContent xmlns:mc="http://schemas.openxmlformats.org/markup-compatibility/2006">
-          <mc:Choice xmlns:a14="http://schemas.microsoft.com/office/drawing/2010/main" Requires="a14">
+        <mc:AlternateContent xmlns:mc="http://schemas.openxmlformats.org/markup-compatibility/2006" xmlns:a14="http://schemas.microsoft.com/office/drawing/2010/main">
+          <mc:Choice Requires="a14">
             <p:sp>
               <p:nvSpPr>
                 <p:cNvPr id="117" name="ZoneTexte 116">
@@ -14134,6 +14437,7 @@
                 </a:bodyPr>
                 <a:lstStyle/>
                 <a:p>
+                  <a:pPr/>
                   <a14:m>
                     <m:oMathPara xmlns:m="http://schemas.openxmlformats.org/officeDocument/2006/math">
                       <m:oMathParaPr>
@@ -14185,7 +14489,7 @@
               </p:txBody>
             </p:sp>
           </mc:Choice>
-          <mc:Fallback>
+          <mc:Fallback xmlns="">
             <p:sp>
               <p:nvSpPr>
                 <p:cNvPr id="117" name="ZoneTexte 116">
@@ -14230,8 +14534,8 @@
             </p:sp>
           </mc:Fallback>
         </mc:AlternateContent>
-        <mc:AlternateContent xmlns:mc="http://schemas.openxmlformats.org/markup-compatibility/2006">
-          <mc:Choice xmlns:a14="http://schemas.microsoft.com/office/drawing/2010/main" Requires="a14">
+        <mc:AlternateContent xmlns:mc="http://schemas.openxmlformats.org/markup-compatibility/2006" xmlns:a14="http://schemas.microsoft.com/office/drawing/2010/main">
+          <mc:Choice Requires="a14">
             <p:sp>
               <p:nvSpPr>
                 <p:cNvPr id="118" name="ZoneTexte 117">
@@ -14260,6 +14564,7 @@
                 </a:bodyPr>
                 <a:lstStyle/>
                 <a:p>
+                  <a:pPr/>
                   <a14:m>
                     <m:oMathPara xmlns:m="http://schemas.openxmlformats.org/officeDocument/2006/math">
                       <m:oMathParaPr>
@@ -14311,7 +14616,7 @@
               </p:txBody>
             </p:sp>
           </mc:Choice>
-          <mc:Fallback>
+          <mc:Fallback xmlns="">
             <p:sp>
               <p:nvSpPr>
                 <p:cNvPr id="118" name="ZoneTexte 117">
@@ -14403,8 +14708,8 @@
             </a:fontRef>
           </p:style>
         </p:cxnSp>
-        <mc:AlternateContent xmlns:mc="http://schemas.openxmlformats.org/markup-compatibility/2006">
-          <mc:Choice xmlns:a14="http://schemas.microsoft.com/office/drawing/2010/main" Requires="a14">
+        <mc:AlternateContent xmlns:mc="http://schemas.openxmlformats.org/markup-compatibility/2006" xmlns:a14="http://schemas.microsoft.com/office/drawing/2010/main">
+          <mc:Choice Requires="a14">
             <p:sp>
               <p:nvSpPr>
                 <p:cNvPr id="120" name="ZoneTexte 119">
@@ -14433,6 +14738,7 @@
                 </a:bodyPr>
                 <a:lstStyle/>
                 <a:p>
+                  <a:pPr/>
                   <a14:m>
                     <m:oMathPara xmlns:m="http://schemas.openxmlformats.org/officeDocument/2006/math">
                       <m:oMathParaPr>
@@ -14484,7 +14790,7 @@
               </p:txBody>
             </p:sp>
           </mc:Choice>
-          <mc:Fallback>
+          <mc:Fallback xmlns="">
             <p:sp>
               <p:nvSpPr>
                 <p:cNvPr id="120" name="ZoneTexte 119">
@@ -14543,7 +14849,7 @@
 </p:sld>
 </file>
 
-<file path=ppt/slides/slide8.xml><?xml version="1.0" encoding="utf-8"?>
+<file path=ppt/slides/slide9.xml><?xml version="1.0" encoding="utf-8"?>
 <p:sld xmlns:a="http://schemas.openxmlformats.org/drawingml/2006/main" xmlns:r="http://schemas.openxmlformats.org/officeDocument/2006/relationships" xmlns:p="http://schemas.openxmlformats.org/presentationml/2006/main">
   <p:cSld>
     <p:spTree>
@@ -14678,14 +14984,14 @@
           <a:p>
             <a:fld id="{B7A6A38F-5C8E-497F-8761-3C4E0EEEA33A}" type="slidenum">
               <a:rPr lang="fr-FR" smtClean="0"/>
-              <a:t>8</a:t>
+              <a:t>9</a:t>
             </a:fld>
             <a:endParaRPr lang="fr-FR"/>
           </a:p>
         </p:txBody>
       </p:sp>
-      <mc:AlternateContent xmlns:mc="http://schemas.openxmlformats.org/markup-compatibility/2006">
-        <mc:Choice xmlns:a14="http://schemas.microsoft.com/office/drawing/2010/main" Requires="a14">
+      <mc:AlternateContent xmlns:mc="http://schemas.openxmlformats.org/markup-compatibility/2006" xmlns:a14="http://schemas.microsoft.com/office/drawing/2010/main">
+        <mc:Choice Requires="a14">
           <p:sp>
             <p:nvSpPr>
               <p:cNvPr id="63" name="Espace réservé du contenu 11">
@@ -15338,7 +15644,7 @@
             </p:txBody>
           </p:sp>
         </mc:Choice>
-        <mc:Fallback>
+        <mc:Fallback xmlns="">
           <p:sp>
             <p:nvSpPr>
               <p:cNvPr id="63" name="Espace réservé du contenu 11">
@@ -16902,8 +17208,8 @@
           </a:fontRef>
         </p:style>
       </p:cxnSp>
-      <mc:AlternateContent xmlns:mc="http://schemas.openxmlformats.org/markup-compatibility/2006">
-        <mc:Choice xmlns:a14="http://schemas.microsoft.com/office/drawing/2010/main" Requires="a14">
+      <mc:AlternateContent xmlns:mc="http://schemas.openxmlformats.org/markup-compatibility/2006" xmlns:a14="http://schemas.microsoft.com/office/drawing/2010/main">
+        <mc:Choice Requires="a14">
           <p:sp>
             <p:nvSpPr>
               <p:cNvPr id="117" name="ZoneTexte 116">
@@ -16932,6 +17238,7 @@
               </a:bodyPr>
               <a:lstStyle/>
               <a:p>
+                <a:pPr/>
                 <a14:m>
                   <m:oMathPara xmlns:m="http://schemas.openxmlformats.org/officeDocument/2006/math">
                     <m:oMathParaPr>
@@ -16983,7 +17290,7 @@
             </p:txBody>
           </p:sp>
         </mc:Choice>
-        <mc:Fallback>
+        <mc:Fallback xmlns="">
           <p:sp>
             <p:nvSpPr>
               <p:cNvPr id="117" name="ZoneTexte 116">
@@ -17028,8 +17335,8 @@
           </p:sp>
         </mc:Fallback>
       </mc:AlternateContent>
-      <mc:AlternateContent xmlns:mc="http://schemas.openxmlformats.org/markup-compatibility/2006">
-        <mc:Choice xmlns:a14="http://schemas.microsoft.com/office/drawing/2010/main" Requires="a14">
+      <mc:AlternateContent xmlns:mc="http://schemas.openxmlformats.org/markup-compatibility/2006" xmlns:a14="http://schemas.microsoft.com/office/drawing/2010/main">
+        <mc:Choice Requires="a14">
           <p:sp>
             <p:nvSpPr>
               <p:cNvPr id="118" name="ZoneTexte 117">
@@ -17058,6 +17365,7 @@
               </a:bodyPr>
               <a:lstStyle/>
               <a:p>
+                <a:pPr/>
                 <a14:m>
                   <m:oMathPara xmlns:m="http://schemas.openxmlformats.org/officeDocument/2006/math">
                     <m:oMathParaPr>
@@ -17109,7 +17417,7 @@
             </p:txBody>
           </p:sp>
         </mc:Choice>
-        <mc:Fallback>
+        <mc:Fallback xmlns="">
           <p:sp>
             <p:nvSpPr>
               <p:cNvPr id="118" name="ZoneTexte 117">
@@ -17201,8 +17509,8 @@
           </a:fontRef>
         </p:style>
       </p:cxnSp>
-      <mc:AlternateContent xmlns:mc="http://schemas.openxmlformats.org/markup-compatibility/2006">
-        <mc:Choice xmlns:a14="http://schemas.microsoft.com/office/drawing/2010/main" Requires="a14">
+      <mc:AlternateContent xmlns:mc="http://schemas.openxmlformats.org/markup-compatibility/2006" xmlns:a14="http://schemas.microsoft.com/office/drawing/2010/main">
+        <mc:Choice Requires="a14">
           <p:sp>
             <p:nvSpPr>
               <p:cNvPr id="120" name="ZoneTexte 119">
@@ -17231,6 +17539,7 @@
               </a:bodyPr>
               <a:lstStyle/>
               <a:p>
+                <a:pPr/>
                 <a14:m>
                   <m:oMathPara xmlns:m="http://schemas.openxmlformats.org/officeDocument/2006/math">
                     <m:oMathParaPr>
@@ -17282,7 +17591,7 @@
             </p:txBody>
           </p:sp>
         </mc:Choice>
-        <mc:Fallback>
+        <mc:Fallback xmlns="">
           <p:sp>
             <p:nvSpPr>
               <p:cNvPr id="120" name="ZoneTexte 119">
@@ -17331,190 +17640,6 @@
     <p:extLst>
       <p:ext uri="{BB962C8B-B14F-4D97-AF65-F5344CB8AC3E}">
         <p14:creationId xmlns:p14="http://schemas.microsoft.com/office/powerpoint/2010/main" val="2454108847"/>
-      </p:ext>
-    </p:extLst>
-  </p:cSld>
-  <p:clrMapOvr>
-    <a:masterClrMapping/>
-  </p:clrMapOvr>
-</p:sld>
-</file>
-
-<file path=ppt/slides/slide9.xml><?xml version="1.0" encoding="utf-8"?>
-<p:sld xmlns:a="http://schemas.openxmlformats.org/drawingml/2006/main" xmlns:r="http://schemas.openxmlformats.org/officeDocument/2006/relationships" xmlns:p="http://schemas.openxmlformats.org/presentationml/2006/main">
-  <p:cSld>
-    <p:spTree>
-      <p:nvGrpSpPr>
-        <p:cNvPr id="1" name=""/>
-        <p:cNvGrpSpPr/>
-        <p:nvPr/>
-      </p:nvGrpSpPr>
-      <p:grpSpPr>
-        <a:xfrm>
-          <a:off x="0" y="0"/>
-          <a:ext cx="0" cy="0"/>
-          <a:chOff x="0" y="0"/>
-          <a:chExt cx="0" cy="0"/>
-        </a:xfrm>
-      </p:grpSpPr>
-      <p:sp>
-        <p:nvSpPr>
-          <p:cNvPr id="2" name="Titre 1">
-            <a:extLst>
-              <a:ext uri="{FF2B5EF4-FFF2-40B4-BE49-F238E27FC236}">
-                <a16:creationId xmlns:a16="http://schemas.microsoft.com/office/drawing/2014/main" id="{6C2CA4F4-771E-F8CD-8FB7-2DC7A0E738D3}"/>
-              </a:ext>
-            </a:extLst>
-          </p:cNvPr>
-          <p:cNvSpPr>
-            <a:spLocks noGrp="1"/>
-          </p:cNvSpPr>
-          <p:nvPr>
-            <p:ph type="title"/>
-          </p:nvPr>
-        </p:nvSpPr>
-        <p:spPr/>
-        <p:txBody>
-          <a:bodyPr/>
-          <a:lstStyle/>
-          <a:p>
-            <a:endParaRPr lang="fr-FR"/>
-          </a:p>
-        </p:txBody>
-      </p:sp>
-      <p:sp>
-        <p:nvSpPr>
-          <p:cNvPr id="3" name="Espace réservé du texte 2">
-            <a:extLst>
-              <a:ext uri="{FF2B5EF4-FFF2-40B4-BE49-F238E27FC236}">
-                <a16:creationId xmlns:a16="http://schemas.microsoft.com/office/drawing/2014/main" id="{8F742C8C-42E0-38D0-E36F-A1A1A6809695}"/>
-              </a:ext>
-            </a:extLst>
-          </p:cNvPr>
-          <p:cNvSpPr>
-            <a:spLocks noGrp="1"/>
-          </p:cNvSpPr>
-          <p:nvPr>
-            <p:ph type="body" idx="1"/>
-          </p:nvPr>
-        </p:nvSpPr>
-        <p:spPr/>
-        <p:txBody>
-          <a:bodyPr/>
-          <a:lstStyle/>
-          <a:p>
-            <a:endParaRPr lang="fr-FR"/>
-          </a:p>
-        </p:txBody>
-      </p:sp>
-      <p:sp>
-        <p:nvSpPr>
-          <p:cNvPr id="4" name="Espace réservé du contenu 3">
-            <a:extLst>
-              <a:ext uri="{FF2B5EF4-FFF2-40B4-BE49-F238E27FC236}">
-                <a16:creationId xmlns:a16="http://schemas.microsoft.com/office/drawing/2014/main" id="{1560EB41-68C9-3CCD-CA6D-BCAF323F27D3}"/>
-              </a:ext>
-            </a:extLst>
-          </p:cNvPr>
-          <p:cNvSpPr>
-            <a:spLocks noGrp="1"/>
-          </p:cNvSpPr>
-          <p:nvPr>
-            <p:ph sz="half" idx="2"/>
-          </p:nvPr>
-        </p:nvSpPr>
-        <p:spPr/>
-        <p:txBody>
-          <a:bodyPr/>
-          <a:lstStyle/>
-          <a:p>
-            <a:endParaRPr lang="fr-FR"/>
-          </a:p>
-        </p:txBody>
-      </p:sp>
-      <p:sp>
-        <p:nvSpPr>
-          <p:cNvPr id="5" name="Espace réservé du texte 4">
-            <a:extLst>
-              <a:ext uri="{FF2B5EF4-FFF2-40B4-BE49-F238E27FC236}">
-                <a16:creationId xmlns:a16="http://schemas.microsoft.com/office/drawing/2014/main" id="{098643FE-9657-CD15-8DA8-7F39583B24E1}"/>
-              </a:ext>
-            </a:extLst>
-          </p:cNvPr>
-          <p:cNvSpPr>
-            <a:spLocks noGrp="1"/>
-          </p:cNvSpPr>
-          <p:nvPr>
-            <p:ph type="body" sz="quarter" idx="3"/>
-          </p:nvPr>
-        </p:nvSpPr>
-        <p:spPr/>
-        <p:txBody>
-          <a:bodyPr/>
-          <a:lstStyle/>
-          <a:p>
-            <a:endParaRPr lang="fr-FR"/>
-          </a:p>
-        </p:txBody>
-      </p:sp>
-      <p:sp>
-        <p:nvSpPr>
-          <p:cNvPr id="6" name="Espace réservé du contenu 5">
-            <a:extLst>
-              <a:ext uri="{FF2B5EF4-FFF2-40B4-BE49-F238E27FC236}">
-                <a16:creationId xmlns:a16="http://schemas.microsoft.com/office/drawing/2014/main" id="{20ED6CC2-45E6-FA96-2183-3631353C56BC}"/>
-              </a:ext>
-            </a:extLst>
-          </p:cNvPr>
-          <p:cNvSpPr>
-            <a:spLocks noGrp="1"/>
-          </p:cNvSpPr>
-          <p:nvPr>
-            <p:ph sz="quarter" idx="4"/>
-          </p:nvPr>
-        </p:nvSpPr>
-        <p:spPr/>
-        <p:txBody>
-          <a:bodyPr/>
-          <a:lstStyle/>
-          <a:p>
-            <a:endParaRPr lang="fr-FR"/>
-          </a:p>
-        </p:txBody>
-      </p:sp>
-      <p:sp>
-        <p:nvSpPr>
-          <p:cNvPr id="7" name="Espace réservé du numéro de diapositive 6">
-            <a:extLst>
-              <a:ext uri="{FF2B5EF4-FFF2-40B4-BE49-F238E27FC236}">
-                <a16:creationId xmlns:a16="http://schemas.microsoft.com/office/drawing/2014/main" id="{ECB67FEC-5692-3795-9E00-7F4B72F6CCE2}"/>
-              </a:ext>
-            </a:extLst>
-          </p:cNvPr>
-          <p:cNvSpPr>
-            <a:spLocks noGrp="1"/>
-          </p:cNvSpPr>
-          <p:nvPr>
-            <p:ph type="sldNum" sz="quarter" idx="12"/>
-          </p:nvPr>
-        </p:nvSpPr>
-        <p:spPr/>
-        <p:txBody>
-          <a:bodyPr/>
-          <a:lstStyle/>
-          <a:p>
-            <a:fld id="{B7A6A38F-5C8E-497F-8761-3C4E0EEEA33A}" type="slidenum">
-              <a:rPr lang="fr-FR" smtClean="0"/>
-              <a:t>9</a:t>
-            </a:fld>
-            <a:endParaRPr lang="fr-FR"/>
-          </a:p>
-        </p:txBody>
-      </p:sp>
-    </p:spTree>
-    <p:extLst>
-      <p:ext uri="{BB962C8B-B14F-4D97-AF65-F5344CB8AC3E}">
-        <p14:creationId xmlns:p14="http://schemas.microsoft.com/office/powerpoint/2010/main" val="3642975352"/>
       </p:ext>
     </p:extLst>
   </p:cSld>

--- a/01_BGR_300/01_BGR_300.pptx
+++ b/01_BGR_300/01_BGR_300.pptx
@@ -220,7 +220,7 @@
           <a:p>
             <a:fld id="{D157349C-AD05-44FA-B790-D9BBD62C4832}" type="datetimeFigureOut">
               <a:rPr lang="fr-FR" smtClean="0"/>
-              <a:t>12/02/2024</a:t>
+              <a:t>04/03/2024</a:t>
             </a:fld>
             <a:endParaRPr lang="fr-FR"/>
           </a:p>
@@ -732,7 +732,7 @@
           <a:p>
             <a:fld id="{CCF538C2-C309-4752-87A7-D2071D6CAC7F}" type="datetime1">
               <a:rPr lang="fr-FR" smtClean="0"/>
-              <a:t>12/02/2024</a:t>
+              <a:t>04/03/2024</a:t>
             </a:fld>
             <a:endParaRPr lang="fr-FR"/>
           </a:p>
@@ -937,7 +937,7 @@
           <a:p>
             <a:fld id="{F926C4FD-C1E6-452C-A858-BFBBC7496631}" type="datetime1">
               <a:rPr lang="fr-FR" smtClean="0"/>
-              <a:t>12/02/2024</a:t>
+              <a:t>04/03/2024</a:t>
             </a:fld>
             <a:endParaRPr lang="fr-FR"/>
           </a:p>
@@ -1193,7 +1193,7 @@
           <a:p>
             <a:fld id="{CEF75A8D-5F26-4754-844B-E2D9F6FC4950}" type="datetime1">
               <a:rPr lang="fr-FR" smtClean="0"/>
-              <a:t>12/02/2024</a:t>
+              <a:t>04/03/2024</a:t>
             </a:fld>
             <a:endParaRPr lang="fr-FR"/>
           </a:p>
@@ -1367,7 +1367,7 @@
           <a:p>
             <a:fld id="{FE352A31-E2A5-4F8A-BDFE-A9BA369B67E9}" type="datetime1">
               <a:rPr lang="fr-FR" smtClean="0"/>
-              <a:t>12/02/2024</a:t>
+              <a:t>04/03/2024</a:t>
             </a:fld>
             <a:endParaRPr lang="fr-FR"/>
           </a:p>
@@ -1729,7 +1729,7 @@
           <a:p>
             <a:fld id="{F1707E18-E4F4-4E6D-951C-B01FC69E66C0}" type="datetime1">
               <a:rPr lang="fr-FR" smtClean="0"/>
-              <a:t>12/02/2024</a:t>
+              <a:t>04/03/2024</a:t>
             </a:fld>
             <a:endParaRPr lang="fr-FR"/>
           </a:p>
@@ -2004,7 +2004,7 @@
           <a:p>
             <a:fld id="{93E4B9C8-F394-498B-8C66-049FACC1ED86}" type="datetime1">
               <a:rPr lang="fr-FR" smtClean="0"/>
-              <a:t>12/02/2024</a:t>
+              <a:t>04/03/2024</a:t>
             </a:fld>
             <a:endParaRPr lang="fr-FR"/>
           </a:p>
@@ -2383,7 +2383,7 @@
           <a:p>
             <a:fld id="{35950896-C41B-455D-9FAE-80943DD0CAEF}" type="datetime1">
               <a:rPr lang="fr-FR" smtClean="0"/>
-              <a:t>12/02/2024</a:t>
+              <a:t>04/03/2024</a:t>
             </a:fld>
             <a:endParaRPr lang="fr-FR"/>
           </a:p>
@@ -2501,7 +2501,7 @@
           <a:p>
             <a:fld id="{2BE2B735-22CE-433C-8BA6-DF0B28588E1F}" type="datetime1">
               <a:rPr lang="fr-FR" smtClean="0"/>
-              <a:t>12/02/2024</a:t>
+              <a:t>04/03/2024</a:t>
             </a:fld>
             <a:endParaRPr lang="fr-FR"/>
           </a:p>
@@ -2675,7 +2675,7 @@
           <a:p>
             <a:fld id="{5B475E59-9936-4413-84C5-14169665FDED}" type="datetime1">
               <a:rPr lang="fr-FR" smtClean="0"/>
-              <a:t>12/02/2024</a:t>
+              <a:t>04/03/2024</a:t>
             </a:fld>
             <a:endParaRPr lang="fr-FR"/>
           </a:p>
@@ -3032,7 +3032,7 @@
           <a:p>
             <a:fld id="{42662320-E9E6-45B0-8B93-5727AA5FFC46}" type="datetime1">
               <a:rPr lang="fr-FR" smtClean="0"/>
-              <a:t>12/02/2024</a:t>
+              <a:t>04/03/2024</a:t>
             </a:fld>
             <a:endParaRPr lang="fr-FR"/>
           </a:p>
@@ -3417,7 +3417,7 @@
           <a:p>
             <a:fld id="{9A545382-D50F-43E8-AFFD-788FD552C87C}" type="datetime1">
               <a:rPr lang="fr-FR" smtClean="0"/>
-              <a:t>12/02/2024</a:t>
+              <a:t>04/03/2024</a:t>
             </a:fld>
             <a:endParaRPr lang="fr-FR"/>
           </a:p>
@@ -3707,7 +3707,7 @@
           <a:p>
             <a:fld id="{4F030BD8-D1C7-406A-AB04-4944ABBF0A3E}" type="datetime1">
               <a:rPr lang="fr-FR" smtClean="0"/>
-              <a:t>12/02/2024</a:t>
+              <a:t>04/03/2024</a:t>
             </a:fld>
             <a:endParaRPr lang="fr-FR" dirty="0"/>
           </a:p>
@@ -5885,13 +5885,22 @@
           <a:p>
             <a:pPr algn="ctr"/>
             <a:r>
+              <a:rPr lang="fr-FR" sz="1200" dirty="0" smtClean="0">
+                <a:solidFill>
+                  <a:srgbClr val="FDAD57"/>
+                </a:solidFill>
+                <a:latin typeface="Arial Nova" panose="020B0504020202020204" pitchFamily="34" charset="0"/>
+              </a:rPr>
+              <a:t>Transformateur Alimentation 24 </a:t>
+            </a:r>
+            <a:r>
               <a:rPr lang="fr-FR" sz="1200" dirty="0">
                 <a:solidFill>
                   <a:srgbClr val="FDAD57"/>
                 </a:solidFill>
                 <a:latin typeface="Arial Nova" panose="020B0504020202020204" pitchFamily="34" charset="0"/>
               </a:rPr>
-              <a:t>Alimentation 24 V</a:t>
+              <a:t>V</a:t>
             </a:r>
           </a:p>
         </p:txBody>
@@ -6825,7 +6834,7 @@
         </p:blipFill>
         <p:spPr>
           <a:xfrm>
-            <a:off x="498044" y="3561065"/>
+            <a:off x="497333" y="3260167"/>
             <a:ext cx="360000" cy="360000"/>
           </a:xfrm>
           <a:prstGeom prst="rect">
@@ -7882,7 +7891,7 @@
         </p:blipFill>
         <p:spPr>
           <a:xfrm>
-            <a:off x="6962190" y="3741065"/>
+            <a:off x="6170466" y="4693198"/>
             <a:ext cx="434918" cy="152010"/>
           </a:xfrm>
           <a:prstGeom prst="rect">
@@ -8053,6 +8062,1155 @@
           </p:spPr>
         </p:pic>
       </p:grpSp>
+      <p:cxnSp>
+        <p:nvCxnSpPr>
+          <p:cNvPr id="77" name="Connecteur droit avec flèche 76">
+            <a:extLst>
+              <a:ext uri="{FF2B5EF4-FFF2-40B4-BE49-F238E27FC236}">
+                <a16:creationId xmlns:a16="http://schemas.microsoft.com/office/drawing/2014/main" id="{56F184E9-809A-A3C9-1755-4F6B9B443CD7}"/>
+              </a:ext>
+            </a:extLst>
+          </p:cNvPr>
+          <p:cNvCxnSpPr>
+            <a:cxnSpLocks/>
+          </p:cNvCxnSpPr>
+          <p:nvPr/>
+        </p:nvCxnSpPr>
+        <p:spPr>
+          <a:xfrm>
+            <a:off x="203217" y="1884363"/>
+            <a:ext cx="351246" cy="0"/>
+          </a:xfrm>
+          <a:prstGeom prst="straightConnector1">
+            <a:avLst/>
+          </a:prstGeom>
+          <a:ln w="25400" cap="rnd">
+            <a:solidFill>
+              <a:srgbClr val="004F77"/>
+            </a:solidFill>
+            <a:tailEnd type="triangle" w="med" len="lg"/>
+          </a:ln>
+        </p:spPr>
+        <p:style>
+          <a:lnRef idx="1">
+            <a:schemeClr val="accent1"/>
+          </a:lnRef>
+          <a:fillRef idx="0">
+            <a:schemeClr val="accent1"/>
+          </a:fillRef>
+          <a:effectRef idx="0">
+            <a:schemeClr val="accent1"/>
+          </a:effectRef>
+          <a:fontRef idx="minor">
+            <a:schemeClr val="tx1"/>
+          </a:fontRef>
+        </p:style>
+      </p:cxnSp>
+      <p:cxnSp>
+        <p:nvCxnSpPr>
+          <p:cNvPr id="79" name="Connecteur droit avec flèche 78">
+            <a:extLst>
+              <a:ext uri="{FF2B5EF4-FFF2-40B4-BE49-F238E27FC236}">
+                <a16:creationId xmlns:a16="http://schemas.microsoft.com/office/drawing/2014/main" id="{56F184E9-809A-A3C9-1755-4F6B9B443CD7}"/>
+              </a:ext>
+            </a:extLst>
+          </p:cNvPr>
+          <p:cNvCxnSpPr>
+            <a:cxnSpLocks/>
+          </p:cNvCxnSpPr>
+          <p:nvPr/>
+        </p:nvCxnSpPr>
+        <p:spPr>
+          <a:xfrm flipV="1">
+            <a:off x="203217" y="1903820"/>
+            <a:ext cx="0" cy="2979910"/>
+          </a:xfrm>
+          <a:prstGeom prst="straightConnector1">
+            <a:avLst/>
+          </a:prstGeom>
+          <a:ln w="25400" cap="rnd">
+            <a:solidFill>
+              <a:srgbClr val="004F77"/>
+            </a:solidFill>
+            <a:headEnd type="none" w="med" len="med"/>
+            <a:tailEnd type="none" w="med" len="med"/>
+          </a:ln>
+        </p:spPr>
+        <p:style>
+          <a:lnRef idx="1">
+            <a:schemeClr val="accent1"/>
+          </a:lnRef>
+          <a:fillRef idx="0">
+            <a:schemeClr val="accent1"/>
+          </a:fillRef>
+          <a:effectRef idx="0">
+            <a:schemeClr val="accent1"/>
+          </a:effectRef>
+          <a:fontRef idx="minor">
+            <a:schemeClr val="tx1"/>
+          </a:fontRef>
+        </p:style>
+      </p:cxnSp>
+      <p:cxnSp>
+        <p:nvCxnSpPr>
+          <p:cNvPr id="80" name="Connecteur droit avec flèche 79">
+            <a:extLst>
+              <a:ext uri="{FF2B5EF4-FFF2-40B4-BE49-F238E27FC236}">
+                <a16:creationId xmlns:a16="http://schemas.microsoft.com/office/drawing/2014/main" id="{56F184E9-809A-A3C9-1755-4F6B9B443CD7}"/>
+              </a:ext>
+            </a:extLst>
+          </p:cNvPr>
+          <p:cNvCxnSpPr>
+            <a:cxnSpLocks/>
+          </p:cNvCxnSpPr>
+          <p:nvPr/>
+        </p:nvCxnSpPr>
+        <p:spPr>
+          <a:xfrm>
+            <a:off x="203217" y="4883730"/>
+            <a:ext cx="6482898" cy="0"/>
+          </a:xfrm>
+          <a:prstGeom prst="straightConnector1">
+            <a:avLst/>
+          </a:prstGeom>
+          <a:ln w="25400" cap="rnd">
+            <a:solidFill>
+              <a:srgbClr val="004F77"/>
+            </a:solidFill>
+            <a:headEnd type="none" w="med" len="med"/>
+            <a:tailEnd type="none" w="med" len="med"/>
+          </a:ln>
+        </p:spPr>
+        <p:style>
+          <a:lnRef idx="1">
+            <a:schemeClr val="accent1"/>
+          </a:lnRef>
+          <a:fillRef idx="0">
+            <a:schemeClr val="accent1"/>
+          </a:fillRef>
+          <a:effectRef idx="0">
+            <a:schemeClr val="accent1"/>
+          </a:effectRef>
+          <a:fontRef idx="minor">
+            <a:schemeClr val="tx1"/>
+          </a:fontRef>
+        </p:style>
+      </p:cxnSp>
+      <p:cxnSp>
+        <p:nvCxnSpPr>
+          <p:cNvPr id="84" name="Connecteur droit avec flèche 83">
+            <a:extLst>
+              <a:ext uri="{FF2B5EF4-FFF2-40B4-BE49-F238E27FC236}">
+                <a16:creationId xmlns:a16="http://schemas.microsoft.com/office/drawing/2014/main" id="{56F184E9-809A-A3C9-1755-4F6B9B443CD7}"/>
+              </a:ext>
+            </a:extLst>
+          </p:cNvPr>
+          <p:cNvCxnSpPr>
+            <a:cxnSpLocks/>
+          </p:cNvCxnSpPr>
+          <p:nvPr/>
+        </p:nvCxnSpPr>
+        <p:spPr>
+          <a:xfrm flipV="1">
+            <a:off x="6686115" y="4631879"/>
+            <a:ext cx="0" cy="251851"/>
+          </a:xfrm>
+          <a:prstGeom prst="straightConnector1">
+            <a:avLst/>
+          </a:prstGeom>
+          <a:ln w="25400" cap="rnd">
+            <a:solidFill>
+              <a:srgbClr val="004F77"/>
+            </a:solidFill>
+            <a:headEnd type="none" w="med" len="med"/>
+            <a:tailEnd type="none" w="med" len="med"/>
+          </a:ln>
+        </p:spPr>
+        <p:style>
+          <a:lnRef idx="1">
+            <a:schemeClr val="accent1"/>
+          </a:lnRef>
+          <a:fillRef idx="0">
+            <a:schemeClr val="accent1"/>
+          </a:fillRef>
+          <a:effectRef idx="0">
+            <a:schemeClr val="accent1"/>
+          </a:effectRef>
+          <a:fontRef idx="minor">
+            <a:schemeClr val="tx1"/>
+          </a:fontRef>
+        </p:style>
+      </p:cxnSp>
+      <p:grpSp>
+        <p:nvGrpSpPr>
+          <p:cNvPr id="88" name="Groupe 87">
+            <a:extLst>
+              <a:ext uri="{FF2B5EF4-FFF2-40B4-BE49-F238E27FC236}">
+                <a16:creationId xmlns:a16="http://schemas.microsoft.com/office/drawing/2014/main" id="{3A27BA98-37D0-071E-0034-A8F152781DA2}"/>
+              </a:ext>
+            </a:extLst>
+          </p:cNvPr>
+          <p:cNvGrpSpPr/>
+          <p:nvPr/>
+        </p:nvGrpSpPr>
+        <p:grpSpPr>
+          <a:xfrm>
+            <a:off x="6588922" y="4419787"/>
+            <a:ext cx="213978" cy="213978"/>
+            <a:chOff x="5404964" y="4396133"/>
+            <a:chExt cx="1800000" cy="1800000"/>
+          </a:xfrm>
+        </p:grpSpPr>
+        <p:sp>
+          <p:nvSpPr>
+            <p:cNvPr id="89" name="Ellipse 88">
+              <a:extLst>
+                <a:ext uri="{FF2B5EF4-FFF2-40B4-BE49-F238E27FC236}">
+                  <a16:creationId xmlns:a16="http://schemas.microsoft.com/office/drawing/2014/main" id="{AF6059D3-A447-3650-DBB0-E43A01137737}"/>
+                </a:ext>
+              </a:extLst>
+            </p:cNvPr>
+            <p:cNvSpPr/>
+            <p:nvPr/>
+          </p:nvSpPr>
+          <p:spPr>
+            <a:xfrm>
+              <a:off x="5404964" y="4396133"/>
+              <a:ext cx="1800000" cy="1800000"/>
+            </a:xfrm>
+            <a:prstGeom prst="ellipse">
+              <a:avLst/>
+            </a:prstGeom>
+            <a:solidFill>
+              <a:srgbClr val="00517A"/>
+            </a:solidFill>
+            <a:ln>
+              <a:noFill/>
+            </a:ln>
+          </p:spPr>
+          <p:style>
+            <a:lnRef idx="2">
+              <a:schemeClr val="accent1">
+                <a:shade val="50000"/>
+              </a:schemeClr>
+            </a:lnRef>
+            <a:fillRef idx="1">
+              <a:schemeClr val="accent1"/>
+            </a:fillRef>
+            <a:effectRef idx="0">
+              <a:schemeClr val="accent1"/>
+            </a:effectRef>
+            <a:fontRef idx="minor">
+              <a:schemeClr val="lt1"/>
+            </a:fontRef>
+          </p:style>
+          <p:txBody>
+            <a:bodyPr rtlCol="0" anchor="ctr"/>
+            <a:lstStyle/>
+            <a:p>
+              <a:pPr algn="ctr"/>
+              <a:endParaRPr lang="fr-FR"/>
+            </a:p>
+          </p:txBody>
+        </p:sp>
+        <p:pic>
+          <p:nvPicPr>
+            <p:cNvPr id="90" name="Image 89">
+              <a:extLst>
+                <a:ext uri="{FF2B5EF4-FFF2-40B4-BE49-F238E27FC236}">
+                  <a16:creationId xmlns:a16="http://schemas.microsoft.com/office/drawing/2014/main" id="{A6CDBBC0-D3DC-F349-2C16-BF936D04FE5D}"/>
+                </a:ext>
+              </a:extLst>
+            </p:cNvPr>
+            <p:cNvPicPr>
+              <a:picLocks noChangeAspect="1"/>
+            </p:cNvPicPr>
+            <p:nvPr/>
+          </p:nvPicPr>
+          <p:blipFill>
+            <a:blip r:embed="rId2"/>
+            <a:stretch>
+              <a:fillRect/>
+            </a:stretch>
+          </p:blipFill>
+          <p:spPr>
+            <a:xfrm>
+              <a:off x="5543445" y="4536296"/>
+              <a:ext cx="1358232" cy="1440000"/>
+            </a:xfrm>
+            <a:prstGeom prst="rect">
+              <a:avLst/>
+            </a:prstGeom>
+          </p:spPr>
+        </p:pic>
+      </p:grpSp>
+      <p:pic>
+        <p:nvPicPr>
+          <p:cNvPr id="93" name="Image 92">
+            <a:extLst>
+              <a:ext uri="{FF2B5EF4-FFF2-40B4-BE49-F238E27FC236}">
+                <a16:creationId xmlns:a16="http://schemas.microsoft.com/office/drawing/2014/main" id="{A13EB412-2158-6E43-F61D-10A890CB249A}"/>
+              </a:ext>
+            </a:extLst>
+          </p:cNvPr>
+          <p:cNvPicPr>
+            <a:picLocks noChangeAspect="1"/>
+          </p:cNvPicPr>
+          <p:nvPr/>
+        </p:nvPicPr>
+        <p:blipFill>
+          <a:blip r:embed="rId3"/>
+          <a:stretch>
+            <a:fillRect/>
+          </a:stretch>
+        </p:blipFill>
+        <p:spPr>
+          <a:xfrm>
+            <a:off x="10771297" y="3468253"/>
+            <a:ext cx="216000" cy="216000"/>
+          </a:xfrm>
+          <a:prstGeom prst="rect">
+            <a:avLst/>
+          </a:prstGeom>
+        </p:spPr>
+      </p:pic>
+      <p:cxnSp>
+        <p:nvCxnSpPr>
+          <p:cNvPr id="94" name="Connecteur droit avec flèche 93">
+            <a:extLst>
+              <a:ext uri="{FF2B5EF4-FFF2-40B4-BE49-F238E27FC236}">
+                <a16:creationId xmlns:a16="http://schemas.microsoft.com/office/drawing/2014/main" id="{56F184E9-809A-A3C9-1755-4F6B9B443CD7}"/>
+              </a:ext>
+            </a:extLst>
+          </p:cNvPr>
+          <p:cNvCxnSpPr>
+            <a:cxnSpLocks/>
+          </p:cNvCxnSpPr>
+          <p:nvPr/>
+        </p:nvCxnSpPr>
+        <p:spPr>
+          <a:xfrm flipV="1">
+            <a:off x="10879297" y="1187777"/>
+            <a:ext cx="0" cy="2280477"/>
+          </a:xfrm>
+          <a:prstGeom prst="straightConnector1">
+            <a:avLst/>
+          </a:prstGeom>
+          <a:ln w="25400" cap="rnd">
+            <a:solidFill>
+              <a:srgbClr val="004F77"/>
+            </a:solidFill>
+            <a:headEnd type="none" w="med" len="med"/>
+            <a:tailEnd type="none" w="med" len="med"/>
+          </a:ln>
+        </p:spPr>
+        <p:style>
+          <a:lnRef idx="1">
+            <a:schemeClr val="accent1"/>
+          </a:lnRef>
+          <a:fillRef idx="0">
+            <a:schemeClr val="accent1"/>
+          </a:fillRef>
+          <a:effectRef idx="0">
+            <a:schemeClr val="accent1"/>
+          </a:effectRef>
+          <a:fontRef idx="minor">
+            <a:schemeClr val="tx1"/>
+          </a:fontRef>
+        </p:style>
+      </p:cxnSp>
+      <p:cxnSp>
+        <p:nvCxnSpPr>
+          <p:cNvPr id="96" name="Connecteur droit avec flèche 95">
+            <a:extLst>
+              <a:ext uri="{FF2B5EF4-FFF2-40B4-BE49-F238E27FC236}">
+                <a16:creationId xmlns:a16="http://schemas.microsoft.com/office/drawing/2014/main" id="{56F184E9-809A-A3C9-1755-4F6B9B443CD7}"/>
+              </a:ext>
+            </a:extLst>
+          </p:cNvPr>
+          <p:cNvCxnSpPr>
+            <a:cxnSpLocks/>
+          </p:cNvCxnSpPr>
+          <p:nvPr/>
+        </p:nvCxnSpPr>
+        <p:spPr>
+          <a:xfrm>
+            <a:off x="211404" y="1187777"/>
+            <a:ext cx="10667893" cy="0"/>
+          </a:xfrm>
+          <a:prstGeom prst="straightConnector1">
+            <a:avLst/>
+          </a:prstGeom>
+          <a:ln w="25400" cap="rnd">
+            <a:solidFill>
+              <a:srgbClr val="004F77"/>
+            </a:solidFill>
+            <a:headEnd type="none" w="med" len="med"/>
+            <a:tailEnd type="none" w="med" len="med"/>
+          </a:ln>
+        </p:spPr>
+        <p:style>
+          <a:lnRef idx="1">
+            <a:schemeClr val="accent1"/>
+          </a:lnRef>
+          <a:fillRef idx="0">
+            <a:schemeClr val="accent1"/>
+          </a:fillRef>
+          <a:effectRef idx="0">
+            <a:schemeClr val="accent1"/>
+          </a:effectRef>
+          <a:fontRef idx="minor">
+            <a:schemeClr val="tx1"/>
+          </a:fontRef>
+        </p:style>
+      </p:cxnSp>
+      <p:cxnSp>
+        <p:nvCxnSpPr>
+          <p:cNvPr id="98" name="Connecteur droit avec flèche 97">
+            <a:extLst>
+              <a:ext uri="{FF2B5EF4-FFF2-40B4-BE49-F238E27FC236}">
+                <a16:creationId xmlns:a16="http://schemas.microsoft.com/office/drawing/2014/main" id="{56F184E9-809A-A3C9-1755-4F6B9B443CD7}"/>
+              </a:ext>
+            </a:extLst>
+          </p:cNvPr>
+          <p:cNvCxnSpPr>
+            <a:cxnSpLocks/>
+          </p:cNvCxnSpPr>
+          <p:nvPr/>
+        </p:nvCxnSpPr>
+        <p:spPr>
+          <a:xfrm>
+            <a:off x="218178" y="1722751"/>
+            <a:ext cx="351246" cy="0"/>
+          </a:xfrm>
+          <a:prstGeom prst="straightConnector1">
+            <a:avLst/>
+          </a:prstGeom>
+          <a:ln w="25400" cap="rnd">
+            <a:solidFill>
+              <a:srgbClr val="004F77"/>
+            </a:solidFill>
+            <a:tailEnd type="triangle" w="med" len="lg"/>
+          </a:ln>
+        </p:spPr>
+        <p:style>
+          <a:lnRef idx="1">
+            <a:schemeClr val="accent1"/>
+          </a:lnRef>
+          <a:fillRef idx="0">
+            <a:schemeClr val="accent1"/>
+          </a:fillRef>
+          <a:effectRef idx="0">
+            <a:schemeClr val="accent1"/>
+          </a:effectRef>
+          <a:fontRef idx="minor">
+            <a:schemeClr val="tx1"/>
+          </a:fontRef>
+        </p:style>
+      </p:cxnSp>
+      <p:cxnSp>
+        <p:nvCxnSpPr>
+          <p:cNvPr id="99" name="Connecteur droit avec flèche 98">
+            <a:extLst>
+              <a:ext uri="{FF2B5EF4-FFF2-40B4-BE49-F238E27FC236}">
+                <a16:creationId xmlns:a16="http://schemas.microsoft.com/office/drawing/2014/main" id="{56F184E9-809A-A3C9-1755-4F6B9B443CD7}"/>
+              </a:ext>
+            </a:extLst>
+          </p:cNvPr>
+          <p:cNvCxnSpPr>
+            <a:cxnSpLocks/>
+          </p:cNvCxnSpPr>
+          <p:nvPr/>
+        </p:nvCxnSpPr>
+        <p:spPr>
+          <a:xfrm flipV="1">
+            <a:off x="211404" y="1187777"/>
+            <a:ext cx="0" cy="534975"/>
+          </a:xfrm>
+          <a:prstGeom prst="straightConnector1">
+            <a:avLst/>
+          </a:prstGeom>
+          <a:ln w="25400" cap="rnd">
+            <a:solidFill>
+              <a:srgbClr val="004F77"/>
+            </a:solidFill>
+            <a:headEnd type="none" w="med" len="med"/>
+            <a:tailEnd type="none" w="med" len="med"/>
+          </a:ln>
+        </p:spPr>
+        <p:style>
+          <a:lnRef idx="1">
+            <a:schemeClr val="accent1"/>
+          </a:lnRef>
+          <a:fillRef idx="0">
+            <a:schemeClr val="accent1"/>
+          </a:fillRef>
+          <a:effectRef idx="0">
+            <a:schemeClr val="accent1"/>
+          </a:effectRef>
+          <a:fontRef idx="minor">
+            <a:schemeClr val="tx1"/>
+          </a:fontRef>
+        </p:style>
+      </p:cxnSp>
+      <mc:AlternateContent xmlns:mc="http://schemas.openxmlformats.org/markup-compatibility/2006">
+        <mc:Choice xmlns:a14="http://schemas.microsoft.com/office/drawing/2010/main" Requires="a14">
+          <p:sp>
+            <p:nvSpPr>
+              <p:cNvPr id="105" name="ZoneTexte 104"/>
+              <p:cNvSpPr txBox="1"/>
+              <p:nvPr/>
+            </p:nvSpPr>
+            <p:spPr>
+              <a:xfrm>
+                <a:off x="2525337" y="3781040"/>
+                <a:ext cx="638380" cy="161583"/>
+              </a:xfrm>
+              <a:prstGeom prst="rect">
+                <a:avLst/>
+              </a:prstGeom>
+              <a:noFill/>
+            </p:spPr>
+            <p:txBody>
+              <a:bodyPr wrap="none" lIns="0" tIns="0" rIns="0" bIns="0" rtlCol="0">
+                <a:spAutoFit/>
+              </a:bodyPr>
+              <a:lstStyle/>
+              <a:p>
+                <a14:m>
+                  <m:oMathPara xmlns:m="http://schemas.openxmlformats.org/officeDocument/2006/math">
+                    <m:oMathParaPr>
+                      <m:jc m:val="centerGroup"/>
+                    </m:oMathParaPr>
+                    <m:oMath xmlns:m="http://schemas.openxmlformats.org/officeDocument/2006/math">
+                      <m:sSub>
+                        <m:sSubPr>
+                          <m:ctrlPr>
+                            <a:rPr lang="fr-FR" sz="1050" b="0" i="1" smtClean="0">
+                              <a:latin typeface="Cambria Math" panose="02040503050406030204" pitchFamily="18" charset="0"/>
+                              <a:ea typeface="Cambria Math" panose="02040503050406030204" pitchFamily="18" charset="0"/>
+                            </a:rPr>
+                          </m:ctrlPr>
+                        </m:sSubPr>
+                        <m:e>
+                          <m:r>
+                            <a:rPr lang="fr-FR" sz="1050" i="1" smtClean="0">
+                              <a:latin typeface="Cambria Math" panose="02040503050406030204" pitchFamily="18" charset="0"/>
+                              <a:ea typeface="Cambria Math" panose="02040503050406030204" pitchFamily="18" charset="0"/>
+                            </a:rPr>
+                            <m:t>𝒫</m:t>
+                          </m:r>
+                        </m:e>
+                        <m:sub>
+                          <m:r>
+                            <a:rPr lang="fr-FR" sz="1050" b="0" i="1" smtClean="0">
+                              <a:latin typeface="Cambria Math" panose="02040503050406030204" pitchFamily="18" charset="0"/>
+                              <a:ea typeface="Cambria Math" panose="02040503050406030204" pitchFamily="18" charset="0"/>
+                            </a:rPr>
+                            <m:t>𝑒𝑙𝑒𝑐</m:t>
+                          </m:r>
+                        </m:sub>
+                      </m:sSub>
+                      <m:r>
+                        <a:rPr lang="fr-FR" sz="1050" b="0" i="1" smtClean="0">
+                          <a:latin typeface="Cambria Math" panose="02040503050406030204" pitchFamily="18" charset="0"/>
+                          <a:ea typeface="Cambria Math" panose="02040503050406030204" pitchFamily="18" charset="0"/>
+                        </a:rPr>
+                        <m:t>=</m:t>
+                      </m:r>
+                      <m:r>
+                        <a:rPr lang="fr-FR" sz="1050" b="0" i="1" smtClean="0">
+                          <a:latin typeface="Cambria Math" panose="02040503050406030204" pitchFamily="18" charset="0"/>
+                          <a:ea typeface="Cambria Math" panose="02040503050406030204" pitchFamily="18" charset="0"/>
+                        </a:rPr>
+                        <m:t>𝑈𝐼</m:t>
+                      </m:r>
+                    </m:oMath>
+                  </m:oMathPara>
+                </a14:m>
+                <a:endParaRPr lang="fr-FR" sz="1050" dirty="0"/>
+              </a:p>
+            </p:txBody>
+          </p:sp>
+        </mc:Choice>
+        <mc:Fallback>
+          <p:sp>
+            <p:nvSpPr>
+              <p:cNvPr id="105" name="ZoneTexte 104"/>
+              <p:cNvSpPr txBox="1">
+                <a:spLocks noRot="1" noChangeAspect="1" noMove="1" noResize="1" noEditPoints="1" noAdjustHandles="1" noChangeArrowheads="1" noChangeShapeType="1" noTextEdit="1"/>
+              </p:cNvSpPr>
+              <p:nvPr/>
+            </p:nvSpPr>
+            <p:spPr>
+              <a:xfrm>
+                <a:off x="2525337" y="3781040"/>
+                <a:ext cx="638380" cy="161583"/>
+              </a:xfrm>
+              <a:prstGeom prst="rect">
+                <a:avLst/>
+              </a:prstGeom>
+              <a:blipFill>
+                <a:blip r:embed="rId15"/>
+                <a:stretch>
+                  <a:fillRect l="-4762" r="-3810" b="-14815"/>
+                </a:stretch>
+              </a:blipFill>
+            </p:spPr>
+            <p:txBody>
+              <a:bodyPr/>
+              <a:lstStyle/>
+              <a:p>
+                <a:r>
+                  <a:rPr lang="fr-FR">
+                    <a:noFill/>
+                  </a:rPr>
+                  <a:t> </a:t>
+                </a:r>
+              </a:p>
+            </p:txBody>
+          </p:sp>
+        </mc:Fallback>
+      </mc:AlternateContent>
+      <mc:AlternateContent xmlns:mc="http://schemas.openxmlformats.org/markup-compatibility/2006">
+        <mc:Choice xmlns:a14="http://schemas.microsoft.com/office/drawing/2010/main" Requires="a14">
+          <p:sp>
+            <p:nvSpPr>
+              <p:cNvPr id="106" name="ZoneTexte 105"/>
+              <p:cNvSpPr txBox="1"/>
+              <p:nvPr/>
+            </p:nvSpPr>
+            <p:spPr>
+              <a:xfrm>
+                <a:off x="4694878" y="3733222"/>
+                <a:ext cx="638380" cy="161583"/>
+              </a:xfrm>
+              <a:prstGeom prst="rect">
+                <a:avLst/>
+              </a:prstGeom>
+              <a:noFill/>
+            </p:spPr>
+            <p:txBody>
+              <a:bodyPr wrap="none" lIns="0" tIns="0" rIns="0" bIns="0" rtlCol="0">
+                <a:spAutoFit/>
+              </a:bodyPr>
+              <a:lstStyle/>
+              <a:p>
+                <a14:m>
+                  <m:oMathPara xmlns:m="http://schemas.openxmlformats.org/officeDocument/2006/math">
+                    <m:oMathParaPr>
+                      <m:jc m:val="centerGroup"/>
+                    </m:oMathParaPr>
+                    <m:oMath xmlns:m="http://schemas.openxmlformats.org/officeDocument/2006/math">
+                      <m:sSub>
+                        <m:sSubPr>
+                          <m:ctrlPr>
+                            <a:rPr lang="fr-FR" sz="1050" b="0" i="1" smtClean="0">
+                              <a:latin typeface="Cambria Math" panose="02040503050406030204" pitchFamily="18" charset="0"/>
+                              <a:ea typeface="Cambria Math" panose="02040503050406030204" pitchFamily="18" charset="0"/>
+                            </a:rPr>
+                          </m:ctrlPr>
+                        </m:sSubPr>
+                        <m:e>
+                          <m:r>
+                            <a:rPr lang="fr-FR" sz="1050" i="1" smtClean="0">
+                              <a:latin typeface="Cambria Math" panose="02040503050406030204" pitchFamily="18" charset="0"/>
+                              <a:ea typeface="Cambria Math" panose="02040503050406030204" pitchFamily="18" charset="0"/>
+                            </a:rPr>
+                            <m:t>𝒫</m:t>
+                          </m:r>
+                        </m:e>
+                        <m:sub>
+                          <m:r>
+                            <a:rPr lang="fr-FR" sz="1050" b="0" i="1" smtClean="0">
+                              <a:latin typeface="Cambria Math" panose="02040503050406030204" pitchFamily="18" charset="0"/>
+                              <a:ea typeface="Cambria Math" panose="02040503050406030204" pitchFamily="18" charset="0"/>
+                            </a:rPr>
+                            <m:t>𝑒𝑙𝑒𝑐</m:t>
+                          </m:r>
+                        </m:sub>
+                      </m:sSub>
+                      <m:r>
+                        <a:rPr lang="fr-FR" sz="1050" b="0" i="1" smtClean="0">
+                          <a:latin typeface="Cambria Math" panose="02040503050406030204" pitchFamily="18" charset="0"/>
+                          <a:ea typeface="Cambria Math" panose="02040503050406030204" pitchFamily="18" charset="0"/>
+                        </a:rPr>
+                        <m:t>=</m:t>
+                      </m:r>
+                      <m:r>
+                        <a:rPr lang="fr-FR" sz="1050" b="0" i="1" smtClean="0">
+                          <a:latin typeface="Cambria Math" panose="02040503050406030204" pitchFamily="18" charset="0"/>
+                          <a:ea typeface="Cambria Math" panose="02040503050406030204" pitchFamily="18" charset="0"/>
+                        </a:rPr>
+                        <m:t>𝑈𝐼</m:t>
+                      </m:r>
+                    </m:oMath>
+                  </m:oMathPara>
+                </a14:m>
+                <a:endParaRPr lang="fr-FR" sz="1050" dirty="0"/>
+              </a:p>
+            </p:txBody>
+          </p:sp>
+        </mc:Choice>
+        <mc:Fallback>
+          <p:sp>
+            <p:nvSpPr>
+              <p:cNvPr id="106" name="ZoneTexte 105"/>
+              <p:cNvSpPr txBox="1">
+                <a:spLocks noRot="1" noChangeAspect="1" noMove="1" noResize="1" noEditPoints="1" noAdjustHandles="1" noChangeArrowheads="1" noChangeShapeType="1" noTextEdit="1"/>
+              </p:cNvSpPr>
+              <p:nvPr/>
+            </p:nvSpPr>
+            <p:spPr>
+              <a:xfrm>
+                <a:off x="4694878" y="3733222"/>
+                <a:ext cx="638380" cy="161583"/>
+              </a:xfrm>
+              <a:prstGeom prst="rect">
+                <a:avLst/>
+              </a:prstGeom>
+              <a:blipFill>
+                <a:blip r:embed="rId15"/>
+                <a:stretch>
+                  <a:fillRect l="-4762" r="-3810" b="-14815"/>
+                </a:stretch>
+              </a:blipFill>
+            </p:spPr>
+            <p:txBody>
+              <a:bodyPr/>
+              <a:lstStyle/>
+              <a:p>
+                <a:r>
+                  <a:rPr lang="fr-FR">
+                    <a:noFill/>
+                  </a:rPr>
+                  <a:t> </a:t>
+                </a:r>
+              </a:p>
+            </p:txBody>
+          </p:sp>
+        </mc:Fallback>
+      </mc:AlternateContent>
+      <mc:AlternateContent xmlns:mc="http://schemas.openxmlformats.org/markup-compatibility/2006">
+        <mc:Choice xmlns:a14="http://schemas.microsoft.com/office/drawing/2010/main" Requires="a14">
+          <p:sp>
+            <p:nvSpPr>
+              <p:cNvPr id="107" name="ZoneTexte 106"/>
+              <p:cNvSpPr txBox="1"/>
+              <p:nvPr/>
+            </p:nvSpPr>
+            <p:spPr>
+              <a:xfrm>
+                <a:off x="6798395" y="3926892"/>
+                <a:ext cx="739818" cy="161583"/>
+              </a:xfrm>
+              <a:prstGeom prst="rect">
+                <a:avLst/>
+              </a:prstGeom>
+              <a:noFill/>
+            </p:spPr>
+            <p:txBody>
+              <a:bodyPr wrap="none" lIns="0" tIns="0" rIns="0" bIns="0" rtlCol="0">
+                <a:spAutoFit/>
+              </a:bodyPr>
+              <a:lstStyle/>
+              <a:p>
+                <a14:m>
+                  <m:oMathPara xmlns:m="http://schemas.openxmlformats.org/officeDocument/2006/math">
+                    <m:oMathParaPr>
+                      <m:jc m:val="centerGroup"/>
+                    </m:oMathParaPr>
+                    <m:oMath xmlns:m="http://schemas.openxmlformats.org/officeDocument/2006/math">
+                      <m:sSub>
+                        <m:sSubPr>
+                          <m:ctrlPr>
+                            <a:rPr lang="fr-FR" sz="1050" b="0" i="1" smtClean="0">
+                              <a:latin typeface="Cambria Math" panose="02040503050406030204" pitchFamily="18" charset="0"/>
+                              <a:ea typeface="Cambria Math" panose="02040503050406030204" pitchFamily="18" charset="0"/>
+                            </a:rPr>
+                          </m:ctrlPr>
+                        </m:sSubPr>
+                        <m:e>
+                          <m:r>
+                            <a:rPr lang="fr-FR" sz="1050" i="1" smtClean="0">
+                              <a:latin typeface="Cambria Math" panose="02040503050406030204" pitchFamily="18" charset="0"/>
+                              <a:ea typeface="Cambria Math" panose="02040503050406030204" pitchFamily="18" charset="0"/>
+                            </a:rPr>
+                            <m:t>𝒫</m:t>
+                          </m:r>
+                        </m:e>
+                        <m:sub>
+                          <m:r>
+                            <a:rPr lang="fr-FR" sz="1050" b="0" i="1" smtClean="0">
+                              <a:latin typeface="Cambria Math" panose="02040503050406030204" pitchFamily="18" charset="0"/>
+                              <a:ea typeface="Cambria Math" panose="02040503050406030204" pitchFamily="18" charset="0"/>
+                            </a:rPr>
+                            <m:t>𝑚</m:t>
+                          </m:r>
+                        </m:sub>
+                      </m:sSub>
+                      <m:r>
+                        <a:rPr lang="fr-FR" sz="1050" b="0" i="1" smtClean="0">
+                          <a:latin typeface="Cambria Math" panose="02040503050406030204" pitchFamily="18" charset="0"/>
+                          <a:ea typeface="Cambria Math" panose="02040503050406030204" pitchFamily="18" charset="0"/>
+                        </a:rPr>
+                        <m:t>=</m:t>
+                      </m:r>
+                      <m:sSub>
+                        <m:sSubPr>
+                          <m:ctrlPr>
+                            <a:rPr lang="fr-FR" sz="1050" b="0" i="1" smtClean="0">
+                              <a:latin typeface="Cambria Math" panose="02040503050406030204" pitchFamily="18" charset="0"/>
+                              <a:ea typeface="Cambria Math" panose="02040503050406030204" pitchFamily="18" charset="0"/>
+                            </a:rPr>
+                          </m:ctrlPr>
+                        </m:sSubPr>
+                        <m:e>
+                          <m:r>
+                            <a:rPr lang="fr-FR" sz="1050" b="0" i="1" smtClean="0">
+                              <a:latin typeface="Cambria Math" panose="02040503050406030204" pitchFamily="18" charset="0"/>
+                              <a:ea typeface="Cambria Math" panose="02040503050406030204" pitchFamily="18" charset="0"/>
+                            </a:rPr>
+                            <m:t>𝐶</m:t>
+                          </m:r>
+                        </m:e>
+                        <m:sub>
+                          <m:r>
+                            <a:rPr lang="fr-FR" sz="1050" b="0" i="1" smtClean="0">
+                              <a:latin typeface="Cambria Math" panose="02040503050406030204" pitchFamily="18" charset="0"/>
+                              <a:ea typeface="Cambria Math" panose="02040503050406030204" pitchFamily="18" charset="0"/>
+                            </a:rPr>
+                            <m:t>𝑚</m:t>
+                          </m:r>
+                        </m:sub>
+                      </m:sSub>
+                      <m:sSub>
+                        <m:sSubPr>
+                          <m:ctrlPr>
+                            <a:rPr lang="fr-FR" sz="1050" b="0" i="1" smtClean="0">
+                              <a:latin typeface="Cambria Math" panose="02040503050406030204" pitchFamily="18" charset="0"/>
+                              <a:ea typeface="Cambria Math" panose="02040503050406030204" pitchFamily="18" charset="0"/>
+                            </a:rPr>
+                          </m:ctrlPr>
+                        </m:sSubPr>
+                        <m:e>
+                          <m:r>
+                            <m:rPr>
+                              <m:sty m:val="p"/>
+                            </m:rPr>
+                            <a:rPr lang="fr-FR" sz="1050" b="0" i="0" smtClean="0">
+                              <a:latin typeface="Cambria Math" panose="02040503050406030204" pitchFamily="18" charset="0"/>
+                              <a:ea typeface="Cambria Math" panose="02040503050406030204" pitchFamily="18" charset="0"/>
+                            </a:rPr>
+                            <m:t>Ω</m:t>
+                          </m:r>
+                        </m:e>
+                        <m:sub>
+                          <m:r>
+                            <a:rPr lang="fr-FR" sz="1050" b="0" i="1" smtClean="0">
+                              <a:latin typeface="Cambria Math" panose="02040503050406030204" pitchFamily="18" charset="0"/>
+                              <a:ea typeface="Cambria Math" panose="02040503050406030204" pitchFamily="18" charset="0"/>
+                            </a:rPr>
+                            <m:t>𝑚</m:t>
+                          </m:r>
+                        </m:sub>
+                      </m:sSub>
+                    </m:oMath>
+                  </m:oMathPara>
+                </a14:m>
+                <a:endParaRPr lang="fr-FR" sz="1050" b="0" dirty="0" smtClean="0">
+                  <a:ea typeface="Cambria Math" panose="02040503050406030204" pitchFamily="18" charset="0"/>
+                </a:endParaRPr>
+              </a:p>
+            </p:txBody>
+          </p:sp>
+        </mc:Choice>
+        <mc:Fallback>
+          <p:sp>
+            <p:nvSpPr>
+              <p:cNvPr id="107" name="ZoneTexte 106"/>
+              <p:cNvSpPr txBox="1">
+                <a:spLocks noRot="1" noChangeAspect="1" noMove="1" noResize="1" noEditPoints="1" noAdjustHandles="1" noChangeArrowheads="1" noChangeShapeType="1" noTextEdit="1"/>
+              </p:cNvSpPr>
+              <p:nvPr/>
+            </p:nvSpPr>
+            <p:spPr>
+              <a:xfrm>
+                <a:off x="6798395" y="3926892"/>
+                <a:ext cx="739818" cy="161583"/>
+              </a:xfrm>
+              <a:prstGeom prst="rect">
+                <a:avLst/>
+              </a:prstGeom>
+              <a:blipFill>
+                <a:blip r:embed="rId16"/>
+                <a:stretch>
+                  <a:fillRect l="-4098" r="-820" b="-11111"/>
+                </a:stretch>
+              </a:blipFill>
+            </p:spPr>
+            <p:txBody>
+              <a:bodyPr/>
+              <a:lstStyle/>
+              <a:p>
+                <a:r>
+                  <a:rPr lang="fr-FR">
+                    <a:noFill/>
+                  </a:rPr>
+                  <a:t> </a:t>
+                </a:r>
+              </a:p>
+            </p:txBody>
+          </p:sp>
+        </mc:Fallback>
+      </mc:AlternateContent>
+      <mc:AlternateContent xmlns:mc="http://schemas.openxmlformats.org/markup-compatibility/2006">
+        <mc:Choice xmlns:a14="http://schemas.microsoft.com/office/drawing/2010/main" Requires="a14">
+          <p:sp>
+            <p:nvSpPr>
+              <p:cNvPr id="108" name="ZoneTexte 107"/>
+              <p:cNvSpPr txBox="1"/>
+              <p:nvPr/>
+            </p:nvSpPr>
+            <p:spPr>
+              <a:xfrm>
+                <a:off x="8960940" y="3956407"/>
+                <a:ext cx="625492" cy="161583"/>
+              </a:xfrm>
+              <a:prstGeom prst="rect">
+                <a:avLst/>
+              </a:prstGeom>
+              <a:noFill/>
+            </p:spPr>
+            <p:txBody>
+              <a:bodyPr wrap="none" lIns="0" tIns="0" rIns="0" bIns="0" rtlCol="0">
+                <a:spAutoFit/>
+              </a:bodyPr>
+              <a:lstStyle/>
+              <a:p>
+                <a14:m>
+                  <m:oMathPara xmlns:m="http://schemas.openxmlformats.org/officeDocument/2006/math">
+                    <m:oMathParaPr>
+                      <m:jc m:val="centerGroup"/>
+                    </m:oMathParaPr>
+                    <m:oMath xmlns:m="http://schemas.openxmlformats.org/officeDocument/2006/math">
+                      <m:sSub>
+                        <m:sSubPr>
+                          <m:ctrlPr>
+                            <a:rPr lang="fr-FR" sz="1050" b="0" i="1" smtClean="0">
+                              <a:latin typeface="Cambria Math" panose="02040503050406030204" pitchFamily="18" charset="0"/>
+                              <a:ea typeface="Cambria Math" panose="02040503050406030204" pitchFamily="18" charset="0"/>
+                            </a:rPr>
+                          </m:ctrlPr>
+                        </m:sSubPr>
+                        <m:e>
+                          <m:r>
+                            <a:rPr lang="fr-FR" sz="1050" i="1" smtClean="0">
+                              <a:latin typeface="Cambria Math" panose="02040503050406030204" pitchFamily="18" charset="0"/>
+                              <a:ea typeface="Cambria Math" panose="02040503050406030204" pitchFamily="18" charset="0"/>
+                            </a:rPr>
+                            <m:t>𝒫</m:t>
+                          </m:r>
+                        </m:e>
+                        <m:sub>
+                          <m:r>
+                            <a:rPr lang="fr-FR" sz="1050" b="0" i="1" smtClean="0">
+                              <a:latin typeface="Cambria Math" panose="02040503050406030204" pitchFamily="18" charset="0"/>
+                              <a:ea typeface="Cambria Math" panose="02040503050406030204" pitchFamily="18" charset="0"/>
+                            </a:rPr>
+                            <m:t>𝑡</m:t>
+                          </m:r>
+                        </m:sub>
+                      </m:sSub>
+                      <m:r>
+                        <a:rPr lang="fr-FR" sz="1050" b="0" i="1" smtClean="0">
+                          <a:latin typeface="Cambria Math" panose="02040503050406030204" pitchFamily="18" charset="0"/>
+                          <a:ea typeface="Cambria Math" panose="02040503050406030204" pitchFamily="18" charset="0"/>
+                        </a:rPr>
+                        <m:t>=</m:t>
+                      </m:r>
+                      <m:sSub>
+                        <m:sSubPr>
+                          <m:ctrlPr>
+                            <a:rPr lang="fr-FR" sz="1050" b="0" i="1" smtClean="0">
+                              <a:latin typeface="Cambria Math" panose="02040503050406030204" pitchFamily="18" charset="0"/>
+                              <a:ea typeface="Cambria Math" panose="02040503050406030204" pitchFamily="18" charset="0"/>
+                            </a:rPr>
+                          </m:ctrlPr>
+                        </m:sSubPr>
+                        <m:e>
+                          <m:r>
+                            <a:rPr lang="fr-FR" sz="1050" b="0" i="1" smtClean="0">
+                              <a:latin typeface="Cambria Math" panose="02040503050406030204" pitchFamily="18" charset="0"/>
+                              <a:ea typeface="Cambria Math" panose="02040503050406030204" pitchFamily="18" charset="0"/>
+                            </a:rPr>
+                            <m:t>𝐶</m:t>
+                          </m:r>
+                        </m:e>
+                        <m:sub>
+                          <m:r>
+                            <a:rPr lang="fr-FR" sz="1050" b="0" i="1" smtClean="0">
+                              <a:latin typeface="Cambria Math" panose="02040503050406030204" pitchFamily="18" charset="0"/>
+                              <a:ea typeface="Cambria Math" panose="02040503050406030204" pitchFamily="18" charset="0"/>
+                            </a:rPr>
+                            <m:t>𝑟</m:t>
+                          </m:r>
+                        </m:sub>
+                      </m:sSub>
+                      <m:sSub>
+                        <m:sSubPr>
+                          <m:ctrlPr>
+                            <a:rPr lang="fr-FR" sz="1050" b="0" i="1" smtClean="0">
+                              <a:latin typeface="Cambria Math" panose="02040503050406030204" pitchFamily="18" charset="0"/>
+                              <a:ea typeface="Cambria Math" panose="02040503050406030204" pitchFamily="18" charset="0"/>
+                            </a:rPr>
+                          </m:ctrlPr>
+                        </m:sSubPr>
+                        <m:e>
+                          <m:r>
+                            <m:rPr>
+                              <m:sty m:val="p"/>
+                            </m:rPr>
+                            <a:rPr lang="fr-FR" sz="1050" b="0" i="0" smtClean="0">
+                              <a:latin typeface="Cambria Math" panose="02040503050406030204" pitchFamily="18" charset="0"/>
+                              <a:ea typeface="Cambria Math" panose="02040503050406030204" pitchFamily="18" charset="0"/>
+                            </a:rPr>
+                            <m:t>Ω</m:t>
+                          </m:r>
+                        </m:e>
+                        <m:sub>
+                          <m:r>
+                            <a:rPr lang="fr-FR" sz="1050" b="0" i="1" smtClean="0">
+                              <a:latin typeface="Cambria Math" panose="02040503050406030204" pitchFamily="18" charset="0"/>
+                              <a:ea typeface="Cambria Math" panose="02040503050406030204" pitchFamily="18" charset="0"/>
+                            </a:rPr>
+                            <m:t>𝑟</m:t>
+                          </m:r>
+                        </m:sub>
+                      </m:sSub>
+                    </m:oMath>
+                  </m:oMathPara>
+                </a14:m>
+                <a:endParaRPr lang="fr-FR" sz="1050" b="0" dirty="0" smtClean="0">
+                  <a:ea typeface="Cambria Math" panose="02040503050406030204" pitchFamily="18" charset="0"/>
+                </a:endParaRPr>
+              </a:p>
+            </p:txBody>
+          </p:sp>
+        </mc:Choice>
+        <mc:Fallback>
+          <p:sp>
+            <p:nvSpPr>
+              <p:cNvPr id="108" name="ZoneTexte 107"/>
+              <p:cNvSpPr txBox="1">
+                <a:spLocks noRot="1" noChangeAspect="1" noMove="1" noResize="1" noEditPoints="1" noAdjustHandles="1" noChangeArrowheads="1" noChangeShapeType="1" noTextEdit="1"/>
+              </p:cNvSpPr>
+              <p:nvPr/>
+            </p:nvSpPr>
+            <p:spPr>
+              <a:xfrm>
+                <a:off x="8960940" y="3956407"/>
+                <a:ext cx="625492" cy="161583"/>
+              </a:xfrm>
+              <a:prstGeom prst="rect">
+                <a:avLst/>
+              </a:prstGeom>
+              <a:blipFill>
+                <a:blip r:embed="rId17"/>
+                <a:stretch>
+                  <a:fillRect l="-4854" b="-14815"/>
+                </a:stretch>
+              </a:blipFill>
+            </p:spPr>
+            <p:txBody>
+              <a:bodyPr/>
+              <a:lstStyle/>
+              <a:p>
+                <a:r>
+                  <a:rPr lang="fr-FR">
+                    <a:noFill/>
+                  </a:rPr>
+                  <a:t> </a:t>
+                </a:r>
+              </a:p>
+            </p:txBody>
+          </p:sp>
+        </mc:Fallback>
+      </mc:AlternateContent>
+      <p:cxnSp>
+        <p:nvCxnSpPr>
+          <p:cNvPr id="111" name="Connecteur droit avec flèche 110">
+            <a:extLst>
+              <a:ext uri="{FF2B5EF4-FFF2-40B4-BE49-F238E27FC236}">
+                <a16:creationId xmlns:a16="http://schemas.microsoft.com/office/drawing/2014/main" id="{2A759AA0-F3FD-C26A-60D8-97778FA4410F}"/>
+              </a:ext>
+            </a:extLst>
+          </p:cNvPr>
+          <p:cNvCxnSpPr>
+            <a:cxnSpLocks/>
+          </p:cNvCxnSpPr>
+          <p:nvPr/>
+        </p:nvCxnSpPr>
+        <p:spPr>
+          <a:xfrm flipV="1">
+            <a:off x="324302" y="3707196"/>
+            <a:ext cx="720000" cy="1536"/>
+          </a:xfrm>
+          <a:prstGeom prst="straightConnector1">
+            <a:avLst/>
+          </a:prstGeom>
+          <a:ln w="25400" cap="rnd">
+            <a:solidFill>
+              <a:srgbClr val="FDAD57"/>
+            </a:solidFill>
+            <a:tailEnd type="triangle" w="med" len="lg"/>
+          </a:ln>
+        </p:spPr>
+        <p:style>
+          <a:lnRef idx="1">
+            <a:schemeClr val="accent1"/>
+          </a:lnRef>
+          <a:fillRef idx="0">
+            <a:schemeClr val="accent1"/>
+          </a:fillRef>
+          <a:effectRef idx="0">
+            <a:schemeClr val="accent1"/>
+          </a:effectRef>
+          <a:fontRef idx="minor">
+            <a:schemeClr val="tx1"/>
+          </a:fontRef>
+        </p:style>
+      </p:cxnSp>
+      <p:sp>
+        <p:nvSpPr>
+          <p:cNvPr id="112" name="ZoneTexte 111"/>
+          <p:cNvSpPr txBox="1"/>
+          <p:nvPr/>
+        </p:nvSpPr>
+        <p:spPr>
+          <a:xfrm>
+            <a:off x="329415" y="3755041"/>
+            <a:ext cx="703719" cy="161583"/>
+          </a:xfrm>
+          <a:prstGeom prst="rect">
+            <a:avLst/>
+          </a:prstGeom>
+          <a:noFill/>
+        </p:spPr>
+        <p:txBody>
+          <a:bodyPr wrap="none" lIns="0" tIns="0" rIns="0" bIns="0" rtlCol="0">
+            <a:spAutoFit/>
+          </a:bodyPr>
+          <a:lstStyle/>
+          <a:p>
+            <a:r>
+              <a:rPr lang="fr-FR" sz="1050" dirty="0" smtClean="0"/>
+              <a:t>Prise secteur</a:t>
+            </a:r>
+            <a:endParaRPr lang="fr-FR" sz="1050" dirty="0"/>
+          </a:p>
+        </p:txBody>
+      </p:sp>
     </p:spTree>
     <p:extLst>
       <p:ext uri="{BB962C8B-B14F-4D97-AF65-F5344CB8AC3E}">
@@ -8178,8 +9336,8 @@
           </p:nvSpPr>
           <p:spPr>
             <a:xfrm rot="16200000">
-              <a:off x="8780158" y="3297127"/>
-              <a:ext cx="1955216" cy="307777"/>
+              <a:off x="8780158" y="3312516"/>
+              <a:ext cx="1955216" cy="276999"/>
             </a:xfrm>
             <a:prstGeom prst="rect">
               <a:avLst/>
@@ -8196,7 +9354,7 @@
             <a:lstStyle/>
             <a:p>
               <a:r>
-                <a:rPr lang="fr-FR" sz="1400" dirty="0">
+                <a:rPr lang="fr-FR" sz="1200" dirty="0">
                   <a:solidFill>
                     <a:schemeClr val="bg1"/>
                   </a:solidFill>
@@ -8770,13 +9928,22 @@
           <a:p>
             <a:pPr algn="ctr"/>
             <a:r>
+              <a:rPr lang="fr-FR" sz="1200" dirty="0" smtClean="0">
+                <a:solidFill>
+                  <a:srgbClr val="FDAD57"/>
+                </a:solidFill>
+                <a:latin typeface="Arial Nova" panose="020B0504020202020204" pitchFamily="34" charset="0"/>
+              </a:rPr>
+              <a:t>Transformateur Alimentation </a:t>
+            </a:r>
+            <a:r>
               <a:rPr lang="fr-FR" sz="1200" dirty="0">
                 <a:solidFill>
                   <a:srgbClr val="FDAD57"/>
                 </a:solidFill>
                 <a:latin typeface="Arial Nova" panose="020B0504020202020204" pitchFamily="34" charset="0"/>
               </a:rPr>
-              <a:t>Alimentation 24 V</a:t>
+              <a:t>24 V</a:t>
             </a:r>
           </a:p>
         </p:txBody>
@@ -9658,36 +10825,6 @@
           </p:spPr>
         </p:pic>
       </p:grpSp>
-      <p:pic>
-        <p:nvPicPr>
-          <p:cNvPr id="39" name="Image 38">
-            <a:extLst>
-              <a:ext uri="{FF2B5EF4-FFF2-40B4-BE49-F238E27FC236}">
-                <a16:creationId xmlns:a16="http://schemas.microsoft.com/office/drawing/2014/main" id="{E3A983DC-8604-4428-90A0-1BAE06DE62C3}"/>
-              </a:ext>
-            </a:extLst>
-          </p:cNvPr>
-          <p:cNvPicPr>
-            <a:picLocks noChangeAspect="1"/>
-          </p:cNvPicPr>
-          <p:nvPr/>
-        </p:nvPicPr>
-        <p:blipFill>
-          <a:blip r:embed="rId7"/>
-          <a:stretch>
-            <a:fillRect/>
-          </a:stretch>
-        </p:blipFill>
-        <p:spPr>
-          <a:xfrm>
-            <a:off x="498044" y="3561065"/>
-            <a:ext cx="360000" cy="360000"/>
-          </a:xfrm>
-          <a:prstGeom prst="rect">
-            <a:avLst/>
-          </a:prstGeom>
-        </p:spPr>
-      </p:pic>
       <p:pic>
         <p:nvPicPr>
           <p:cNvPr id="40" name="Image 39">
@@ -10657,7 +11794,7 @@
           <p:spPr>
             <a:xfrm>
               <a:off x="9075408" y="2802701"/>
-              <a:ext cx="1473718" cy="307777"/>
+              <a:ext cx="1473718" cy="276999"/>
             </a:xfrm>
             <a:prstGeom prst="rect">
               <a:avLst/>
@@ -10674,7 +11811,7 @@
             <a:lstStyle/>
             <a:p>
               <a:r>
-                <a:rPr lang="fr-FR" sz="1400" dirty="0">
+                <a:rPr lang="fr-FR" sz="1200" dirty="0">
                   <a:solidFill>
                     <a:schemeClr val="bg1"/>
                   </a:solidFill>
@@ -10909,6 +12046,1318 @@
           </p:spPr>
         </p:pic>
       </p:grpSp>
+      <p:grpSp>
+        <p:nvGrpSpPr>
+          <p:cNvPr id="69" name="Groupe 68">
+            <a:extLst>
+              <a:ext uri="{FF2B5EF4-FFF2-40B4-BE49-F238E27FC236}">
+                <a16:creationId xmlns:a16="http://schemas.microsoft.com/office/drawing/2014/main" id="{5202B1D4-055A-07CA-8794-21933E87169F}"/>
+              </a:ext>
+            </a:extLst>
+          </p:cNvPr>
+          <p:cNvGrpSpPr/>
+          <p:nvPr/>
+        </p:nvGrpSpPr>
+        <p:grpSpPr>
+          <a:xfrm>
+            <a:off x="10702146" y="3468253"/>
+            <a:ext cx="252000" cy="252000"/>
+            <a:chOff x="7467428" y="2677562"/>
+            <a:chExt cx="1800000" cy="1800000"/>
+          </a:xfrm>
+        </p:grpSpPr>
+        <p:sp>
+          <p:nvSpPr>
+            <p:cNvPr id="70" name="Ellipse 69">
+              <a:extLst>
+                <a:ext uri="{FF2B5EF4-FFF2-40B4-BE49-F238E27FC236}">
+                  <a16:creationId xmlns:a16="http://schemas.microsoft.com/office/drawing/2014/main" id="{FF887CC4-5FBD-DBA0-C24F-8155E397552A}"/>
+                </a:ext>
+              </a:extLst>
+            </p:cNvPr>
+            <p:cNvSpPr/>
+            <p:nvPr/>
+          </p:nvSpPr>
+          <p:spPr>
+            <a:xfrm>
+              <a:off x="7467428" y="2677562"/>
+              <a:ext cx="1800000" cy="1800000"/>
+            </a:xfrm>
+            <a:prstGeom prst="ellipse">
+              <a:avLst/>
+            </a:prstGeom>
+            <a:solidFill>
+              <a:srgbClr val="00517A"/>
+            </a:solidFill>
+            <a:ln>
+              <a:noFill/>
+            </a:ln>
+          </p:spPr>
+          <p:style>
+            <a:lnRef idx="2">
+              <a:schemeClr val="accent1">
+                <a:shade val="50000"/>
+              </a:schemeClr>
+            </a:lnRef>
+            <a:fillRef idx="1">
+              <a:schemeClr val="accent1"/>
+            </a:fillRef>
+            <a:effectRef idx="0">
+              <a:schemeClr val="accent1"/>
+            </a:effectRef>
+            <a:fontRef idx="minor">
+              <a:schemeClr val="lt1"/>
+            </a:fontRef>
+          </p:style>
+          <p:txBody>
+            <a:bodyPr rtlCol="0" anchor="ctr"/>
+            <a:lstStyle/>
+            <a:p>
+              <a:pPr algn="ctr"/>
+              <a:endParaRPr lang="fr-FR" dirty="0"/>
+            </a:p>
+          </p:txBody>
+        </p:sp>
+        <p:pic>
+          <p:nvPicPr>
+            <p:cNvPr id="77" name="Image 76">
+              <a:extLst>
+                <a:ext uri="{FF2B5EF4-FFF2-40B4-BE49-F238E27FC236}">
+                  <a16:creationId xmlns:a16="http://schemas.microsoft.com/office/drawing/2014/main" id="{766B02CD-075E-8928-231C-7C38AF5FD8ED}"/>
+                </a:ext>
+              </a:extLst>
+            </p:cNvPr>
+            <p:cNvPicPr>
+              <a:picLocks noChangeAspect="1"/>
+            </p:cNvPicPr>
+            <p:nvPr/>
+          </p:nvPicPr>
+          <p:blipFill>
+            <a:blip r:embed="rId13"/>
+            <a:stretch>
+              <a:fillRect/>
+            </a:stretch>
+          </p:blipFill>
+          <p:spPr>
+            <a:xfrm>
+              <a:off x="7567027" y="2784504"/>
+              <a:ext cx="1592444" cy="1592444"/>
+            </a:xfrm>
+            <a:prstGeom prst="rect">
+              <a:avLst/>
+            </a:prstGeom>
+          </p:spPr>
+        </p:pic>
+      </p:grpSp>
+      <p:grpSp>
+        <p:nvGrpSpPr>
+          <p:cNvPr id="78" name="Groupe 77">
+            <a:extLst>
+              <a:ext uri="{FF2B5EF4-FFF2-40B4-BE49-F238E27FC236}">
+                <a16:creationId xmlns:a16="http://schemas.microsoft.com/office/drawing/2014/main" id="{3A27BA98-37D0-071E-0034-A8F152781DA2}"/>
+              </a:ext>
+            </a:extLst>
+          </p:cNvPr>
+          <p:cNvGrpSpPr/>
+          <p:nvPr/>
+        </p:nvGrpSpPr>
+        <p:grpSpPr>
+          <a:xfrm>
+            <a:off x="6613513" y="4433721"/>
+            <a:ext cx="216000" cy="216000"/>
+            <a:chOff x="5404964" y="4396133"/>
+            <a:chExt cx="1800000" cy="1800000"/>
+          </a:xfrm>
+        </p:grpSpPr>
+        <p:sp>
+          <p:nvSpPr>
+            <p:cNvPr id="79" name="Ellipse 78">
+              <a:extLst>
+                <a:ext uri="{FF2B5EF4-FFF2-40B4-BE49-F238E27FC236}">
+                  <a16:creationId xmlns:a16="http://schemas.microsoft.com/office/drawing/2014/main" id="{AF6059D3-A447-3650-DBB0-E43A01137737}"/>
+                </a:ext>
+              </a:extLst>
+            </p:cNvPr>
+            <p:cNvSpPr/>
+            <p:nvPr/>
+          </p:nvSpPr>
+          <p:spPr>
+            <a:xfrm>
+              <a:off x="5404964" y="4396133"/>
+              <a:ext cx="1800000" cy="1800000"/>
+            </a:xfrm>
+            <a:prstGeom prst="ellipse">
+              <a:avLst/>
+            </a:prstGeom>
+            <a:solidFill>
+              <a:srgbClr val="00517A"/>
+            </a:solidFill>
+            <a:ln>
+              <a:noFill/>
+            </a:ln>
+          </p:spPr>
+          <p:style>
+            <a:lnRef idx="2">
+              <a:schemeClr val="accent1">
+                <a:shade val="50000"/>
+              </a:schemeClr>
+            </a:lnRef>
+            <a:fillRef idx="1">
+              <a:schemeClr val="accent1"/>
+            </a:fillRef>
+            <a:effectRef idx="0">
+              <a:schemeClr val="accent1"/>
+            </a:effectRef>
+            <a:fontRef idx="minor">
+              <a:schemeClr val="lt1"/>
+            </a:fontRef>
+          </p:style>
+          <p:txBody>
+            <a:bodyPr rtlCol="0" anchor="ctr"/>
+            <a:lstStyle/>
+            <a:p>
+              <a:pPr algn="ctr"/>
+              <a:endParaRPr lang="fr-FR"/>
+            </a:p>
+          </p:txBody>
+        </p:sp>
+        <p:pic>
+          <p:nvPicPr>
+            <p:cNvPr id="80" name="Image 79">
+              <a:extLst>
+                <a:ext uri="{FF2B5EF4-FFF2-40B4-BE49-F238E27FC236}">
+                  <a16:creationId xmlns:a16="http://schemas.microsoft.com/office/drawing/2014/main" id="{A6CDBBC0-D3DC-F349-2C16-BF936D04FE5D}"/>
+                </a:ext>
+              </a:extLst>
+            </p:cNvPr>
+            <p:cNvPicPr>
+              <a:picLocks noChangeAspect="1"/>
+            </p:cNvPicPr>
+            <p:nvPr/>
+          </p:nvPicPr>
+          <p:blipFill>
+            <a:blip r:embed="rId2"/>
+            <a:stretch>
+              <a:fillRect/>
+            </a:stretch>
+          </p:blipFill>
+          <p:spPr>
+            <a:xfrm>
+              <a:off x="5543445" y="4536296"/>
+              <a:ext cx="1358232" cy="1440000"/>
+            </a:xfrm>
+            <a:prstGeom prst="rect">
+              <a:avLst/>
+            </a:prstGeom>
+          </p:spPr>
+        </p:pic>
+      </p:grpSp>
+      <p:cxnSp>
+        <p:nvCxnSpPr>
+          <p:cNvPr id="81" name="Connecteur droit avec flèche 80">
+            <a:extLst>
+              <a:ext uri="{FF2B5EF4-FFF2-40B4-BE49-F238E27FC236}">
+                <a16:creationId xmlns:a16="http://schemas.microsoft.com/office/drawing/2014/main" id="{56F184E9-809A-A3C9-1755-4F6B9B443CD7}"/>
+              </a:ext>
+            </a:extLst>
+          </p:cNvPr>
+          <p:cNvCxnSpPr>
+            <a:cxnSpLocks/>
+          </p:cNvCxnSpPr>
+          <p:nvPr/>
+        </p:nvCxnSpPr>
+        <p:spPr>
+          <a:xfrm>
+            <a:off x="203217" y="1884363"/>
+            <a:ext cx="351246" cy="0"/>
+          </a:xfrm>
+          <a:prstGeom prst="straightConnector1">
+            <a:avLst/>
+          </a:prstGeom>
+          <a:ln w="25400" cap="rnd">
+            <a:solidFill>
+              <a:srgbClr val="004F77"/>
+            </a:solidFill>
+            <a:tailEnd type="triangle" w="med" len="lg"/>
+          </a:ln>
+        </p:spPr>
+        <p:style>
+          <a:lnRef idx="1">
+            <a:schemeClr val="accent1"/>
+          </a:lnRef>
+          <a:fillRef idx="0">
+            <a:schemeClr val="accent1"/>
+          </a:fillRef>
+          <a:effectRef idx="0">
+            <a:schemeClr val="accent1"/>
+          </a:effectRef>
+          <a:fontRef idx="minor">
+            <a:schemeClr val="tx1"/>
+          </a:fontRef>
+        </p:style>
+      </p:cxnSp>
+      <p:cxnSp>
+        <p:nvCxnSpPr>
+          <p:cNvPr id="82" name="Connecteur droit avec flèche 81">
+            <a:extLst>
+              <a:ext uri="{FF2B5EF4-FFF2-40B4-BE49-F238E27FC236}">
+                <a16:creationId xmlns:a16="http://schemas.microsoft.com/office/drawing/2014/main" id="{56F184E9-809A-A3C9-1755-4F6B9B443CD7}"/>
+              </a:ext>
+            </a:extLst>
+          </p:cNvPr>
+          <p:cNvCxnSpPr>
+            <a:cxnSpLocks/>
+          </p:cNvCxnSpPr>
+          <p:nvPr/>
+        </p:nvCxnSpPr>
+        <p:spPr>
+          <a:xfrm flipV="1">
+            <a:off x="203217" y="1903819"/>
+            <a:ext cx="0" cy="2979911"/>
+          </a:xfrm>
+          <a:prstGeom prst="straightConnector1">
+            <a:avLst/>
+          </a:prstGeom>
+          <a:ln w="25400" cap="rnd">
+            <a:solidFill>
+              <a:srgbClr val="004F77"/>
+            </a:solidFill>
+            <a:headEnd type="none" w="med" len="med"/>
+            <a:tailEnd type="none" w="med" len="med"/>
+          </a:ln>
+        </p:spPr>
+        <p:style>
+          <a:lnRef idx="1">
+            <a:schemeClr val="accent1"/>
+          </a:lnRef>
+          <a:fillRef idx="0">
+            <a:schemeClr val="accent1"/>
+          </a:fillRef>
+          <a:effectRef idx="0">
+            <a:schemeClr val="accent1"/>
+          </a:effectRef>
+          <a:fontRef idx="minor">
+            <a:schemeClr val="tx1"/>
+          </a:fontRef>
+        </p:style>
+      </p:cxnSp>
+      <p:cxnSp>
+        <p:nvCxnSpPr>
+          <p:cNvPr id="83" name="Connecteur droit avec flèche 82">
+            <a:extLst>
+              <a:ext uri="{FF2B5EF4-FFF2-40B4-BE49-F238E27FC236}">
+                <a16:creationId xmlns:a16="http://schemas.microsoft.com/office/drawing/2014/main" id="{56F184E9-809A-A3C9-1755-4F6B9B443CD7}"/>
+              </a:ext>
+            </a:extLst>
+          </p:cNvPr>
+          <p:cNvCxnSpPr>
+            <a:cxnSpLocks/>
+          </p:cNvCxnSpPr>
+          <p:nvPr/>
+        </p:nvCxnSpPr>
+        <p:spPr>
+          <a:xfrm>
+            <a:off x="203217" y="4883730"/>
+            <a:ext cx="6523916" cy="0"/>
+          </a:xfrm>
+          <a:prstGeom prst="straightConnector1">
+            <a:avLst/>
+          </a:prstGeom>
+          <a:ln w="25400" cap="rnd">
+            <a:solidFill>
+              <a:srgbClr val="004F77"/>
+            </a:solidFill>
+            <a:headEnd type="none" w="med" len="med"/>
+            <a:tailEnd type="none" w="med" len="med"/>
+          </a:ln>
+        </p:spPr>
+        <p:style>
+          <a:lnRef idx="1">
+            <a:schemeClr val="accent1"/>
+          </a:lnRef>
+          <a:fillRef idx="0">
+            <a:schemeClr val="accent1"/>
+          </a:fillRef>
+          <a:effectRef idx="0">
+            <a:schemeClr val="accent1"/>
+          </a:effectRef>
+          <a:fontRef idx="minor">
+            <a:schemeClr val="tx1"/>
+          </a:fontRef>
+        </p:style>
+      </p:cxnSp>
+      <p:cxnSp>
+        <p:nvCxnSpPr>
+          <p:cNvPr id="84" name="Connecteur droit avec flèche 83">
+            <a:extLst>
+              <a:ext uri="{FF2B5EF4-FFF2-40B4-BE49-F238E27FC236}">
+                <a16:creationId xmlns:a16="http://schemas.microsoft.com/office/drawing/2014/main" id="{56F184E9-809A-A3C9-1755-4F6B9B443CD7}"/>
+              </a:ext>
+            </a:extLst>
+          </p:cNvPr>
+          <p:cNvCxnSpPr>
+            <a:cxnSpLocks/>
+          </p:cNvCxnSpPr>
+          <p:nvPr/>
+        </p:nvCxnSpPr>
+        <p:spPr>
+          <a:xfrm flipV="1">
+            <a:off x="6727133" y="4641307"/>
+            <a:ext cx="0" cy="242423"/>
+          </a:xfrm>
+          <a:prstGeom prst="straightConnector1">
+            <a:avLst/>
+          </a:prstGeom>
+          <a:ln w="25400" cap="rnd">
+            <a:solidFill>
+              <a:srgbClr val="004F77"/>
+            </a:solidFill>
+            <a:headEnd type="none" w="med" len="med"/>
+            <a:tailEnd type="none" w="med" len="med"/>
+          </a:ln>
+        </p:spPr>
+        <p:style>
+          <a:lnRef idx="1">
+            <a:schemeClr val="accent1"/>
+          </a:lnRef>
+          <a:fillRef idx="0">
+            <a:schemeClr val="accent1"/>
+          </a:fillRef>
+          <a:effectRef idx="0">
+            <a:schemeClr val="accent1"/>
+          </a:effectRef>
+          <a:fontRef idx="minor">
+            <a:schemeClr val="tx1"/>
+          </a:fontRef>
+        </p:style>
+      </p:cxnSp>
+      <p:cxnSp>
+        <p:nvCxnSpPr>
+          <p:cNvPr id="85" name="Connecteur droit avec flèche 84">
+            <a:extLst>
+              <a:ext uri="{FF2B5EF4-FFF2-40B4-BE49-F238E27FC236}">
+                <a16:creationId xmlns:a16="http://schemas.microsoft.com/office/drawing/2014/main" id="{56F184E9-809A-A3C9-1755-4F6B9B443CD7}"/>
+              </a:ext>
+            </a:extLst>
+          </p:cNvPr>
+          <p:cNvCxnSpPr>
+            <a:cxnSpLocks/>
+          </p:cNvCxnSpPr>
+          <p:nvPr/>
+        </p:nvCxnSpPr>
+        <p:spPr>
+          <a:xfrm flipV="1">
+            <a:off x="10879297" y="1187777"/>
+            <a:ext cx="0" cy="2280477"/>
+          </a:xfrm>
+          <a:prstGeom prst="straightConnector1">
+            <a:avLst/>
+          </a:prstGeom>
+          <a:ln w="25400" cap="rnd">
+            <a:solidFill>
+              <a:srgbClr val="004F77"/>
+            </a:solidFill>
+            <a:headEnd type="none" w="med" len="med"/>
+            <a:tailEnd type="none" w="med" len="med"/>
+          </a:ln>
+        </p:spPr>
+        <p:style>
+          <a:lnRef idx="1">
+            <a:schemeClr val="accent1"/>
+          </a:lnRef>
+          <a:fillRef idx="0">
+            <a:schemeClr val="accent1"/>
+          </a:fillRef>
+          <a:effectRef idx="0">
+            <a:schemeClr val="accent1"/>
+          </a:effectRef>
+          <a:fontRef idx="minor">
+            <a:schemeClr val="tx1"/>
+          </a:fontRef>
+        </p:style>
+      </p:cxnSp>
+      <p:cxnSp>
+        <p:nvCxnSpPr>
+          <p:cNvPr id="86" name="Connecteur droit avec flèche 85">
+            <a:extLst>
+              <a:ext uri="{FF2B5EF4-FFF2-40B4-BE49-F238E27FC236}">
+                <a16:creationId xmlns:a16="http://schemas.microsoft.com/office/drawing/2014/main" id="{56F184E9-809A-A3C9-1755-4F6B9B443CD7}"/>
+              </a:ext>
+            </a:extLst>
+          </p:cNvPr>
+          <p:cNvCxnSpPr>
+            <a:cxnSpLocks/>
+          </p:cNvCxnSpPr>
+          <p:nvPr/>
+        </p:nvCxnSpPr>
+        <p:spPr>
+          <a:xfrm>
+            <a:off x="211404" y="1187777"/>
+            <a:ext cx="10667893" cy="0"/>
+          </a:xfrm>
+          <a:prstGeom prst="straightConnector1">
+            <a:avLst/>
+          </a:prstGeom>
+          <a:ln w="25400" cap="rnd">
+            <a:solidFill>
+              <a:srgbClr val="004F77"/>
+            </a:solidFill>
+            <a:headEnd type="none" w="med" len="med"/>
+            <a:tailEnd type="none" w="med" len="med"/>
+          </a:ln>
+        </p:spPr>
+        <p:style>
+          <a:lnRef idx="1">
+            <a:schemeClr val="accent1"/>
+          </a:lnRef>
+          <a:fillRef idx="0">
+            <a:schemeClr val="accent1"/>
+          </a:fillRef>
+          <a:effectRef idx="0">
+            <a:schemeClr val="accent1"/>
+          </a:effectRef>
+          <a:fontRef idx="minor">
+            <a:schemeClr val="tx1"/>
+          </a:fontRef>
+        </p:style>
+      </p:cxnSp>
+      <p:cxnSp>
+        <p:nvCxnSpPr>
+          <p:cNvPr id="87" name="Connecteur droit avec flèche 86">
+            <a:extLst>
+              <a:ext uri="{FF2B5EF4-FFF2-40B4-BE49-F238E27FC236}">
+                <a16:creationId xmlns:a16="http://schemas.microsoft.com/office/drawing/2014/main" id="{56F184E9-809A-A3C9-1755-4F6B9B443CD7}"/>
+              </a:ext>
+            </a:extLst>
+          </p:cNvPr>
+          <p:cNvCxnSpPr>
+            <a:cxnSpLocks/>
+          </p:cNvCxnSpPr>
+          <p:nvPr/>
+        </p:nvCxnSpPr>
+        <p:spPr>
+          <a:xfrm>
+            <a:off x="218178" y="1722751"/>
+            <a:ext cx="351246" cy="0"/>
+          </a:xfrm>
+          <a:prstGeom prst="straightConnector1">
+            <a:avLst/>
+          </a:prstGeom>
+          <a:ln w="25400" cap="rnd">
+            <a:solidFill>
+              <a:srgbClr val="004F77"/>
+            </a:solidFill>
+            <a:tailEnd type="triangle" w="med" len="lg"/>
+          </a:ln>
+        </p:spPr>
+        <p:style>
+          <a:lnRef idx="1">
+            <a:schemeClr val="accent1"/>
+          </a:lnRef>
+          <a:fillRef idx="0">
+            <a:schemeClr val="accent1"/>
+          </a:fillRef>
+          <a:effectRef idx="0">
+            <a:schemeClr val="accent1"/>
+          </a:effectRef>
+          <a:fontRef idx="minor">
+            <a:schemeClr val="tx1"/>
+          </a:fontRef>
+        </p:style>
+      </p:cxnSp>
+      <p:cxnSp>
+        <p:nvCxnSpPr>
+          <p:cNvPr id="88" name="Connecteur droit avec flèche 87">
+            <a:extLst>
+              <a:ext uri="{FF2B5EF4-FFF2-40B4-BE49-F238E27FC236}">
+                <a16:creationId xmlns:a16="http://schemas.microsoft.com/office/drawing/2014/main" id="{56F184E9-809A-A3C9-1755-4F6B9B443CD7}"/>
+              </a:ext>
+            </a:extLst>
+          </p:cNvPr>
+          <p:cNvCxnSpPr>
+            <a:cxnSpLocks/>
+          </p:cNvCxnSpPr>
+          <p:nvPr/>
+        </p:nvCxnSpPr>
+        <p:spPr>
+          <a:xfrm flipV="1">
+            <a:off x="211404" y="1187777"/>
+            <a:ext cx="0" cy="534975"/>
+          </a:xfrm>
+          <a:prstGeom prst="straightConnector1">
+            <a:avLst/>
+          </a:prstGeom>
+          <a:ln w="25400" cap="rnd">
+            <a:solidFill>
+              <a:srgbClr val="004F77"/>
+            </a:solidFill>
+            <a:headEnd type="none" w="med" len="med"/>
+            <a:tailEnd type="none" w="med" len="med"/>
+          </a:ln>
+        </p:spPr>
+        <p:style>
+          <a:lnRef idx="1">
+            <a:schemeClr val="accent1"/>
+          </a:lnRef>
+          <a:fillRef idx="0">
+            <a:schemeClr val="accent1"/>
+          </a:fillRef>
+          <a:effectRef idx="0">
+            <a:schemeClr val="accent1"/>
+          </a:effectRef>
+          <a:fontRef idx="minor">
+            <a:schemeClr val="tx1"/>
+          </a:fontRef>
+        </p:style>
+      </p:cxnSp>
+      <p:pic>
+        <p:nvPicPr>
+          <p:cNvPr id="89" name="Image 88">
+            <a:extLst>
+              <a:ext uri="{FF2B5EF4-FFF2-40B4-BE49-F238E27FC236}">
+                <a16:creationId xmlns:a16="http://schemas.microsoft.com/office/drawing/2014/main" id="{C17A8E59-00CE-32B0-C02D-92B62C4C132A}"/>
+              </a:ext>
+            </a:extLst>
+          </p:cNvPr>
+          <p:cNvPicPr>
+            <a:picLocks noChangeAspect="1"/>
+          </p:cNvPicPr>
+          <p:nvPr/>
+        </p:nvPicPr>
+        <p:blipFill>
+          <a:blip r:embed="rId3"/>
+          <a:stretch>
+            <a:fillRect/>
+          </a:stretch>
+        </p:blipFill>
+        <p:spPr>
+          <a:xfrm>
+            <a:off x="6418323" y="4775512"/>
+            <a:ext cx="252000" cy="88078"/>
+          </a:xfrm>
+          <a:prstGeom prst="rect">
+            <a:avLst/>
+          </a:prstGeom>
+        </p:spPr>
+      </p:pic>
+      <p:pic>
+        <p:nvPicPr>
+          <p:cNvPr id="90" name="Image 89">
+            <a:extLst>
+              <a:ext uri="{FF2B5EF4-FFF2-40B4-BE49-F238E27FC236}">
+                <a16:creationId xmlns:a16="http://schemas.microsoft.com/office/drawing/2014/main" id="{C17A8E59-00CE-32B0-C02D-92B62C4C132A}"/>
+              </a:ext>
+            </a:extLst>
+          </p:cNvPr>
+          <p:cNvPicPr>
+            <a:picLocks noChangeAspect="1"/>
+          </p:cNvPicPr>
+          <p:nvPr/>
+        </p:nvPicPr>
+        <p:blipFill>
+          <a:blip r:embed="rId3"/>
+          <a:stretch>
+            <a:fillRect/>
+          </a:stretch>
+        </p:blipFill>
+        <p:spPr>
+          <a:xfrm>
+            <a:off x="10572424" y="3260464"/>
+            <a:ext cx="252000" cy="88078"/>
+          </a:xfrm>
+          <a:prstGeom prst="rect">
+            <a:avLst/>
+          </a:prstGeom>
+        </p:spPr>
+      </p:pic>
+      <mc:AlternateContent xmlns:mc="http://schemas.openxmlformats.org/markup-compatibility/2006">
+        <mc:Choice xmlns:a14="http://schemas.microsoft.com/office/drawing/2010/main" Requires="a14">
+          <p:sp>
+            <p:nvSpPr>
+              <p:cNvPr id="91" name="ZoneTexte 90"/>
+              <p:cNvSpPr txBox="1"/>
+              <p:nvPr/>
+            </p:nvSpPr>
+            <p:spPr>
+              <a:xfrm>
+                <a:off x="2525337" y="3781040"/>
+                <a:ext cx="638380" cy="161583"/>
+              </a:xfrm>
+              <a:prstGeom prst="rect">
+                <a:avLst/>
+              </a:prstGeom>
+              <a:noFill/>
+            </p:spPr>
+            <p:txBody>
+              <a:bodyPr wrap="none" lIns="0" tIns="0" rIns="0" bIns="0" rtlCol="0">
+                <a:spAutoFit/>
+              </a:bodyPr>
+              <a:lstStyle/>
+              <a:p>
+                <a14:m>
+                  <m:oMathPara xmlns:m="http://schemas.openxmlformats.org/officeDocument/2006/math">
+                    <m:oMathParaPr>
+                      <m:jc m:val="centerGroup"/>
+                    </m:oMathParaPr>
+                    <m:oMath xmlns:m="http://schemas.openxmlformats.org/officeDocument/2006/math">
+                      <m:sSub>
+                        <m:sSubPr>
+                          <m:ctrlPr>
+                            <a:rPr lang="fr-FR" sz="1050" b="0" i="1" smtClean="0">
+                              <a:latin typeface="Cambria Math" panose="02040503050406030204" pitchFamily="18" charset="0"/>
+                              <a:ea typeface="Cambria Math" panose="02040503050406030204" pitchFamily="18" charset="0"/>
+                            </a:rPr>
+                          </m:ctrlPr>
+                        </m:sSubPr>
+                        <m:e>
+                          <m:r>
+                            <a:rPr lang="fr-FR" sz="1050" i="1" smtClean="0">
+                              <a:latin typeface="Cambria Math" panose="02040503050406030204" pitchFamily="18" charset="0"/>
+                              <a:ea typeface="Cambria Math" panose="02040503050406030204" pitchFamily="18" charset="0"/>
+                            </a:rPr>
+                            <m:t>𝒫</m:t>
+                          </m:r>
+                        </m:e>
+                        <m:sub>
+                          <m:r>
+                            <a:rPr lang="fr-FR" sz="1050" b="0" i="1" smtClean="0">
+                              <a:latin typeface="Cambria Math" panose="02040503050406030204" pitchFamily="18" charset="0"/>
+                              <a:ea typeface="Cambria Math" panose="02040503050406030204" pitchFamily="18" charset="0"/>
+                            </a:rPr>
+                            <m:t>𝑒𝑙𝑒𝑐</m:t>
+                          </m:r>
+                        </m:sub>
+                      </m:sSub>
+                      <m:r>
+                        <a:rPr lang="fr-FR" sz="1050" b="0" i="1" smtClean="0">
+                          <a:latin typeface="Cambria Math" panose="02040503050406030204" pitchFamily="18" charset="0"/>
+                          <a:ea typeface="Cambria Math" panose="02040503050406030204" pitchFamily="18" charset="0"/>
+                        </a:rPr>
+                        <m:t>=</m:t>
+                      </m:r>
+                      <m:r>
+                        <a:rPr lang="fr-FR" sz="1050" b="0" i="1" smtClean="0">
+                          <a:latin typeface="Cambria Math" panose="02040503050406030204" pitchFamily="18" charset="0"/>
+                          <a:ea typeface="Cambria Math" panose="02040503050406030204" pitchFamily="18" charset="0"/>
+                        </a:rPr>
+                        <m:t>𝑈𝐼</m:t>
+                      </m:r>
+                    </m:oMath>
+                  </m:oMathPara>
+                </a14:m>
+                <a:endParaRPr lang="fr-FR" sz="1050" dirty="0"/>
+              </a:p>
+            </p:txBody>
+          </p:sp>
+        </mc:Choice>
+        <mc:Fallback>
+          <p:sp>
+            <p:nvSpPr>
+              <p:cNvPr id="91" name="ZoneTexte 90"/>
+              <p:cNvSpPr txBox="1">
+                <a:spLocks noRot="1" noChangeAspect="1" noMove="1" noResize="1" noEditPoints="1" noAdjustHandles="1" noChangeArrowheads="1" noChangeShapeType="1" noTextEdit="1"/>
+              </p:cNvSpPr>
+              <p:nvPr/>
+            </p:nvSpPr>
+            <p:spPr>
+              <a:xfrm>
+                <a:off x="2525337" y="3781040"/>
+                <a:ext cx="638380" cy="161583"/>
+              </a:xfrm>
+              <a:prstGeom prst="rect">
+                <a:avLst/>
+              </a:prstGeom>
+              <a:blipFill>
+                <a:blip r:embed="rId14"/>
+                <a:stretch>
+                  <a:fillRect l="-4762" r="-3810" b="-14815"/>
+                </a:stretch>
+              </a:blipFill>
+            </p:spPr>
+            <p:txBody>
+              <a:bodyPr/>
+              <a:lstStyle/>
+              <a:p>
+                <a:r>
+                  <a:rPr lang="fr-FR">
+                    <a:noFill/>
+                  </a:rPr>
+                  <a:t> </a:t>
+                </a:r>
+              </a:p>
+            </p:txBody>
+          </p:sp>
+        </mc:Fallback>
+      </mc:AlternateContent>
+      <mc:AlternateContent xmlns:mc="http://schemas.openxmlformats.org/markup-compatibility/2006">
+        <mc:Choice xmlns:a14="http://schemas.microsoft.com/office/drawing/2010/main" Requires="a14">
+          <p:sp>
+            <p:nvSpPr>
+              <p:cNvPr id="92" name="ZoneTexte 91"/>
+              <p:cNvSpPr txBox="1"/>
+              <p:nvPr/>
+            </p:nvSpPr>
+            <p:spPr>
+              <a:xfrm>
+                <a:off x="4694878" y="3733222"/>
+                <a:ext cx="638380" cy="161583"/>
+              </a:xfrm>
+              <a:prstGeom prst="rect">
+                <a:avLst/>
+              </a:prstGeom>
+              <a:noFill/>
+            </p:spPr>
+            <p:txBody>
+              <a:bodyPr wrap="none" lIns="0" tIns="0" rIns="0" bIns="0" rtlCol="0">
+                <a:spAutoFit/>
+              </a:bodyPr>
+              <a:lstStyle/>
+              <a:p>
+                <a14:m>
+                  <m:oMathPara xmlns:m="http://schemas.openxmlformats.org/officeDocument/2006/math">
+                    <m:oMathParaPr>
+                      <m:jc m:val="centerGroup"/>
+                    </m:oMathParaPr>
+                    <m:oMath xmlns:m="http://schemas.openxmlformats.org/officeDocument/2006/math">
+                      <m:sSub>
+                        <m:sSubPr>
+                          <m:ctrlPr>
+                            <a:rPr lang="fr-FR" sz="1050" b="0" i="1" smtClean="0">
+                              <a:latin typeface="Cambria Math" panose="02040503050406030204" pitchFamily="18" charset="0"/>
+                              <a:ea typeface="Cambria Math" panose="02040503050406030204" pitchFamily="18" charset="0"/>
+                            </a:rPr>
+                          </m:ctrlPr>
+                        </m:sSubPr>
+                        <m:e>
+                          <m:r>
+                            <a:rPr lang="fr-FR" sz="1050" i="1" smtClean="0">
+                              <a:latin typeface="Cambria Math" panose="02040503050406030204" pitchFamily="18" charset="0"/>
+                              <a:ea typeface="Cambria Math" panose="02040503050406030204" pitchFamily="18" charset="0"/>
+                            </a:rPr>
+                            <m:t>𝒫</m:t>
+                          </m:r>
+                        </m:e>
+                        <m:sub>
+                          <m:r>
+                            <a:rPr lang="fr-FR" sz="1050" b="0" i="1" smtClean="0">
+                              <a:latin typeface="Cambria Math" panose="02040503050406030204" pitchFamily="18" charset="0"/>
+                              <a:ea typeface="Cambria Math" panose="02040503050406030204" pitchFamily="18" charset="0"/>
+                            </a:rPr>
+                            <m:t>𝑒𝑙𝑒𝑐</m:t>
+                          </m:r>
+                        </m:sub>
+                      </m:sSub>
+                      <m:r>
+                        <a:rPr lang="fr-FR" sz="1050" b="0" i="1" smtClean="0">
+                          <a:latin typeface="Cambria Math" panose="02040503050406030204" pitchFamily="18" charset="0"/>
+                          <a:ea typeface="Cambria Math" panose="02040503050406030204" pitchFamily="18" charset="0"/>
+                        </a:rPr>
+                        <m:t>=</m:t>
+                      </m:r>
+                      <m:r>
+                        <a:rPr lang="fr-FR" sz="1050" b="0" i="1" smtClean="0">
+                          <a:latin typeface="Cambria Math" panose="02040503050406030204" pitchFamily="18" charset="0"/>
+                          <a:ea typeface="Cambria Math" panose="02040503050406030204" pitchFamily="18" charset="0"/>
+                        </a:rPr>
+                        <m:t>𝑈𝐼</m:t>
+                      </m:r>
+                    </m:oMath>
+                  </m:oMathPara>
+                </a14:m>
+                <a:endParaRPr lang="fr-FR" sz="1050" dirty="0"/>
+              </a:p>
+            </p:txBody>
+          </p:sp>
+        </mc:Choice>
+        <mc:Fallback>
+          <p:sp>
+            <p:nvSpPr>
+              <p:cNvPr id="92" name="ZoneTexte 91"/>
+              <p:cNvSpPr txBox="1">
+                <a:spLocks noRot="1" noChangeAspect="1" noMove="1" noResize="1" noEditPoints="1" noAdjustHandles="1" noChangeArrowheads="1" noChangeShapeType="1" noTextEdit="1"/>
+              </p:cNvSpPr>
+              <p:nvPr/>
+            </p:nvSpPr>
+            <p:spPr>
+              <a:xfrm>
+                <a:off x="4694878" y="3733222"/>
+                <a:ext cx="638380" cy="161583"/>
+              </a:xfrm>
+              <a:prstGeom prst="rect">
+                <a:avLst/>
+              </a:prstGeom>
+              <a:blipFill>
+                <a:blip r:embed="rId14"/>
+                <a:stretch>
+                  <a:fillRect l="-4762" r="-3810" b="-14815"/>
+                </a:stretch>
+              </a:blipFill>
+            </p:spPr>
+            <p:txBody>
+              <a:bodyPr/>
+              <a:lstStyle/>
+              <a:p>
+                <a:r>
+                  <a:rPr lang="fr-FR">
+                    <a:noFill/>
+                  </a:rPr>
+                  <a:t> </a:t>
+                </a:r>
+              </a:p>
+            </p:txBody>
+          </p:sp>
+        </mc:Fallback>
+      </mc:AlternateContent>
+      <mc:AlternateContent xmlns:mc="http://schemas.openxmlformats.org/markup-compatibility/2006">
+        <mc:Choice xmlns:a14="http://schemas.microsoft.com/office/drawing/2010/main" Requires="a14">
+          <p:sp>
+            <p:nvSpPr>
+              <p:cNvPr id="93" name="ZoneTexte 92"/>
+              <p:cNvSpPr txBox="1"/>
+              <p:nvPr/>
+            </p:nvSpPr>
+            <p:spPr>
+              <a:xfrm>
+                <a:off x="6798395" y="3926892"/>
+                <a:ext cx="739818" cy="161583"/>
+              </a:xfrm>
+              <a:prstGeom prst="rect">
+                <a:avLst/>
+              </a:prstGeom>
+              <a:noFill/>
+            </p:spPr>
+            <p:txBody>
+              <a:bodyPr wrap="none" lIns="0" tIns="0" rIns="0" bIns="0" rtlCol="0">
+                <a:spAutoFit/>
+              </a:bodyPr>
+              <a:lstStyle/>
+              <a:p>
+                <a14:m>
+                  <m:oMathPara xmlns:m="http://schemas.openxmlformats.org/officeDocument/2006/math">
+                    <m:oMathParaPr>
+                      <m:jc m:val="centerGroup"/>
+                    </m:oMathParaPr>
+                    <m:oMath xmlns:m="http://schemas.openxmlformats.org/officeDocument/2006/math">
+                      <m:sSub>
+                        <m:sSubPr>
+                          <m:ctrlPr>
+                            <a:rPr lang="fr-FR" sz="1050" b="0" i="1" smtClean="0">
+                              <a:latin typeface="Cambria Math" panose="02040503050406030204" pitchFamily="18" charset="0"/>
+                              <a:ea typeface="Cambria Math" panose="02040503050406030204" pitchFamily="18" charset="0"/>
+                            </a:rPr>
+                          </m:ctrlPr>
+                        </m:sSubPr>
+                        <m:e>
+                          <m:r>
+                            <a:rPr lang="fr-FR" sz="1050" i="1" smtClean="0">
+                              <a:latin typeface="Cambria Math" panose="02040503050406030204" pitchFamily="18" charset="0"/>
+                              <a:ea typeface="Cambria Math" panose="02040503050406030204" pitchFamily="18" charset="0"/>
+                            </a:rPr>
+                            <m:t>𝒫</m:t>
+                          </m:r>
+                        </m:e>
+                        <m:sub>
+                          <m:r>
+                            <a:rPr lang="fr-FR" sz="1050" b="0" i="1" smtClean="0">
+                              <a:latin typeface="Cambria Math" panose="02040503050406030204" pitchFamily="18" charset="0"/>
+                              <a:ea typeface="Cambria Math" panose="02040503050406030204" pitchFamily="18" charset="0"/>
+                            </a:rPr>
+                            <m:t>𝑚</m:t>
+                          </m:r>
+                        </m:sub>
+                      </m:sSub>
+                      <m:r>
+                        <a:rPr lang="fr-FR" sz="1050" b="0" i="1" smtClean="0">
+                          <a:latin typeface="Cambria Math" panose="02040503050406030204" pitchFamily="18" charset="0"/>
+                          <a:ea typeface="Cambria Math" panose="02040503050406030204" pitchFamily="18" charset="0"/>
+                        </a:rPr>
+                        <m:t>=</m:t>
+                      </m:r>
+                      <m:sSub>
+                        <m:sSubPr>
+                          <m:ctrlPr>
+                            <a:rPr lang="fr-FR" sz="1050" b="0" i="1" smtClean="0">
+                              <a:latin typeface="Cambria Math" panose="02040503050406030204" pitchFamily="18" charset="0"/>
+                              <a:ea typeface="Cambria Math" panose="02040503050406030204" pitchFamily="18" charset="0"/>
+                            </a:rPr>
+                          </m:ctrlPr>
+                        </m:sSubPr>
+                        <m:e>
+                          <m:r>
+                            <a:rPr lang="fr-FR" sz="1050" b="0" i="1" smtClean="0">
+                              <a:latin typeface="Cambria Math" panose="02040503050406030204" pitchFamily="18" charset="0"/>
+                              <a:ea typeface="Cambria Math" panose="02040503050406030204" pitchFamily="18" charset="0"/>
+                            </a:rPr>
+                            <m:t>𝐶</m:t>
+                          </m:r>
+                        </m:e>
+                        <m:sub>
+                          <m:r>
+                            <a:rPr lang="fr-FR" sz="1050" b="0" i="1" smtClean="0">
+                              <a:latin typeface="Cambria Math" panose="02040503050406030204" pitchFamily="18" charset="0"/>
+                              <a:ea typeface="Cambria Math" panose="02040503050406030204" pitchFamily="18" charset="0"/>
+                            </a:rPr>
+                            <m:t>𝑚</m:t>
+                          </m:r>
+                        </m:sub>
+                      </m:sSub>
+                      <m:sSub>
+                        <m:sSubPr>
+                          <m:ctrlPr>
+                            <a:rPr lang="fr-FR" sz="1050" b="0" i="1" smtClean="0">
+                              <a:latin typeface="Cambria Math" panose="02040503050406030204" pitchFamily="18" charset="0"/>
+                              <a:ea typeface="Cambria Math" panose="02040503050406030204" pitchFamily="18" charset="0"/>
+                            </a:rPr>
+                          </m:ctrlPr>
+                        </m:sSubPr>
+                        <m:e>
+                          <m:r>
+                            <m:rPr>
+                              <m:sty m:val="p"/>
+                            </m:rPr>
+                            <a:rPr lang="fr-FR" sz="1050" b="0" i="0" smtClean="0">
+                              <a:latin typeface="Cambria Math" panose="02040503050406030204" pitchFamily="18" charset="0"/>
+                              <a:ea typeface="Cambria Math" panose="02040503050406030204" pitchFamily="18" charset="0"/>
+                            </a:rPr>
+                            <m:t>Ω</m:t>
+                          </m:r>
+                        </m:e>
+                        <m:sub>
+                          <m:r>
+                            <a:rPr lang="fr-FR" sz="1050" b="0" i="1" smtClean="0">
+                              <a:latin typeface="Cambria Math" panose="02040503050406030204" pitchFamily="18" charset="0"/>
+                              <a:ea typeface="Cambria Math" panose="02040503050406030204" pitchFamily="18" charset="0"/>
+                            </a:rPr>
+                            <m:t>𝑚</m:t>
+                          </m:r>
+                        </m:sub>
+                      </m:sSub>
+                    </m:oMath>
+                  </m:oMathPara>
+                </a14:m>
+                <a:endParaRPr lang="fr-FR" sz="1050" b="0" dirty="0" smtClean="0">
+                  <a:ea typeface="Cambria Math" panose="02040503050406030204" pitchFamily="18" charset="0"/>
+                </a:endParaRPr>
+              </a:p>
+            </p:txBody>
+          </p:sp>
+        </mc:Choice>
+        <mc:Fallback>
+          <p:sp>
+            <p:nvSpPr>
+              <p:cNvPr id="93" name="ZoneTexte 92"/>
+              <p:cNvSpPr txBox="1">
+                <a:spLocks noRot="1" noChangeAspect="1" noMove="1" noResize="1" noEditPoints="1" noAdjustHandles="1" noChangeArrowheads="1" noChangeShapeType="1" noTextEdit="1"/>
+              </p:cNvSpPr>
+              <p:nvPr/>
+            </p:nvSpPr>
+            <p:spPr>
+              <a:xfrm>
+                <a:off x="6798395" y="3926892"/>
+                <a:ext cx="739818" cy="161583"/>
+              </a:xfrm>
+              <a:prstGeom prst="rect">
+                <a:avLst/>
+              </a:prstGeom>
+              <a:blipFill>
+                <a:blip r:embed="rId15"/>
+                <a:stretch>
+                  <a:fillRect l="-4098" r="-820" b="-11111"/>
+                </a:stretch>
+              </a:blipFill>
+            </p:spPr>
+            <p:txBody>
+              <a:bodyPr/>
+              <a:lstStyle/>
+              <a:p>
+                <a:r>
+                  <a:rPr lang="fr-FR">
+                    <a:noFill/>
+                  </a:rPr>
+                  <a:t> </a:t>
+                </a:r>
+              </a:p>
+            </p:txBody>
+          </p:sp>
+        </mc:Fallback>
+      </mc:AlternateContent>
+      <mc:AlternateContent xmlns:mc="http://schemas.openxmlformats.org/markup-compatibility/2006">
+        <mc:Choice xmlns:a14="http://schemas.microsoft.com/office/drawing/2010/main" Requires="a14">
+          <p:sp>
+            <p:nvSpPr>
+              <p:cNvPr id="94" name="ZoneTexte 93"/>
+              <p:cNvSpPr txBox="1"/>
+              <p:nvPr/>
+            </p:nvSpPr>
+            <p:spPr>
+              <a:xfrm>
+                <a:off x="8960940" y="3956407"/>
+                <a:ext cx="625492" cy="161583"/>
+              </a:xfrm>
+              <a:prstGeom prst="rect">
+                <a:avLst/>
+              </a:prstGeom>
+              <a:noFill/>
+            </p:spPr>
+            <p:txBody>
+              <a:bodyPr wrap="none" lIns="0" tIns="0" rIns="0" bIns="0" rtlCol="0">
+                <a:spAutoFit/>
+              </a:bodyPr>
+              <a:lstStyle/>
+              <a:p>
+                <a14:m>
+                  <m:oMathPara xmlns:m="http://schemas.openxmlformats.org/officeDocument/2006/math">
+                    <m:oMathParaPr>
+                      <m:jc m:val="centerGroup"/>
+                    </m:oMathParaPr>
+                    <m:oMath xmlns:m="http://schemas.openxmlformats.org/officeDocument/2006/math">
+                      <m:sSub>
+                        <m:sSubPr>
+                          <m:ctrlPr>
+                            <a:rPr lang="fr-FR" sz="1050" b="0" i="1" smtClean="0">
+                              <a:latin typeface="Cambria Math" panose="02040503050406030204" pitchFamily="18" charset="0"/>
+                              <a:ea typeface="Cambria Math" panose="02040503050406030204" pitchFamily="18" charset="0"/>
+                            </a:rPr>
+                          </m:ctrlPr>
+                        </m:sSubPr>
+                        <m:e>
+                          <m:r>
+                            <a:rPr lang="fr-FR" sz="1050" i="1" smtClean="0">
+                              <a:latin typeface="Cambria Math" panose="02040503050406030204" pitchFamily="18" charset="0"/>
+                              <a:ea typeface="Cambria Math" panose="02040503050406030204" pitchFamily="18" charset="0"/>
+                            </a:rPr>
+                            <m:t>𝒫</m:t>
+                          </m:r>
+                        </m:e>
+                        <m:sub>
+                          <m:r>
+                            <a:rPr lang="fr-FR" sz="1050" b="0" i="1" smtClean="0">
+                              <a:latin typeface="Cambria Math" panose="02040503050406030204" pitchFamily="18" charset="0"/>
+                              <a:ea typeface="Cambria Math" panose="02040503050406030204" pitchFamily="18" charset="0"/>
+                            </a:rPr>
+                            <m:t>𝑡</m:t>
+                          </m:r>
+                        </m:sub>
+                      </m:sSub>
+                      <m:r>
+                        <a:rPr lang="fr-FR" sz="1050" b="0" i="1" smtClean="0">
+                          <a:latin typeface="Cambria Math" panose="02040503050406030204" pitchFamily="18" charset="0"/>
+                          <a:ea typeface="Cambria Math" panose="02040503050406030204" pitchFamily="18" charset="0"/>
+                        </a:rPr>
+                        <m:t>=</m:t>
+                      </m:r>
+                      <m:sSub>
+                        <m:sSubPr>
+                          <m:ctrlPr>
+                            <a:rPr lang="fr-FR" sz="1050" b="0" i="1" smtClean="0">
+                              <a:latin typeface="Cambria Math" panose="02040503050406030204" pitchFamily="18" charset="0"/>
+                              <a:ea typeface="Cambria Math" panose="02040503050406030204" pitchFamily="18" charset="0"/>
+                            </a:rPr>
+                          </m:ctrlPr>
+                        </m:sSubPr>
+                        <m:e>
+                          <m:r>
+                            <a:rPr lang="fr-FR" sz="1050" b="0" i="1" smtClean="0">
+                              <a:latin typeface="Cambria Math" panose="02040503050406030204" pitchFamily="18" charset="0"/>
+                              <a:ea typeface="Cambria Math" panose="02040503050406030204" pitchFamily="18" charset="0"/>
+                            </a:rPr>
+                            <m:t>𝐶</m:t>
+                          </m:r>
+                        </m:e>
+                        <m:sub>
+                          <m:r>
+                            <a:rPr lang="fr-FR" sz="1050" b="0" i="1" smtClean="0">
+                              <a:latin typeface="Cambria Math" panose="02040503050406030204" pitchFamily="18" charset="0"/>
+                              <a:ea typeface="Cambria Math" panose="02040503050406030204" pitchFamily="18" charset="0"/>
+                            </a:rPr>
+                            <m:t>𝑟</m:t>
+                          </m:r>
+                        </m:sub>
+                      </m:sSub>
+                      <m:sSub>
+                        <m:sSubPr>
+                          <m:ctrlPr>
+                            <a:rPr lang="fr-FR" sz="1050" b="0" i="1" smtClean="0">
+                              <a:latin typeface="Cambria Math" panose="02040503050406030204" pitchFamily="18" charset="0"/>
+                              <a:ea typeface="Cambria Math" panose="02040503050406030204" pitchFamily="18" charset="0"/>
+                            </a:rPr>
+                          </m:ctrlPr>
+                        </m:sSubPr>
+                        <m:e>
+                          <m:r>
+                            <m:rPr>
+                              <m:sty m:val="p"/>
+                            </m:rPr>
+                            <a:rPr lang="fr-FR" sz="1050" b="0" i="0" smtClean="0">
+                              <a:latin typeface="Cambria Math" panose="02040503050406030204" pitchFamily="18" charset="0"/>
+                              <a:ea typeface="Cambria Math" panose="02040503050406030204" pitchFamily="18" charset="0"/>
+                            </a:rPr>
+                            <m:t>Ω</m:t>
+                          </m:r>
+                        </m:e>
+                        <m:sub>
+                          <m:r>
+                            <a:rPr lang="fr-FR" sz="1050" b="0" i="1" smtClean="0">
+                              <a:latin typeface="Cambria Math" panose="02040503050406030204" pitchFamily="18" charset="0"/>
+                              <a:ea typeface="Cambria Math" panose="02040503050406030204" pitchFamily="18" charset="0"/>
+                            </a:rPr>
+                            <m:t>𝑟</m:t>
+                          </m:r>
+                        </m:sub>
+                      </m:sSub>
+                    </m:oMath>
+                  </m:oMathPara>
+                </a14:m>
+                <a:endParaRPr lang="fr-FR" sz="1050" b="0" dirty="0" smtClean="0">
+                  <a:ea typeface="Cambria Math" panose="02040503050406030204" pitchFamily="18" charset="0"/>
+                </a:endParaRPr>
+              </a:p>
+            </p:txBody>
+          </p:sp>
+        </mc:Choice>
+        <mc:Fallback>
+          <p:sp>
+            <p:nvSpPr>
+              <p:cNvPr id="94" name="ZoneTexte 93"/>
+              <p:cNvSpPr txBox="1">
+                <a:spLocks noRot="1" noChangeAspect="1" noMove="1" noResize="1" noEditPoints="1" noAdjustHandles="1" noChangeArrowheads="1" noChangeShapeType="1" noTextEdit="1"/>
+              </p:cNvSpPr>
+              <p:nvPr/>
+            </p:nvSpPr>
+            <p:spPr>
+              <a:xfrm>
+                <a:off x="8960940" y="3956407"/>
+                <a:ext cx="625492" cy="161583"/>
+              </a:xfrm>
+              <a:prstGeom prst="rect">
+                <a:avLst/>
+              </a:prstGeom>
+              <a:blipFill>
+                <a:blip r:embed="rId16"/>
+                <a:stretch>
+                  <a:fillRect l="-4854" b="-14815"/>
+                </a:stretch>
+              </a:blipFill>
+            </p:spPr>
+            <p:txBody>
+              <a:bodyPr/>
+              <a:lstStyle/>
+              <a:p>
+                <a:r>
+                  <a:rPr lang="fr-FR">
+                    <a:noFill/>
+                  </a:rPr>
+                  <a:t> </a:t>
+                </a:r>
+              </a:p>
+            </p:txBody>
+          </p:sp>
+        </mc:Fallback>
+      </mc:AlternateContent>
+      <p:pic>
+        <p:nvPicPr>
+          <p:cNvPr id="95" name="Image 94">
+            <a:extLst>
+              <a:ext uri="{FF2B5EF4-FFF2-40B4-BE49-F238E27FC236}">
+                <a16:creationId xmlns:a16="http://schemas.microsoft.com/office/drawing/2014/main" id="{E3A983DC-8604-4428-90A0-1BAE06DE62C3}"/>
+              </a:ext>
+            </a:extLst>
+          </p:cNvPr>
+          <p:cNvPicPr>
+            <a:picLocks noChangeAspect="1"/>
+          </p:cNvPicPr>
+          <p:nvPr/>
+        </p:nvPicPr>
+        <p:blipFill>
+          <a:blip r:embed="rId7"/>
+          <a:stretch>
+            <a:fillRect/>
+          </a:stretch>
+        </p:blipFill>
+        <p:spPr>
+          <a:xfrm>
+            <a:off x="497333" y="3260167"/>
+            <a:ext cx="360000" cy="360000"/>
+          </a:xfrm>
+          <a:prstGeom prst="rect">
+            <a:avLst/>
+          </a:prstGeom>
+        </p:spPr>
+      </p:pic>
+      <p:cxnSp>
+        <p:nvCxnSpPr>
+          <p:cNvPr id="96" name="Connecteur droit avec flèche 95">
+            <a:extLst>
+              <a:ext uri="{FF2B5EF4-FFF2-40B4-BE49-F238E27FC236}">
+                <a16:creationId xmlns:a16="http://schemas.microsoft.com/office/drawing/2014/main" id="{2A759AA0-F3FD-C26A-60D8-97778FA4410F}"/>
+              </a:ext>
+            </a:extLst>
+          </p:cNvPr>
+          <p:cNvCxnSpPr>
+            <a:cxnSpLocks/>
+          </p:cNvCxnSpPr>
+          <p:nvPr/>
+        </p:nvCxnSpPr>
+        <p:spPr>
+          <a:xfrm flipV="1">
+            <a:off x="324302" y="3707196"/>
+            <a:ext cx="720000" cy="1536"/>
+          </a:xfrm>
+          <a:prstGeom prst="straightConnector1">
+            <a:avLst/>
+          </a:prstGeom>
+          <a:ln w="25400" cap="rnd">
+            <a:solidFill>
+              <a:srgbClr val="FDAD57"/>
+            </a:solidFill>
+            <a:tailEnd type="triangle" w="med" len="lg"/>
+          </a:ln>
+        </p:spPr>
+        <p:style>
+          <a:lnRef idx="1">
+            <a:schemeClr val="accent1"/>
+          </a:lnRef>
+          <a:fillRef idx="0">
+            <a:schemeClr val="accent1"/>
+          </a:fillRef>
+          <a:effectRef idx="0">
+            <a:schemeClr val="accent1"/>
+          </a:effectRef>
+          <a:fontRef idx="minor">
+            <a:schemeClr val="tx1"/>
+          </a:fontRef>
+        </p:style>
+      </p:cxnSp>
+      <p:sp>
+        <p:nvSpPr>
+          <p:cNvPr id="97" name="ZoneTexte 96"/>
+          <p:cNvSpPr txBox="1"/>
+          <p:nvPr/>
+        </p:nvSpPr>
+        <p:spPr>
+          <a:xfrm>
+            <a:off x="329415" y="3755041"/>
+            <a:ext cx="703719" cy="161583"/>
+          </a:xfrm>
+          <a:prstGeom prst="rect">
+            <a:avLst/>
+          </a:prstGeom>
+          <a:noFill/>
+        </p:spPr>
+        <p:txBody>
+          <a:bodyPr wrap="none" lIns="0" tIns="0" rIns="0" bIns="0" rtlCol="0">
+            <a:spAutoFit/>
+          </a:bodyPr>
+          <a:lstStyle/>
+          <a:p>
+            <a:r>
+              <a:rPr lang="fr-FR" sz="1050" dirty="0" smtClean="0"/>
+              <a:t>Prise secteur</a:t>
+            </a:r>
+            <a:endParaRPr lang="fr-FR" sz="1050" dirty="0"/>
+          </a:p>
+        </p:txBody>
+      </p:sp>
     </p:spTree>
     <p:extLst>
       <p:ext uri="{BB962C8B-B14F-4D97-AF65-F5344CB8AC3E}">

--- a/01_BGR_300/01_BGR_300.pptx
+++ b/01_BGR_300/01_BGR_300.pptx
@@ -20,7 +20,7 @@
     <p:sldId id="265" r:id="rId11"/>
   </p:sldIdLst>
   <p:sldSz cx="12192000" cy="6858000"/>
-  <p:notesSz cx="6858000" cy="9144000"/>
+  <p:notesSz cx="7315200" cy="9601200"/>
   <p:defaultTextStyle>
     <a:defPPr>
       <a:defRPr lang="en-US"/>
@@ -173,17 +173,17 @@
         <p:spPr>
           <a:xfrm>
             <a:off x="0" y="0"/>
-            <a:ext cx="2971800" cy="458788"/>
+            <a:ext cx="3169920" cy="481727"/>
           </a:xfrm>
           <a:prstGeom prst="rect">
             <a:avLst/>
           </a:prstGeom>
         </p:spPr>
         <p:txBody>
-          <a:bodyPr vert="horz" lIns="91440" tIns="45720" rIns="91440" bIns="45720" rtlCol="0"/>
+          <a:bodyPr vert="horz" lIns="96661" tIns="48331" rIns="96661" bIns="48331" rtlCol="0"/>
           <a:lstStyle>
             <a:lvl1pPr algn="l">
-              <a:defRPr sz="1200"/>
+              <a:defRPr sz="1300"/>
             </a:lvl1pPr>
           </a:lstStyle>
           <a:p>
@@ -203,24 +203,24 @@
         </p:nvSpPr>
         <p:spPr>
           <a:xfrm>
-            <a:off x="3884613" y="0"/>
-            <a:ext cx="2971800" cy="458788"/>
+            <a:off x="4143587" y="0"/>
+            <a:ext cx="3169920" cy="481727"/>
           </a:xfrm>
           <a:prstGeom prst="rect">
             <a:avLst/>
           </a:prstGeom>
         </p:spPr>
         <p:txBody>
-          <a:bodyPr vert="horz" lIns="91440" tIns="45720" rIns="91440" bIns="45720" rtlCol="0"/>
+          <a:bodyPr vert="horz" lIns="96661" tIns="48331" rIns="96661" bIns="48331" rtlCol="0"/>
           <a:lstStyle>
             <a:lvl1pPr algn="r">
-              <a:defRPr sz="1200"/>
+              <a:defRPr sz="1300"/>
             </a:lvl1pPr>
           </a:lstStyle>
           <a:p>
             <a:fld id="{D157349C-AD05-44FA-B790-D9BBD62C4832}" type="datetimeFigureOut">
               <a:rPr lang="fr-FR" smtClean="0"/>
-              <a:t>04/03/2024</a:t>
+              <a:t>03/06/2024</a:t>
             </a:fld>
             <a:endParaRPr lang="fr-FR"/>
           </a:p>
@@ -238,8 +238,8 @@
         </p:nvSpPr>
         <p:spPr>
           <a:xfrm>
-            <a:off x="685800" y="1143000"/>
-            <a:ext cx="5486400" cy="3086100"/>
+            <a:off x="777875" y="1200150"/>
+            <a:ext cx="5759450" cy="3240088"/>
           </a:xfrm>
           <a:prstGeom prst="rect">
             <a:avLst/>
@@ -252,7 +252,7 @@
           </a:ln>
         </p:spPr>
         <p:txBody>
-          <a:bodyPr vert="horz" lIns="91440" tIns="45720" rIns="91440" bIns="45720" rtlCol="0" anchor="ctr"/>
+          <a:bodyPr vert="horz" lIns="96661" tIns="48331" rIns="96661" bIns="48331" rtlCol="0" anchor="ctr"/>
           <a:lstStyle/>
           <a:p>
             <a:endParaRPr lang="fr-FR"/>
@@ -271,15 +271,15 @@
         </p:nvSpPr>
         <p:spPr>
           <a:xfrm>
-            <a:off x="685800" y="4400550"/>
-            <a:ext cx="5486400" cy="3600450"/>
+            <a:off x="731520" y="4620577"/>
+            <a:ext cx="5852160" cy="3780473"/>
           </a:xfrm>
           <a:prstGeom prst="rect">
             <a:avLst/>
           </a:prstGeom>
         </p:spPr>
         <p:txBody>
-          <a:bodyPr vert="horz" lIns="91440" tIns="45720" rIns="91440" bIns="45720" rtlCol="0"/>
+          <a:bodyPr vert="horz" lIns="96661" tIns="48331" rIns="96661" bIns="48331" rtlCol="0"/>
           <a:lstStyle/>
           <a:p>
             <a:pPr lvl="0"/>
@@ -330,18 +330,18 @@
         </p:nvSpPr>
         <p:spPr>
           <a:xfrm>
-            <a:off x="0" y="8685213"/>
-            <a:ext cx="2971800" cy="458787"/>
+            <a:off x="0" y="9119474"/>
+            <a:ext cx="3169920" cy="481726"/>
           </a:xfrm>
           <a:prstGeom prst="rect">
             <a:avLst/>
           </a:prstGeom>
         </p:spPr>
         <p:txBody>
-          <a:bodyPr vert="horz" lIns="91440" tIns="45720" rIns="91440" bIns="45720" rtlCol="0" anchor="b"/>
+          <a:bodyPr vert="horz" lIns="96661" tIns="48331" rIns="96661" bIns="48331" rtlCol="0" anchor="b"/>
           <a:lstStyle>
             <a:lvl1pPr algn="l">
-              <a:defRPr sz="1200"/>
+              <a:defRPr sz="1300"/>
             </a:lvl1pPr>
           </a:lstStyle>
           <a:p>
@@ -361,18 +361,18 @@
         </p:nvSpPr>
         <p:spPr>
           <a:xfrm>
-            <a:off x="3884613" y="8685213"/>
-            <a:ext cx="2971800" cy="458787"/>
+            <a:off x="4143587" y="9119474"/>
+            <a:ext cx="3169920" cy="481726"/>
           </a:xfrm>
           <a:prstGeom prst="rect">
             <a:avLst/>
           </a:prstGeom>
         </p:spPr>
         <p:txBody>
-          <a:bodyPr vert="horz" lIns="91440" tIns="45720" rIns="91440" bIns="45720" rtlCol="0" anchor="b"/>
+          <a:bodyPr vert="horz" lIns="96661" tIns="48331" rIns="96661" bIns="48331" rtlCol="0" anchor="b"/>
           <a:lstStyle>
             <a:lvl1pPr algn="r">
-              <a:defRPr sz="1200"/>
+              <a:defRPr sz="1300"/>
             </a:lvl1pPr>
           </a:lstStyle>
           <a:p>
@@ -487,12 +487,12 @@
   <p:extLst>
     <p:ext uri="{620B2872-D7B9-4A21-9093-7833F8D536E1}">
       <p15:sldGuideLst xmlns:p15="http://schemas.microsoft.com/office/powerpoint/2012/main">
-        <p15:guide id="1" orient="horz" pos="2880" userDrawn="1">
+        <p15:guide id="1" orient="horz" pos="3024" userDrawn="1">
           <p15:clr>
             <a:srgbClr val="F26B43"/>
           </p15:clr>
         </p15:guide>
-        <p15:guide id="2" pos="2160" userDrawn="1">
+        <p15:guide id="2" pos="2304" userDrawn="1">
           <p15:clr>
             <a:srgbClr val="F26B43"/>
           </p15:clr>
@@ -501,6 +501,90 @@
     </p:ext>
   </p:extLst>
 </p:notesMaster>
+</file>
+
+<file path=ppt/notesSlides/notesSlide1.xml><?xml version="1.0" encoding="utf-8"?>
+<p:notes xmlns:a="http://schemas.openxmlformats.org/drawingml/2006/main" xmlns:r="http://schemas.openxmlformats.org/officeDocument/2006/relationships" xmlns:p="http://schemas.openxmlformats.org/presentationml/2006/main">
+  <p:cSld>
+    <p:spTree>
+      <p:nvGrpSpPr>
+        <p:cNvPr id="1" name=""/>
+        <p:cNvGrpSpPr/>
+        <p:nvPr/>
+      </p:nvGrpSpPr>
+      <p:grpSpPr>
+        <a:xfrm>
+          <a:off x="0" y="0"/>
+          <a:ext cx="0" cy="0"/>
+          <a:chOff x="0" y="0"/>
+          <a:chExt cx="0" cy="0"/>
+        </a:xfrm>
+      </p:grpSpPr>
+      <p:sp>
+        <p:nvSpPr>
+          <p:cNvPr id="2" name="Espace réservé de l'image des diapositives 1"/>
+          <p:cNvSpPr>
+            <a:spLocks noGrp="1" noRot="1" noChangeAspect="1"/>
+          </p:cNvSpPr>
+          <p:nvPr>
+            <p:ph type="sldImg"/>
+          </p:nvPr>
+        </p:nvSpPr>
+        <p:spPr/>
+      </p:sp>
+      <p:sp>
+        <p:nvSpPr>
+          <p:cNvPr id="3" name="Espace réservé des notes 2"/>
+          <p:cNvSpPr>
+            <a:spLocks noGrp="1"/>
+          </p:cNvSpPr>
+          <p:nvPr>
+            <p:ph type="body" idx="1"/>
+          </p:nvPr>
+        </p:nvSpPr>
+        <p:spPr/>
+        <p:txBody>
+          <a:bodyPr/>
+          <a:lstStyle/>
+          <a:p>
+            <a:endParaRPr lang="fr-FR" dirty="0"/>
+          </a:p>
+        </p:txBody>
+      </p:sp>
+      <p:sp>
+        <p:nvSpPr>
+          <p:cNvPr id="4" name="Espace réservé du numéro de diapositive 3"/>
+          <p:cNvSpPr>
+            <a:spLocks noGrp="1"/>
+          </p:cNvSpPr>
+          <p:nvPr>
+            <p:ph type="sldNum" sz="quarter" idx="5"/>
+          </p:nvPr>
+        </p:nvSpPr>
+        <p:spPr/>
+        <p:txBody>
+          <a:bodyPr/>
+          <a:lstStyle/>
+          <a:p>
+            <a:fld id="{73DC410A-5569-41DF-9D2C-17B0B0BE16B2}" type="slidenum">
+              <a:rPr lang="fr-FR" smtClean="0"/>
+              <a:t>2</a:t>
+            </a:fld>
+            <a:endParaRPr lang="fr-FR"/>
+          </a:p>
+        </p:txBody>
+      </p:sp>
+    </p:spTree>
+    <p:extLst>
+      <p:ext uri="{BB962C8B-B14F-4D97-AF65-F5344CB8AC3E}">
+        <p14:creationId xmlns:p14="http://schemas.microsoft.com/office/powerpoint/2010/main" val="4197620346"/>
+      </p:ext>
+    </p:extLst>
+  </p:cSld>
+  <p:clrMapOvr>
+    <a:masterClrMapping/>
+  </p:clrMapOvr>
+</p:notes>
 </file>
 
 <file path=ppt/slideLayouts/slideLayout1.xml><?xml version="1.0" encoding="utf-8"?>
@@ -732,7 +816,7 @@
           <a:p>
             <a:fld id="{CCF538C2-C309-4752-87A7-D2071D6CAC7F}" type="datetime1">
               <a:rPr lang="fr-FR" smtClean="0"/>
-              <a:t>04/03/2024</a:t>
+              <a:t>03/06/2024</a:t>
             </a:fld>
             <a:endParaRPr lang="fr-FR"/>
           </a:p>
@@ -937,7 +1021,7 @@
           <a:p>
             <a:fld id="{F926C4FD-C1E6-452C-A858-BFBBC7496631}" type="datetime1">
               <a:rPr lang="fr-FR" smtClean="0"/>
-              <a:t>04/03/2024</a:t>
+              <a:t>03/06/2024</a:t>
             </a:fld>
             <a:endParaRPr lang="fr-FR"/>
           </a:p>
@@ -1193,7 +1277,7 @@
           <a:p>
             <a:fld id="{CEF75A8D-5F26-4754-844B-E2D9F6FC4950}" type="datetime1">
               <a:rPr lang="fr-FR" smtClean="0"/>
-              <a:t>04/03/2024</a:t>
+              <a:t>03/06/2024</a:t>
             </a:fld>
             <a:endParaRPr lang="fr-FR"/>
           </a:p>
@@ -1367,7 +1451,7 @@
           <a:p>
             <a:fld id="{FE352A31-E2A5-4F8A-BDFE-A9BA369B67E9}" type="datetime1">
               <a:rPr lang="fr-FR" smtClean="0"/>
-              <a:t>04/03/2024</a:t>
+              <a:t>03/06/2024</a:t>
             </a:fld>
             <a:endParaRPr lang="fr-FR"/>
           </a:p>
@@ -1729,7 +1813,7 @@
           <a:p>
             <a:fld id="{F1707E18-E4F4-4E6D-951C-B01FC69E66C0}" type="datetime1">
               <a:rPr lang="fr-FR" smtClean="0"/>
-              <a:t>04/03/2024</a:t>
+              <a:t>03/06/2024</a:t>
             </a:fld>
             <a:endParaRPr lang="fr-FR"/>
           </a:p>
@@ -2004,7 +2088,7 @@
           <a:p>
             <a:fld id="{93E4B9C8-F394-498B-8C66-049FACC1ED86}" type="datetime1">
               <a:rPr lang="fr-FR" smtClean="0"/>
-              <a:t>04/03/2024</a:t>
+              <a:t>03/06/2024</a:t>
             </a:fld>
             <a:endParaRPr lang="fr-FR"/>
           </a:p>
@@ -2383,7 +2467,7 @@
           <a:p>
             <a:fld id="{35950896-C41B-455D-9FAE-80943DD0CAEF}" type="datetime1">
               <a:rPr lang="fr-FR" smtClean="0"/>
-              <a:t>04/03/2024</a:t>
+              <a:t>03/06/2024</a:t>
             </a:fld>
             <a:endParaRPr lang="fr-FR"/>
           </a:p>
@@ -2501,7 +2585,7 @@
           <a:p>
             <a:fld id="{2BE2B735-22CE-433C-8BA6-DF0B28588E1F}" type="datetime1">
               <a:rPr lang="fr-FR" smtClean="0"/>
-              <a:t>04/03/2024</a:t>
+              <a:t>03/06/2024</a:t>
             </a:fld>
             <a:endParaRPr lang="fr-FR"/>
           </a:p>
@@ -2675,7 +2759,7 @@
           <a:p>
             <a:fld id="{5B475E59-9936-4413-84C5-14169665FDED}" type="datetime1">
               <a:rPr lang="fr-FR" smtClean="0"/>
-              <a:t>04/03/2024</a:t>
+              <a:t>03/06/2024</a:t>
             </a:fld>
             <a:endParaRPr lang="fr-FR"/>
           </a:p>
@@ -3032,7 +3116,7 @@
           <a:p>
             <a:fld id="{42662320-E9E6-45B0-8B93-5727AA5FFC46}" type="datetime1">
               <a:rPr lang="fr-FR" smtClean="0"/>
-              <a:t>04/03/2024</a:t>
+              <a:t>03/06/2024</a:t>
             </a:fld>
             <a:endParaRPr lang="fr-FR"/>
           </a:p>
@@ -3417,7 +3501,7 @@
           <a:p>
             <a:fld id="{9A545382-D50F-43E8-AFFD-788FD552C87C}" type="datetime1">
               <a:rPr lang="fr-FR" smtClean="0"/>
-              <a:t>04/03/2024</a:t>
+              <a:t>03/06/2024</a:t>
             </a:fld>
             <a:endParaRPr lang="fr-FR"/>
           </a:p>
@@ -3707,7 +3791,7 @@
           <a:p>
             <a:fld id="{4F030BD8-D1C7-406A-AB04-4944ABBF0A3E}" type="datetime1">
               <a:rPr lang="fr-FR" smtClean="0"/>
-              <a:t>04/03/2024</a:t>
+              <a:t>03/06/2024</a:t>
             </a:fld>
             <a:endParaRPr lang="fr-FR" dirty="0"/>
           </a:p>
@@ -5346,7 +5430,7 @@
           <a:p>
             <a:r>
               <a:rPr lang="fr-FR" dirty="0"/>
-              <a:t>Axe boule</a:t>
+              <a:t>BGR – 300 – Axe boule</a:t>
             </a:r>
           </a:p>
         </p:txBody>
@@ -5885,22 +5969,13 @@
           <a:p>
             <a:pPr algn="ctr"/>
             <a:r>
-              <a:rPr lang="fr-FR" sz="1200" dirty="0" smtClean="0">
-                <a:solidFill>
-                  <a:srgbClr val="FDAD57"/>
-                </a:solidFill>
-                <a:latin typeface="Arial Nova" panose="020B0504020202020204" pitchFamily="34" charset="0"/>
-              </a:rPr>
-              <a:t>Transformateur Alimentation 24 </a:t>
-            </a:r>
-            <a:r>
               <a:rPr lang="fr-FR" sz="1200" dirty="0">
                 <a:solidFill>
                   <a:srgbClr val="FDAD57"/>
                 </a:solidFill>
                 <a:latin typeface="Arial Nova" panose="020B0504020202020204" pitchFamily="34" charset="0"/>
               </a:rPr>
-              <a:t>V</a:t>
+              <a:t>Transformateur Alimentation 24 V</a:t>
             </a:r>
           </a:p>
         </p:txBody>
@@ -8553,8 +8628,8 @@
           </a:fontRef>
         </p:style>
       </p:cxnSp>
-      <mc:AlternateContent xmlns:mc="http://schemas.openxmlformats.org/markup-compatibility/2006">
-        <mc:Choice xmlns:a14="http://schemas.microsoft.com/office/drawing/2010/main" Requires="a14">
+      <mc:AlternateContent xmlns:mc="http://schemas.openxmlformats.org/markup-compatibility/2006" xmlns:a14="http://schemas.microsoft.com/office/drawing/2010/main">
+        <mc:Choice Requires="a14">
           <p:sp>
             <p:nvSpPr>
               <p:cNvPr id="105" name="ZoneTexte 104"/>
@@ -8577,6 +8652,7 @@
               </a:bodyPr>
               <a:lstStyle/>
               <a:p>
+                <a:pPr/>
                 <a14:m>
                   <m:oMathPara xmlns:m="http://schemas.openxmlformats.org/officeDocument/2006/math">
                     <m:oMathParaPr>
@@ -8633,7 +8709,7 @@
             </p:txBody>
           </p:sp>
         </mc:Choice>
-        <mc:Fallback>
+        <mc:Fallback xmlns="">
           <p:sp>
             <p:nvSpPr>
               <p:cNvPr id="105" name="ZoneTexte 104"/>
@@ -8672,8 +8748,8 @@
           </p:sp>
         </mc:Fallback>
       </mc:AlternateContent>
-      <mc:AlternateContent xmlns:mc="http://schemas.openxmlformats.org/markup-compatibility/2006">
-        <mc:Choice xmlns:a14="http://schemas.microsoft.com/office/drawing/2010/main" Requires="a14">
+      <mc:AlternateContent xmlns:mc="http://schemas.openxmlformats.org/markup-compatibility/2006" xmlns:a14="http://schemas.microsoft.com/office/drawing/2010/main">
+        <mc:Choice Requires="a14">
           <p:sp>
             <p:nvSpPr>
               <p:cNvPr id="106" name="ZoneTexte 105"/>
@@ -8696,6 +8772,7 @@
               </a:bodyPr>
               <a:lstStyle/>
               <a:p>
+                <a:pPr/>
                 <a14:m>
                   <m:oMathPara xmlns:m="http://schemas.openxmlformats.org/officeDocument/2006/math">
                     <m:oMathParaPr>
@@ -8752,7 +8829,7 @@
             </p:txBody>
           </p:sp>
         </mc:Choice>
-        <mc:Fallback>
+        <mc:Fallback xmlns="">
           <p:sp>
             <p:nvSpPr>
               <p:cNvPr id="106" name="ZoneTexte 105"/>
@@ -8791,8 +8868,8 @@
           </p:sp>
         </mc:Fallback>
       </mc:AlternateContent>
-      <mc:AlternateContent xmlns:mc="http://schemas.openxmlformats.org/markup-compatibility/2006">
-        <mc:Choice xmlns:a14="http://schemas.microsoft.com/office/drawing/2010/main" Requires="a14">
+      <mc:AlternateContent xmlns:mc="http://schemas.openxmlformats.org/markup-compatibility/2006" xmlns:a14="http://schemas.microsoft.com/office/drawing/2010/main">
+        <mc:Choice Requires="a14">
           <p:sp>
             <p:nvSpPr>
               <p:cNvPr id="107" name="ZoneTexte 106"/>
@@ -8815,6 +8892,7 @@
               </a:bodyPr>
               <a:lstStyle/>
               <a:p>
+                <a:pPr/>
                 <a14:m>
                   <m:oMathPara xmlns:m="http://schemas.openxmlformats.org/officeDocument/2006/math">
                     <m:oMathParaPr>
@@ -8918,14 +8996,14 @@
                     </m:oMath>
                   </m:oMathPara>
                 </a14:m>
-                <a:endParaRPr lang="fr-FR" sz="1050" b="0" dirty="0" smtClean="0">
+                <a:endParaRPr lang="fr-FR" sz="1050" b="0" dirty="0">
                   <a:ea typeface="Cambria Math" panose="02040503050406030204" pitchFamily="18" charset="0"/>
                 </a:endParaRPr>
               </a:p>
             </p:txBody>
           </p:sp>
         </mc:Choice>
-        <mc:Fallback>
+        <mc:Fallback xmlns="">
           <p:sp>
             <p:nvSpPr>
               <p:cNvPr id="107" name="ZoneTexte 106"/>
@@ -8964,8 +9042,8 @@
           </p:sp>
         </mc:Fallback>
       </mc:AlternateContent>
-      <mc:AlternateContent xmlns:mc="http://schemas.openxmlformats.org/markup-compatibility/2006">
-        <mc:Choice xmlns:a14="http://schemas.microsoft.com/office/drawing/2010/main" Requires="a14">
+      <mc:AlternateContent xmlns:mc="http://schemas.openxmlformats.org/markup-compatibility/2006" xmlns:a14="http://schemas.microsoft.com/office/drawing/2010/main">
+        <mc:Choice Requires="a14">
           <p:sp>
             <p:nvSpPr>
               <p:cNvPr id="108" name="ZoneTexte 107"/>
@@ -8988,6 +9066,7 @@
               </a:bodyPr>
               <a:lstStyle/>
               <a:p>
+                <a:pPr/>
                 <a14:m>
                   <m:oMathPara xmlns:m="http://schemas.openxmlformats.org/officeDocument/2006/math">
                     <m:oMathParaPr>
@@ -9091,14 +9170,14 @@
                     </m:oMath>
                   </m:oMathPara>
                 </a14:m>
-                <a:endParaRPr lang="fr-FR" sz="1050" b="0" dirty="0" smtClean="0">
+                <a:endParaRPr lang="fr-FR" sz="1050" b="0" dirty="0">
                   <a:ea typeface="Cambria Math" panose="02040503050406030204" pitchFamily="18" charset="0"/>
                 </a:endParaRPr>
               </a:p>
             </p:txBody>
           </p:sp>
         </mc:Choice>
-        <mc:Fallback>
+        <mc:Fallback xmlns="">
           <p:sp>
             <p:nvSpPr>
               <p:cNvPr id="108" name="ZoneTexte 107"/>
@@ -9204,13 +9283,42 @@
           <a:lstStyle/>
           <a:p>
             <a:r>
-              <a:rPr lang="fr-FR" sz="1050" dirty="0" smtClean="0"/>
+              <a:rPr lang="fr-FR" sz="1050" dirty="0"/>
               <a:t>Prise secteur</a:t>
             </a:r>
-            <a:endParaRPr lang="fr-FR" sz="1050" dirty="0"/>
           </a:p>
         </p:txBody>
       </p:sp>
+      <p:pic>
+        <p:nvPicPr>
+          <p:cNvPr id="27" name="Image 26">
+            <a:extLst>
+              <a:ext uri="{FF2B5EF4-FFF2-40B4-BE49-F238E27FC236}">
+                <a16:creationId xmlns:a16="http://schemas.microsoft.com/office/drawing/2014/main" id="{07C4720D-3909-D6AF-C44A-C76AEFD91773}"/>
+              </a:ext>
+            </a:extLst>
+          </p:cNvPr>
+          <p:cNvPicPr>
+            <a:picLocks noChangeAspect="1"/>
+          </p:cNvPicPr>
+          <p:nvPr/>
+        </p:nvPicPr>
+        <p:blipFill>
+          <a:blip r:embed="rId18"/>
+          <a:stretch>
+            <a:fillRect/>
+          </a:stretch>
+        </p:blipFill>
+        <p:spPr>
+          <a:xfrm>
+            <a:off x="10870771" y="40660"/>
+            <a:ext cx="1247403" cy="1507168"/>
+          </a:xfrm>
+          <a:prstGeom prst="rect">
+            <a:avLst/>
+          </a:prstGeom>
+        </p:spPr>
+      </p:pic>
     </p:spTree>
     <p:extLst>
       <p:ext uri="{BB962C8B-B14F-4D97-AF65-F5344CB8AC3E}">
@@ -9389,7 +9497,7 @@
           <a:p>
             <a:r>
               <a:rPr lang="fr-FR" dirty="0"/>
-              <a:t>Axe optique</a:t>
+              <a:t>BGR – 300 – Axe boule</a:t>
             </a:r>
           </a:p>
         </p:txBody>
@@ -9928,22 +10036,13 @@
           <a:p>
             <a:pPr algn="ctr"/>
             <a:r>
-              <a:rPr lang="fr-FR" sz="1200" dirty="0" smtClean="0">
-                <a:solidFill>
-                  <a:srgbClr val="FDAD57"/>
-                </a:solidFill>
-                <a:latin typeface="Arial Nova" panose="020B0504020202020204" pitchFamily="34" charset="0"/>
-              </a:rPr>
-              <a:t>Transformateur Alimentation </a:t>
-            </a:r>
-            <a:r>
               <a:rPr lang="fr-FR" sz="1200" dirty="0">
                 <a:solidFill>
                   <a:srgbClr val="FDAD57"/>
                 </a:solidFill>
                 <a:latin typeface="Arial Nova" panose="020B0504020202020204" pitchFamily="34" charset="0"/>
               </a:rPr>
-              <a:t>24 V</a:t>
+              <a:t>Transformateur Alimentation 24 V</a:t>
             </a:r>
           </a:p>
         </p:txBody>
@@ -12670,8 +12769,8 @@
           </a:prstGeom>
         </p:spPr>
       </p:pic>
-      <mc:AlternateContent xmlns:mc="http://schemas.openxmlformats.org/markup-compatibility/2006">
-        <mc:Choice xmlns:a14="http://schemas.microsoft.com/office/drawing/2010/main" Requires="a14">
+      <mc:AlternateContent xmlns:mc="http://schemas.openxmlformats.org/markup-compatibility/2006" xmlns:a14="http://schemas.microsoft.com/office/drawing/2010/main">
+        <mc:Choice Requires="a14">
           <p:sp>
             <p:nvSpPr>
               <p:cNvPr id="91" name="ZoneTexte 90"/>
@@ -12694,6 +12793,7 @@
               </a:bodyPr>
               <a:lstStyle/>
               <a:p>
+                <a:pPr/>
                 <a14:m>
                   <m:oMathPara xmlns:m="http://schemas.openxmlformats.org/officeDocument/2006/math">
                     <m:oMathParaPr>
@@ -12750,7 +12850,7 @@
             </p:txBody>
           </p:sp>
         </mc:Choice>
-        <mc:Fallback>
+        <mc:Fallback xmlns="">
           <p:sp>
             <p:nvSpPr>
               <p:cNvPr id="91" name="ZoneTexte 90"/>
@@ -12789,8 +12889,8 @@
           </p:sp>
         </mc:Fallback>
       </mc:AlternateContent>
-      <mc:AlternateContent xmlns:mc="http://schemas.openxmlformats.org/markup-compatibility/2006">
-        <mc:Choice xmlns:a14="http://schemas.microsoft.com/office/drawing/2010/main" Requires="a14">
+      <mc:AlternateContent xmlns:mc="http://schemas.openxmlformats.org/markup-compatibility/2006" xmlns:a14="http://schemas.microsoft.com/office/drawing/2010/main">
+        <mc:Choice Requires="a14">
           <p:sp>
             <p:nvSpPr>
               <p:cNvPr id="92" name="ZoneTexte 91"/>
@@ -12813,6 +12913,7 @@
               </a:bodyPr>
               <a:lstStyle/>
               <a:p>
+                <a:pPr/>
                 <a14:m>
                   <m:oMathPara xmlns:m="http://schemas.openxmlformats.org/officeDocument/2006/math">
                     <m:oMathParaPr>
@@ -12869,7 +12970,7 @@
             </p:txBody>
           </p:sp>
         </mc:Choice>
-        <mc:Fallback>
+        <mc:Fallback xmlns="">
           <p:sp>
             <p:nvSpPr>
               <p:cNvPr id="92" name="ZoneTexte 91"/>
@@ -12908,8 +13009,8 @@
           </p:sp>
         </mc:Fallback>
       </mc:AlternateContent>
-      <mc:AlternateContent xmlns:mc="http://schemas.openxmlformats.org/markup-compatibility/2006">
-        <mc:Choice xmlns:a14="http://schemas.microsoft.com/office/drawing/2010/main" Requires="a14">
+      <mc:AlternateContent xmlns:mc="http://schemas.openxmlformats.org/markup-compatibility/2006" xmlns:a14="http://schemas.microsoft.com/office/drawing/2010/main">
+        <mc:Choice Requires="a14">
           <p:sp>
             <p:nvSpPr>
               <p:cNvPr id="93" name="ZoneTexte 92"/>
@@ -12932,6 +13033,7 @@
               </a:bodyPr>
               <a:lstStyle/>
               <a:p>
+                <a:pPr/>
                 <a14:m>
                   <m:oMathPara xmlns:m="http://schemas.openxmlformats.org/officeDocument/2006/math">
                     <m:oMathParaPr>
@@ -13035,14 +13137,14 @@
                     </m:oMath>
                   </m:oMathPara>
                 </a14:m>
-                <a:endParaRPr lang="fr-FR" sz="1050" b="0" dirty="0" smtClean="0">
+                <a:endParaRPr lang="fr-FR" sz="1050" b="0" dirty="0">
                   <a:ea typeface="Cambria Math" panose="02040503050406030204" pitchFamily="18" charset="0"/>
                 </a:endParaRPr>
               </a:p>
             </p:txBody>
           </p:sp>
         </mc:Choice>
-        <mc:Fallback>
+        <mc:Fallback xmlns="">
           <p:sp>
             <p:nvSpPr>
               <p:cNvPr id="93" name="ZoneTexte 92"/>
@@ -13081,8 +13183,8 @@
           </p:sp>
         </mc:Fallback>
       </mc:AlternateContent>
-      <mc:AlternateContent xmlns:mc="http://schemas.openxmlformats.org/markup-compatibility/2006">
-        <mc:Choice xmlns:a14="http://schemas.microsoft.com/office/drawing/2010/main" Requires="a14">
+      <mc:AlternateContent xmlns:mc="http://schemas.openxmlformats.org/markup-compatibility/2006" xmlns:a14="http://schemas.microsoft.com/office/drawing/2010/main">
+        <mc:Choice Requires="a14">
           <p:sp>
             <p:nvSpPr>
               <p:cNvPr id="94" name="ZoneTexte 93"/>
@@ -13105,6 +13207,7 @@
               </a:bodyPr>
               <a:lstStyle/>
               <a:p>
+                <a:pPr/>
                 <a14:m>
                   <m:oMathPara xmlns:m="http://schemas.openxmlformats.org/officeDocument/2006/math">
                     <m:oMathParaPr>
@@ -13208,14 +13311,14 @@
                     </m:oMath>
                   </m:oMathPara>
                 </a14:m>
-                <a:endParaRPr lang="fr-FR" sz="1050" b="0" dirty="0" smtClean="0">
+                <a:endParaRPr lang="fr-FR" sz="1050" b="0" dirty="0">
                   <a:ea typeface="Cambria Math" panose="02040503050406030204" pitchFamily="18" charset="0"/>
                 </a:endParaRPr>
               </a:p>
             </p:txBody>
           </p:sp>
         </mc:Choice>
-        <mc:Fallback>
+        <mc:Fallback xmlns="">
           <p:sp>
             <p:nvSpPr>
               <p:cNvPr id="94" name="ZoneTexte 93"/>
@@ -13351,10 +13454,9 @@
           <a:lstStyle/>
           <a:p>
             <a:r>
-              <a:rPr lang="fr-FR" sz="1050" dirty="0" smtClean="0"/>
+              <a:rPr lang="fr-FR" sz="1050" dirty="0"/>
               <a:t>Prise secteur</a:t>
             </a:r>
-            <a:endParaRPr lang="fr-FR" sz="1050" dirty="0"/>
           </a:p>
         </p:txBody>
       </p:sp>

--- a/01_BGR_300/01_BGR_300.pptx
+++ b/01_BGR_300/01_BGR_300.pptx
@@ -220,7 +220,7 @@
           <a:p>
             <a:fld id="{D157349C-AD05-44FA-B790-D9BBD62C4832}" type="datetimeFigureOut">
               <a:rPr lang="fr-FR" smtClean="0"/>
-              <a:t>03/06/2024</a:t>
+              <a:t>28/09/2025</a:t>
             </a:fld>
             <a:endParaRPr lang="fr-FR"/>
           </a:p>
@@ -816,7 +816,7 @@
           <a:p>
             <a:fld id="{CCF538C2-C309-4752-87A7-D2071D6CAC7F}" type="datetime1">
               <a:rPr lang="fr-FR" smtClean="0"/>
-              <a:t>03/06/2024</a:t>
+              <a:t>28/09/2025</a:t>
             </a:fld>
             <a:endParaRPr lang="fr-FR"/>
           </a:p>
@@ -1021,7 +1021,7 @@
           <a:p>
             <a:fld id="{F926C4FD-C1E6-452C-A858-BFBBC7496631}" type="datetime1">
               <a:rPr lang="fr-FR" smtClean="0"/>
-              <a:t>03/06/2024</a:t>
+              <a:t>28/09/2025</a:t>
             </a:fld>
             <a:endParaRPr lang="fr-FR"/>
           </a:p>
@@ -1277,7 +1277,7 @@
           <a:p>
             <a:fld id="{CEF75A8D-5F26-4754-844B-E2D9F6FC4950}" type="datetime1">
               <a:rPr lang="fr-FR" smtClean="0"/>
-              <a:t>03/06/2024</a:t>
+              <a:t>28/09/2025</a:t>
             </a:fld>
             <a:endParaRPr lang="fr-FR"/>
           </a:p>
@@ -1451,7 +1451,7 @@
           <a:p>
             <a:fld id="{FE352A31-E2A5-4F8A-BDFE-A9BA369B67E9}" type="datetime1">
               <a:rPr lang="fr-FR" smtClean="0"/>
-              <a:t>03/06/2024</a:t>
+              <a:t>28/09/2025</a:t>
             </a:fld>
             <a:endParaRPr lang="fr-FR"/>
           </a:p>
@@ -1813,7 +1813,7 @@
           <a:p>
             <a:fld id="{F1707E18-E4F4-4E6D-951C-B01FC69E66C0}" type="datetime1">
               <a:rPr lang="fr-FR" smtClean="0"/>
-              <a:t>03/06/2024</a:t>
+              <a:t>28/09/2025</a:t>
             </a:fld>
             <a:endParaRPr lang="fr-FR"/>
           </a:p>
@@ -2088,7 +2088,7 @@
           <a:p>
             <a:fld id="{93E4B9C8-F394-498B-8C66-049FACC1ED86}" type="datetime1">
               <a:rPr lang="fr-FR" smtClean="0"/>
-              <a:t>03/06/2024</a:t>
+              <a:t>28/09/2025</a:t>
             </a:fld>
             <a:endParaRPr lang="fr-FR"/>
           </a:p>
@@ -2467,7 +2467,7 @@
           <a:p>
             <a:fld id="{35950896-C41B-455D-9FAE-80943DD0CAEF}" type="datetime1">
               <a:rPr lang="fr-FR" smtClean="0"/>
-              <a:t>03/06/2024</a:t>
+              <a:t>28/09/2025</a:t>
             </a:fld>
             <a:endParaRPr lang="fr-FR"/>
           </a:p>
@@ -2585,7 +2585,7 @@
           <a:p>
             <a:fld id="{2BE2B735-22CE-433C-8BA6-DF0B28588E1F}" type="datetime1">
               <a:rPr lang="fr-FR" smtClean="0"/>
-              <a:t>03/06/2024</a:t>
+              <a:t>28/09/2025</a:t>
             </a:fld>
             <a:endParaRPr lang="fr-FR"/>
           </a:p>
@@ -2759,7 +2759,7 @@
           <a:p>
             <a:fld id="{5B475E59-9936-4413-84C5-14169665FDED}" type="datetime1">
               <a:rPr lang="fr-FR" smtClean="0"/>
-              <a:t>03/06/2024</a:t>
+              <a:t>28/09/2025</a:t>
             </a:fld>
             <a:endParaRPr lang="fr-FR"/>
           </a:p>
@@ -3116,7 +3116,7 @@
           <a:p>
             <a:fld id="{42662320-E9E6-45B0-8B93-5727AA5FFC46}" type="datetime1">
               <a:rPr lang="fr-FR" smtClean="0"/>
-              <a:t>03/06/2024</a:t>
+              <a:t>28/09/2025</a:t>
             </a:fld>
             <a:endParaRPr lang="fr-FR"/>
           </a:p>
@@ -3501,7 +3501,7 @@
           <a:p>
             <a:fld id="{9A545382-D50F-43E8-AFFD-788FD552C87C}" type="datetime1">
               <a:rPr lang="fr-FR" smtClean="0"/>
-              <a:t>03/06/2024</a:t>
+              <a:t>28/09/2025</a:t>
             </a:fld>
             <a:endParaRPr lang="fr-FR"/>
           </a:p>
@@ -3791,7 +3791,7 @@
           <a:p>
             <a:fld id="{4F030BD8-D1C7-406A-AB04-4944ABBF0A3E}" type="datetime1">
               <a:rPr lang="fr-FR" smtClean="0"/>
-              <a:t>03/06/2024</a:t>
+              <a:t>28/09/2025</a:t>
             </a:fld>
             <a:endParaRPr lang="fr-FR" dirty="0"/>
           </a:p>
@@ -13733,8 +13733,8 @@
           </a:p>
         </p:txBody>
       </p:sp>
-      <mc:AlternateContent xmlns:mc="http://schemas.openxmlformats.org/markup-compatibility/2006" xmlns:a14="http://schemas.microsoft.com/office/drawing/2010/main">
-        <mc:Choice Requires="a14">
+      <mc:AlternateContent xmlns:mc="http://schemas.openxmlformats.org/markup-compatibility/2006">
+        <mc:Choice xmlns:a14="http://schemas.microsoft.com/office/drawing/2010/main" Requires="a14">
           <p:sp>
             <p:nvSpPr>
               <p:cNvPr id="63" name="Espace réservé du contenu 11">
@@ -14414,6 +14414,7 @@
                   <a:rPr lang="fr-FR" sz="1400" b="1" dirty="0"/>
                   <a:t> entre  les liaisons pivot pour garantir l’assemblage et le fonctionnement du système. </a:t>
                 </a:r>
+                <a:endParaRPr lang="fr-FR" sz="1200" b="1" dirty="0"/>
               </a:p>
               <a:p>
                 <a:pPr marL="0" indent="0">
@@ -14433,7 +14434,7 @@
             </p:txBody>
           </p:sp>
         </mc:Choice>
-        <mc:Fallback xmlns="">
+        <mc:Fallback>
           <p:sp>
             <p:nvSpPr>
               <p:cNvPr id="63" name="Espace réservé du contenu 11">
